--- a/Защита/Презентация.pptx
+++ b/Защита/Презентация.pptx
@@ -5,7 +5,7 @@
     <p:sldMasterId id="2147483669" r:id="rId1"/>
   </p:sldMasterIdLst>
   <p:notesMasterIdLst>
-    <p:notesMasterId r:id="rId16"/>
+    <p:notesMasterId r:id="rId17"/>
   </p:notesMasterIdLst>
   <p:sldIdLst>
     <p:sldId id="256" r:id="rId2"/>
@@ -15,51 +15,52 @@
     <p:sldId id="280" r:id="rId6"/>
     <p:sldId id="289" r:id="rId7"/>
     <p:sldId id="290" r:id="rId8"/>
-    <p:sldId id="281" r:id="rId9"/>
-    <p:sldId id="282" r:id="rId10"/>
-    <p:sldId id="283" r:id="rId11"/>
-    <p:sldId id="284" r:id="rId12"/>
-    <p:sldId id="285" r:id="rId13"/>
-    <p:sldId id="286" r:id="rId14"/>
-    <p:sldId id="287" r:id="rId15"/>
+    <p:sldId id="293" r:id="rId9"/>
+    <p:sldId id="291" r:id="rId10"/>
+    <p:sldId id="292" r:id="rId11"/>
+    <p:sldId id="294" r:id="rId12"/>
+    <p:sldId id="295" r:id="rId13"/>
+    <p:sldId id="297" r:id="rId14"/>
+    <p:sldId id="296" r:id="rId15"/>
+    <p:sldId id="287" r:id="rId16"/>
   </p:sldIdLst>
   <p:sldSz cx="12192000" cy="6858000"/>
   <p:notesSz cx="6858000" cy="9144000"/>
   <p:embeddedFontLst>
     <p:embeddedFont>
-      <p:font typeface="Abril Fatface" panose="020B0604020202020204" charset="0"/>
-      <p:regular r:id="rId17"/>
-    </p:embeddedFont>
-    <p:embeddedFont>
-      <p:font typeface="Barlow Condensed" panose="00000506000000000000" pitchFamily="2" charset="0"/>
+      <p:font typeface="Lexend Deca" panose="020B0604020202020204" charset="0"/>
       <p:regular r:id="rId18"/>
       <p:bold r:id="rId19"/>
-      <p:italic r:id="rId20"/>
-      <p:boldItalic r:id="rId21"/>
     </p:embeddedFont>
     <p:embeddedFont>
       <p:font typeface="Calibri" panose="020F0502020204030204" pitchFamily="34" charset="0"/>
-      <p:regular r:id="rId22"/>
-      <p:bold r:id="rId23"/>
-      <p:italic r:id="rId24"/>
-      <p:boldItalic r:id="rId25"/>
+      <p:regular r:id="rId20"/>
+      <p:bold r:id="rId21"/>
+      <p:italic r:id="rId22"/>
+      <p:boldItalic r:id="rId23"/>
+    </p:embeddedFont>
+    <p:embeddedFont>
+      <p:font typeface="Barlow Condensed" panose="020B0604020202020204" charset="0"/>
+      <p:regular r:id="rId24"/>
+      <p:bold r:id="rId25"/>
+      <p:italic r:id="rId26"/>
+      <p:boldItalic r:id="rId27"/>
+    </p:embeddedFont>
+    <p:embeddedFont>
+      <p:font typeface="Lexend Deca SemiBold" panose="020B0604020202020204" charset="0"/>
+      <p:regular r:id="rId28"/>
+      <p:bold r:id="rId29"/>
+    </p:embeddedFont>
+    <p:embeddedFont>
+      <p:font typeface="Abril Fatface" panose="020B0604020202020204" charset="0"/>
+      <p:regular r:id="rId30"/>
     </p:embeddedFont>
     <p:embeddedFont>
       <p:font typeface="DM Sans" panose="020B0604020202020204" charset="0"/>
-      <p:regular r:id="rId26"/>
-      <p:bold r:id="rId27"/>
-      <p:italic r:id="rId28"/>
-      <p:boldItalic r:id="rId29"/>
-    </p:embeddedFont>
-    <p:embeddedFont>
-      <p:font typeface="Lexend Deca" panose="020B0604020202020204" charset="0"/>
-      <p:regular r:id="rId30"/>
-      <p:bold r:id="rId31"/>
-    </p:embeddedFont>
-    <p:embeddedFont>
-      <p:font typeface="Lexend Deca SemiBold" panose="020B0604020202020204" charset="0"/>
-      <p:regular r:id="rId32"/>
-      <p:bold r:id="rId33"/>
+      <p:regular r:id="rId31"/>
+      <p:bold r:id="rId32"/>
+      <p:italic r:id="rId33"/>
+      <p:boldItalic r:id="rId34"/>
     </p:embeddedFont>
   </p:embeddedFontLst>
   <p:defaultTextStyle>
@@ -865,6 +866,138 @@
 </p:notes>
 </file>
 
+<file path=ppt/notesSlides/notesSlide10.xml><?xml version="1.0" encoding="utf-8"?>
+<p:notes xmlns:a="http://schemas.openxmlformats.org/drawingml/2006/main" xmlns:r="http://schemas.openxmlformats.org/officeDocument/2006/relationships" xmlns:p="http://schemas.openxmlformats.org/presentationml/2006/main">
+  <p:cSld>
+    <p:spTree>
+      <p:nvGrpSpPr>
+        <p:cNvPr id="1" name=""/>
+        <p:cNvGrpSpPr/>
+        <p:nvPr/>
+      </p:nvGrpSpPr>
+      <p:grpSpPr>
+        <a:xfrm>
+          <a:off x="0" y="0"/>
+          <a:ext cx="0" cy="0"/>
+          <a:chOff x="0" y="0"/>
+          <a:chExt cx="0" cy="0"/>
+        </a:xfrm>
+      </p:grpSpPr>
+      <p:sp>
+        <p:nvSpPr>
+          <p:cNvPr id="2" name="Образ слайда 1"/>
+          <p:cNvSpPr>
+            <a:spLocks noGrp="1" noRot="1" noChangeAspect="1"/>
+          </p:cNvSpPr>
+          <p:nvPr>
+            <p:ph type="sldImg"/>
+          </p:nvPr>
+        </p:nvSpPr>
+        <p:spPr>
+          <a:xfrm>
+            <a:off x="381000" y="685800"/>
+            <a:ext cx="6096000" cy="3429000"/>
+          </a:xfrm>
+        </p:spPr>
+      </p:sp>
+      <p:sp>
+        <p:nvSpPr>
+          <p:cNvPr id="3" name="Заметки 2"/>
+          <p:cNvSpPr>
+            <a:spLocks noGrp="1"/>
+          </p:cNvSpPr>
+          <p:nvPr>
+            <p:ph type="body" idx="1"/>
+          </p:nvPr>
+        </p:nvSpPr>
+        <p:spPr/>
+        <p:txBody>
+          <a:bodyPr/>
+          <a:lstStyle/>
+          <a:p>
+            <a:endParaRPr lang="ru-RU"/>
+          </a:p>
+        </p:txBody>
+      </p:sp>
+    </p:spTree>
+    <p:extLst>
+      <p:ext uri="{BB962C8B-B14F-4D97-AF65-F5344CB8AC3E}">
+        <p14:creationId xmlns:p14="http://schemas.microsoft.com/office/powerpoint/2010/main" val="309380989"/>
+      </p:ext>
+    </p:extLst>
+  </p:cSld>
+  <p:clrMapOvr>
+    <a:masterClrMapping/>
+  </p:clrMapOvr>
+</p:notes>
+</file>
+
+<file path=ppt/notesSlides/notesSlide11.xml><?xml version="1.0" encoding="utf-8"?>
+<p:notes xmlns:a="http://schemas.openxmlformats.org/drawingml/2006/main" xmlns:r="http://schemas.openxmlformats.org/officeDocument/2006/relationships" xmlns:p="http://schemas.openxmlformats.org/presentationml/2006/main">
+  <p:cSld>
+    <p:spTree>
+      <p:nvGrpSpPr>
+        <p:cNvPr id="1" name=""/>
+        <p:cNvGrpSpPr/>
+        <p:nvPr/>
+      </p:nvGrpSpPr>
+      <p:grpSpPr>
+        <a:xfrm>
+          <a:off x="0" y="0"/>
+          <a:ext cx="0" cy="0"/>
+          <a:chOff x="0" y="0"/>
+          <a:chExt cx="0" cy="0"/>
+        </a:xfrm>
+      </p:grpSpPr>
+      <p:sp>
+        <p:nvSpPr>
+          <p:cNvPr id="2" name="Образ слайда 1"/>
+          <p:cNvSpPr>
+            <a:spLocks noGrp="1" noRot="1" noChangeAspect="1"/>
+          </p:cNvSpPr>
+          <p:nvPr>
+            <p:ph type="sldImg"/>
+          </p:nvPr>
+        </p:nvSpPr>
+        <p:spPr>
+          <a:xfrm>
+            <a:off x="381000" y="685800"/>
+            <a:ext cx="6096000" cy="3429000"/>
+          </a:xfrm>
+        </p:spPr>
+      </p:sp>
+      <p:sp>
+        <p:nvSpPr>
+          <p:cNvPr id="3" name="Заметки 2"/>
+          <p:cNvSpPr>
+            <a:spLocks noGrp="1"/>
+          </p:cNvSpPr>
+          <p:nvPr>
+            <p:ph type="body" idx="1"/>
+          </p:nvPr>
+        </p:nvSpPr>
+        <p:spPr/>
+        <p:txBody>
+          <a:bodyPr/>
+          <a:lstStyle/>
+          <a:p>
+            <a:endParaRPr lang="ru-RU"/>
+          </a:p>
+        </p:txBody>
+      </p:sp>
+    </p:spTree>
+    <p:extLst>
+      <p:ext uri="{BB962C8B-B14F-4D97-AF65-F5344CB8AC3E}">
+        <p14:creationId xmlns:p14="http://schemas.microsoft.com/office/powerpoint/2010/main" val="1185271939"/>
+      </p:ext>
+    </p:extLst>
+  </p:cSld>
+  <p:clrMapOvr>
+    <a:masterClrMapping/>
+  </p:clrMapOvr>
+</p:notes>
+</file>
+
 <file path=ppt/notesSlides/notesSlide2.xml><?xml version="1.0" encoding="utf-8"?>
 <p:notes xmlns:a="http://schemas.openxmlformats.org/drawingml/2006/main" xmlns:r="http://schemas.openxmlformats.org/officeDocument/2006/relationships" xmlns:p="http://schemas.openxmlformats.org/presentationml/2006/main" showMasterSp="0" showMasterPhAnim="0">
   <p:cSld>
@@ -1172,6 +1305,270 @@
 </p:notes>
 </file>
 
+<file path=ppt/notesSlides/notesSlide6.xml><?xml version="1.0" encoding="utf-8"?>
+<p:notes xmlns:a="http://schemas.openxmlformats.org/drawingml/2006/main" xmlns:r="http://schemas.openxmlformats.org/officeDocument/2006/relationships" xmlns:p="http://schemas.openxmlformats.org/presentationml/2006/main">
+  <p:cSld>
+    <p:spTree>
+      <p:nvGrpSpPr>
+        <p:cNvPr id="1" name=""/>
+        <p:cNvGrpSpPr/>
+        <p:nvPr/>
+      </p:nvGrpSpPr>
+      <p:grpSpPr>
+        <a:xfrm>
+          <a:off x="0" y="0"/>
+          <a:ext cx="0" cy="0"/>
+          <a:chOff x="0" y="0"/>
+          <a:chExt cx="0" cy="0"/>
+        </a:xfrm>
+      </p:grpSpPr>
+      <p:sp>
+        <p:nvSpPr>
+          <p:cNvPr id="2" name="Образ слайда 1"/>
+          <p:cNvSpPr>
+            <a:spLocks noGrp="1" noRot="1" noChangeAspect="1"/>
+          </p:cNvSpPr>
+          <p:nvPr>
+            <p:ph type="sldImg"/>
+          </p:nvPr>
+        </p:nvSpPr>
+        <p:spPr>
+          <a:xfrm>
+            <a:off x="381000" y="685800"/>
+            <a:ext cx="6096000" cy="3429000"/>
+          </a:xfrm>
+        </p:spPr>
+      </p:sp>
+      <p:sp>
+        <p:nvSpPr>
+          <p:cNvPr id="3" name="Заметки 2"/>
+          <p:cNvSpPr>
+            <a:spLocks noGrp="1"/>
+          </p:cNvSpPr>
+          <p:nvPr>
+            <p:ph type="body" idx="1"/>
+          </p:nvPr>
+        </p:nvSpPr>
+        <p:spPr/>
+        <p:txBody>
+          <a:bodyPr/>
+          <a:lstStyle/>
+          <a:p>
+            <a:endParaRPr lang="ru-RU"/>
+          </a:p>
+        </p:txBody>
+      </p:sp>
+    </p:spTree>
+    <p:extLst>
+      <p:ext uri="{BB962C8B-B14F-4D97-AF65-F5344CB8AC3E}">
+        <p14:creationId xmlns:p14="http://schemas.microsoft.com/office/powerpoint/2010/main" val="849303461"/>
+      </p:ext>
+    </p:extLst>
+  </p:cSld>
+  <p:clrMapOvr>
+    <a:masterClrMapping/>
+  </p:clrMapOvr>
+</p:notes>
+</file>
+
+<file path=ppt/notesSlides/notesSlide7.xml><?xml version="1.0" encoding="utf-8"?>
+<p:notes xmlns:a="http://schemas.openxmlformats.org/drawingml/2006/main" xmlns:r="http://schemas.openxmlformats.org/officeDocument/2006/relationships" xmlns:p="http://schemas.openxmlformats.org/presentationml/2006/main">
+  <p:cSld>
+    <p:spTree>
+      <p:nvGrpSpPr>
+        <p:cNvPr id="1" name=""/>
+        <p:cNvGrpSpPr/>
+        <p:nvPr/>
+      </p:nvGrpSpPr>
+      <p:grpSpPr>
+        <a:xfrm>
+          <a:off x="0" y="0"/>
+          <a:ext cx="0" cy="0"/>
+          <a:chOff x="0" y="0"/>
+          <a:chExt cx="0" cy="0"/>
+        </a:xfrm>
+      </p:grpSpPr>
+      <p:sp>
+        <p:nvSpPr>
+          <p:cNvPr id="2" name="Образ слайда 1"/>
+          <p:cNvSpPr>
+            <a:spLocks noGrp="1" noRot="1" noChangeAspect="1"/>
+          </p:cNvSpPr>
+          <p:nvPr>
+            <p:ph type="sldImg"/>
+          </p:nvPr>
+        </p:nvSpPr>
+        <p:spPr>
+          <a:xfrm>
+            <a:off x="381000" y="685800"/>
+            <a:ext cx="6096000" cy="3429000"/>
+          </a:xfrm>
+        </p:spPr>
+      </p:sp>
+      <p:sp>
+        <p:nvSpPr>
+          <p:cNvPr id="3" name="Заметки 2"/>
+          <p:cNvSpPr>
+            <a:spLocks noGrp="1"/>
+          </p:cNvSpPr>
+          <p:nvPr>
+            <p:ph type="body" idx="1"/>
+          </p:nvPr>
+        </p:nvSpPr>
+        <p:spPr/>
+        <p:txBody>
+          <a:bodyPr/>
+          <a:lstStyle/>
+          <a:p>
+            <a:endParaRPr lang="ru-RU"/>
+          </a:p>
+        </p:txBody>
+      </p:sp>
+    </p:spTree>
+    <p:extLst>
+      <p:ext uri="{BB962C8B-B14F-4D97-AF65-F5344CB8AC3E}">
+        <p14:creationId xmlns:p14="http://schemas.microsoft.com/office/powerpoint/2010/main" val="952069859"/>
+      </p:ext>
+    </p:extLst>
+  </p:cSld>
+  <p:clrMapOvr>
+    <a:masterClrMapping/>
+  </p:clrMapOvr>
+</p:notes>
+</file>
+
+<file path=ppt/notesSlides/notesSlide8.xml><?xml version="1.0" encoding="utf-8"?>
+<p:notes xmlns:a="http://schemas.openxmlformats.org/drawingml/2006/main" xmlns:r="http://schemas.openxmlformats.org/officeDocument/2006/relationships" xmlns:p="http://schemas.openxmlformats.org/presentationml/2006/main">
+  <p:cSld>
+    <p:spTree>
+      <p:nvGrpSpPr>
+        <p:cNvPr id="1" name=""/>
+        <p:cNvGrpSpPr/>
+        <p:nvPr/>
+      </p:nvGrpSpPr>
+      <p:grpSpPr>
+        <a:xfrm>
+          <a:off x="0" y="0"/>
+          <a:ext cx="0" cy="0"/>
+          <a:chOff x="0" y="0"/>
+          <a:chExt cx="0" cy="0"/>
+        </a:xfrm>
+      </p:grpSpPr>
+      <p:sp>
+        <p:nvSpPr>
+          <p:cNvPr id="2" name="Образ слайда 1"/>
+          <p:cNvSpPr>
+            <a:spLocks noGrp="1" noRot="1" noChangeAspect="1"/>
+          </p:cNvSpPr>
+          <p:nvPr>
+            <p:ph type="sldImg"/>
+          </p:nvPr>
+        </p:nvSpPr>
+        <p:spPr>
+          <a:xfrm>
+            <a:off x="381000" y="685800"/>
+            <a:ext cx="6096000" cy="3429000"/>
+          </a:xfrm>
+        </p:spPr>
+      </p:sp>
+      <p:sp>
+        <p:nvSpPr>
+          <p:cNvPr id="3" name="Заметки 2"/>
+          <p:cNvSpPr>
+            <a:spLocks noGrp="1"/>
+          </p:cNvSpPr>
+          <p:nvPr>
+            <p:ph type="body" idx="1"/>
+          </p:nvPr>
+        </p:nvSpPr>
+        <p:spPr/>
+        <p:txBody>
+          <a:bodyPr/>
+          <a:lstStyle/>
+          <a:p>
+            <a:endParaRPr lang="ru-RU"/>
+          </a:p>
+        </p:txBody>
+      </p:sp>
+    </p:spTree>
+    <p:extLst>
+      <p:ext uri="{BB962C8B-B14F-4D97-AF65-F5344CB8AC3E}">
+        <p14:creationId xmlns:p14="http://schemas.microsoft.com/office/powerpoint/2010/main" val="3665707525"/>
+      </p:ext>
+    </p:extLst>
+  </p:cSld>
+  <p:clrMapOvr>
+    <a:masterClrMapping/>
+  </p:clrMapOvr>
+</p:notes>
+</file>
+
+<file path=ppt/notesSlides/notesSlide9.xml><?xml version="1.0" encoding="utf-8"?>
+<p:notes xmlns:a="http://schemas.openxmlformats.org/drawingml/2006/main" xmlns:r="http://schemas.openxmlformats.org/officeDocument/2006/relationships" xmlns:p="http://schemas.openxmlformats.org/presentationml/2006/main">
+  <p:cSld>
+    <p:spTree>
+      <p:nvGrpSpPr>
+        <p:cNvPr id="1" name=""/>
+        <p:cNvGrpSpPr/>
+        <p:nvPr/>
+      </p:nvGrpSpPr>
+      <p:grpSpPr>
+        <a:xfrm>
+          <a:off x="0" y="0"/>
+          <a:ext cx="0" cy="0"/>
+          <a:chOff x="0" y="0"/>
+          <a:chExt cx="0" cy="0"/>
+        </a:xfrm>
+      </p:grpSpPr>
+      <p:sp>
+        <p:nvSpPr>
+          <p:cNvPr id="2" name="Образ слайда 1"/>
+          <p:cNvSpPr>
+            <a:spLocks noGrp="1" noRot="1" noChangeAspect="1"/>
+          </p:cNvSpPr>
+          <p:nvPr>
+            <p:ph type="sldImg"/>
+          </p:nvPr>
+        </p:nvSpPr>
+        <p:spPr>
+          <a:xfrm>
+            <a:off x="381000" y="685800"/>
+            <a:ext cx="6096000" cy="3429000"/>
+          </a:xfrm>
+        </p:spPr>
+      </p:sp>
+      <p:sp>
+        <p:nvSpPr>
+          <p:cNvPr id="3" name="Заметки 2"/>
+          <p:cNvSpPr>
+            <a:spLocks noGrp="1"/>
+          </p:cNvSpPr>
+          <p:nvPr>
+            <p:ph type="body" idx="1"/>
+          </p:nvPr>
+        </p:nvSpPr>
+        <p:spPr/>
+        <p:txBody>
+          <a:bodyPr/>
+          <a:lstStyle/>
+          <a:p>
+            <a:endParaRPr lang="ru-RU"/>
+          </a:p>
+        </p:txBody>
+      </p:sp>
+    </p:spTree>
+    <p:extLst>
+      <p:ext uri="{BB962C8B-B14F-4D97-AF65-F5344CB8AC3E}">
+        <p14:creationId xmlns:p14="http://schemas.microsoft.com/office/powerpoint/2010/main" val="2220425960"/>
+      </p:ext>
+    </p:extLst>
+  </p:cSld>
+  <p:clrMapOvr>
+    <a:masterClrMapping/>
+  </p:clrMapOvr>
+</p:notes>
+</file>
+
 <file path=ppt/slideLayouts/slideLayout1.xml><?xml version="1.0" encoding="utf-8"?>
 <p:sldLayout xmlns:a="http://schemas.openxmlformats.org/drawingml/2006/main" xmlns:r="http://schemas.openxmlformats.org/officeDocument/2006/relationships" xmlns:p="http://schemas.openxmlformats.org/presentationml/2006/main" matchingName="001 Title">
   <p:cSld name="CUSTOM">
@@ -4062,367 +4459,6 @@
       <p:sp>
         <p:nvSpPr>
           <p:cNvPr id="60" name="Google Shape;60;p8"/>
-          <p:cNvSpPr txBox="1"/>
-          <p:nvPr/>
-        </p:nvSpPr>
-        <p:spPr>
-          <a:xfrm rot="5400000">
-            <a:off x="-679350" y="6198500"/>
-            <a:ext cx="1579800" cy="373500"/>
-          </a:xfrm>
-          <a:prstGeom prst="rect">
-            <a:avLst/>
-          </a:prstGeom>
-          <a:noFill/>
-          <a:ln>
-            <a:noFill/>
-          </a:ln>
-        </p:spPr>
-        <p:txBody>
-          <a:bodyPr spcFirstLastPara="1" wrap="square" lIns="91425" tIns="91425" rIns="91425" bIns="91425" anchor="t" anchorCtr="0">
-            <a:noAutofit/>
-          </a:bodyPr>
-          <a:lstStyle/>
-          <a:p>
-            <a:pPr marL="0" lvl="0" indent="0" algn="l" rtl="0">
-              <a:spcBef>
-                <a:spcPts val="0"/>
-              </a:spcBef>
-              <a:spcAft>
-                <a:spcPts val="0"/>
-              </a:spcAft>
-              <a:buNone/>
-            </a:pPr>
-            <a:r>
-              <a:rPr lang="en" sz="1200">
-                <a:solidFill>
-                  <a:schemeClr val="dk1"/>
-                </a:solidFill>
-                <a:latin typeface="Barlow Condensed"/>
-                <a:ea typeface="Barlow Condensed"/>
-                <a:cs typeface="Barlow Condensed"/>
-                <a:sym typeface="Barlow Condensed"/>
-              </a:rPr>
-              <a:t>SLIDESMANIA.COM</a:t>
-            </a:r>
-            <a:endParaRPr sz="1200">
-              <a:solidFill>
-                <a:schemeClr val="dk1"/>
-              </a:solidFill>
-              <a:latin typeface="Barlow Condensed"/>
-              <a:ea typeface="Barlow Condensed"/>
-              <a:cs typeface="Barlow Condensed"/>
-              <a:sym typeface="Barlow Condensed"/>
-            </a:endParaRPr>
-          </a:p>
-        </p:txBody>
-      </p:sp>
-    </p:spTree>
-  </p:cSld>
-  <p:clrMapOvr>
-    <a:masterClrMapping/>
-  </p:clrMapOvr>
-</p:sldLayout>
-</file>
-
-<file path=ppt/slideLayouts/slideLayout5.xml><?xml version="1.0" encoding="utf-8"?>
-<p:sldLayout xmlns:a="http://schemas.openxmlformats.org/drawingml/2006/main" xmlns:r="http://schemas.openxmlformats.org/officeDocument/2006/relationships" xmlns:p="http://schemas.openxmlformats.org/presentationml/2006/main" matchingName="010 Text and Image">
-  <p:cSld name="CUSTOM_9">
-    <p:spTree>
-      <p:nvGrpSpPr>
-        <p:cNvPr id="1" name="Shape 101"/>
-        <p:cNvGrpSpPr/>
-        <p:nvPr/>
-      </p:nvGrpSpPr>
-      <p:grpSpPr>
-        <a:xfrm>
-          <a:off x="0" y="0"/>
-          <a:ext cx="0" cy="0"/>
-          <a:chOff x="0" y="0"/>
-          <a:chExt cx="0" cy="0"/>
-        </a:xfrm>
-      </p:grpSpPr>
-      <p:sp>
-        <p:nvSpPr>
-          <p:cNvPr id="102" name="Google Shape;102;p13"/>
-          <p:cNvSpPr/>
-          <p:nvPr/>
-        </p:nvSpPr>
-        <p:spPr>
-          <a:xfrm>
-            <a:off x="5834700" y="0"/>
-            <a:ext cx="6357300" cy="6858000"/>
-          </a:xfrm>
-          <a:prstGeom prst="rect">
-            <a:avLst/>
-          </a:prstGeom>
-          <a:solidFill>
-            <a:schemeClr val="accent4"/>
-          </a:solidFill>
-          <a:ln>
-            <a:noFill/>
-          </a:ln>
-        </p:spPr>
-        <p:txBody>
-          <a:bodyPr spcFirstLastPara="1" wrap="square" lIns="91425" tIns="91425" rIns="91425" bIns="91425" anchor="ctr" anchorCtr="0">
-            <a:noAutofit/>
-          </a:bodyPr>
-          <a:lstStyle/>
-          <a:p>
-            <a:pPr marL="0" marR="0" lvl="0" indent="0" algn="l" rtl="0">
-              <a:spcBef>
-                <a:spcPts val="0"/>
-              </a:spcBef>
-              <a:spcAft>
-                <a:spcPts val="0"/>
-              </a:spcAft>
-              <a:buClr>
-                <a:srgbClr val="000000"/>
-              </a:buClr>
-              <a:buSzPts val="1800"/>
-              <a:buFont typeface="Calibri"/>
-              <a:buNone/>
-            </a:pPr>
-            <a:endParaRPr sz="1800" b="0" i="0" u="none" strike="noStrike" cap="none">
-              <a:solidFill>
-                <a:srgbClr val="000000"/>
-              </a:solidFill>
-              <a:latin typeface="Calibri"/>
-              <a:ea typeface="Calibri"/>
-              <a:cs typeface="Calibri"/>
-              <a:sym typeface="Calibri"/>
-            </a:endParaRPr>
-          </a:p>
-        </p:txBody>
-      </p:sp>
-      <p:sp>
-        <p:nvSpPr>
-          <p:cNvPr id="103" name="Google Shape;103;p13"/>
-          <p:cNvSpPr/>
-          <p:nvPr/>
-        </p:nvSpPr>
-        <p:spPr>
-          <a:xfrm>
-            <a:off x="454800" y="412950"/>
-            <a:ext cx="894600" cy="894600"/>
-          </a:xfrm>
-          <a:prstGeom prst="rect">
-            <a:avLst/>
-          </a:prstGeom>
-          <a:solidFill>
-            <a:schemeClr val="accent1"/>
-          </a:solidFill>
-          <a:ln w="38100" cap="flat" cmpd="sng">
-            <a:solidFill>
-              <a:schemeClr val="accent1"/>
-            </a:solidFill>
-            <a:prstDash val="solid"/>
-            <a:round/>
-            <a:headEnd type="none" w="sm" len="sm"/>
-            <a:tailEnd type="none" w="sm" len="sm"/>
-          </a:ln>
-        </p:spPr>
-        <p:txBody>
-          <a:bodyPr spcFirstLastPara="1" wrap="square" lIns="91425" tIns="91425" rIns="91425" bIns="91425" anchor="ctr" anchorCtr="0">
-            <a:noAutofit/>
-          </a:bodyPr>
-          <a:lstStyle/>
-          <a:p>
-            <a:pPr marL="0" lvl="0" indent="0" algn="l" rtl="0">
-              <a:spcBef>
-                <a:spcPts val="0"/>
-              </a:spcBef>
-              <a:spcAft>
-                <a:spcPts val="0"/>
-              </a:spcAft>
-              <a:buNone/>
-            </a:pPr>
-            <a:endParaRPr/>
-          </a:p>
-        </p:txBody>
-      </p:sp>
-      <p:sp>
-        <p:nvSpPr>
-          <p:cNvPr id="104" name="Google Shape;104;p13"/>
-          <p:cNvSpPr txBox="1">
-            <a:spLocks noGrp="1"/>
-          </p:cNvSpPr>
-          <p:nvPr>
-            <p:ph type="title"/>
-          </p:nvPr>
-        </p:nvSpPr>
-        <p:spPr>
-          <a:xfrm>
-            <a:off x="411275" y="1727000"/>
-            <a:ext cx="4458300" cy="2377200"/>
-          </a:xfrm>
-          <a:prstGeom prst="rect">
-            <a:avLst/>
-          </a:prstGeom>
-        </p:spPr>
-        <p:txBody>
-          <a:bodyPr spcFirstLastPara="1" wrap="square" lIns="121900" tIns="121900" rIns="121900" bIns="121900" anchor="ctr" anchorCtr="0">
-            <a:noAutofit/>
-          </a:bodyPr>
-          <a:lstStyle>
-            <a:lvl1pPr lvl="0" rtl="0">
-              <a:spcBef>
-                <a:spcPts val="0"/>
-              </a:spcBef>
-              <a:spcAft>
-                <a:spcPts val="0"/>
-              </a:spcAft>
-              <a:buSzPts val="6000"/>
-              <a:buNone/>
-              <a:defRPr sz="6000"/>
-            </a:lvl1pPr>
-            <a:lvl2pPr lvl="1" rtl="0">
-              <a:spcBef>
-                <a:spcPts val="0"/>
-              </a:spcBef>
-              <a:spcAft>
-                <a:spcPts val="0"/>
-              </a:spcAft>
-              <a:buSzPts val="15000"/>
-              <a:buNone/>
-              <a:defRPr sz="15000"/>
-            </a:lvl2pPr>
-            <a:lvl3pPr lvl="2" rtl="0">
-              <a:spcBef>
-                <a:spcPts val="0"/>
-              </a:spcBef>
-              <a:spcAft>
-                <a:spcPts val="0"/>
-              </a:spcAft>
-              <a:buSzPts val="15000"/>
-              <a:buNone/>
-              <a:defRPr sz="15000"/>
-            </a:lvl3pPr>
-            <a:lvl4pPr lvl="3" rtl="0">
-              <a:spcBef>
-                <a:spcPts val="0"/>
-              </a:spcBef>
-              <a:spcAft>
-                <a:spcPts val="0"/>
-              </a:spcAft>
-              <a:buSzPts val="15000"/>
-              <a:buNone/>
-              <a:defRPr sz="15000"/>
-            </a:lvl4pPr>
-            <a:lvl5pPr lvl="4" rtl="0">
-              <a:spcBef>
-                <a:spcPts val="0"/>
-              </a:spcBef>
-              <a:spcAft>
-                <a:spcPts val="0"/>
-              </a:spcAft>
-              <a:buSzPts val="15000"/>
-              <a:buNone/>
-              <a:defRPr sz="15000"/>
-            </a:lvl5pPr>
-            <a:lvl6pPr lvl="5" rtl="0">
-              <a:spcBef>
-                <a:spcPts val="0"/>
-              </a:spcBef>
-              <a:spcAft>
-                <a:spcPts val="0"/>
-              </a:spcAft>
-              <a:buSzPts val="15000"/>
-              <a:buNone/>
-              <a:defRPr sz="15000"/>
-            </a:lvl6pPr>
-            <a:lvl7pPr lvl="6" rtl="0">
-              <a:spcBef>
-                <a:spcPts val="0"/>
-              </a:spcBef>
-              <a:spcAft>
-                <a:spcPts val="0"/>
-              </a:spcAft>
-              <a:buSzPts val="15000"/>
-              <a:buNone/>
-              <a:defRPr sz="15000"/>
-            </a:lvl7pPr>
-            <a:lvl8pPr lvl="7" rtl="0">
-              <a:spcBef>
-                <a:spcPts val="0"/>
-              </a:spcBef>
-              <a:spcAft>
-                <a:spcPts val="0"/>
-              </a:spcAft>
-              <a:buSzPts val="15000"/>
-              <a:buNone/>
-              <a:defRPr sz="15000"/>
-            </a:lvl8pPr>
-            <a:lvl9pPr lvl="8" rtl="0">
-              <a:spcBef>
-                <a:spcPts val="0"/>
-              </a:spcBef>
-              <a:spcAft>
-                <a:spcPts val="0"/>
-              </a:spcAft>
-              <a:buSzPts val="15000"/>
-              <a:buNone/>
-              <a:defRPr sz="15000"/>
-            </a:lvl9pPr>
-          </a:lstStyle>
-          <a:p>
-            <a:r>
-              <a:rPr lang="ru-RU"/>
-              <a:t>Образец заголовка</a:t>
-            </a:r>
-            <a:endParaRPr/>
-          </a:p>
-        </p:txBody>
-      </p:sp>
-      <p:sp>
-        <p:nvSpPr>
-          <p:cNvPr id="105" name="Google Shape;105;p13"/>
-          <p:cNvSpPr/>
-          <p:nvPr/>
-        </p:nvSpPr>
-        <p:spPr>
-          <a:xfrm>
-            <a:off x="0" y="5720400"/>
-            <a:ext cx="4148400" cy="1137600"/>
-          </a:xfrm>
-          <a:prstGeom prst="rect">
-            <a:avLst/>
-          </a:prstGeom>
-          <a:solidFill>
-            <a:schemeClr val="accent1"/>
-          </a:solidFill>
-          <a:ln w="38100" cap="flat" cmpd="sng">
-            <a:solidFill>
-              <a:schemeClr val="accent1"/>
-            </a:solidFill>
-            <a:prstDash val="solid"/>
-            <a:round/>
-            <a:headEnd type="none" w="sm" len="sm"/>
-            <a:tailEnd type="none" w="sm" len="sm"/>
-          </a:ln>
-        </p:spPr>
-        <p:txBody>
-          <a:bodyPr spcFirstLastPara="1" wrap="square" lIns="91425" tIns="91425" rIns="91425" bIns="91425" anchor="ctr" anchorCtr="0">
-            <a:noAutofit/>
-          </a:bodyPr>
-          <a:lstStyle/>
-          <a:p>
-            <a:pPr marL="0" lvl="0" indent="0" algn="l" rtl="0">
-              <a:spcBef>
-                <a:spcPts val="0"/>
-              </a:spcBef>
-              <a:spcAft>
-                <a:spcPts val="0"/>
-              </a:spcAft>
-              <a:buNone/>
-            </a:pPr>
-            <a:endParaRPr/>
-          </a:p>
-        </p:txBody>
-      </p:sp>
-      <p:sp>
-        <p:nvSpPr>
-          <p:cNvPr id="106" name="Google Shape;106;p13"/>
           <p:cNvSpPr txBox="1"/>
           <p:nvPr/>
         </p:nvSpPr>
@@ -5232,7 +5268,6 @@
     <p:sldLayoutId id="2147483651" r:id="rId2"/>
     <p:sldLayoutId id="2147483652" r:id="rId3"/>
     <p:sldLayoutId id="2147483654" r:id="rId4"/>
-    <p:sldLayoutId id="2147483659" r:id="rId5"/>
   </p:sldLayoutIdLst>
   <p:hf sldNum="0" hdr="0" ftr="0" dt="0"/>
   <p:txStyles>
@@ -7457,7 +7492,7 @@
           <p:cNvPr id="2" name="Прямоугольник 1">
             <a:extLst>
               <a:ext uri="{FF2B5EF4-FFF2-40B4-BE49-F238E27FC236}">
-                <a16:creationId xmlns:a16="http://schemas.microsoft.com/office/drawing/2014/main" id="{330D7753-DE97-4428-A57B-B00BA9E6170C}"/>
+                <a16:creationId xmlns="" xmlns:a16="http://schemas.microsoft.com/office/drawing/2014/main" id="{330D7753-DE97-4428-A57B-B00BA9E6170C}"/>
               </a:ext>
             </a:extLst>
           </p:cNvPr>
@@ -7506,7 +7541,7 @@
           <p:cNvPr id="3" name="TextBox 2">
             <a:extLst>
               <a:ext uri="{FF2B5EF4-FFF2-40B4-BE49-F238E27FC236}">
-                <a16:creationId xmlns:a16="http://schemas.microsoft.com/office/drawing/2014/main" id="{527CA2BC-1752-4765-B42F-B4E79AEC0E3B}"/>
+                <a16:creationId xmlns="" xmlns:a16="http://schemas.microsoft.com/office/drawing/2014/main" id="{527CA2BC-1752-4765-B42F-B4E79AEC0E3B}"/>
               </a:ext>
             </a:extLst>
           </p:cNvPr>
@@ -7563,7 +7598,7 @@
 </file>
 
 <file path=ppt/slides/slide10.xml><?xml version="1.0" encoding="utf-8"?>
-<p:sld xmlns:a="http://schemas.openxmlformats.org/drawingml/2006/main" xmlns:r="http://schemas.openxmlformats.org/officeDocument/2006/relationships" xmlns:p="http://schemas.openxmlformats.org/presentationml/2006/main" show="0">
+<p:sld xmlns:a="http://schemas.openxmlformats.org/drawingml/2006/main" xmlns:r="http://schemas.openxmlformats.org/officeDocument/2006/relationships" xmlns:p="http://schemas.openxmlformats.org/presentationml/2006/main">
   <p:cSld>
     <p:spTree>
       <p:nvGrpSpPr>
@@ -7589,150 +7624,71 @@
             <p:ph type="title"/>
           </p:nvPr>
         </p:nvSpPr>
+        <p:spPr/>
+        <p:txBody>
+          <a:bodyPr anchor="ctr"/>
+          <a:lstStyle/>
+          <a:p>
+            <a:r>
+              <a:rPr lang="ru-RU" dirty="0" smtClean="0"/>
+              <a:t>Главное окно</a:t>
+            </a:r>
+            <a:endParaRPr lang="ru-RU" dirty="0"/>
+          </a:p>
+        </p:txBody>
+      </p:sp>
+      <p:sp>
+        <p:nvSpPr>
+          <p:cNvPr id="8" name="TextBox 7"/>
+          <p:cNvSpPr txBox="1"/>
+          <p:nvPr/>
+        </p:nvSpPr>
         <p:spPr>
           <a:xfrm>
-            <a:off x="315022" y="1727000"/>
-            <a:ext cx="5412010" cy="2377200"/>
-          </a:xfrm>
-        </p:spPr>
-        <p:txBody>
-          <a:bodyPr/>
-          <a:lstStyle/>
-          <a:p>
-            <a:r>
-              <a:rPr lang="ru-RU" b="1" dirty="0"/>
-              <a:t>Руководство пользователя</a:t>
-            </a:r>
-          </a:p>
-        </p:txBody>
-      </p:sp>
-      <p:pic>
-        <p:nvPicPr>
-          <p:cNvPr id="3" name="Рисунок 2"/>
-          <p:cNvPicPr>
-            <a:picLocks noChangeAspect="1"/>
-          </p:cNvPicPr>
-          <p:nvPr/>
-        </p:nvPicPr>
-        <p:blipFill>
-          <a:blip r:embed="rId2"/>
-          <a:stretch>
-            <a:fillRect/>
-          </a:stretch>
-        </p:blipFill>
-        <p:spPr>
-          <a:xfrm>
-            <a:off x="6997699" y="462368"/>
-            <a:ext cx="4064947" cy="6128931"/>
+            <a:off x="451653" y="6858000"/>
+            <a:ext cx="4588042" cy="1477328"/>
           </a:xfrm>
           <a:prstGeom prst="rect">
             <a:avLst/>
           </a:prstGeom>
-          <a:ln>
-            <a:solidFill>
-              <a:schemeClr val="tx1"/>
-            </a:solidFill>
-          </a:ln>
+          <a:noFill/>
         </p:spPr>
-      </p:pic>
-    </p:spTree>
-    <p:extLst>
-      <p:ext uri="{BB962C8B-B14F-4D97-AF65-F5344CB8AC3E}">
-        <p14:creationId xmlns:p14="http://schemas.microsoft.com/office/powerpoint/2010/main" val="387025243"/>
-      </p:ext>
-    </p:extLst>
-  </p:cSld>
-  <p:clrMapOvr>
-    <a:masterClrMapping/>
-  </p:clrMapOvr>
-</p:sld>
-</file>
-
-<file path=ppt/slides/slide11.xml><?xml version="1.0" encoding="utf-8"?>
-<p:sld xmlns:a="http://schemas.openxmlformats.org/drawingml/2006/main" xmlns:r="http://schemas.openxmlformats.org/officeDocument/2006/relationships" xmlns:p="http://schemas.openxmlformats.org/presentationml/2006/main" show="0">
-  <p:cSld>
-    <p:spTree>
-      <p:nvGrpSpPr>
-        <p:cNvPr id="1" name=""/>
-        <p:cNvGrpSpPr/>
-        <p:nvPr/>
-      </p:nvGrpSpPr>
-      <p:grpSpPr>
-        <a:xfrm>
-          <a:off x="0" y="0"/>
-          <a:ext cx="0" cy="0"/>
-          <a:chOff x="0" y="0"/>
-          <a:chExt cx="0" cy="0"/>
-        </a:xfrm>
-      </p:grpSpPr>
+        <p:txBody>
+          <a:bodyPr wrap="square" rtlCol="0">
+            <a:spAutoFit/>
+          </a:bodyPr>
+          <a:lstStyle/>
+          <a:p>
+            <a:r>
+              <a:rPr lang="ru-RU" sz="1800" b="1" dirty="0"/>
+              <a:t>Цель работы программы:</a:t>
+            </a:r>
+          </a:p>
+          <a:p>
+            <a:pPr marL="352425"/>
+            <a:r>
+              <a:rPr lang="ru-RU" sz="1800" b="1" dirty="0"/>
+              <a:t>Перевод графических данных с кадра изображения в числовые и экспорт данных в выбранный пользователем формат</a:t>
+            </a:r>
+          </a:p>
+        </p:txBody>
+      </p:sp>
       <p:sp>
         <p:nvSpPr>
-          <p:cNvPr id="3" name="Заголовок 2"/>
-          <p:cNvSpPr>
-            <a:spLocks noGrp="1"/>
-          </p:cNvSpPr>
-          <p:nvPr>
-            <p:ph type="title"/>
-          </p:nvPr>
-        </p:nvSpPr>
-        <p:spPr>
-          <a:xfrm>
-            <a:off x="1486950" y="478025"/>
-            <a:ext cx="7389300" cy="763500"/>
-          </a:xfrm>
-        </p:spPr>
-        <p:txBody>
-          <a:bodyPr/>
-          <a:lstStyle/>
-          <a:p>
-            <a:pPr algn="l"/>
-            <a:r>
-              <a:rPr lang="ru-RU" b="1" dirty="0"/>
-              <a:t>Проблема чёткого поиска</a:t>
-            </a:r>
-          </a:p>
-        </p:txBody>
-      </p:sp>
-      <p:pic>
-        <p:nvPicPr>
-          <p:cNvPr id="4" name="Рисунок 3"/>
-          <p:cNvPicPr>
-            <a:picLocks noChangeAspect="1"/>
-          </p:cNvPicPr>
-          <p:nvPr/>
-        </p:nvPicPr>
-        <p:blipFill>
-          <a:blip r:embed="rId2">
+          <p:cNvPr id="75" name="Google Shape;606;p45">
             <a:extLst>
-              <a:ext uri="{28A0092B-C50C-407E-A947-70E740481C1C}">
-                <a14:useLocalDpi xmlns:a14="http://schemas.microsoft.com/office/drawing/2010/main" val="0"/>
+              <a:ext uri="{FF2B5EF4-FFF2-40B4-BE49-F238E27FC236}">
+                <a16:creationId xmlns="" xmlns:a16="http://schemas.microsoft.com/office/drawing/2014/main" id="{DEB368D3-448D-4E8B-8E37-95656B89BA92}"/>
               </a:ext>
             </a:extLst>
-          </a:blip>
-          <a:stretch>
-            <a:fillRect/>
-          </a:stretch>
-        </p:blipFill>
-        <p:spPr>
-          <a:xfrm>
-            <a:off x="704850" y="2076451"/>
-            <a:ext cx="10907136" cy="4337970"/>
-          </a:xfrm>
-          <a:prstGeom prst="rect">
-            <a:avLst/>
-          </a:prstGeom>
-        </p:spPr>
-      </p:pic>
-      <p:sp>
-        <p:nvSpPr>
-          <p:cNvPr id="5" name="Google Shape;737;p45"/>
+          </p:cNvPr>
           <p:cNvSpPr/>
           <p:nvPr/>
         </p:nvSpPr>
         <p:spPr>
           <a:xfrm>
-            <a:off x="584782" y="535175"/>
-            <a:ext cx="635468" cy="655334"/>
+            <a:off x="545820" y="514120"/>
+            <a:ext cx="737548" cy="692472"/>
           </a:xfrm>
           <a:custGeom>
             <a:avLst/>
@@ -7741,196 +7697,223 @@
             <a:cxnLst/>
             <a:rect l="l" t="t" r="r" b="b"/>
             <a:pathLst>
-              <a:path w="10635" h="10636" extrusionOk="0">
+              <a:path w="10314" h="9391" extrusionOk="0">
                 <a:moveTo>
-                  <a:pt x="4622" y="1"/>
+                  <a:pt x="5157" y="1"/>
                 </a:moveTo>
+                <a:cubicBezTo>
+                  <a:pt x="4568" y="1"/>
+                  <a:pt x="4086" y="482"/>
+                  <a:pt x="4086" y="1071"/>
+                </a:cubicBezTo>
+                <a:cubicBezTo>
+                  <a:pt x="4086" y="1553"/>
+                  <a:pt x="4425" y="1963"/>
+                  <a:pt x="4889" y="2088"/>
+                </a:cubicBezTo>
                 <a:lnTo>
-                  <a:pt x="3088" y="1518"/>
+                  <a:pt x="4889" y="3926"/>
                 </a:lnTo>
                 <a:cubicBezTo>
-                  <a:pt x="2736" y="1869"/>
-                  <a:pt x="3337" y="2464"/>
-                  <a:pt x="3833" y="2464"/>
-                </a:cubicBezTo>
-                <a:cubicBezTo>
-                  <a:pt x="3840" y="2464"/>
-                  <a:pt x="3848" y="2463"/>
-                  <a:pt x="3855" y="2463"/>
-                </a:cubicBezTo>
-                <a:cubicBezTo>
-                  <a:pt x="3868" y="2463"/>
-                  <a:pt x="3881" y="2462"/>
-                  <a:pt x="3895" y="2462"/>
-                </a:cubicBezTo>
-                <a:cubicBezTo>
-                  <a:pt x="4739" y="2462"/>
-                  <a:pt x="5041" y="3580"/>
-                  <a:pt x="4426" y="4230"/>
+                  <a:pt x="4497" y="3997"/>
+                  <a:pt x="4176" y="4229"/>
+                  <a:pt x="3997" y="4550"/>
                 </a:cubicBezTo>
                 <a:lnTo>
-                  <a:pt x="4336" y="4319"/>
+                  <a:pt x="2284" y="3837"/>
                 </a:lnTo>
                 <a:cubicBezTo>
-                  <a:pt x="4098" y="4545"/>
-                  <a:pt x="3794" y="4649"/>
-                  <a:pt x="3504" y="4649"/>
-                </a:cubicBezTo>
-                <a:cubicBezTo>
-                  <a:pt x="2994" y="4649"/>
-                  <a:pt x="2529" y="4324"/>
-                  <a:pt x="2552" y="3766"/>
-                </a:cubicBezTo>
-                <a:cubicBezTo>
-                  <a:pt x="2566" y="3371"/>
-                  <a:pt x="2190" y="2909"/>
-                  <a:pt x="1856" y="2909"/>
-                </a:cubicBezTo>
-                <a:cubicBezTo>
-                  <a:pt x="1767" y="2909"/>
-                  <a:pt x="1681" y="2942"/>
-                  <a:pt x="1607" y="3016"/>
+                  <a:pt x="2338" y="3373"/>
+                  <a:pt x="2088" y="2891"/>
+                  <a:pt x="1624" y="2695"/>
+                </a:cubicBezTo>
+                <a:cubicBezTo>
+                  <a:pt x="1490" y="2643"/>
+                  <a:pt x="1353" y="2618"/>
+                  <a:pt x="1219" y="2618"/>
+                </a:cubicBezTo>
+                <a:cubicBezTo>
+                  <a:pt x="798" y="2618"/>
+                  <a:pt x="404" y="2860"/>
+                  <a:pt x="214" y="3266"/>
+                </a:cubicBezTo>
+                <a:cubicBezTo>
+                  <a:pt x="0" y="3819"/>
+                  <a:pt x="250" y="4443"/>
+                  <a:pt x="803" y="4675"/>
+                </a:cubicBezTo>
+                <a:cubicBezTo>
+                  <a:pt x="932" y="4727"/>
+                  <a:pt x="1067" y="4752"/>
+                  <a:pt x="1201" y="4752"/>
+                </a:cubicBezTo>
+                <a:cubicBezTo>
+                  <a:pt x="1529" y="4752"/>
+                  <a:pt x="1849" y="4603"/>
+                  <a:pt x="2052" y="4336"/>
                 </a:cubicBezTo>
                 <a:lnTo>
-                  <a:pt x="1" y="4622"/>
+                  <a:pt x="3801" y="5050"/>
                 </a:lnTo>
+                <a:cubicBezTo>
+                  <a:pt x="3801" y="5086"/>
+                  <a:pt x="3801" y="5157"/>
+                  <a:pt x="3801" y="5211"/>
+                </a:cubicBezTo>
+                <a:cubicBezTo>
+                  <a:pt x="3801" y="5514"/>
+                  <a:pt x="3890" y="5799"/>
+                  <a:pt x="4051" y="6014"/>
+                </a:cubicBezTo>
                 <a:lnTo>
-                  <a:pt x="2249" y="6888"/>
+                  <a:pt x="2677" y="7423"/>
                 </a:lnTo>
                 <a:cubicBezTo>
-                  <a:pt x="2624" y="7245"/>
-                  <a:pt x="1999" y="7834"/>
-                  <a:pt x="1500" y="7834"/>
-                </a:cubicBezTo>
-                <a:cubicBezTo>
-                  <a:pt x="1493" y="7834"/>
-                  <a:pt x="1486" y="7834"/>
-                  <a:pt x="1479" y="7834"/>
-                </a:cubicBezTo>
-                <a:cubicBezTo>
-                  <a:pt x="621" y="7834"/>
-                  <a:pt x="327" y="8963"/>
-                  <a:pt x="964" y="9618"/>
+                  <a:pt x="2506" y="7319"/>
+                  <a:pt x="2313" y="7268"/>
+                  <a:pt x="2122" y="7268"/>
+                </a:cubicBezTo>
+                <a:cubicBezTo>
+                  <a:pt x="1854" y="7268"/>
+                  <a:pt x="1590" y="7368"/>
+                  <a:pt x="1392" y="7566"/>
+                </a:cubicBezTo>
+                <a:cubicBezTo>
+                  <a:pt x="964" y="7994"/>
+                  <a:pt x="964" y="8654"/>
+                  <a:pt x="1392" y="9082"/>
+                </a:cubicBezTo>
+                <a:cubicBezTo>
+                  <a:pt x="1597" y="9288"/>
+                  <a:pt x="1869" y="9390"/>
+                  <a:pt x="2141" y="9390"/>
+                </a:cubicBezTo>
+                <a:cubicBezTo>
+                  <a:pt x="2414" y="9390"/>
+                  <a:pt x="2686" y="9288"/>
+                  <a:pt x="2891" y="9082"/>
+                </a:cubicBezTo>
+                <a:cubicBezTo>
+                  <a:pt x="3230" y="8726"/>
+                  <a:pt x="3283" y="8190"/>
+                  <a:pt x="3051" y="7780"/>
                 </a:cubicBezTo>
                 <a:lnTo>
-                  <a:pt x="1053" y="9707"/>
+                  <a:pt x="4461" y="6370"/>
                 </a:lnTo>
                 <a:cubicBezTo>
-                  <a:pt x="1282" y="9930"/>
-                  <a:pt x="1573" y="10032"/>
-                  <a:pt x="1851" y="10032"/>
-                </a:cubicBezTo>
-                <a:cubicBezTo>
-                  <a:pt x="2352" y="10032"/>
-                  <a:pt x="2814" y="9699"/>
-                  <a:pt x="2802" y="9136"/>
-                </a:cubicBezTo>
-                <a:cubicBezTo>
-                  <a:pt x="2788" y="8740"/>
-                  <a:pt x="3168" y="8264"/>
-                  <a:pt x="3503" y="8264"/>
-                </a:cubicBezTo>
-                <a:cubicBezTo>
-                  <a:pt x="3590" y="8264"/>
-                  <a:pt x="3674" y="8296"/>
-                  <a:pt x="3748" y="8369"/>
+                  <a:pt x="4657" y="6495"/>
+                  <a:pt x="4889" y="6549"/>
+                  <a:pt x="5121" y="6549"/>
                 </a:cubicBezTo>
                 <a:lnTo>
-                  <a:pt x="6014" y="10635"/>
+                  <a:pt x="5175" y="6549"/>
                 </a:lnTo>
+                <a:cubicBezTo>
+                  <a:pt x="5407" y="6549"/>
+                  <a:pt x="5639" y="6495"/>
+                  <a:pt x="5853" y="6370"/>
+                </a:cubicBezTo>
                 <a:lnTo>
-                  <a:pt x="7637" y="9011"/>
+                  <a:pt x="7244" y="7780"/>
                 </a:lnTo>
                 <a:cubicBezTo>
-                  <a:pt x="7994" y="8655"/>
-                  <a:pt x="7388" y="8066"/>
-                  <a:pt x="6870" y="8066"/>
-                </a:cubicBezTo>
-                <a:cubicBezTo>
-                  <a:pt x="6857" y="8066"/>
-                  <a:pt x="6843" y="8067"/>
-                  <a:pt x="6830" y="8067"/>
-                </a:cubicBezTo>
-                <a:cubicBezTo>
-                  <a:pt x="5986" y="8067"/>
-                  <a:pt x="5684" y="6967"/>
-                  <a:pt x="6299" y="6317"/>
+                  <a:pt x="7013" y="8190"/>
+                  <a:pt x="7066" y="8726"/>
+                  <a:pt x="7405" y="9082"/>
+                </a:cubicBezTo>
+                <a:cubicBezTo>
+                  <a:pt x="7619" y="9288"/>
+                  <a:pt x="7896" y="9390"/>
+                  <a:pt x="8170" y="9390"/>
+                </a:cubicBezTo>
+                <a:cubicBezTo>
+                  <a:pt x="8444" y="9390"/>
+                  <a:pt x="8716" y="9288"/>
+                  <a:pt x="8922" y="9082"/>
+                </a:cubicBezTo>
+                <a:cubicBezTo>
+                  <a:pt x="9332" y="8672"/>
+                  <a:pt x="9332" y="7994"/>
+                  <a:pt x="8922" y="7584"/>
+                </a:cubicBezTo>
+                <a:cubicBezTo>
+                  <a:pt x="8720" y="7382"/>
+                  <a:pt x="8450" y="7282"/>
+                  <a:pt x="8174" y="7282"/>
+                </a:cubicBezTo>
+                <a:cubicBezTo>
+                  <a:pt x="7985" y="7282"/>
+                  <a:pt x="7793" y="7329"/>
+                  <a:pt x="7619" y="7423"/>
                 </a:cubicBezTo>
                 <a:lnTo>
-                  <a:pt x="6388" y="6228"/>
+                  <a:pt x="6245" y="6031"/>
                 </a:lnTo>
                 <a:cubicBezTo>
-                  <a:pt x="6624" y="5999"/>
-                  <a:pt x="6932" y="5892"/>
-                  <a:pt x="7225" y="5892"/>
-                </a:cubicBezTo>
-                <a:cubicBezTo>
-                  <a:pt x="7732" y="5892"/>
-                  <a:pt x="8195" y="6210"/>
-                  <a:pt x="8173" y="6763"/>
-                </a:cubicBezTo>
-                <a:cubicBezTo>
-                  <a:pt x="8159" y="7173"/>
-                  <a:pt x="8535" y="7638"/>
-                  <a:pt x="8870" y="7638"/>
-                </a:cubicBezTo>
-                <a:cubicBezTo>
-                  <a:pt x="8958" y="7638"/>
-                  <a:pt x="9044" y="7605"/>
-                  <a:pt x="9118" y="7531"/>
+                  <a:pt x="6406" y="5799"/>
+                  <a:pt x="6513" y="5532"/>
+                  <a:pt x="6513" y="5228"/>
+                </a:cubicBezTo>
+                <a:cubicBezTo>
+                  <a:pt x="6513" y="5175"/>
+                  <a:pt x="6513" y="5104"/>
+                  <a:pt x="6495" y="5068"/>
                 </a:cubicBezTo>
                 <a:lnTo>
-                  <a:pt x="10635" y="6014"/>
+                  <a:pt x="8244" y="4336"/>
                 </a:lnTo>
+                <a:cubicBezTo>
+                  <a:pt x="8450" y="4607"/>
+                  <a:pt x="8777" y="4766"/>
+                  <a:pt x="9118" y="4766"/>
+                </a:cubicBezTo>
+                <a:cubicBezTo>
+                  <a:pt x="9249" y="4766"/>
+                  <a:pt x="9382" y="4743"/>
+                  <a:pt x="9510" y="4693"/>
+                </a:cubicBezTo>
+                <a:cubicBezTo>
+                  <a:pt x="10046" y="4443"/>
+                  <a:pt x="10313" y="3837"/>
+                  <a:pt x="10081" y="3284"/>
+                </a:cubicBezTo>
+                <a:cubicBezTo>
+                  <a:pt x="9906" y="2878"/>
+                  <a:pt x="9504" y="2636"/>
+                  <a:pt x="9079" y="2636"/>
+                </a:cubicBezTo>
+                <a:cubicBezTo>
+                  <a:pt x="8944" y="2636"/>
+                  <a:pt x="8806" y="2661"/>
+                  <a:pt x="8672" y="2713"/>
+                </a:cubicBezTo>
+                <a:cubicBezTo>
+                  <a:pt x="8226" y="2891"/>
+                  <a:pt x="7958" y="3373"/>
+                  <a:pt x="8030" y="3855"/>
+                </a:cubicBezTo>
                 <a:lnTo>
-                  <a:pt x="8369" y="3748"/>
+                  <a:pt x="6317" y="4568"/>
                 </a:lnTo>
                 <a:cubicBezTo>
-                  <a:pt x="8017" y="3396"/>
-                  <a:pt x="8601" y="2802"/>
-                  <a:pt x="9114" y="2802"/>
-                </a:cubicBezTo>
-                <a:cubicBezTo>
-                  <a:pt x="9121" y="2802"/>
-                  <a:pt x="9129" y="2802"/>
-                  <a:pt x="9136" y="2802"/>
-                </a:cubicBezTo>
-                <a:cubicBezTo>
-                  <a:pt x="9149" y="2803"/>
-                  <a:pt x="9162" y="2803"/>
-                  <a:pt x="9175" y="2803"/>
-                </a:cubicBezTo>
-                <a:cubicBezTo>
-                  <a:pt x="10019" y="2803"/>
-                  <a:pt x="10287" y="1668"/>
-                  <a:pt x="9671" y="1036"/>
+                  <a:pt x="6120" y="4247"/>
+                  <a:pt x="5781" y="3997"/>
+                  <a:pt x="5407" y="3944"/>
                 </a:cubicBezTo>
                 <a:lnTo>
-                  <a:pt x="9582" y="929"/>
+                  <a:pt x="5407" y="2088"/>
                 </a:lnTo>
                 <a:cubicBezTo>
-                  <a:pt x="9353" y="706"/>
-                  <a:pt x="9061" y="604"/>
-                  <a:pt x="8781" y="604"/>
-                </a:cubicBezTo>
-                <a:cubicBezTo>
-                  <a:pt x="8275" y="604"/>
-                  <a:pt x="7811" y="937"/>
-                  <a:pt x="7834" y="1500"/>
-                </a:cubicBezTo>
-                <a:cubicBezTo>
-                  <a:pt x="7834" y="1909"/>
-                  <a:pt x="7465" y="2374"/>
-                  <a:pt x="7135" y="2374"/>
-                </a:cubicBezTo>
-                <a:cubicBezTo>
-                  <a:pt x="7047" y="2374"/>
-                  <a:pt x="6963" y="2342"/>
-                  <a:pt x="6888" y="2267"/>
-                </a:cubicBezTo>
-                <a:lnTo>
-                  <a:pt x="4622" y="1"/>
-                </a:lnTo>
+                  <a:pt x="5871" y="1963"/>
+                  <a:pt x="6210" y="1553"/>
+                  <a:pt x="6210" y="1071"/>
+                </a:cubicBezTo>
+                <a:cubicBezTo>
+                  <a:pt x="6210" y="482"/>
+                  <a:pt x="5746" y="1"/>
+                  <a:pt x="5157" y="1"/>
+                </a:cubicBezTo>
                 <a:close/>
               </a:path>
             </a:pathLst>
@@ -7961,96 +7944,9 @@
           </a:p>
         </p:txBody>
       </p:sp>
-    </p:spTree>
-    <p:extLst>
-      <p:ext uri="{BB962C8B-B14F-4D97-AF65-F5344CB8AC3E}">
-        <p14:creationId xmlns:p14="http://schemas.microsoft.com/office/powerpoint/2010/main" val="3228984965"/>
-      </p:ext>
-    </p:extLst>
-  </p:cSld>
-  <p:clrMapOvr>
-    <a:masterClrMapping/>
-  </p:clrMapOvr>
-</p:sld>
-</file>
-
-<file path=ppt/slides/slide12.xml><?xml version="1.0" encoding="utf-8"?>
-<p:sld xmlns:a="http://schemas.openxmlformats.org/drawingml/2006/main" xmlns:r="http://schemas.openxmlformats.org/officeDocument/2006/relationships" xmlns:p="http://schemas.openxmlformats.org/presentationml/2006/main" show="0">
-  <p:cSld>
-    <p:spTree>
-      <p:nvGrpSpPr>
-        <p:cNvPr id="1" name=""/>
-        <p:cNvGrpSpPr/>
-        <p:nvPr/>
-      </p:nvGrpSpPr>
-      <p:grpSpPr>
-        <a:xfrm>
-          <a:off x="0" y="0"/>
-          <a:ext cx="0" cy="0"/>
-          <a:chOff x="0" y="0"/>
-          <a:chExt cx="0" cy="0"/>
-        </a:xfrm>
-      </p:grpSpPr>
-      <p:sp>
-        <p:nvSpPr>
-          <p:cNvPr id="3" name="Заголовок 2"/>
-          <p:cNvSpPr>
-            <a:spLocks noGrp="1"/>
-          </p:cNvSpPr>
-          <p:nvPr>
-            <p:ph type="title"/>
-          </p:nvPr>
-        </p:nvSpPr>
-        <p:spPr>
-          <a:xfrm>
-            <a:off x="1506000" y="478025"/>
-            <a:ext cx="7389300" cy="763500"/>
-          </a:xfrm>
-        </p:spPr>
-        <p:txBody>
-          <a:bodyPr/>
-          <a:lstStyle/>
-          <a:p>
-            <a:pPr algn="l"/>
-            <a:r>
-              <a:rPr lang="ru-RU" b="1" dirty="0"/>
-              <a:t>Эксперименты</a:t>
-            </a:r>
-          </a:p>
-        </p:txBody>
-      </p:sp>
       <p:pic>
         <p:nvPicPr>
-          <p:cNvPr id="4" name="Рисунок 3"/>
-          <p:cNvPicPr>
-            <a:picLocks noChangeAspect="1"/>
-          </p:cNvPicPr>
-          <p:nvPr/>
-        </p:nvPicPr>
-        <p:blipFill rotWithShape="1">
-          <a:blip r:embed="rId2">
-            <a:extLst>
-              <a:ext uri="{28A0092B-C50C-407E-A947-70E740481C1C}">
-                <a14:useLocalDpi xmlns:a14="http://schemas.microsoft.com/office/drawing/2010/main" val="0"/>
-              </a:ext>
-            </a:extLst>
-          </a:blip>
-          <a:srcRect r="37165"/>
-          <a:stretch/>
-        </p:blipFill>
-        <p:spPr>
-          <a:xfrm>
-            <a:off x="981533" y="4010386"/>
-            <a:ext cx="4219117" cy="2232409"/>
-          </a:xfrm>
-          <a:prstGeom prst="rect">
-            <a:avLst/>
-          </a:prstGeom>
-        </p:spPr>
-      </p:pic>
-      <p:pic>
-        <p:nvPicPr>
-          <p:cNvPr id="5" name="Рисунок 4"/>
+          <p:cNvPr id="3" name="Рисунок 2"/>
           <p:cNvPicPr>
             <a:picLocks noChangeAspect="1"/>
           </p:cNvPicPr>
@@ -8070,8 +7966,8 @@
         </p:blipFill>
         <p:spPr>
           <a:xfrm>
-            <a:off x="5762166" y="1406908"/>
-            <a:ext cx="4488062" cy="4835887"/>
+            <a:off x="914594" y="2023950"/>
+            <a:ext cx="5012430" cy="3491025"/>
           </a:xfrm>
           <a:prstGeom prst="rect">
             <a:avLst/>
@@ -8080,27 +7976,28 @@
       </p:pic>
       <p:pic>
         <p:nvPicPr>
-          <p:cNvPr id="7" name="Рисунок 6"/>
+          <p:cNvPr id="5" name="Рисунок 4"/>
           <p:cNvPicPr>
             <a:picLocks noChangeAspect="1"/>
           </p:cNvPicPr>
           <p:nvPr/>
         </p:nvPicPr>
-        <p:blipFill rotWithShape="1">
-          <a:blip r:embed="rId2">
+        <p:blipFill>
+          <a:blip r:embed="rId4">
             <a:extLst>
               <a:ext uri="{28A0092B-C50C-407E-A947-70E740481C1C}">
                 <a14:useLocalDpi xmlns:a14="http://schemas.microsoft.com/office/drawing/2010/main" val="0"/>
               </a:ext>
             </a:extLst>
           </a:blip>
-          <a:srcRect l="67145"/>
-          <a:stretch/>
+          <a:stretch>
+            <a:fillRect/>
+          </a:stretch>
         </p:blipFill>
         <p:spPr>
           <a:xfrm>
-            <a:off x="2791284" y="1406908"/>
-            <a:ext cx="2409366" cy="2438095"/>
+            <a:off x="6335515" y="2023950"/>
+            <a:ext cx="5070905" cy="3491025"/>
           </a:xfrm>
           <a:prstGeom prst="rect">
             <a:avLst/>
@@ -8109,412 +8006,70 @@
       </p:pic>
       <p:sp>
         <p:nvSpPr>
-          <p:cNvPr id="8" name="Google Shape;717;p45"/>
-          <p:cNvSpPr/>
+          <p:cNvPr id="11" name="TextBox 10"/>
+          <p:cNvSpPr txBox="1"/>
           <p:nvPr/>
         </p:nvSpPr>
         <p:spPr>
           <a:xfrm>
-            <a:off x="555954" y="573275"/>
-            <a:ext cx="682295" cy="590140"/>
+            <a:off x="1174914" y="5586251"/>
+            <a:ext cx="4491789" cy="307777"/>
           </a:xfrm>
-          <a:custGeom>
+          <a:prstGeom prst="rect">
             <a:avLst/>
-            <a:gdLst/>
-            <a:ahLst/>
-            <a:cxnLst/>
-            <a:rect l="l" t="t" r="r" b="b"/>
-            <a:pathLst>
-              <a:path w="11724" h="9834" extrusionOk="0">
-                <a:moveTo>
-                  <a:pt x="3515" y="520"/>
-                </a:moveTo>
-                <a:cubicBezTo>
-                  <a:pt x="3480" y="627"/>
-                  <a:pt x="3462" y="769"/>
-                  <a:pt x="3462" y="930"/>
-                </a:cubicBezTo>
-                <a:lnTo>
-                  <a:pt x="3462" y="2125"/>
-                </a:lnTo>
-                <a:cubicBezTo>
-                  <a:pt x="3462" y="2125"/>
-                  <a:pt x="3194" y="1983"/>
-                  <a:pt x="2927" y="1983"/>
-                </a:cubicBezTo>
-                <a:cubicBezTo>
-                  <a:pt x="2677" y="1983"/>
-                  <a:pt x="2409" y="2125"/>
-                  <a:pt x="2409" y="2125"/>
-                </a:cubicBezTo>
-                <a:lnTo>
-                  <a:pt x="2409" y="930"/>
-                </a:lnTo>
-                <a:cubicBezTo>
-                  <a:pt x="2409" y="769"/>
-                  <a:pt x="2391" y="627"/>
-                  <a:pt x="2374" y="520"/>
-                </a:cubicBezTo>
-                <a:close/>
-                <a:moveTo>
-                  <a:pt x="6442" y="520"/>
-                </a:moveTo>
-                <a:cubicBezTo>
-                  <a:pt x="6406" y="627"/>
-                  <a:pt x="6388" y="769"/>
-                  <a:pt x="6388" y="930"/>
-                </a:cubicBezTo>
-                <a:lnTo>
-                  <a:pt x="6388" y="2125"/>
-                </a:lnTo>
-                <a:cubicBezTo>
-                  <a:pt x="6388" y="2125"/>
-                  <a:pt x="6138" y="1983"/>
-                  <a:pt x="5871" y="1983"/>
-                </a:cubicBezTo>
-                <a:cubicBezTo>
-                  <a:pt x="5603" y="1983"/>
-                  <a:pt x="5335" y="2125"/>
-                  <a:pt x="5335" y="2125"/>
-                </a:cubicBezTo>
-                <a:lnTo>
-                  <a:pt x="5335" y="930"/>
-                </a:lnTo>
-                <a:cubicBezTo>
-                  <a:pt x="5335" y="769"/>
-                  <a:pt x="5318" y="627"/>
-                  <a:pt x="5300" y="520"/>
-                </a:cubicBezTo>
-                <a:close/>
-                <a:moveTo>
-                  <a:pt x="9368" y="520"/>
-                </a:moveTo>
-                <a:cubicBezTo>
-                  <a:pt x="9350" y="627"/>
-                  <a:pt x="9332" y="769"/>
-                  <a:pt x="9332" y="930"/>
-                </a:cubicBezTo>
-                <a:lnTo>
-                  <a:pt x="9332" y="2125"/>
-                </a:lnTo>
-                <a:cubicBezTo>
-                  <a:pt x="9332" y="2125"/>
-                  <a:pt x="9065" y="1983"/>
-                  <a:pt x="8797" y="1983"/>
-                </a:cubicBezTo>
-                <a:cubicBezTo>
-                  <a:pt x="8529" y="1983"/>
-                  <a:pt x="8262" y="2125"/>
-                  <a:pt x="8262" y="2125"/>
-                </a:cubicBezTo>
-                <a:lnTo>
-                  <a:pt x="8262" y="930"/>
-                </a:lnTo>
-                <a:cubicBezTo>
-                  <a:pt x="8262" y="769"/>
-                  <a:pt x="8244" y="627"/>
-                  <a:pt x="8226" y="520"/>
-                </a:cubicBezTo>
-                <a:close/>
-                <a:moveTo>
-                  <a:pt x="10653" y="3321"/>
-                </a:moveTo>
-                <a:lnTo>
-                  <a:pt x="10653" y="9048"/>
-                </a:lnTo>
-                <a:lnTo>
-                  <a:pt x="1071" y="9048"/>
-                </a:lnTo>
-                <a:lnTo>
-                  <a:pt x="1071" y="3321"/>
-                </a:lnTo>
-                <a:lnTo>
-                  <a:pt x="1874" y="3321"/>
-                </a:lnTo>
-                <a:lnTo>
-                  <a:pt x="1874" y="7443"/>
-                </a:lnTo>
-                <a:cubicBezTo>
-                  <a:pt x="1874" y="8031"/>
-                  <a:pt x="2356" y="8513"/>
-                  <a:pt x="2927" y="8513"/>
-                </a:cubicBezTo>
-                <a:cubicBezTo>
-                  <a:pt x="3533" y="8513"/>
-                  <a:pt x="3997" y="8031"/>
-                  <a:pt x="3997" y="7443"/>
-                </a:cubicBezTo>
-                <a:lnTo>
-                  <a:pt x="3997" y="3321"/>
-                </a:lnTo>
-                <a:lnTo>
-                  <a:pt x="4800" y="3321"/>
-                </a:lnTo>
-                <a:lnTo>
-                  <a:pt x="4800" y="7443"/>
-                </a:lnTo>
-                <a:cubicBezTo>
-                  <a:pt x="4800" y="8031"/>
-                  <a:pt x="5282" y="8513"/>
-                  <a:pt x="5871" y="8513"/>
-                </a:cubicBezTo>
-                <a:cubicBezTo>
-                  <a:pt x="6459" y="8513"/>
-                  <a:pt x="6923" y="8031"/>
-                  <a:pt x="6923" y="7443"/>
-                </a:cubicBezTo>
-                <a:lnTo>
-                  <a:pt x="6923" y="3321"/>
-                </a:lnTo>
-                <a:lnTo>
-                  <a:pt x="7726" y="3321"/>
-                </a:lnTo>
-                <a:lnTo>
-                  <a:pt x="7726" y="7443"/>
-                </a:lnTo>
-                <a:cubicBezTo>
-                  <a:pt x="7726" y="8031"/>
-                  <a:pt x="8208" y="8513"/>
-                  <a:pt x="8797" y="8513"/>
-                </a:cubicBezTo>
-                <a:cubicBezTo>
-                  <a:pt x="9386" y="8513"/>
-                  <a:pt x="9850" y="8031"/>
-                  <a:pt x="9850" y="7443"/>
-                </a:cubicBezTo>
-                <a:lnTo>
-                  <a:pt x="9850" y="3321"/>
-                </a:lnTo>
-                <a:close/>
-                <a:moveTo>
-                  <a:pt x="1861" y="0"/>
-                </a:moveTo>
-                <a:cubicBezTo>
-                  <a:pt x="1718" y="0"/>
-                  <a:pt x="1623" y="118"/>
-                  <a:pt x="1606" y="252"/>
-                </a:cubicBezTo>
-                <a:cubicBezTo>
-                  <a:pt x="1606" y="359"/>
-                  <a:pt x="1695" y="484"/>
-                  <a:pt x="1803" y="520"/>
-                </a:cubicBezTo>
-                <a:cubicBezTo>
-                  <a:pt x="1820" y="537"/>
-                  <a:pt x="1874" y="645"/>
-                  <a:pt x="1874" y="930"/>
-                </a:cubicBezTo>
-                <a:lnTo>
-                  <a:pt x="1874" y="2786"/>
-                </a:lnTo>
-                <a:lnTo>
-                  <a:pt x="1071" y="2786"/>
-                </a:lnTo>
-                <a:lnTo>
-                  <a:pt x="1071" y="1590"/>
-                </a:lnTo>
-                <a:lnTo>
-                  <a:pt x="536" y="1590"/>
-                </a:lnTo>
-                <a:lnTo>
-                  <a:pt x="536" y="9048"/>
-                </a:lnTo>
-                <a:lnTo>
-                  <a:pt x="0" y="9048"/>
-                </a:lnTo>
-                <a:lnTo>
-                  <a:pt x="0" y="9833"/>
-                </a:lnTo>
-                <a:lnTo>
-                  <a:pt x="11723" y="9833"/>
-                </a:lnTo>
-                <a:lnTo>
-                  <a:pt x="11723" y="9048"/>
-                </a:lnTo>
-                <a:lnTo>
-                  <a:pt x="11188" y="9048"/>
-                </a:lnTo>
-                <a:lnTo>
-                  <a:pt x="11188" y="1590"/>
-                </a:lnTo>
-                <a:lnTo>
-                  <a:pt x="10653" y="1590"/>
-                </a:lnTo>
-                <a:lnTo>
-                  <a:pt x="10653" y="2786"/>
-                </a:lnTo>
-                <a:lnTo>
-                  <a:pt x="9850" y="2786"/>
-                </a:lnTo>
-                <a:lnTo>
-                  <a:pt x="9850" y="930"/>
-                </a:lnTo>
-                <a:cubicBezTo>
-                  <a:pt x="9850" y="645"/>
-                  <a:pt x="9921" y="537"/>
-                  <a:pt x="9921" y="520"/>
-                </a:cubicBezTo>
-                <a:cubicBezTo>
-                  <a:pt x="10046" y="484"/>
-                  <a:pt x="10117" y="377"/>
-                  <a:pt x="10117" y="252"/>
-                </a:cubicBezTo>
-                <a:cubicBezTo>
-                  <a:pt x="10117" y="118"/>
-                  <a:pt x="10024" y="0"/>
-                  <a:pt x="9880" y="0"/>
-                </a:cubicBezTo>
-                <a:cubicBezTo>
-                  <a:pt x="9870" y="0"/>
-                  <a:pt x="9860" y="1"/>
-                  <a:pt x="9850" y="2"/>
-                </a:cubicBezTo>
-                <a:lnTo>
-                  <a:pt x="7744" y="2"/>
-                </a:lnTo>
-                <a:cubicBezTo>
-                  <a:pt x="7735" y="1"/>
-                  <a:pt x="7726" y="0"/>
-                  <a:pt x="7717" y="0"/>
-                </a:cubicBezTo>
-                <a:cubicBezTo>
-                  <a:pt x="7586" y="0"/>
-                  <a:pt x="7475" y="118"/>
-                  <a:pt x="7459" y="252"/>
-                </a:cubicBezTo>
-                <a:cubicBezTo>
-                  <a:pt x="7459" y="359"/>
-                  <a:pt x="7548" y="484"/>
-                  <a:pt x="7655" y="520"/>
-                </a:cubicBezTo>
-                <a:cubicBezTo>
-                  <a:pt x="7673" y="537"/>
-                  <a:pt x="7726" y="645"/>
-                  <a:pt x="7726" y="930"/>
-                </a:cubicBezTo>
-                <a:lnTo>
-                  <a:pt x="7726" y="2786"/>
-                </a:lnTo>
-                <a:lnTo>
-                  <a:pt x="6923" y="2786"/>
-                </a:lnTo>
-                <a:lnTo>
-                  <a:pt x="6923" y="930"/>
-                </a:lnTo>
-                <a:cubicBezTo>
-                  <a:pt x="6923" y="645"/>
-                  <a:pt x="6995" y="537"/>
-                  <a:pt x="6995" y="520"/>
-                </a:cubicBezTo>
-                <a:cubicBezTo>
-                  <a:pt x="7120" y="484"/>
-                  <a:pt x="7191" y="377"/>
-                  <a:pt x="7191" y="252"/>
-                </a:cubicBezTo>
-                <a:cubicBezTo>
-                  <a:pt x="7191" y="118"/>
-                  <a:pt x="7097" y="0"/>
-                  <a:pt x="6954" y="0"/>
-                </a:cubicBezTo>
-                <a:cubicBezTo>
-                  <a:pt x="6944" y="0"/>
-                  <a:pt x="6934" y="1"/>
-                  <a:pt x="6923" y="2"/>
-                </a:cubicBezTo>
-                <a:lnTo>
-                  <a:pt x="4818" y="2"/>
-                </a:lnTo>
-                <a:cubicBezTo>
-                  <a:pt x="4808" y="1"/>
-                  <a:pt x="4798" y="0"/>
-                  <a:pt x="4788" y="0"/>
-                </a:cubicBezTo>
-                <a:cubicBezTo>
-                  <a:pt x="4644" y="0"/>
-                  <a:pt x="4549" y="118"/>
-                  <a:pt x="4532" y="252"/>
-                </a:cubicBezTo>
-                <a:cubicBezTo>
-                  <a:pt x="4532" y="359"/>
-                  <a:pt x="4622" y="484"/>
-                  <a:pt x="4729" y="520"/>
-                </a:cubicBezTo>
-                <a:cubicBezTo>
-                  <a:pt x="4747" y="537"/>
-                  <a:pt x="4800" y="645"/>
-                  <a:pt x="4800" y="930"/>
-                </a:cubicBezTo>
-                <a:lnTo>
-                  <a:pt x="4800" y="2786"/>
-                </a:lnTo>
-                <a:lnTo>
-                  <a:pt x="3997" y="2786"/>
-                </a:lnTo>
-                <a:lnTo>
-                  <a:pt x="3997" y="930"/>
-                </a:lnTo>
-                <a:cubicBezTo>
-                  <a:pt x="3997" y="645"/>
-                  <a:pt x="4051" y="537"/>
-                  <a:pt x="4069" y="520"/>
-                </a:cubicBezTo>
-                <a:cubicBezTo>
-                  <a:pt x="4193" y="484"/>
-                  <a:pt x="4265" y="377"/>
-                  <a:pt x="4265" y="252"/>
-                </a:cubicBezTo>
-                <a:cubicBezTo>
-                  <a:pt x="4265" y="118"/>
-                  <a:pt x="4171" y="0"/>
-                  <a:pt x="4028" y="0"/>
-                </a:cubicBezTo>
-                <a:cubicBezTo>
-                  <a:pt x="4018" y="0"/>
-                  <a:pt x="4008" y="1"/>
-                  <a:pt x="3997" y="2"/>
-                </a:cubicBezTo>
-                <a:lnTo>
-                  <a:pt x="1892" y="2"/>
-                </a:lnTo>
-                <a:cubicBezTo>
-                  <a:pt x="1881" y="1"/>
-                  <a:pt x="1871" y="0"/>
-                  <a:pt x="1861" y="0"/>
-                </a:cubicBezTo>
-                <a:close/>
-              </a:path>
-            </a:pathLst>
-          </a:custGeom>
-          <a:solidFill>
-            <a:schemeClr val="accent2"/>
-          </a:solidFill>
-          <a:ln>
-            <a:noFill/>
-          </a:ln>
+          </a:prstGeom>
+          <a:noFill/>
         </p:spPr>
         <p:txBody>
-          <a:bodyPr spcFirstLastPara="1" wrap="square" lIns="121900" tIns="121900" rIns="121900" bIns="121900" anchor="ctr" anchorCtr="0">
-            <a:noAutofit/>
+          <a:bodyPr wrap="square" rtlCol="0">
+            <a:spAutoFit/>
           </a:bodyPr>
           <a:lstStyle/>
           <a:p>
-            <a:pPr marL="0" lvl="0" indent="0" algn="l" rtl="0">
-              <a:spcBef>
-                <a:spcPts val="0"/>
-              </a:spcBef>
-              <a:spcAft>
-                <a:spcPts val="0"/>
-              </a:spcAft>
-              <a:buNone/>
-            </a:pPr>
-            <a:endParaRPr/>
+            <a:pPr algn="ctr"/>
+            <a:r>
+              <a:rPr lang="ru-RU" dirty="0" smtClean="0"/>
+              <a:t>Рис. Главное окно</a:t>
+            </a:r>
+            <a:endParaRPr lang="ru-RU" dirty="0"/>
+          </a:p>
+        </p:txBody>
+      </p:sp>
+      <p:sp>
+        <p:nvSpPr>
+          <p:cNvPr id="14" name="TextBox 13"/>
+          <p:cNvSpPr txBox="1"/>
+          <p:nvPr/>
+        </p:nvSpPr>
+        <p:spPr>
+          <a:xfrm>
+            <a:off x="6625072" y="5601865"/>
+            <a:ext cx="4491789" cy="307777"/>
+          </a:xfrm>
+          <a:prstGeom prst="rect">
+            <a:avLst/>
+          </a:prstGeom>
+          <a:noFill/>
+        </p:spPr>
+        <p:txBody>
+          <a:bodyPr wrap="square" rtlCol="0">
+            <a:spAutoFit/>
+          </a:bodyPr>
+          <a:lstStyle/>
+          <a:p>
+            <a:pPr algn="ctr"/>
+            <a:r>
+              <a:rPr lang="ru-RU" dirty="0" smtClean="0"/>
+              <a:t>Рис. Главное окно с развёрнутым боковым меню</a:t>
+            </a:r>
+            <a:endParaRPr lang="ru-RU" dirty="0"/>
           </a:p>
         </p:txBody>
       </p:sp>
     </p:spTree>
     <p:extLst>
       <p:ext uri="{BB962C8B-B14F-4D97-AF65-F5344CB8AC3E}">
-        <p14:creationId xmlns:p14="http://schemas.microsoft.com/office/powerpoint/2010/main" val="3228927438"/>
+        <p14:creationId xmlns:p14="http://schemas.microsoft.com/office/powerpoint/2010/main" val="3378418355"/>
       </p:ext>
     </p:extLst>
   </p:cSld>
@@ -8524,8 +8079,8 @@
 </p:sld>
 </file>
 
-<file path=ppt/slides/slide13.xml><?xml version="1.0" encoding="utf-8"?>
-<p:sld xmlns:a="http://schemas.openxmlformats.org/drawingml/2006/main" xmlns:r="http://schemas.openxmlformats.org/officeDocument/2006/relationships" xmlns:p="http://schemas.openxmlformats.org/presentationml/2006/main" show="0">
+<file path=ppt/slides/slide11.xml><?xml version="1.0" encoding="utf-8"?>
+<p:sld xmlns:a="http://schemas.openxmlformats.org/drawingml/2006/main" xmlns:r="http://schemas.openxmlformats.org/officeDocument/2006/relationships" xmlns:p="http://schemas.openxmlformats.org/presentationml/2006/main">
   <p:cSld>
     <p:spTree>
       <p:nvGrpSpPr>
@@ -8551,47 +8106,2229 @@
             <p:ph type="title"/>
           </p:nvPr>
         </p:nvSpPr>
+        <p:spPr/>
+        <p:txBody>
+          <a:bodyPr anchor="ctr"/>
+          <a:lstStyle/>
+          <a:p>
+            <a:r>
+              <a:rPr lang="ru-RU" dirty="0" smtClean="0"/>
+              <a:t>Окна редактирования объектов</a:t>
+            </a:r>
+            <a:endParaRPr lang="ru-RU" dirty="0"/>
+          </a:p>
+        </p:txBody>
+      </p:sp>
+      <p:sp>
+        <p:nvSpPr>
+          <p:cNvPr id="8" name="TextBox 7"/>
+          <p:cNvSpPr txBox="1"/>
+          <p:nvPr/>
+        </p:nvSpPr>
         <p:spPr>
           <a:xfrm>
-            <a:off x="1543050" y="432000"/>
-            <a:ext cx="10233150" cy="894600"/>
+            <a:off x="451653" y="6858000"/>
+            <a:ext cx="4588042" cy="1477328"/>
           </a:xfrm>
+          <a:prstGeom prst="rect">
+            <a:avLst/>
+          </a:prstGeom>
+          <a:noFill/>
         </p:spPr>
+        <p:txBody>
+          <a:bodyPr wrap="square" rtlCol="0">
+            <a:spAutoFit/>
+          </a:bodyPr>
+          <a:lstStyle/>
+          <a:p>
+            <a:r>
+              <a:rPr lang="ru-RU" sz="1800" b="1" dirty="0"/>
+              <a:t>Цель работы программы:</a:t>
+            </a:r>
+          </a:p>
+          <a:p>
+            <a:pPr marL="352425"/>
+            <a:r>
+              <a:rPr lang="ru-RU" sz="1800" b="1" dirty="0"/>
+              <a:t>Перевод графических данных с кадра изображения в числовые и экспорт данных в выбранный пользователем формат</a:t>
+            </a:r>
+          </a:p>
+        </p:txBody>
+      </p:sp>
+      <p:sp>
+        <p:nvSpPr>
+          <p:cNvPr id="75" name="Google Shape;606;p45">
+            <a:extLst>
+              <a:ext uri="{FF2B5EF4-FFF2-40B4-BE49-F238E27FC236}">
+                <a16:creationId xmlns="" xmlns:a16="http://schemas.microsoft.com/office/drawing/2014/main" id="{DEB368D3-448D-4E8B-8E37-95656B89BA92}"/>
+              </a:ext>
+            </a:extLst>
+          </p:cNvPr>
+          <p:cNvSpPr/>
+          <p:nvPr/>
+        </p:nvSpPr>
+        <p:spPr>
+          <a:xfrm>
+            <a:off x="545820" y="514120"/>
+            <a:ext cx="737548" cy="692472"/>
+          </a:xfrm>
+          <a:custGeom>
+            <a:avLst/>
+            <a:gdLst/>
+            <a:ahLst/>
+            <a:cxnLst/>
+            <a:rect l="l" t="t" r="r" b="b"/>
+            <a:pathLst>
+              <a:path w="10314" h="9391" extrusionOk="0">
+                <a:moveTo>
+                  <a:pt x="5157" y="1"/>
+                </a:moveTo>
+                <a:cubicBezTo>
+                  <a:pt x="4568" y="1"/>
+                  <a:pt x="4086" y="482"/>
+                  <a:pt x="4086" y="1071"/>
+                </a:cubicBezTo>
+                <a:cubicBezTo>
+                  <a:pt x="4086" y="1553"/>
+                  <a:pt x="4425" y="1963"/>
+                  <a:pt x="4889" y="2088"/>
+                </a:cubicBezTo>
+                <a:lnTo>
+                  <a:pt x="4889" y="3926"/>
+                </a:lnTo>
+                <a:cubicBezTo>
+                  <a:pt x="4497" y="3997"/>
+                  <a:pt x="4176" y="4229"/>
+                  <a:pt x="3997" y="4550"/>
+                </a:cubicBezTo>
+                <a:lnTo>
+                  <a:pt x="2284" y="3837"/>
+                </a:lnTo>
+                <a:cubicBezTo>
+                  <a:pt x="2338" y="3373"/>
+                  <a:pt x="2088" y="2891"/>
+                  <a:pt x="1624" y="2695"/>
+                </a:cubicBezTo>
+                <a:cubicBezTo>
+                  <a:pt x="1490" y="2643"/>
+                  <a:pt x="1353" y="2618"/>
+                  <a:pt x="1219" y="2618"/>
+                </a:cubicBezTo>
+                <a:cubicBezTo>
+                  <a:pt x="798" y="2618"/>
+                  <a:pt x="404" y="2860"/>
+                  <a:pt x="214" y="3266"/>
+                </a:cubicBezTo>
+                <a:cubicBezTo>
+                  <a:pt x="0" y="3819"/>
+                  <a:pt x="250" y="4443"/>
+                  <a:pt x="803" y="4675"/>
+                </a:cubicBezTo>
+                <a:cubicBezTo>
+                  <a:pt x="932" y="4727"/>
+                  <a:pt x="1067" y="4752"/>
+                  <a:pt x="1201" y="4752"/>
+                </a:cubicBezTo>
+                <a:cubicBezTo>
+                  <a:pt x="1529" y="4752"/>
+                  <a:pt x="1849" y="4603"/>
+                  <a:pt x="2052" y="4336"/>
+                </a:cubicBezTo>
+                <a:lnTo>
+                  <a:pt x="3801" y="5050"/>
+                </a:lnTo>
+                <a:cubicBezTo>
+                  <a:pt x="3801" y="5086"/>
+                  <a:pt x="3801" y="5157"/>
+                  <a:pt x="3801" y="5211"/>
+                </a:cubicBezTo>
+                <a:cubicBezTo>
+                  <a:pt x="3801" y="5514"/>
+                  <a:pt x="3890" y="5799"/>
+                  <a:pt x="4051" y="6014"/>
+                </a:cubicBezTo>
+                <a:lnTo>
+                  <a:pt x="2677" y="7423"/>
+                </a:lnTo>
+                <a:cubicBezTo>
+                  <a:pt x="2506" y="7319"/>
+                  <a:pt x="2313" y="7268"/>
+                  <a:pt x="2122" y="7268"/>
+                </a:cubicBezTo>
+                <a:cubicBezTo>
+                  <a:pt x="1854" y="7268"/>
+                  <a:pt x="1590" y="7368"/>
+                  <a:pt x="1392" y="7566"/>
+                </a:cubicBezTo>
+                <a:cubicBezTo>
+                  <a:pt x="964" y="7994"/>
+                  <a:pt x="964" y="8654"/>
+                  <a:pt x="1392" y="9082"/>
+                </a:cubicBezTo>
+                <a:cubicBezTo>
+                  <a:pt x="1597" y="9288"/>
+                  <a:pt x="1869" y="9390"/>
+                  <a:pt x="2141" y="9390"/>
+                </a:cubicBezTo>
+                <a:cubicBezTo>
+                  <a:pt x="2414" y="9390"/>
+                  <a:pt x="2686" y="9288"/>
+                  <a:pt x="2891" y="9082"/>
+                </a:cubicBezTo>
+                <a:cubicBezTo>
+                  <a:pt x="3230" y="8726"/>
+                  <a:pt x="3283" y="8190"/>
+                  <a:pt x="3051" y="7780"/>
+                </a:cubicBezTo>
+                <a:lnTo>
+                  <a:pt x="4461" y="6370"/>
+                </a:lnTo>
+                <a:cubicBezTo>
+                  <a:pt x="4657" y="6495"/>
+                  <a:pt x="4889" y="6549"/>
+                  <a:pt x="5121" y="6549"/>
+                </a:cubicBezTo>
+                <a:lnTo>
+                  <a:pt x="5175" y="6549"/>
+                </a:lnTo>
+                <a:cubicBezTo>
+                  <a:pt x="5407" y="6549"/>
+                  <a:pt x="5639" y="6495"/>
+                  <a:pt x="5853" y="6370"/>
+                </a:cubicBezTo>
+                <a:lnTo>
+                  <a:pt x="7244" y="7780"/>
+                </a:lnTo>
+                <a:cubicBezTo>
+                  <a:pt x="7013" y="8190"/>
+                  <a:pt x="7066" y="8726"/>
+                  <a:pt x="7405" y="9082"/>
+                </a:cubicBezTo>
+                <a:cubicBezTo>
+                  <a:pt x="7619" y="9288"/>
+                  <a:pt x="7896" y="9390"/>
+                  <a:pt x="8170" y="9390"/>
+                </a:cubicBezTo>
+                <a:cubicBezTo>
+                  <a:pt x="8444" y="9390"/>
+                  <a:pt x="8716" y="9288"/>
+                  <a:pt x="8922" y="9082"/>
+                </a:cubicBezTo>
+                <a:cubicBezTo>
+                  <a:pt x="9332" y="8672"/>
+                  <a:pt x="9332" y="7994"/>
+                  <a:pt x="8922" y="7584"/>
+                </a:cubicBezTo>
+                <a:cubicBezTo>
+                  <a:pt x="8720" y="7382"/>
+                  <a:pt x="8450" y="7282"/>
+                  <a:pt x="8174" y="7282"/>
+                </a:cubicBezTo>
+                <a:cubicBezTo>
+                  <a:pt x="7985" y="7282"/>
+                  <a:pt x="7793" y="7329"/>
+                  <a:pt x="7619" y="7423"/>
+                </a:cubicBezTo>
+                <a:lnTo>
+                  <a:pt x="6245" y="6031"/>
+                </a:lnTo>
+                <a:cubicBezTo>
+                  <a:pt x="6406" y="5799"/>
+                  <a:pt x="6513" y="5532"/>
+                  <a:pt x="6513" y="5228"/>
+                </a:cubicBezTo>
+                <a:cubicBezTo>
+                  <a:pt x="6513" y="5175"/>
+                  <a:pt x="6513" y="5104"/>
+                  <a:pt x="6495" y="5068"/>
+                </a:cubicBezTo>
+                <a:lnTo>
+                  <a:pt x="8244" y="4336"/>
+                </a:lnTo>
+                <a:cubicBezTo>
+                  <a:pt x="8450" y="4607"/>
+                  <a:pt x="8777" y="4766"/>
+                  <a:pt x="9118" y="4766"/>
+                </a:cubicBezTo>
+                <a:cubicBezTo>
+                  <a:pt x="9249" y="4766"/>
+                  <a:pt x="9382" y="4743"/>
+                  <a:pt x="9510" y="4693"/>
+                </a:cubicBezTo>
+                <a:cubicBezTo>
+                  <a:pt x="10046" y="4443"/>
+                  <a:pt x="10313" y="3837"/>
+                  <a:pt x="10081" y="3284"/>
+                </a:cubicBezTo>
+                <a:cubicBezTo>
+                  <a:pt x="9906" y="2878"/>
+                  <a:pt x="9504" y="2636"/>
+                  <a:pt x="9079" y="2636"/>
+                </a:cubicBezTo>
+                <a:cubicBezTo>
+                  <a:pt x="8944" y="2636"/>
+                  <a:pt x="8806" y="2661"/>
+                  <a:pt x="8672" y="2713"/>
+                </a:cubicBezTo>
+                <a:cubicBezTo>
+                  <a:pt x="8226" y="2891"/>
+                  <a:pt x="7958" y="3373"/>
+                  <a:pt x="8030" y="3855"/>
+                </a:cubicBezTo>
+                <a:lnTo>
+                  <a:pt x="6317" y="4568"/>
+                </a:lnTo>
+                <a:cubicBezTo>
+                  <a:pt x="6120" y="4247"/>
+                  <a:pt x="5781" y="3997"/>
+                  <a:pt x="5407" y="3944"/>
+                </a:cubicBezTo>
+                <a:lnTo>
+                  <a:pt x="5407" y="2088"/>
+                </a:lnTo>
+                <a:cubicBezTo>
+                  <a:pt x="5871" y="1963"/>
+                  <a:pt x="6210" y="1553"/>
+                  <a:pt x="6210" y="1071"/>
+                </a:cubicBezTo>
+                <a:cubicBezTo>
+                  <a:pt x="6210" y="482"/>
+                  <a:pt x="5746" y="1"/>
+                  <a:pt x="5157" y="1"/>
+                </a:cubicBezTo>
+                <a:close/>
+              </a:path>
+            </a:pathLst>
+          </a:custGeom>
+          <a:solidFill>
+            <a:schemeClr val="accent2"/>
+          </a:solidFill>
+          <a:ln>
+            <a:noFill/>
+          </a:ln>
+        </p:spPr>
+        <p:txBody>
+          <a:bodyPr spcFirstLastPara="1" wrap="square" lIns="121900" tIns="121900" rIns="121900" bIns="121900" anchor="ctr" anchorCtr="0">
+            <a:noAutofit/>
+          </a:bodyPr>
+          <a:lstStyle/>
+          <a:p>
+            <a:pPr marL="0" lvl="0" indent="0" algn="l" rtl="0">
+              <a:spcBef>
+                <a:spcPts val="0"/>
+              </a:spcBef>
+              <a:spcAft>
+                <a:spcPts val="0"/>
+              </a:spcAft>
+              <a:buNone/>
+            </a:pPr>
+            <a:endParaRPr/>
+          </a:p>
+        </p:txBody>
+      </p:sp>
+      <p:sp>
+        <p:nvSpPr>
+          <p:cNvPr id="11" name="TextBox 10"/>
+          <p:cNvSpPr txBox="1"/>
+          <p:nvPr/>
+        </p:nvSpPr>
+        <p:spPr>
+          <a:xfrm>
+            <a:off x="1117764" y="5278474"/>
+            <a:ext cx="4491789" cy="307777"/>
+          </a:xfrm>
+          <a:prstGeom prst="rect">
+            <a:avLst/>
+          </a:prstGeom>
+          <a:noFill/>
+        </p:spPr>
+        <p:txBody>
+          <a:bodyPr wrap="square" rtlCol="0">
+            <a:spAutoFit/>
+          </a:bodyPr>
+          <a:lstStyle/>
+          <a:p>
+            <a:pPr algn="ctr"/>
+            <a:r>
+              <a:rPr lang="ru-RU" dirty="0" smtClean="0"/>
+              <a:t>Рис. Окно редактирования материалов</a:t>
+            </a:r>
+            <a:endParaRPr lang="ru-RU" dirty="0"/>
+          </a:p>
+        </p:txBody>
+      </p:sp>
+      <p:pic>
+        <p:nvPicPr>
+          <p:cNvPr id="4" name="Рисунок 3"/>
+          <p:cNvPicPr>
+            <a:picLocks noChangeAspect="1"/>
+          </p:cNvPicPr>
+          <p:nvPr/>
+        </p:nvPicPr>
+        <p:blipFill>
+          <a:blip r:embed="rId3">
+            <a:extLst>
+              <a:ext uri="{28A0092B-C50C-407E-A947-70E740481C1C}">
+                <a14:useLocalDpi xmlns:a14="http://schemas.microsoft.com/office/drawing/2010/main" val="0"/>
+              </a:ext>
+            </a:extLst>
+          </a:blip>
+          <a:stretch>
+            <a:fillRect/>
+          </a:stretch>
+        </p:blipFill>
+        <p:spPr>
+          <a:xfrm>
+            <a:off x="6759874" y="2117627"/>
+            <a:ext cx="4442032" cy="3468624"/>
+          </a:xfrm>
+          <a:prstGeom prst="rect">
+            <a:avLst/>
+          </a:prstGeom>
+        </p:spPr>
+      </p:pic>
+      <p:pic>
+        <p:nvPicPr>
+          <p:cNvPr id="6" name="Рисунок 5"/>
+          <p:cNvPicPr>
+            <a:picLocks noChangeAspect="1"/>
+          </p:cNvPicPr>
+          <p:nvPr/>
+        </p:nvPicPr>
+        <p:blipFill>
+          <a:blip r:embed="rId4">
+            <a:extLst>
+              <a:ext uri="{28A0092B-C50C-407E-A947-70E740481C1C}">
+                <a14:useLocalDpi xmlns:a14="http://schemas.microsoft.com/office/drawing/2010/main" val="0"/>
+              </a:ext>
+            </a:extLst>
+          </a:blip>
+          <a:stretch>
+            <a:fillRect/>
+          </a:stretch>
+        </p:blipFill>
+        <p:spPr>
+          <a:xfrm>
+            <a:off x="857443" y="2117627"/>
+            <a:ext cx="5531289" cy="3134861"/>
+          </a:xfrm>
+          <a:prstGeom prst="rect">
+            <a:avLst/>
+          </a:prstGeom>
+        </p:spPr>
+      </p:pic>
+      <p:sp>
+        <p:nvSpPr>
+          <p:cNvPr id="12" name="TextBox 11"/>
+          <p:cNvSpPr txBox="1"/>
+          <p:nvPr/>
+        </p:nvSpPr>
+        <p:spPr>
+          <a:xfrm>
+            <a:off x="6734995" y="5586251"/>
+            <a:ext cx="4491789" cy="307777"/>
+          </a:xfrm>
+          <a:prstGeom prst="rect">
+            <a:avLst/>
+          </a:prstGeom>
+          <a:noFill/>
+        </p:spPr>
+        <p:txBody>
+          <a:bodyPr wrap="square" rtlCol="0">
+            <a:spAutoFit/>
+          </a:bodyPr>
+          <a:lstStyle/>
+          <a:p>
+            <a:pPr algn="ctr"/>
+            <a:r>
+              <a:rPr lang="ru-RU" dirty="0" smtClean="0"/>
+              <a:t>Рис. Окно съёмки</a:t>
+            </a:r>
+            <a:endParaRPr lang="ru-RU" dirty="0"/>
+          </a:p>
+        </p:txBody>
+      </p:sp>
+    </p:spTree>
+    <p:extLst>
+      <p:ext uri="{BB962C8B-B14F-4D97-AF65-F5344CB8AC3E}">
+        <p14:creationId xmlns:p14="http://schemas.microsoft.com/office/powerpoint/2010/main" val="2886912674"/>
+      </p:ext>
+    </p:extLst>
+  </p:cSld>
+  <p:clrMapOvr>
+    <a:masterClrMapping/>
+  </p:clrMapOvr>
+</p:sld>
+</file>
+
+<file path=ppt/slides/slide12.xml><?xml version="1.0" encoding="utf-8"?>
+<p:sld xmlns:a="http://schemas.openxmlformats.org/drawingml/2006/main" xmlns:r="http://schemas.openxmlformats.org/officeDocument/2006/relationships" xmlns:p="http://schemas.openxmlformats.org/presentationml/2006/main">
+  <p:cSld>
+    <p:spTree>
+      <p:nvGrpSpPr>
+        <p:cNvPr id="1" name=""/>
+        <p:cNvGrpSpPr/>
+        <p:nvPr/>
+      </p:nvGrpSpPr>
+      <p:grpSpPr>
+        <a:xfrm>
+          <a:off x="0" y="0"/>
+          <a:ext cx="0" cy="0"/>
+          <a:chOff x="0" y="0"/>
+          <a:chExt cx="0" cy="0"/>
+        </a:xfrm>
+      </p:grpSpPr>
+      <p:sp>
+        <p:nvSpPr>
+          <p:cNvPr id="2" name="Заголовок 1"/>
+          <p:cNvSpPr>
+            <a:spLocks noGrp="1"/>
+          </p:cNvSpPr>
+          <p:nvPr>
+            <p:ph type="title"/>
+          </p:nvPr>
+        </p:nvSpPr>
+        <p:spPr/>
+        <p:txBody>
+          <a:bodyPr anchor="ctr"/>
+          <a:lstStyle/>
+          <a:p>
+            <a:r>
+              <a:rPr lang="ru-RU" dirty="0" smtClean="0"/>
+              <a:t>Окна </a:t>
+            </a:r>
+            <a:r>
+              <a:rPr lang="ru-RU" dirty="0"/>
+              <a:t>со справочной информацией</a:t>
+            </a:r>
+          </a:p>
+        </p:txBody>
+      </p:sp>
+      <p:sp>
+        <p:nvSpPr>
+          <p:cNvPr id="8" name="TextBox 7"/>
+          <p:cNvSpPr txBox="1"/>
+          <p:nvPr/>
+        </p:nvSpPr>
+        <p:spPr>
+          <a:xfrm>
+            <a:off x="451653" y="6858000"/>
+            <a:ext cx="4588042" cy="1477328"/>
+          </a:xfrm>
+          <a:prstGeom prst="rect">
+            <a:avLst/>
+          </a:prstGeom>
+          <a:noFill/>
+        </p:spPr>
+        <p:txBody>
+          <a:bodyPr wrap="square" rtlCol="0">
+            <a:spAutoFit/>
+          </a:bodyPr>
+          <a:lstStyle/>
+          <a:p>
+            <a:r>
+              <a:rPr lang="ru-RU" sz="1800" b="1" dirty="0"/>
+              <a:t>Цель работы программы:</a:t>
+            </a:r>
+          </a:p>
+          <a:p>
+            <a:pPr marL="352425"/>
+            <a:r>
+              <a:rPr lang="ru-RU" sz="1800" b="1" dirty="0"/>
+              <a:t>Перевод графических данных с кадра изображения в числовые и экспорт данных в выбранный пользователем формат</a:t>
+            </a:r>
+          </a:p>
+        </p:txBody>
+      </p:sp>
+      <p:sp>
+        <p:nvSpPr>
+          <p:cNvPr id="75" name="Google Shape;606;p45">
+            <a:extLst>
+              <a:ext uri="{FF2B5EF4-FFF2-40B4-BE49-F238E27FC236}">
+                <a16:creationId xmlns="" xmlns:a16="http://schemas.microsoft.com/office/drawing/2014/main" id="{DEB368D3-448D-4E8B-8E37-95656B89BA92}"/>
+              </a:ext>
+            </a:extLst>
+          </p:cNvPr>
+          <p:cNvSpPr/>
+          <p:nvPr/>
+        </p:nvSpPr>
+        <p:spPr>
+          <a:xfrm>
+            <a:off x="545820" y="514120"/>
+            <a:ext cx="737548" cy="692472"/>
+          </a:xfrm>
+          <a:custGeom>
+            <a:avLst/>
+            <a:gdLst/>
+            <a:ahLst/>
+            <a:cxnLst/>
+            <a:rect l="l" t="t" r="r" b="b"/>
+            <a:pathLst>
+              <a:path w="10314" h="9391" extrusionOk="0">
+                <a:moveTo>
+                  <a:pt x="5157" y="1"/>
+                </a:moveTo>
+                <a:cubicBezTo>
+                  <a:pt x="4568" y="1"/>
+                  <a:pt x="4086" y="482"/>
+                  <a:pt x="4086" y="1071"/>
+                </a:cubicBezTo>
+                <a:cubicBezTo>
+                  <a:pt x="4086" y="1553"/>
+                  <a:pt x="4425" y="1963"/>
+                  <a:pt x="4889" y="2088"/>
+                </a:cubicBezTo>
+                <a:lnTo>
+                  <a:pt x="4889" y="3926"/>
+                </a:lnTo>
+                <a:cubicBezTo>
+                  <a:pt x="4497" y="3997"/>
+                  <a:pt x="4176" y="4229"/>
+                  <a:pt x="3997" y="4550"/>
+                </a:cubicBezTo>
+                <a:lnTo>
+                  <a:pt x="2284" y="3837"/>
+                </a:lnTo>
+                <a:cubicBezTo>
+                  <a:pt x="2338" y="3373"/>
+                  <a:pt x="2088" y="2891"/>
+                  <a:pt x="1624" y="2695"/>
+                </a:cubicBezTo>
+                <a:cubicBezTo>
+                  <a:pt x="1490" y="2643"/>
+                  <a:pt x="1353" y="2618"/>
+                  <a:pt x="1219" y="2618"/>
+                </a:cubicBezTo>
+                <a:cubicBezTo>
+                  <a:pt x="798" y="2618"/>
+                  <a:pt x="404" y="2860"/>
+                  <a:pt x="214" y="3266"/>
+                </a:cubicBezTo>
+                <a:cubicBezTo>
+                  <a:pt x="0" y="3819"/>
+                  <a:pt x="250" y="4443"/>
+                  <a:pt x="803" y="4675"/>
+                </a:cubicBezTo>
+                <a:cubicBezTo>
+                  <a:pt x="932" y="4727"/>
+                  <a:pt x="1067" y="4752"/>
+                  <a:pt x="1201" y="4752"/>
+                </a:cubicBezTo>
+                <a:cubicBezTo>
+                  <a:pt x="1529" y="4752"/>
+                  <a:pt x="1849" y="4603"/>
+                  <a:pt x="2052" y="4336"/>
+                </a:cubicBezTo>
+                <a:lnTo>
+                  <a:pt x="3801" y="5050"/>
+                </a:lnTo>
+                <a:cubicBezTo>
+                  <a:pt x="3801" y="5086"/>
+                  <a:pt x="3801" y="5157"/>
+                  <a:pt x="3801" y="5211"/>
+                </a:cubicBezTo>
+                <a:cubicBezTo>
+                  <a:pt x="3801" y="5514"/>
+                  <a:pt x="3890" y="5799"/>
+                  <a:pt x="4051" y="6014"/>
+                </a:cubicBezTo>
+                <a:lnTo>
+                  <a:pt x="2677" y="7423"/>
+                </a:lnTo>
+                <a:cubicBezTo>
+                  <a:pt x="2506" y="7319"/>
+                  <a:pt x="2313" y="7268"/>
+                  <a:pt x="2122" y="7268"/>
+                </a:cubicBezTo>
+                <a:cubicBezTo>
+                  <a:pt x="1854" y="7268"/>
+                  <a:pt x="1590" y="7368"/>
+                  <a:pt x="1392" y="7566"/>
+                </a:cubicBezTo>
+                <a:cubicBezTo>
+                  <a:pt x="964" y="7994"/>
+                  <a:pt x="964" y="8654"/>
+                  <a:pt x="1392" y="9082"/>
+                </a:cubicBezTo>
+                <a:cubicBezTo>
+                  <a:pt x="1597" y="9288"/>
+                  <a:pt x="1869" y="9390"/>
+                  <a:pt x="2141" y="9390"/>
+                </a:cubicBezTo>
+                <a:cubicBezTo>
+                  <a:pt x="2414" y="9390"/>
+                  <a:pt x="2686" y="9288"/>
+                  <a:pt x="2891" y="9082"/>
+                </a:cubicBezTo>
+                <a:cubicBezTo>
+                  <a:pt x="3230" y="8726"/>
+                  <a:pt x="3283" y="8190"/>
+                  <a:pt x="3051" y="7780"/>
+                </a:cubicBezTo>
+                <a:lnTo>
+                  <a:pt x="4461" y="6370"/>
+                </a:lnTo>
+                <a:cubicBezTo>
+                  <a:pt x="4657" y="6495"/>
+                  <a:pt x="4889" y="6549"/>
+                  <a:pt x="5121" y="6549"/>
+                </a:cubicBezTo>
+                <a:lnTo>
+                  <a:pt x="5175" y="6549"/>
+                </a:lnTo>
+                <a:cubicBezTo>
+                  <a:pt x="5407" y="6549"/>
+                  <a:pt x="5639" y="6495"/>
+                  <a:pt x="5853" y="6370"/>
+                </a:cubicBezTo>
+                <a:lnTo>
+                  <a:pt x="7244" y="7780"/>
+                </a:lnTo>
+                <a:cubicBezTo>
+                  <a:pt x="7013" y="8190"/>
+                  <a:pt x="7066" y="8726"/>
+                  <a:pt x="7405" y="9082"/>
+                </a:cubicBezTo>
+                <a:cubicBezTo>
+                  <a:pt x="7619" y="9288"/>
+                  <a:pt x="7896" y="9390"/>
+                  <a:pt x="8170" y="9390"/>
+                </a:cubicBezTo>
+                <a:cubicBezTo>
+                  <a:pt x="8444" y="9390"/>
+                  <a:pt x="8716" y="9288"/>
+                  <a:pt x="8922" y="9082"/>
+                </a:cubicBezTo>
+                <a:cubicBezTo>
+                  <a:pt x="9332" y="8672"/>
+                  <a:pt x="9332" y="7994"/>
+                  <a:pt x="8922" y="7584"/>
+                </a:cubicBezTo>
+                <a:cubicBezTo>
+                  <a:pt x="8720" y="7382"/>
+                  <a:pt x="8450" y="7282"/>
+                  <a:pt x="8174" y="7282"/>
+                </a:cubicBezTo>
+                <a:cubicBezTo>
+                  <a:pt x="7985" y="7282"/>
+                  <a:pt x="7793" y="7329"/>
+                  <a:pt x="7619" y="7423"/>
+                </a:cubicBezTo>
+                <a:lnTo>
+                  <a:pt x="6245" y="6031"/>
+                </a:lnTo>
+                <a:cubicBezTo>
+                  <a:pt x="6406" y="5799"/>
+                  <a:pt x="6513" y="5532"/>
+                  <a:pt x="6513" y="5228"/>
+                </a:cubicBezTo>
+                <a:cubicBezTo>
+                  <a:pt x="6513" y="5175"/>
+                  <a:pt x="6513" y="5104"/>
+                  <a:pt x="6495" y="5068"/>
+                </a:cubicBezTo>
+                <a:lnTo>
+                  <a:pt x="8244" y="4336"/>
+                </a:lnTo>
+                <a:cubicBezTo>
+                  <a:pt x="8450" y="4607"/>
+                  <a:pt x="8777" y="4766"/>
+                  <a:pt x="9118" y="4766"/>
+                </a:cubicBezTo>
+                <a:cubicBezTo>
+                  <a:pt x="9249" y="4766"/>
+                  <a:pt x="9382" y="4743"/>
+                  <a:pt x="9510" y="4693"/>
+                </a:cubicBezTo>
+                <a:cubicBezTo>
+                  <a:pt x="10046" y="4443"/>
+                  <a:pt x="10313" y="3837"/>
+                  <a:pt x="10081" y="3284"/>
+                </a:cubicBezTo>
+                <a:cubicBezTo>
+                  <a:pt x="9906" y="2878"/>
+                  <a:pt x="9504" y="2636"/>
+                  <a:pt x="9079" y="2636"/>
+                </a:cubicBezTo>
+                <a:cubicBezTo>
+                  <a:pt x="8944" y="2636"/>
+                  <a:pt x="8806" y="2661"/>
+                  <a:pt x="8672" y="2713"/>
+                </a:cubicBezTo>
+                <a:cubicBezTo>
+                  <a:pt x="8226" y="2891"/>
+                  <a:pt x="7958" y="3373"/>
+                  <a:pt x="8030" y="3855"/>
+                </a:cubicBezTo>
+                <a:lnTo>
+                  <a:pt x="6317" y="4568"/>
+                </a:lnTo>
+                <a:cubicBezTo>
+                  <a:pt x="6120" y="4247"/>
+                  <a:pt x="5781" y="3997"/>
+                  <a:pt x="5407" y="3944"/>
+                </a:cubicBezTo>
+                <a:lnTo>
+                  <a:pt x="5407" y="2088"/>
+                </a:lnTo>
+                <a:cubicBezTo>
+                  <a:pt x="5871" y="1963"/>
+                  <a:pt x="6210" y="1553"/>
+                  <a:pt x="6210" y="1071"/>
+                </a:cubicBezTo>
+                <a:cubicBezTo>
+                  <a:pt x="6210" y="482"/>
+                  <a:pt x="5746" y="1"/>
+                  <a:pt x="5157" y="1"/>
+                </a:cubicBezTo>
+                <a:close/>
+              </a:path>
+            </a:pathLst>
+          </a:custGeom>
+          <a:solidFill>
+            <a:schemeClr val="accent2"/>
+          </a:solidFill>
+          <a:ln>
+            <a:noFill/>
+          </a:ln>
+        </p:spPr>
+        <p:txBody>
+          <a:bodyPr spcFirstLastPara="1" wrap="square" lIns="121900" tIns="121900" rIns="121900" bIns="121900" anchor="ctr" anchorCtr="0">
+            <a:noAutofit/>
+          </a:bodyPr>
+          <a:lstStyle/>
+          <a:p>
+            <a:pPr marL="0" lvl="0" indent="0" algn="l" rtl="0">
+              <a:spcBef>
+                <a:spcPts val="0"/>
+              </a:spcBef>
+              <a:spcAft>
+                <a:spcPts val="0"/>
+              </a:spcAft>
+              <a:buNone/>
+            </a:pPr>
+            <a:endParaRPr/>
+          </a:p>
+        </p:txBody>
+      </p:sp>
+      <p:sp>
+        <p:nvSpPr>
+          <p:cNvPr id="11" name="TextBox 10"/>
+          <p:cNvSpPr txBox="1"/>
+          <p:nvPr/>
+        </p:nvSpPr>
+        <p:spPr>
+          <a:xfrm>
+            <a:off x="3962397" y="5815710"/>
+            <a:ext cx="4491789" cy="307777"/>
+          </a:xfrm>
+          <a:prstGeom prst="rect">
+            <a:avLst/>
+          </a:prstGeom>
+          <a:noFill/>
+        </p:spPr>
+        <p:txBody>
+          <a:bodyPr wrap="square" rtlCol="0">
+            <a:spAutoFit/>
+          </a:bodyPr>
+          <a:lstStyle/>
+          <a:p>
+            <a:pPr algn="ctr"/>
+            <a:r>
+              <a:rPr lang="ru-RU" dirty="0"/>
+              <a:t>Рис</a:t>
+            </a:r>
+            <a:r>
+              <a:rPr lang="ru-RU" dirty="0" smtClean="0"/>
+              <a:t>. </a:t>
+            </a:r>
+            <a:r>
+              <a:rPr lang="ru-RU" dirty="0"/>
+              <a:t>Окно «Синтаксис поиска</a:t>
+            </a:r>
+            <a:r>
+              <a:rPr lang="ru-RU" dirty="0" smtClean="0"/>
+              <a:t>»</a:t>
+            </a:r>
+            <a:endParaRPr lang="ru-RU" dirty="0"/>
+          </a:p>
+        </p:txBody>
+      </p:sp>
+      <p:pic>
+        <p:nvPicPr>
+          <p:cNvPr id="3" name="Рисунок 2"/>
+          <p:cNvPicPr>
+            <a:picLocks noChangeAspect="1"/>
+          </p:cNvPicPr>
+          <p:nvPr/>
+        </p:nvPicPr>
+        <p:blipFill>
+          <a:blip r:embed="rId3">
+            <a:extLst>
+              <a:ext uri="{28A0092B-C50C-407E-A947-70E740481C1C}">
+                <a14:useLocalDpi xmlns:a14="http://schemas.microsoft.com/office/drawing/2010/main" val="0"/>
+              </a:ext>
+            </a:extLst>
+          </a:blip>
+          <a:stretch>
+            <a:fillRect/>
+          </a:stretch>
+        </p:blipFill>
+        <p:spPr>
+          <a:xfrm>
+            <a:off x="3339260" y="1898517"/>
+            <a:ext cx="5738065" cy="3798235"/>
+          </a:xfrm>
+          <a:prstGeom prst="rect">
+            <a:avLst/>
+          </a:prstGeom>
+        </p:spPr>
+      </p:pic>
+    </p:spTree>
+    <p:extLst>
+      <p:ext uri="{BB962C8B-B14F-4D97-AF65-F5344CB8AC3E}">
+        <p14:creationId xmlns:p14="http://schemas.microsoft.com/office/powerpoint/2010/main" val="4030909964"/>
+      </p:ext>
+    </p:extLst>
+  </p:cSld>
+  <p:clrMapOvr>
+    <a:masterClrMapping/>
+  </p:clrMapOvr>
+</p:sld>
+</file>
+
+<file path=ppt/slides/slide13.xml><?xml version="1.0" encoding="utf-8"?>
+<p:sld xmlns:a="http://schemas.openxmlformats.org/drawingml/2006/main" xmlns:r="http://schemas.openxmlformats.org/officeDocument/2006/relationships" xmlns:p="http://schemas.openxmlformats.org/presentationml/2006/main">
+  <p:cSld>
+    <p:spTree>
+      <p:nvGrpSpPr>
+        <p:cNvPr id="1" name=""/>
+        <p:cNvGrpSpPr/>
+        <p:nvPr/>
+      </p:nvGrpSpPr>
+      <p:grpSpPr>
+        <a:xfrm>
+          <a:off x="0" y="0"/>
+          <a:ext cx="0" cy="0"/>
+          <a:chOff x="0" y="0"/>
+          <a:chExt cx="0" cy="0"/>
+        </a:xfrm>
+      </p:grpSpPr>
+      <p:sp>
+        <p:nvSpPr>
+          <p:cNvPr id="2" name="Заголовок 1"/>
+          <p:cNvSpPr>
+            <a:spLocks noGrp="1"/>
+          </p:cNvSpPr>
+          <p:nvPr>
+            <p:ph type="title"/>
+          </p:nvPr>
+        </p:nvSpPr>
+        <p:spPr/>
+        <p:txBody>
+          <a:bodyPr anchor="ctr"/>
+          <a:lstStyle/>
+          <a:p>
+            <a:r>
+              <a:rPr lang="ru-RU" dirty="0" smtClean="0"/>
+              <a:t>Разметка главного окна</a:t>
+            </a:r>
+            <a:endParaRPr lang="ru-RU" dirty="0"/>
+          </a:p>
+        </p:txBody>
+      </p:sp>
+      <p:sp>
+        <p:nvSpPr>
+          <p:cNvPr id="75" name="Google Shape;606;p45">
+            <a:extLst>
+              <a:ext uri="{FF2B5EF4-FFF2-40B4-BE49-F238E27FC236}">
+                <a16:creationId xmlns="" xmlns:a16="http://schemas.microsoft.com/office/drawing/2014/main" id="{DEB368D3-448D-4E8B-8E37-95656B89BA92}"/>
+              </a:ext>
+            </a:extLst>
+          </p:cNvPr>
+          <p:cNvSpPr/>
+          <p:nvPr/>
+        </p:nvSpPr>
+        <p:spPr>
+          <a:xfrm>
+            <a:off x="545820" y="514120"/>
+            <a:ext cx="737548" cy="692472"/>
+          </a:xfrm>
+          <a:custGeom>
+            <a:avLst/>
+            <a:gdLst/>
+            <a:ahLst/>
+            <a:cxnLst/>
+            <a:rect l="l" t="t" r="r" b="b"/>
+            <a:pathLst>
+              <a:path w="10314" h="9391" extrusionOk="0">
+                <a:moveTo>
+                  <a:pt x="5157" y="1"/>
+                </a:moveTo>
+                <a:cubicBezTo>
+                  <a:pt x="4568" y="1"/>
+                  <a:pt x="4086" y="482"/>
+                  <a:pt x="4086" y="1071"/>
+                </a:cubicBezTo>
+                <a:cubicBezTo>
+                  <a:pt x="4086" y="1553"/>
+                  <a:pt x="4425" y="1963"/>
+                  <a:pt x="4889" y="2088"/>
+                </a:cubicBezTo>
+                <a:lnTo>
+                  <a:pt x="4889" y="3926"/>
+                </a:lnTo>
+                <a:cubicBezTo>
+                  <a:pt x="4497" y="3997"/>
+                  <a:pt x="4176" y="4229"/>
+                  <a:pt x="3997" y="4550"/>
+                </a:cubicBezTo>
+                <a:lnTo>
+                  <a:pt x="2284" y="3837"/>
+                </a:lnTo>
+                <a:cubicBezTo>
+                  <a:pt x="2338" y="3373"/>
+                  <a:pt x="2088" y="2891"/>
+                  <a:pt x="1624" y="2695"/>
+                </a:cubicBezTo>
+                <a:cubicBezTo>
+                  <a:pt x="1490" y="2643"/>
+                  <a:pt x="1353" y="2618"/>
+                  <a:pt x="1219" y="2618"/>
+                </a:cubicBezTo>
+                <a:cubicBezTo>
+                  <a:pt x="798" y="2618"/>
+                  <a:pt x="404" y="2860"/>
+                  <a:pt x="214" y="3266"/>
+                </a:cubicBezTo>
+                <a:cubicBezTo>
+                  <a:pt x="0" y="3819"/>
+                  <a:pt x="250" y="4443"/>
+                  <a:pt x="803" y="4675"/>
+                </a:cubicBezTo>
+                <a:cubicBezTo>
+                  <a:pt x="932" y="4727"/>
+                  <a:pt x="1067" y="4752"/>
+                  <a:pt x="1201" y="4752"/>
+                </a:cubicBezTo>
+                <a:cubicBezTo>
+                  <a:pt x="1529" y="4752"/>
+                  <a:pt x="1849" y="4603"/>
+                  <a:pt x="2052" y="4336"/>
+                </a:cubicBezTo>
+                <a:lnTo>
+                  <a:pt x="3801" y="5050"/>
+                </a:lnTo>
+                <a:cubicBezTo>
+                  <a:pt x="3801" y="5086"/>
+                  <a:pt x="3801" y="5157"/>
+                  <a:pt x="3801" y="5211"/>
+                </a:cubicBezTo>
+                <a:cubicBezTo>
+                  <a:pt x="3801" y="5514"/>
+                  <a:pt x="3890" y="5799"/>
+                  <a:pt x="4051" y="6014"/>
+                </a:cubicBezTo>
+                <a:lnTo>
+                  <a:pt x="2677" y="7423"/>
+                </a:lnTo>
+                <a:cubicBezTo>
+                  <a:pt x="2506" y="7319"/>
+                  <a:pt x="2313" y="7268"/>
+                  <a:pt x="2122" y="7268"/>
+                </a:cubicBezTo>
+                <a:cubicBezTo>
+                  <a:pt x="1854" y="7268"/>
+                  <a:pt x="1590" y="7368"/>
+                  <a:pt x="1392" y="7566"/>
+                </a:cubicBezTo>
+                <a:cubicBezTo>
+                  <a:pt x="964" y="7994"/>
+                  <a:pt x="964" y="8654"/>
+                  <a:pt x="1392" y="9082"/>
+                </a:cubicBezTo>
+                <a:cubicBezTo>
+                  <a:pt x="1597" y="9288"/>
+                  <a:pt x="1869" y="9390"/>
+                  <a:pt x="2141" y="9390"/>
+                </a:cubicBezTo>
+                <a:cubicBezTo>
+                  <a:pt x="2414" y="9390"/>
+                  <a:pt x="2686" y="9288"/>
+                  <a:pt x="2891" y="9082"/>
+                </a:cubicBezTo>
+                <a:cubicBezTo>
+                  <a:pt x="3230" y="8726"/>
+                  <a:pt x="3283" y="8190"/>
+                  <a:pt x="3051" y="7780"/>
+                </a:cubicBezTo>
+                <a:lnTo>
+                  <a:pt x="4461" y="6370"/>
+                </a:lnTo>
+                <a:cubicBezTo>
+                  <a:pt x="4657" y="6495"/>
+                  <a:pt x="4889" y="6549"/>
+                  <a:pt x="5121" y="6549"/>
+                </a:cubicBezTo>
+                <a:lnTo>
+                  <a:pt x="5175" y="6549"/>
+                </a:lnTo>
+                <a:cubicBezTo>
+                  <a:pt x="5407" y="6549"/>
+                  <a:pt x="5639" y="6495"/>
+                  <a:pt x="5853" y="6370"/>
+                </a:cubicBezTo>
+                <a:lnTo>
+                  <a:pt x="7244" y="7780"/>
+                </a:lnTo>
+                <a:cubicBezTo>
+                  <a:pt x="7013" y="8190"/>
+                  <a:pt x="7066" y="8726"/>
+                  <a:pt x="7405" y="9082"/>
+                </a:cubicBezTo>
+                <a:cubicBezTo>
+                  <a:pt x="7619" y="9288"/>
+                  <a:pt x="7896" y="9390"/>
+                  <a:pt x="8170" y="9390"/>
+                </a:cubicBezTo>
+                <a:cubicBezTo>
+                  <a:pt x="8444" y="9390"/>
+                  <a:pt x="8716" y="9288"/>
+                  <a:pt x="8922" y="9082"/>
+                </a:cubicBezTo>
+                <a:cubicBezTo>
+                  <a:pt x="9332" y="8672"/>
+                  <a:pt x="9332" y="7994"/>
+                  <a:pt x="8922" y="7584"/>
+                </a:cubicBezTo>
+                <a:cubicBezTo>
+                  <a:pt x="8720" y="7382"/>
+                  <a:pt x="8450" y="7282"/>
+                  <a:pt x="8174" y="7282"/>
+                </a:cubicBezTo>
+                <a:cubicBezTo>
+                  <a:pt x="7985" y="7282"/>
+                  <a:pt x="7793" y="7329"/>
+                  <a:pt x="7619" y="7423"/>
+                </a:cubicBezTo>
+                <a:lnTo>
+                  <a:pt x="6245" y="6031"/>
+                </a:lnTo>
+                <a:cubicBezTo>
+                  <a:pt x="6406" y="5799"/>
+                  <a:pt x="6513" y="5532"/>
+                  <a:pt x="6513" y="5228"/>
+                </a:cubicBezTo>
+                <a:cubicBezTo>
+                  <a:pt x="6513" y="5175"/>
+                  <a:pt x="6513" y="5104"/>
+                  <a:pt x="6495" y="5068"/>
+                </a:cubicBezTo>
+                <a:lnTo>
+                  <a:pt x="8244" y="4336"/>
+                </a:lnTo>
+                <a:cubicBezTo>
+                  <a:pt x="8450" y="4607"/>
+                  <a:pt x="8777" y="4766"/>
+                  <a:pt x="9118" y="4766"/>
+                </a:cubicBezTo>
+                <a:cubicBezTo>
+                  <a:pt x="9249" y="4766"/>
+                  <a:pt x="9382" y="4743"/>
+                  <a:pt x="9510" y="4693"/>
+                </a:cubicBezTo>
+                <a:cubicBezTo>
+                  <a:pt x="10046" y="4443"/>
+                  <a:pt x="10313" y="3837"/>
+                  <a:pt x="10081" y="3284"/>
+                </a:cubicBezTo>
+                <a:cubicBezTo>
+                  <a:pt x="9906" y="2878"/>
+                  <a:pt x="9504" y="2636"/>
+                  <a:pt x="9079" y="2636"/>
+                </a:cubicBezTo>
+                <a:cubicBezTo>
+                  <a:pt x="8944" y="2636"/>
+                  <a:pt x="8806" y="2661"/>
+                  <a:pt x="8672" y="2713"/>
+                </a:cubicBezTo>
+                <a:cubicBezTo>
+                  <a:pt x="8226" y="2891"/>
+                  <a:pt x="7958" y="3373"/>
+                  <a:pt x="8030" y="3855"/>
+                </a:cubicBezTo>
+                <a:lnTo>
+                  <a:pt x="6317" y="4568"/>
+                </a:lnTo>
+                <a:cubicBezTo>
+                  <a:pt x="6120" y="4247"/>
+                  <a:pt x="5781" y="3997"/>
+                  <a:pt x="5407" y="3944"/>
+                </a:cubicBezTo>
+                <a:lnTo>
+                  <a:pt x="5407" y="2088"/>
+                </a:lnTo>
+                <a:cubicBezTo>
+                  <a:pt x="5871" y="1963"/>
+                  <a:pt x="6210" y="1553"/>
+                  <a:pt x="6210" y="1071"/>
+                </a:cubicBezTo>
+                <a:cubicBezTo>
+                  <a:pt x="6210" y="482"/>
+                  <a:pt x="5746" y="1"/>
+                  <a:pt x="5157" y="1"/>
+                </a:cubicBezTo>
+                <a:close/>
+              </a:path>
+            </a:pathLst>
+          </a:custGeom>
+          <a:solidFill>
+            <a:schemeClr val="accent2"/>
+          </a:solidFill>
+          <a:ln>
+            <a:noFill/>
+          </a:ln>
+        </p:spPr>
+        <p:txBody>
+          <a:bodyPr spcFirstLastPara="1" wrap="square" lIns="121900" tIns="121900" rIns="121900" bIns="121900" anchor="ctr" anchorCtr="0">
+            <a:noAutofit/>
+          </a:bodyPr>
+          <a:lstStyle/>
+          <a:p>
+            <a:pPr marL="0" lvl="0" indent="0" algn="l" rtl="0">
+              <a:spcBef>
+                <a:spcPts val="0"/>
+              </a:spcBef>
+              <a:spcAft>
+                <a:spcPts val="0"/>
+              </a:spcAft>
+              <a:buNone/>
+            </a:pPr>
+            <a:endParaRPr/>
+          </a:p>
+        </p:txBody>
+      </p:sp>
+      <p:sp>
+        <p:nvSpPr>
+          <p:cNvPr id="12" name="Прямоугольник 11"/>
+          <p:cNvSpPr/>
+          <p:nvPr/>
+        </p:nvSpPr>
+        <p:spPr>
+          <a:xfrm>
+            <a:off x="757881" y="1831889"/>
+            <a:ext cx="11218219" cy="4324261"/>
+          </a:xfrm>
+          <a:prstGeom prst="rect">
+            <a:avLst/>
+          </a:prstGeom>
+        </p:spPr>
+        <p:txBody>
+          <a:bodyPr wrap="square">
+            <a:spAutoFit/>
+          </a:bodyPr>
+          <a:lstStyle/>
+          <a:p>
+            <a:r>
+              <a:rPr lang="en-US" sz="1100" b="1" dirty="0">
+                <a:latin typeface="Courier New" panose="02070309020205020404" pitchFamily="49" charset="0"/>
+                <a:cs typeface="Courier New" panose="02070309020205020404" pitchFamily="49" charset="0"/>
+              </a:rPr>
+              <a:t>&lt;Window </a:t>
+            </a:r>
+            <a:r>
+              <a:rPr lang="en-US" sz="1100" b="1" dirty="0" smtClean="0">
+                <a:latin typeface="Courier New" panose="02070309020205020404" pitchFamily="49" charset="0"/>
+                <a:cs typeface="Courier New" panose="02070309020205020404" pitchFamily="49" charset="0"/>
+              </a:rPr>
+              <a:t>Title</a:t>
+            </a:r>
+            <a:r>
+              <a:rPr lang="en-US" sz="1100" b="1" dirty="0">
+                <a:latin typeface="Courier New" panose="02070309020205020404" pitchFamily="49" charset="0"/>
+                <a:cs typeface="Courier New" panose="02070309020205020404" pitchFamily="49" charset="0"/>
+              </a:rPr>
+              <a:t>="</a:t>
+            </a:r>
+            <a:r>
+              <a:rPr lang="ru-RU" sz="1100" b="1" dirty="0">
+                <a:latin typeface="Courier New" panose="02070309020205020404" pitchFamily="49" charset="0"/>
+                <a:cs typeface="Courier New" panose="02070309020205020404" pitchFamily="49" charset="0"/>
+              </a:rPr>
+              <a:t>Менеджер проектов" </a:t>
+            </a:r>
+            <a:r>
+              <a:rPr lang="en-US" sz="1100" b="1" dirty="0">
+                <a:latin typeface="Courier New" panose="02070309020205020404" pitchFamily="49" charset="0"/>
+                <a:cs typeface="Courier New" panose="02070309020205020404" pitchFamily="49" charset="0"/>
+              </a:rPr>
+              <a:t>Height="550" Width="800"&gt;</a:t>
+            </a:r>
+          </a:p>
+          <a:p>
+            <a:r>
+              <a:rPr lang="ru-RU" sz="1100" b="1" dirty="0" smtClean="0">
+                <a:latin typeface="Courier New" panose="02070309020205020404" pitchFamily="49" charset="0"/>
+                <a:cs typeface="Courier New" panose="02070309020205020404" pitchFamily="49" charset="0"/>
+              </a:rPr>
+              <a:t>    </a:t>
+            </a:r>
+            <a:r>
+              <a:rPr lang="en-US" sz="1100" b="1" dirty="0" smtClean="0">
+                <a:latin typeface="Courier New" panose="02070309020205020404" pitchFamily="49" charset="0"/>
+                <a:cs typeface="Courier New" panose="02070309020205020404" pitchFamily="49" charset="0"/>
+              </a:rPr>
+              <a:t>&lt;</a:t>
+            </a:r>
+            <a:r>
+              <a:rPr lang="en-US" sz="1100" b="1" dirty="0" err="1" smtClean="0">
+                <a:latin typeface="Courier New" panose="02070309020205020404" pitchFamily="49" charset="0"/>
+                <a:cs typeface="Courier New" panose="02070309020205020404" pitchFamily="49" charset="0"/>
+              </a:rPr>
+              <a:t>DockPanel</a:t>
+            </a:r>
+            <a:r>
+              <a:rPr lang="en-US" sz="1100" b="1" dirty="0" smtClean="0">
+                <a:latin typeface="Courier New" panose="02070309020205020404" pitchFamily="49" charset="0"/>
+                <a:cs typeface="Courier New" panose="02070309020205020404" pitchFamily="49" charset="0"/>
+              </a:rPr>
+              <a:t>&gt;</a:t>
+            </a:r>
+          </a:p>
+          <a:p>
+            <a:r>
+              <a:rPr lang="en-US" sz="1100" b="1" dirty="0" smtClean="0">
+                <a:latin typeface="Courier New" panose="02070309020205020404" pitchFamily="49" charset="0"/>
+                <a:cs typeface="Courier New" panose="02070309020205020404" pitchFamily="49" charset="0"/>
+              </a:rPr>
+              <a:t>        </a:t>
+            </a:r>
+            <a:r>
+              <a:rPr lang="en-US" sz="1100" b="1" dirty="0">
+                <a:latin typeface="Courier New" panose="02070309020205020404" pitchFamily="49" charset="0"/>
+                <a:cs typeface="Courier New" panose="02070309020205020404" pitchFamily="49" charset="0"/>
+              </a:rPr>
+              <a:t>&lt;Menu </a:t>
+            </a:r>
+            <a:r>
+              <a:rPr lang="en-US" sz="1100" b="1" dirty="0" err="1">
+                <a:latin typeface="Courier New" panose="02070309020205020404" pitchFamily="49" charset="0"/>
+                <a:cs typeface="Courier New" panose="02070309020205020404" pitchFamily="49" charset="0"/>
+              </a:rPr>
+              <a:t>DockPanel.Dock</a:t>
+            </a:r>
+            <a:r>
+              <a:rPr lang="en-US" sz="1100" b="1" dirty="0">
+                <a:latin typeface="Courier New" panose="02070309020205020404" pitchFamily="49" charset="0"/>
+                <a:cs typeface="Courier New" panose="02070309020205020404" pitchFamily="49" charset="0"/>
+              </a:rPr>
+              <a:t>="Top"&gt;</a:t>
+            </a:r>
+          </a:p>
+          <a:p>
+            <a:r>
+              <a:rPr lang="ru-RU" sz="1100" b="1" dirty="0" smtClean="0">
+                <a:latin typeface="Courier New" panose="02070309020205020404" pitchFamily="49" charset="0"/>
+                <a:cs typeface="Courier New" panose="02070309020205020404" pitchFamily="49" charset="0"/>
+              </a:rPr>
+              <a:t>         &lt;</a:t>
+            </a:r>
+            <a:r>
+              <a:rPr lang="en-US" sz="1100" b="1" dirty="0" err="1">
+                <a:latin typeface="Courier New" panose="02070309020205020404" pitchFamily="49" charset="0"/>
+                <a:cs typeface="Courier New" panose="02070309020205020404" pitchFamily="49" charset="0"/>
+              </a:rPr>
+              <a:t>MenuItem</a:t>
+            </a:r>
+            <a:r>
+              <a:rPr lang="en-US" sz="1100" b="1" dirty="0">
+                <a:latin typeface="Courier New" panose="02070309020205020404" pitchFamily="49" charset="0"/>
+                <a:cs typeface="Courier New" panose="02070309020205020404" pitchFamily="49" charset="0"/>
+              </a:rPr>
+              <a:t> Header="</a:t>
+            </a:r>
+            <a:r>
+              <a:rPr lang="ru-RU" sz="1100" b="1" dirty="0">
+                <a:latin typeface="Courier New" panose="02070309020205020404" pitchFamily="49" charset="0"/>
+                <a:cs typeface="Courier New" panose="02070309020205020404" pitchFamily="49" charset="0"/>
+              </a:rPr>
+              <a:t>Добавить новый </a:t>
+            </a:r>
+            <a:r>
+              <a:rPr lang="ru-RU" sz="1100" b="1" dirty="0" smtClean="0">
+                <a:latin typeface="Courier New" panose="02070309020205020404" pitchFamily="49" charset="0"/>
+                <a:cs typeface="Courier New" panose="02070309020205020404" pitchFamily="49" charset="0"/>
+              </a:rPr>
+              <a:t>объект"/&gt;</a:t>
+            </a:r>
+            <a:endParaRPr lang="ru-RU" sz="1100" b="1" dirty="0">
+              <a:latin typeface="Courier New" panose="02070309020205020404" pitchFamily="49" charset="0"/>
+              <a:cs typeface="Courier New" panose="02070309020205020404" pitchFamily="49" charset="0"/>
+            </a:endParaRPr>
+          </a:p>
+          <a:p>
+            <a:r>
+              <a:rPr lang="ru-RU" sz="1100" b="1" dirty="0">
+                <a:latin typeface="Courier New" panose="02070309020205020404" pitchFamily="49" charset="0"/>
+                <a:cs typeface="Courier New" panose="02070309020205020404" pitchFamily="49" charset="0"/>
+              </a:rPr>
+              <a:t>                    &lt;</a:t>
+            </a:r>
+            <a:r>
+              <a:rPr lang="en-US" sz="1100" b="1" dirty="0" err="1">
+                <a:latin typeface="Courier New" panose="02070309020205020404" pitchFamily="49" charset="0"/>
+                <a:cs typeface="Courier New" panose="02070309020205020404" pitchFamily="49" charset="0"/>
+              </a:rPr>
+              <a:t>MenuItem</a:t>
+            </a:r>
+            <a:r>
+              <a:rPr lang="en-US" sz="1100" b="1" dirty="0">
+                <a:latin typeface="Courier New" panose="02070309020205020404" pitchFamily="49" charset="0"/>
+                <a:cs typeface="Courier New" panose="02070309020205020404" pitchFamily="49" charset="0"/>
+              </a:rPr>
+              <a:t> Header="</a:t>
+            </a:r>
+            <a:r>
+              <a:rPr lang="ru-RU" sz="1100" b="1" dirty="0">
+                <a:latin typeface="Courier New" panose="02070309020205020404" pitchFamily="49" charset="0"/>
+                <a:cs typeface="Courier New" panose="02070309020205020404" pitchFamily="49" charset="0"/>
+              </a:rPr>
+              <a:t>Проект</a:t>
+            </a:r>
+            <a:r>
+              <a:rPr lang="ru-RU" sz="1100" b="1" dirty="0" smtClean="0">
+                <a:latin typeface="Courier New" panose="02070309020205020404" pitchFamily="49" charset="0"/>
+                <a:cs typeface="Courier New" panose="02070309020205020404" pitchFamily="49" charset="0"/>
+              </a:rPr>
+              <a:t>"&gt;</a:t>
+            </a:r>
+            <a:r>
+              <a:rPr lang="en-US" sz="1100" b="1" dirty="0" smtClean="0">
+                <a:latin typeface="Courier New" panose="02070309020205020404" pitchFamily="49" charset="0"/>
+                <a:cs typeface="Courier New" panose="02070309020205020404" pitchFamily="49" charset="0"/>
+              </a:rPr>
+              <a:t> </a:t>
+            </a:r>
+            <a:endParaRPr lang="ru-RU" sz="1100" b="1" dirty="0" smtClean="0">
+              <a:latin typeface="Courier New" panose="02070309020205020404" pitchFamily="49" charset="0"/>
+              <a:cs typeface="Courier New" panose="02070309020205020404" pitchFamily="49" charset="0"/>
+            </a:endParaRPr>
+          </a:p>
+          <a:p>
+            <a:r>
+              <a:rPr lang="ru-RU" sz="1100" b="1" dirty="0" smtClean="0">
+                <a:latin typeface="Courier New" panose="02070309020205020404" pitchFamily="49" charset="0"/>
+                <a:cs typeface="Courier New" panose="02070309020205020404" pitchFamily="49" charset="0"/>
+              </a:rPr>
+              <a:t>	         </a:t>
+            </a:r>
+            <a:r>
+              <a:rPr lang="en-US" sz="1100" b="1" dirty="0" smtClean="0">
+                <a:latin typeface="Courier New" panose="02070309020205020404" pitchFamily="49" charset="0"/>
+                <a:cs typeface="Courier New" panose="02070309020205020404" pitchFamily="49" charset="0"/>
+              </a:rPr>
+              <a:t>&lt;</a:t>
+            </a:r>
+            <a:r>
+              <a:rPr lang="en-US" sz="1100" b="1" dirty="0" err="1">
+                <a:latin typeface="Courier New" panose="02070309020205020404" pitchFamily="49" charset="0"/>
+                <a:cs typeface="Courier New" panose="02070309020205020404" pitchFamily="49" charset="0"/>
+              </a:rPr>
+              <a:t>MenuItem</a:t>
+            </a:r>
+            <a:r>
+              <a:rPr lang="en-US" sz="1100" b="1" dirty="0">
+                <a:latin typeface="Courier New" panose="02070309020205020404" pitchFamily="49" charset="0"/>
+                <a:cs typeface="Courier New" panose="02070309020205020404" pitchFamily="49" charset="0"/>
+              </a:rPr>
+              <a:t> Header="</a:t>
+            </a:r>
+            <a:r>
+              <a:rPr lang="ru-RU" sz="1100" b="1" dirty="0">
+                <a:latin typeface="Courier New" panose="02070309020205020404" pitchFamily="49" charset="0"/>
+                <a:cs typeface="Courier New" panose="02070309020205020404" pitchFamily="49" charset="0"/>
+              </a:rPr>
+              <a:t>Материал</a:t>
+            </a:r>
+            <a:r>
+              <a:rPr lang="ru-RU" sz="1100" b="1" dirty="0" smtClean="0">
+                <a:latin typeface="Courier New" panose="02070309020205020404" pitchFamily="49" charset="0"/>
+                <a:cs typeface="Courier New" panose="02070309020205020404" pitchFamily="49" charset="0"/>
+              </a:rPr>
+              <a:t>"&gt;</a:t>
+            </a:r>
+            <a:r>
+              <a:rPr lang="en-US" sz="1100" b="1" dirty="0" smtClean="0">
+                <a:latin typeface="Courier New" panose="02070309020205020404" pitchFamily="49" charset="0"/>
+                <a:cs typeface="Courier New" panose="02070309020205020404" pitchFamily="49" charset="0"/>
+              </a:rPr>
+              <a:t>                    </a:t>
+            </a:r>
+            <a:endParaRPr lang="ru-RU" sz="1100" b="1" dirty="0" smtClean="0">
+              <a:latin typeface="Courier New" panose="02070309020205020404" pitchFamily="49" charset="0"/>
+              <a:cs typeface="Courier New" panose="02070309020205020404" pitchFamily="49" charset="0"/>
+            </a:endParaRPr>
+          </a:p>
+          <a:p>
+            <a:r>
+              <a:rPr lang="ru-RU" sz="1100" b="1" dirty="0" smtClean="0">
+                <a:latin typeface="Courier New" panose="02070309020205020404" pitchFamily="49" charset="0"/>
+                <a:cs typeface="Courier New" panose="02070309020205020404" pitchFamily="49" charset="0"/>
+              </a:rPr>
+              <a:t>                    </a:t>
+            </a:r>
+            <a:r>
+              <a:rPr lang="en-US" sz="1100" b="1" dirty="0" smtClean="0">
+                <a:latin typeface="Courier New" panose="02070309020205020404" pitchFamily="49" charset="0"/>
+                <a:cs typeface="Courier New" panose="02070309020205020404" pitchFamily="49" charset="0"/>
+              </a:rPr>
+              <a:t>&lt;</a:t>
+            </a:r>
+            <a:r>
+              <a:rPr lang="en-US" sz="1100" b="1" dirty="0" err="1">
+                <a:latin typeface="Courier New" panose="02070309020205020404" pitchFamily="49" charset="0"/>
+                <a:cs typeface="Courier New" panose="02070309020205020404" pitchFamily="49" charset="0"/>
+              </a:rPr>
+              <a:t>MenuItem</a:t>
+            </a:r>
+            <a:r>
+              <a:rPr lang="en-US" sz="1100" b="1" dirty="0">
+                <a:latin typeface="Courier New" panose="02070309020205020404" pitchFamily="49" charset="0"/>
+                <a:cs typeface="Courier New" panose="02070309020205020404" pitchFamily="49" charset="0"/>
+              </a:rPr>
+              <a:t> Header="</a:t>
+            </a:r>
+            <a:r>
+              <a:rPr lang="ru-RU" sz="1100" b="1" dirty="0">
+                <a:latin typeface="Courier New" panose="02070309020205020404" pitchFamily="49" charset="0"/>
+                <a:cs typeface="Courier New" panose="02070309020205020404" pitchFamily="49" charset="0"/>
+              </a:rPr>
+              <a:t>Съёмка"&gt;</a:t>
+            </a:r>
+          </a:p>
+          <a:p>
+            <a:endParaRPr lang="ru-RU" sz="1100" b="1" dirty="0" smtClean="0">
+              <a:latin typeface="Courier New" panose="02070309020205020404" pitchFamily="49" charset="0"/>
+              <a:cs typeface="Courier New" panose="02070309020205020404" pitchFamily="49" charset="0"/>
+            </a:endParaRPr>
+          </a:p>
+          <a:p>
+            <a:r>
+              <a:rPr lang="ru-RU" sz="1100" b="1" dirty="0">
+                <a:latin typeface="Courier New" panose="02070309020205020404" pitchFamily="49" charset="0"/>
+                <a:cs typeface="Courier New" panose="02070309020205020404" pitchFamily="49" charset="0"/>
+              </a:rPr>
+              <a:t> </a:t>
+            </a:r>
+            <a:r>
+              <a:rPr lang="ru-RU" sz="1100" b="1" dirty="0" smtClean="0">
+                <a:latin typeface="Courier New" panose="02070309020205020404" pitchFamily="49" charset="0"/>
+                <a:cs typeface="Courier New" panose="02070309020205020404" pitchFamily="49" charset="0"/>
+              </a:rPr>
+              <a:t>           </a:t>
+            </a:r>
+            <a:r>
+              <a:rPr lang="en-US" sz="1100" b="1" dirty="0" smtClean="0">
+                <a:latin typeface="Courier New" panose="02070309020205020404" pitchFamily="49" charset="0"/>
+                <a:cs typeface="Courier New" panose="02070309020205020404" pitchFamily="49" charset="0"/>
+              </a:rPr>
+              <a:t>&lt;</a:t>
+            </a:r>
+            <a:r>
+              <a:rPr lang="en-US" sz="1100" b="1" dirty="0">
+                <a:latin typeface="Courier New" panose="02070309020205020404" pitchFamily="49" charset="0"/>
+                <a:cs typeface="Courier New" panose="02070309020205020404" pitchFamily="49" charset="0"/>
+              </a:rPr>
+              <a:t>Frame Content="{Binding </a:t>
+            </a:r>
+            <a:r>
+              <a:rPr lang="en-US" sz="1100" b="1" dirty="0" err="1">
+                <a:latin typeface="Courier New" panose="02070309020205020404" pitchFamily="49" charset="0"/>
+                <a:cs typeface="Courier New" panose="02070309020205020404" pitchFamily="49" charset="0"/>
+              </a:rPr>
+              <a:t>CurrentPage</a:t>
+            </a:r>
+            <a:r>
+              <a:rPr lang="en-US" sz="1100" b="1" dirty="0">
+                <a:latin typeface="Courier New" panose="02070309020205020404" pitchFamily="49" charset="0"/>
+                <a:cs typeface="Courier New" panose="02070309020205020404" pitchFamily="49" charset="0"/>
+              </a:rPr>
+              <a:t>}" </a:t>
+            </a:r>
+            <a:r>
+              <a:rPr lang="en-US" sz="1100" b="1" dirty="0" err="1">
+                <a:latin typeface="Courier New" panose="02070309020205020404" pitchFamily="49" charset="0"/>
+                <a:cs typeface="Courier New" panose="02070309020205020404" pitchFamily="49" charset="0"/>
+              </a:rPr>
+              <a:t>NavigationUIVisibility</a:t>
+            </a:r>
+            <a:r>
+              <a:rPr lang="en-US" sz="1100" b="1" dirty="0">
+                <a:latin typeface="Courier New" panose="02070309020205020404" pitchFamily="49" charset="0"/>
+                <a:cs typeface="Courier New" panose="02070309020205020404" pitchFamily="49" charset="0"/>
+              </a:rPr>
+              <a:t>="Hidden" /&gt;</a:t>
+            </a:r>
+          </a:p>
+          <a:p>
+            <a:r>
+              <a:rPr lang="en-US" sz="1100" b="1" dirty="0">
+                <a:latin typeface="Courier New" panose="02070309020205020404" pitchFamily="49" charset="0"/>
+                <a:cs typeface="Courier New" panose="02070309020205020404" pitchFamily="49" charset="0"/>
+              </a:rPr>
+              <a:t>            </a:t>
+            </a:r>
+          </a:p>
+          <a:p>
+            <a:r>
+              <a:rPr lang="en-US" sz="1100" b="1" dirty="0">
+                <a:latin typeface="Courier New" panose="02070309020205020404" pitchFamily="49" charset="0"/>
+                <a:cs typeface="Courier New" panose="02070309020205020404" pitchFamily="49" charset="0"/>
+              </a:rPr>
+              <a:t>            &lt;Canvas Background="#55000000" Opacity="0" Name="</a:t>
+            </a:r>
+            <a:r>
+              <a:rPr lang="en-US" sz="1100" b="1" dirty="0" err="1">
+                <a:latin typeface="Courier New" panose="02070309020205020404" pitchFamily="49" charset="0"/>
+                <a:cs typeface="Courier New" panose="02070309020205020404" pitchFamily="49" charset="0"/>
+              </a:rPr>
+              <a:t>DropDown</a:t>
+            </a:r>
+            <a:r>
+              <a:rPr lang="en-US" sz="1100" b="1" dirty="0">
+                <a:latin typeface="Courier New" panose="02070309020205020404" pitchFamily="49" charset="0"/>
+                <a:cs typeface="Courier New" panose="02070309020205020404" pitchFamily="49" charset="0"/>
+              </a:rPr>
+              <a:t>" </a:t>
+            </a:r>
+            <a:r>
+              <a:rPr lang="en-US" sz="1100" b="1" dirty="0" err="1">
+                <a:latin typeface="Courier New" panose="02070309020205020404" pitchFamily="49" charset="0"/>
+                <a:cs typeface="Courier New" panose="02070309020205020404" pitchFamily="49" charset="0"/>
+              </a:rPr>
+              <a:t>IsHitTestVisible</a:t>
+            </a:r>
+            <a:r>
+              <a:rPr lang="en-US" sz="1100" b="1" dirty="0">
+                <a:latin typeface="Courier New" panose="02070309020205020404" pitchFamily="49" charset="0"/>
+                <a:cs typeface="Courier New" panose="02070309020205020404" pitchFamily="49" charset="0"/>
+              </a:rPr>
+              <a:t>="False" /&gt;</a:t>
+            </a:r>
+          </a:p>
+          <a:p>
+            <a:endParaRPr lang="en-US" sz="1100" b="1" dirty="0">
+              <a:latin typeface="Courier New" panose="02070309020205020404" pitchFamily="49" charset="0"/>
+              <a:cs typeface="Courier New" panose="02070309020205020404" pitchFamily="49" charset="0"/>
+            </a:endParaRPr>
+          </a:p>
+          <a:p>
+            <a:r>
+              <a:rPr lang="ru-RU" sz="1100" b="1" dirty="0" smtClean="0">
+                <a:latin typeface="Courier New" panose="02070309020205020404" pitchFamily="49" charset="0"/>
+                <a:cs typeface="Courier New" panose="02070309020205020404" pitchFamily="49" charset="0"/>
+              </a:rPr>
+              <a:t>            </a:t>
+            </a:r>
+            <a:r>
+              <a:rPr lang="en-US" sz="1100" b="1" dirty="0" smtClean="0">
+                <a:latin typeface="Courier New" panose="02070309020205020404" pitchFamily="49" charset="0"/>
+                <a:cs typeface="Courier New" panose="02070309020205020404" pitchFamily="49" charset="0"/>
+              </a:rPr>
+              <a:t>&lt;</a:t>
+            </a:r>
+            <a:r>
+              <a:rPr lang="en-US" sz="1100" b="1" dirty="0" err="1">
+                <a:latin typeface="Courier New" panose="02070309020205020404" pitchFamily="49" charset="0"/>
+                <a:cs typeface="Courier New" panose="02070309020205020404" pitchFamily="49" charset="0"/>
+              </a:rPr>
+              <a:t>DockPanel</a:t>
+            </a:r>
+            <a:r>
+              <a:rPr lang="en-US" sz="1100" b="1" dirty="0">
+                <a:latin typeface="Courier New" panose="02070309020205020404" pitchFamily="49" charset="0"/>
+                <a:cs typeface="Courier New" panose="02070309020205020404" pitchFamily="49" charset="0"/>
+              </a:rPr>
+              <a:t> Background="{</a:t>
+            </a:r>
+            <a:r>
+              <a:rPr lang="en-US" sz="1100" b="1" dirty="0" err="1">
+                <a:latin typeface="Courier New" panose="02070309020205020404" pitchFamily="49" charset="0"/>
+                <a:cs typeface="Courier New" panose="02070309020205020404" pitchFamily="49" charset="0"/>
+              </a:rPr>
+              <a:t>StaticResource</a:t>
+            </a:r>
+            <a:r>
+              <a:rPr lang="en-US" sz="1100" b="1" dirty="0">
+                <a:latin typeface="Courier New" panose="02070309020205020404" pitchFamily="49" charset="0"/>
+                <a:cs typeface="Courier New" panose="02070309020205020404" pitchFamily="49" charset="0"/>
+              </a:rPr>
+              <a:t> </a:t>
+            </a:r>
+            <a:r>
+              <a:rPr lang="en-US" sz="1100" b="1" dirty="0" err="1">
+                <a:latin typeface="Courier New" panose="02070309020205020404" pitchFamily="49" charset="0"/>
+                <a:cs typeface="Courier New" panose="02070309020205020404" pitchFamily="49" charset="0"/>
+              </a:rPr>
+              <a:t>DarkBG</a:t>
+            </a:r>
+            <a:r>
+              <a:rPr lang="en-US" sz="1100" b="1" dirty="0">
+                <a:latin typeface="Courier New" panose="02070309020205020404" pitchFamily="49" charset="0"/>
+                <a:cs typeface="Courier New" panose="02070309020205020404" pitchFamily="49" charset="0"/>
+              </a:rPr>
+              <a:t>}" Width="250" </a:t>
+            </a:r>
+            <a:r>
+              <a:rPr lang="en-US" sz="1100" b="1" dirty="0" err="1">
+                <a:latin typeface="Courier New" panose="02070309020205020404" pitchFamily="49" charset="0"/>
+                <a:cs typeface="Courier New" panose="02070309020205020404" pitchFamily="49" charset="0"/>
+              </a:rPr>
+              <a:t>HorizontalAlignment</a:t>
+            </a:r>
+            <a:r>
+              <a:rPr lang="en-US" sz="1100" b="1" dirty="0">
+                <a:latin typeface="Courier New" panose="02070309020205020404" pitchFamily="49" charset="0"/>
+                <a:cs typeface="Courier New" panose="02070309020205020404" pitchFamily="49" charset="0"/>
+              </a:rPr>
+              <a:t>="Left"</a:t>
+            </a:r>
+          </a:p>
+          <a:p>
+            <a:r>
+              <a:rPr lang="en-US" sz="1100" b="1" dirty="0">
+                <a:latin typeface="Courier New" panose="02070309020205020404" pitchFamily="49" charset="0"/>
+                <a:cs typeface="Courier New" panose="02070309020205020404" pitchFamily="49" charset="0"/>
+              </a:rPr>
+              <a:t>                           Margin="-200,0,0,0"</a:t>
+            </a:r>
+          </a:p>
+          <a:p>
+            <a:r>
+              <a:rPr lang="en-US" sz="1100" b="1" dirty="0">
+                <a:latin typeface="Courier New" panose="02070309020205020404" pitchFamily="49" charset="0"/>
+                <a:cs typeface="Courier New" panose="02070309020205020404" pitchFamily="49" charset="0"/>
+              </a:rPr>
+              <a:t>                           Style="{</a:t>
+            </a:r>
+            <a:r>
+              <a:rPr lang="en-US" sz="1100" b="1" dirty="0" err="1">
+                <a:latin typeface="Courier New" panose="02070309020205020404" pitchFamily="49" charset="0"/>
+                <a:cs typeface="Courier New" panose="02070309020205020404" pitchFamily="49" charset="0"/>
+              </a:rPr>
+              <a:t>StaticResource</a:t>
+            </a:r>
+            <a:r>
+              <a:rPr lang="en-US" sz="1100" b="1" dirty="0">
+                <a:latin typeface="Courier New" panose="02070309020205020404" pitchFamily="49" charset="0"/>
+                <a:cs typeface="Courier New" panose="02070309020205020404" pitchFamily="49" charset="0"/>
+              </a:rPr>
+              <a:t> </a:t>
+            </a:r>
+            <a:r>
+              <a:rPr lang="en-US" sz="1100" b="1" dirty="0" err="1">
+                <a:latin typeface="Courier New" panose="02070309020205020404" pitchFamily="49" charset="0"/>
+                <a:cs typeface="Courier New" panose="02070309020205020404" pitchFamily="49" charset="0"/>
+              </a:rPr>
+              <a:t>DockPanelTrigger</a:t>
+            </a:r>
+            <a:r>
+              <a:rPr lang="en-US" sz="1100" b="1" dirty="0">
+                <a:latin typeface="Courier New" panose="02070309020205020404" pitchFamily="49" charset="0"/>
+                <a:cs typeface="Courier New" panose="02070309020205020404" pitchFamily="49" charset="0"/>
+              </a:rPr>
+              <a:t>}" x:Name="SidePanel"&gt;</a:t>
+            </a:r>
+          </a:p>
+          <a:p>
+            <a:r>
+              <a:rPr lang="en-US" sz="1100" b="1" dirty="0">
+                <a:latin typeface="Courier New" panose="02070309020205020404" pitchFamily="49" charset="0"/>
+                <a:cs typeface="Courier New" panose="02070309020205020404" pitchFamily="49" charset="0"/>
+              </a:rPr>
+              <a:t>                    &lt;</a:t>
+            </a:r>
+            <a:r>
+              <a:rPr lang="en-US" sz="1100" b="1" dirty="0" err="1">
+                <a:latin typeface="Courier New" panose="02070309020205020404" pitchFamily="49" charset="0"/>
+                <a:cs typeface="Courier New" panose="02070309020205020404" pitchFamily="49" charset="0"/>
+              </a:rPr>
+              <a:t>StackPanel</a:t>
+            </a:r>
+            <a:r>
+              <a:rPr lang="en-US" sz="1100" b="1" dirty="0">
+                <a:latin typeface="Courier New" panose="02070309020205020404" pitchFamily="49" charset="0"/>
+                <a:cs typeface="Courier New" panose="02070309020205020404" pitchFamily="49" charset="0"/>
+              </a:rPr>
+              <a:t> Margin="0,10"&gt;</a:t>
+            </a:r>
+          </a:p>
+          <a:p>
+            <a:r>
+              <a:rPr lang="ru-RU" sz="1100" b="1" dirty="0" smtClean="0">
+                <a:latin typeface="Courier New" panose="02070309020205020404" pitchFamily="49" charset="0"/>
+                <a:cs typeface="Courier New" panose="02070309020205020404" pitchFamily="49" charset="0"/>
+              </a:rPr>
+              <a:t>                        </a:t>
+            </a:r>
+            <a:r>
+              <a:rPr lang="en-US" sz="1100" b="1" dirty="0" smtClean="0">
+                <a:latin typeface="Courier New" panose="02070309020205020404" pitchFamily="49" charset="0"/>
+                <a:cs typeface="Courier New" panose="02070309020205020404" pitchFamily="49" charset="0"/>
+              </a:rPr>
+              <a:t>&lt;</a:t>
+            </a:r>
+            <a:r>
+              <a:rPr lang="en-US" sz="1100" b="1" dirty="0">
+                <a:latin typeface="Courier New" panose="02070309020205020404" pitchFamily="49" charset="0"/>
+                <a:cs typeface="Courier New" panose="02070309020205020404" pitchFamily="49" charset="0"/>
+              </a:rPr>
+              <a:t>Button Content="News Factory" </a:t>
+            </a:r>
+            <a:r>
+              <a:rPr lang="en-US" sz="1100" b="1" dirty="0" err="1">
+                <a:latin typeface="Courier New" panose="02070309020205020404" pitchFamily="49" charset="0"/>
+                <a:cs typeface="Courier New" panose="02070309020205020404" pitchFamily="49" charset="0"/>
+              </a:rPr>
+              <a:t>FontSize</a:t>
+            </a:r>
+            <a:r>
+              <a:rPr lang="en-US" sz="1100" b="1" dirty="0">
+                <a:latin typeface="Courier New" panose="02070309020205020404" pitchFamily="49" charset="0"/>
+                <a:cs typeface="Courier New" panose="02070309020205020404" pitchFamily="49" charset="0"/>
+              </a:rPr>
+              <a:t>="25" </a:t>
+            </a:r>
+            <a:r>
+              <a:rPr lang="en-US" sz="1100" b="1" dirty="0" err="1">
+                <a:latin typeface="Courier New" panose="02070309020205020404" pitchFamily="49" charset="0"/>
+                <a:cs typeface="Courier New" panose="02070309020205020404" pitchFamily="49" charset="0"/>
+              </a:rPr>
+              <a:t>HorizontalAlignment</a:t>
+            </a:r>
+            <a:r>
+              <a:rPr lang="en-US" sz="1100" b="1" dirty="0">
+                <a:latin typeface="Courier New" panose="02070309020205020404" pitchFamily="49" charset="0"/>
+                <a:cs typeface="Courier New" panose="02070309020205020404" pitchFamily="49" charset="0"/>
+              </a:rPr>
+              <a:t>="Stretch" Margin="0,0,25,0" /&gt;</a:t>
+            </a:r>
+          </a:p>
+          <a:p>
+            <a:r>
+              <a:rPr lang="ru-RU" sz="1100" b="1" dirty="0" smtClean="0">
+                <a:latin typeface="Courier New" panose="02070309020205020404" pitchFamily="49" charset="0"/>
+                <a:cs typeface="Courier New" panose="02070309020205020404" pitchFamily="49" charset="0"/>
+              </a:rPr>
+              <a:t>                        </a:t>
+            </a:r>
+            <a:r>
+              <a:rPr lang="en-US" sz="1100" b="1" dirty="0" smtClean="0">
+                <a:latin typeface="Courier New" panose="02070309020205020404" pitchFamily="49" charset="0"/>
+                <a:cs typeface="Courier New" panose="02070309020205020404" pitchFamily="49" charset="0"/>
+              </a:rPr>
+              <a:t>&lt;</a:t>
+            </a:r>
+            <a:r>
+              <a:rPr lang="en-US" sz="1100" b="1" dirty="0">
+                <a:latin typeface="Courier New" panose="02070309020205020404" pitchFamily="49" charset="0"/>
+                <a:cs typeface="Courier New" panose="02070309020205020404" pitchFamily="49" charset="0"/>
+              </a:rPr>
+              <a:t>Button Content="</a:t>
+            </a:r>
+            <a:r>
+              <a:rPr lang="ru-RU" sz="1100" b="1" dirty="0">
+                <a:latin typeface="Courier New" panose="02070309020205020404" pitchFamily="49" charset="0"/>
+                <a:cs typeface="Courier New" panose="02070309020205020404" pitchFamily="49" charset="0"/>
+              </a:rPr>
+              <a:t>Проекты" </a:t>
+            </a:r>
+            <a:r>
+              <a:rPr lang="en-US" sz="1100" b="1" dirty="0">
+                <a:latin typeface="Courier New" panose="02070309020205020404" pitchFamily="49" charset="0"/>
+                <a:cs typeface="Courier New" panose="02070309020205020404" pitchFamily="49" charset="0"/>
+              </a:rPr>
+              <a:t>Command="{Binding </a:t>
+            </a:r>
+            <a:r>
+              <a:rPr lang="en-US" sz="1100" b="1" dirty="0" err="1">
+                <a:latin typeface="Courier New" panose="02070309020205020404" pitchFamily="49" charset="0"/>
+                <a:cs typeface="Courier New" panose="02070309020205020404" pitchFamily="49" charset="0"/>
+              </a:rPr>
+              <a:t>GoToProjectPageCommand</a:t>
+            </a:r>
+            <a:r>
+              <a:rPr lang="en-US" sz="1100" b="1" dirty="0">
+                <a:latin typeface="Courier New" panose="02070309020205020404" pitchFamily="49" charset="0"/>
+                <a:cs typeface="Courier New" panose="02070309020205020404" pitchFamily="49" charset="0"/>
+              </a:rPr>
+              <a:t>}" </a:t>
+            </a:r>
+            <a:r>
+              <a:rPr lang="en-US" sz="1100" b="1" dirty="0" smtClean="0">
+                <a:latin typeface="Courier New" panose="02070309020205020404" pitchFamily="49" charset="0"/>
+                <a:cs typeface="Courier New" panose="02070309020205020404" pitchFamily="49" charset="0"/>
+              </a:rPr>
+              <a:t>/&gt;                            </a:t>
+            </a:r>
+            <a:endParaRPr lang="ru-RU" sz="1100" b="1" dirty="0" smtClean="0">
+              <a:latin typeface="Courier New" panose="02070309020205020404" pitchFamily="49" charset="0"/>
+              <a:cs typeface="Courier New" panose="02070309020205020404" pitchFamily="49" charset="0"/>
+            </a:endParaRPr>
+          </a:p>
+          <a:p>
+            <a:r>
+              <a:rPr lang="ru-RU" sz="1100" b="1" dirty="0" smtClean="0">
+                <a:latin typeface="Courier New" panose="02070309020205020404" pitchFamily="49" charset="0"/>
+                <a:cs typeface="Courier New" panose="02070309020205020404" pitchFamily="49" charset="0"/>
+              </a:rPr>
+              <a:t>                        </a:t>
+            </a:r>
+            <a:r>
+              <a:rPr lang="en-US" sz="1100" b="1" dirty="0" smtClean="0">
+                <a:latin typeface="Courier New" panose="02070309020205020404" pitchFamily="49" charset="0"/>
+                <a:cs typeface="Courier New" panose="02070309020205020404" pitchFamily="49" charset="0"/>
+              </a:rPr>
+              <a:t>&lt;</a:t>
+            </a:r>
+            <a:r>
+              <a:rPr lang="en-US" sz="1100" b="1" dirty="0">
+                <a:latin typeface="Courier New" panose="02070309020205020404" pitchFamily="49" charset="0"/>
+                <a:cs typeface="Courier New" panose="02070309020205020404" pitchFamily="49" charset="0"/>
+              </a:rPr>
+              <a:t>Button Content="</a:t>
+            </a:r>
+            <a:r>
+              <a:rPr lang="ru-RU" sz="1100" b="1" dirty="0">
+                <a:latin typeface="Courier New" panose="02070309020205020404" pitchFamily="49" charset="0"/>
+                <a:cs typeface="Courier New" panose="02070309020205020404" pitchFamily="49" charset="0"/>
+              </a:rPr>
+              <a:t>Материалы" </a:t>
+            </a:r>
+            <a:r>
+              <a:rPr lang="en-US" sz="1100" b="1" dirty="0">
+                <a:latin typeface="Courier New" panose="02070309020205020404" pitchFamily="49" charset="0"/>
+                <a:cs typeface="Courier New" panose="02070309020205020404" pitchFamily="49" charset="0"/>
+              </a:rPr>
+              <a:t>Command="{Binding </a:t>
+            </a:r>
+            <a:r>
+              <a:rPr lang="en-US" sz="1100" b="1" dirty="0" err="1">
+                <a:latin typeface="Courier New" panose="02070309020205020404" pitchFamily="49" charset="0"/>
+                <a:cs typeface="Courier New" panose="02070309020205020404" pitchFamily="49" charset="0"/>
+              </a:rPr>
+              <a:t>GoToMaterialsPageCommand</a:t>
+            </a:r>
+            <a:r>
+              <a:rPr lang="en-US" sz="1100" b="1" dirty="0">
+                <a:latin typeface="Courier New" panose="02070309020205020404" pitchFamily="49" charset="0"/>
+                <a:cs typeface="Courier New" panose="02070309020205020404" pitchFamily="49" charset="0"/>
+              </a:rPr>
+              <a:t>}" /&gt;</a:t>
+            </a:r>
+          </a:p>
+          <a:p>
+            <a:r>
+              <a:rPr lang="ru-RU" sz="1100" b="1" dirty="0" smtClean="0">
+                <a:latin typeface="Courier New" panose="02070309020205020404" pitchFamily="49" charset="0"/>
+                <a:cs typeface="Courier New" panose="02070309020205020404" pitchFamily="49" charset="0"/>
+              </a:rPr>
+              <a:t>                        </a:t>
+            </a:r>
+            <a:r>
+              <a:rPr lang="en-US" sz="1100" b="1" dirty="0" smtClean="0">
+                <a:latin typeface="Courier New" panose="02070309020205020404" pitchFamily="49" charset="0"/>
+                <a:cs typeface="Courier New" panose="02070309020205020404" pitchFamily="49" charset="0"/>
+              </a:rPr>
+              <a:t>&lt;</a:t>
+            </a:r>
+            <a:r>
+              <a:rPr lang="en-US" sz="1100" b="1" dirty="0">
+                <a:latin typeface="Courier New" panose="02070309020205020404" pitchFamily="49" charset="0"/>
+                <a:cs typeface="Courier New" panose="02070309020205020404" pitchFamily="49" charset="0"/>
+              </a:rPr>
+              <a:t>Button Content="</a:t>
+            </a:r>
+            <a:r>
+              <a:rPr lang="ru-RU" sz="1100" b="1" dirty="0">
+                <a:latin typeface="Courier New" panose="02070309020205020404" pitchFamily="49" charset="0"/>
+                <a:cs typeface="Courier New" panose="02070309020205020404" pitchFamily="49" charset="0"/>
+              </a:rPr>
+              <a:t>Съёмки" </a:t>
+            </a:r>
+            <a:r>
+              <a:rPr lang="en-US" sz="1100" b="1" dirty="0">
+                <a:latin typeface="Courier New" panose="02070309020205020404" pitchFamily="49" charset="0"/>
+                <a:cs typeface="Courier New" panose="02070309020205020404" pitchFamily="49" charset="0"/>
+              </a:rPr>
+              <a:t>Command="{Binding </a:t>
+            </a:r>
+            <a:r>
+              <a:rPr lang="en-US" sz="1100" b="1" dirty="0" err="1">
+                <a:latin typeface="Courier New" panose="02070309020205020404" pitchFamily="49" charset="0"/>
+                <a:cs typeface="Courier New" panose="02070309020205020404" pitchFamily="49" charset="0"/>
+              </a:rPr>
+              <a:t>GoToFilmingPageCommand</a:t>
+            </a:r>
+            <a:r>
+              <a:rPr lang="en-US" sz="1100" b="1" dirty="0">
+                <a:latin typeface="Courier New" panose="02070309020205020404" pitchFamily="49" charset="0"/>
+                <a:cs typeface="Courier New" panose="02070309020205020404" pitchFamily="49" charset="0"/>
+              </a:rPr>
+              <a:t>}" </a:t>
+            </a:r>
+            <a:r>
+              <a:rPr lang="en-US" sz="1100" b="1" dirty="0" smtClean="0">
+                <a:latin typeface="Courier New" panose="02070309020205020404" pitchFamily="49" charset="0"/>
+                <a:cs typeface="Courier New" panose="02070309020205020404" pitchFamily="49" charset="0"/>
+              </a:rPr>
+              <a:t>/&gt;</a:t>
+            </a:r>
+            <a:endParaRPr lang="ru-RU" sz="1100" b="1" dirty="0" smtClean="0">
+              <a:latin typeface="Courier New" panose="02070309020205020404" pitchFamily="49" charset="0"/>
+              <a:cs typeface="Courier New" panose="02070309020205020404" pitchFamily="49" charset="0"/>
+            </a:endParaRPr>
+          </a:p>
+          <a:p>
+            <a:r>
+              <a:rPr lang="ru-RU" sz="1100" b="1" dirty="0">
+                <a:latin typeface="Courier New" panose="02070309020205020404" pitchFamily="49" charset="0"/>
+                <a:cs typeface="Courier New" panose="02070309020205020404" pitchFamily="49" charset="0"/>
+              </a:rPr>
+              <a:t> </a:t>
+            </a:r>
+            <a:r>
+              <a:rPr lang="ru-RU" sz="1100" b="1" dirty="0" smtClean="0">
+                <a:latin typeface="Courier New" panose="02070309020205020404" pitchFamily="49" charset="0"/>
+                <a:cs typeface="Courier New" panose="02070309020205020404" pitchFamily="49" charset="0"/>
+              </a:rPr>
+              <a:t>                    </a:t>
+            </a:r>
+            <a:r>
+              <a:rPr lang="en-US" sz="1100" b="1" dirty="0" smtClean="0">
+                <a:latin typeface="Courier New" panose="02070309020205020404" pitchFamily="49" charset="0"/>
+                <a:cs typeface="Courier New" panose="02070309020205020404" pitchFamily="49" charset="0"/>
+              </a:rPr>
+              <a:t>&lt;/</a:t>
+            </a:r>
+            <a:r>
+              <a:rPr lang="en-US" sz="1100" b="1" dirty="0" err="1">
+                <a:latin typeface="Courier New" panose="02070309020205020404" pitchFamily="49" charset="0"/>
+                <a:cs typeface="Courier New" panose="02070309020205020404" pitchFamily="49" charset="0"/>
+              </a:rPr>
+              <a:t>StackPanel</a:t>
+            </a:r>
+            <a:r>
+              <a:rPr lang="en-US" sz="1100" b="1" dirty="0">
+                <a:latin typeface="Courier New" panose="02070309020205020404" pitchFamily="49" charset="0"/>
+                <a:cs typeface="Courier New" panose="02070309020205020404" pitchFamily="49" charset="0"/>
+              </a:rPr>
+              <a:t>&gt;</a:t>
+            </a:r>
+          </a:p>
+          <a:p>
+            <a:r>
+              <a:rPr lang="en-US" sz="1100" b="1" dirty="0">
+                <a:latin typeface="Courier New" panose="02070309020205020404" pitchFamily="49" charset="0"/>
+                <a:cs typeface="Courier New" panose="02070309020205020404" pitchFamily="49" charset="0"/>
+              </a:rPr>
+              <a:t>                &lt;/</a:t>
+            </a:r>
+            <a:r>
+              <a:rPr lang="en-US" sz="1100" b="1" dirty="0" err="1">
+                <a:latin typeface="Courier New" panose="02070309020205020404" pitchFamily="49" charset="0"/>
+                <a:cs typeface="Courier New" panose="02070309020205020404" pitchFamily="49" charset="0"/>
+              </a:rPr>
+              <a:t>DockPanel</a:t>
+            </a:r>
+            <a:r>
+              <a:rPr lang="en-US" sz="1100" b="1" dirty="0">
+                <a:latin typeface="Courier New" panose="02070309020205020404" pitchFamily="49" charset="0"/>
+                <a:cs typeface="Courier New" panose="02070309020205020404" pitchFamily="49" charset="0"/>
+              </a:rPr>
+              <a:t>&gt;</a:t>
+            </a:r>
+          </a:p>
+          <a:p>
+            <a:r>
+              <a:rPr lang="ru-RU" sz="1100" b="1" dirty="0" smtClean="0">
+                <a:latin typeface="Courier New" panose="02070309020205020404" pitchFamily="49" charset="0"/>
+                <a:cs typeface="Courier New" panose="02070309020205020404" pitchFamily="49" charset="0"/>
+              </a:rPr>
+              <a:t>            </a:t>
+            </a:r>
+            <a:r>
+              <a:rPr lang="en-US" sz="1100" b="1" dirty="0" smtClean="0">
+                <a:latin typeface="Courier New" panose="02070309020205020404" pitchFamily="49" charset="0"/>
+                <a:cs typeface="Courier New" panose="02070309020205020404" pitchFamily="49" charset="0"/>
+              </a:rPr>
+              <a:t>&lt;/</a:t>
+            </a:r>
+            <a:r>
+              <a:rPr lang="en-US" sz="1100" b="1" dirty="0">
+                <a:latin typeface="Courier New" panose="02070309020205020404" pitchFamily="49" charset="0"/>
+                <a:cs typeface="Courier New" panose="02070309020205020404" pitchFamily="49" charset="0"/>
+              </a:rPr>
+              <a:t>Grid&gt;</a:t>
+            </a:r>
+          </a:p>
+          <a:p>
+            <a:r>
+              <a:rPr lang="en-US" sz="1100" b="1" dirty="0">
+                <a:latin typeface="Courier New" panose="02070309020205020404" pitchFamily="49" charset="0"/>
+                <a:cs typeface="Courier New" panose="02070309020205020404" pitchFamily="49" charset="0"/>
+              </a:rPr>
+              <a:t>    &lt;/</a:t>
+            </a:r>
+            <a:r>
+              <a:rPr lang="en-US" sz="1100" b="1" dirty="0" err="1">
+                <a:latin typeface="Courier New" panose="02070309020205020404" pitchFamily="49" charset="0"/>
+                <a:cs typeface="Courier New" panose="02070309020205020404" pitchFamily="49" charset="0"/>
+              </a:rPr>
+              <a:t>DockPanel</a:t>
+            </a:r>
+            <a:r>
+              <a:rPr lang="en-US" sz="1100" b="1" dirty="0">
+                <a:latin typeface="Courier New" panose="02070309020205020404" pitchFamily="49" charset="0"/>
+                <a:cs typeface="Courier New" panose="02070309020205020404" pitchFamily="49" charset="0"/>
+              </a:rPr>
+              <a:t>&gt;</a:t>
+            </a:r>
+          </a:p>
+          <a:p>
+            <a:r>
+              <a:rPr lang="en-US" sz="1100" b="1" dirty="0">
+                <a:latin typeface="Courier New" panose="02070309020205020404" pitchFamily="49" charset="0"/>
+                <a:cs typeface="Courier New" panose="02070309020205020404" pitchFamily="49" charset="0"/>
+              </a:rPr>
+              <a:t>&lt;/Window</a:t>
+            </a:r>
+            <a:r>
+              <a:rPr lang="en-US" sz="1100" b="1" dirty="0" smtClean="0">
+                <a:latin typeface="Courier New" panose="02070309020205020404" pitchFamily="49" charset="0"/>
+                <a:cs typeface="Courier New" panose="02070309020205020404" pitchFamily="49" charset="0"/>
+              </a:rPr>
+              <a:t>&gt;</a:t>
+            </a:r>
+            <a:endParaRPr lang="ru-RU" sz="1100" b="1" dirty="0">
+              <a:latin typeface="Courier New" panose="02070309020205020404" pitchFamily="49" charset="0"/>
+              <a:cs typeface="Courier New" panose="02070309020205020404" pitchFamily="49" charset="0"/>
+            </a:endParaRPr>
+          </a:p>
+        </p:txBody>
+      </p:sp>
+      <p:sp>
+        <p:nvSpPr>
+          <p:cNvPr id="13" name="TextBox 12"/>
+          <p:cNvSpPr txBox="1"/>
+          <p:nvPr/>
+        </p:nvSpPr>
+        <p:spPr>
+          <a:xfrm>
+            <a:off x="3694703" y="6097935"/>
+            <a:ext cx="4491789" cy="307777"/>
+          </a:xfrm>
+          <a:prstGeom prst="rect">
+            <a:avLst/>
+          </a:prstGeom>
+          <a:noFill/>
+        </p:spPr>
+        <p:txBody>
+          <a:bodyPr wrap="square" rtlCol="0">
+            <a:spAutoFit/>
+          </a:bodyPr>
+          <a:lstStyle/>
+          <a:p>
+            <a:pPr algn="ctr"/>
+            <a:r>
+              <a:rPr lang="ru-RU" dirty="0" smtClean="0"/>
+              <a:t>Разметка </a:t>
+            </a:r>
+            <a:r>
+              <a:rPr lang="ru-RU" dirty="0" smtClean="0"/>
+              <a:t>главного окна</a:t>
+            </a:r>
+            <a:endParaRPr lang="ru-RU" dirty="0"/>
+          </a:p>
+        </p:txBody>
+      </p:sp>
+    </p:spTree>
+    <p:extLst>
+      <p:ext uri="{BB962C8B-B14F-4D97-AF65-F5344CB8AC3E}">
+        <p14:creationId xmlns:p14="http://schemas.microsoft.com/office/powerpoint/2010/main" val="1187174255"/>
+      </p:ext>
+    </p:extLst>
+  </p:cSld>
+  <p:clrMapOvr>
+    <a:masterClrMapping/>
+  </p:clrMapOvr>
+</p:sld>
+</file>
+
+<file path=ppt/slides/slide14.xml><?xml version="1.0" encoding="utf-8"?>
+<p:sld xmlns:a="http://schemas.openxmlformats.org/drawingml/2006/main" xmlns:r="http://schemas.openxmlformats.org/officeDocument/2006/relationships" xmlns:p="http://schemas.openxmlformats.org/presentationml/2006/main">
+  <p:cSld>
+    <p:spTree>
+      <p:nvGrpSpPr>
+        <p:cNvPr id="1" name=""/>
+        <p:cNvGrpSpPr/>
+        <p:nvPr/>
+      </p:nvGrpSpPr>
+      <p:grpSpPr>
+        <a:xfrm>
+          <a:off x="0" y="0"/>
+          <a:ext cx="0" cy="0"/>
+          <a:chOff x="0" y="0"/>
+          <a:chExt cx="0" cy="0"/>
+        </a:xfrm>
+      </p:grpSpPr>
+      <p:sp>
+        <p:nvSpPr>
+          <p:cNvPr id="2" name="Заголовок 1"/>
+          <p:cNvSpPr>
+            <a:spLocks noGrp="1"/>
+          </p:cNvSpPr>
+          <p:nvPr>
+            <p:ph type="title"/>
+          </p:nvPr>
+        </p:nvSpPr>
+        <p:spPr/>
         <p:txBody>
           <a:bodyPr/>
           <a:lstStyle/>
           <a:p>
             <a:r>
-              <a:rPr lang="ru-RU" sz="3200" b="1" dirty="0"/>
-              <a:t>Результаты экспериментов</a:t>
-            </a:r>
+              <a:rPr lang="ru-RU" dirty="0" smtClean="0"/>
+              <a:t>Обработчик главного окна</a:t>
+            </a:r>
+            <a:endParaRPr lang="ru-RU" dirty="0"/>
           </a:p>
         </p:txBody>
       </p:sp>
       <p:grpSp>
         <p:nvGrpSpPr>
-          <p:cNvPr id="7" name="Google Shape;640;p45"/>
+          <p:cNvPr id="7" name="Google Shape;660;p45"/>
           <p:cNvGrpSpPr/>
           <p:nvPr/>
         </p:nvGrpSpPr>
         <p:grpSpPr>
           <a:xfrm>
-            <a:off x="612536" y="582297"/>
-            <a:ext cx="587604" cy="586275"/>
-            <a:chOff x="4835275" y="1198350"/>
-            <a:chExt cx="233753" cy="226175"/>
+            <a:off x="640619" y="574797"/>
+            <a:ext cx="498369" cy="621811"/>
+            <a:chOff x="3086700" y="1180050"/>
+            <a:chExt cx="216800" cy="262325"/>
           </a:xfrm>
         </p:grpSpPr>
         <p:sp>
           <p:nvSpPr>
-            <p:cNvPr id="8" name="Google Shape;641;p45"/>
+            <p:cNvPr id="8" name="Google Shape;661;p45"/>
             <p:cNvSpPr/>
             <p:nvPr/>
           </p:nvSpPr>
           <p:spPr>
             <a:xfrm>
-              <a:off x="4835275" y="1198350"/>
-              <a:ext cx="226175" cy="226175"/>
+              <a:off x="3161625" y="1180050"/>
+              <a:ext cx="141875" cy="141425"/>
             </a:xfrm>
             <a:custGeom>
               <a:avLst/>
@@ -8600,24 +10337,142 @@
               <a:cxnLst/>
               <a:rect l="l" t="t" r="r" b="b"/>
               <a:pathLst>
-                <a:path w="9047" h="9047" extrusionOk="0">
+                <a:path w="5675" h="5657" extrusionOk="0">
                   <a:moveTo>
-                    <a:pt x="0" y="0"/>
+                    <a:pt x="2838" y="1839"/>
                   </a:moveTo>
-                  <a:lnTo>
-                    <a:pt x="0" y="9047"/>
-                  </a:lnTo>
-                  <a:lnTo>
-                    <a:pt x="9047" y="9047"/>
-                  </a:lnTo>
-                  <a:lnTo>
-                    <a:pt x="9047" y="8244"/>
-                  </a:lnTo>
-                  <a:lnTo>
-                    <a:pt x="803" y="8244"/>
-                  </a:lnTo>
-                  <a:lnTo>
-                    <a:pt x="803" y="0"/>
+                  <a:cubicBezTo>
+                    <a:pt x="3391" y="1839"/>
+                    <a:pt x="3837" y="2285"/>
+                    <a:pt x="3837" y="2838"/>
+                  </a:cubicBezTo>
+                  <a:cubicBezTo>
+                    <a:pt x="3837" y="3373"/>
+                    <a:pt x="3391" y="3837"/>
+                    <a:pt x="2838" y="3837"/>
+                  </a:cubicBezTo>
+                  <a:cubicBezTo>
+                    <a:pt x="2285" y="3837"/>
+                    <a:pt x="1839" y="3373"/>
+                    <a:pt x="1839" y="2838"/>
+                  </a:cubicBezTo>
+                  <a:cubicBezTo>
+                    <a:pt x="1839" y="2285"/>
+                    <a:pt x="2302" y="1839"/>
+                    <a:pt x="2838" y="1839"/>
+                  </a:cubicBezTo>
+                  <a:close/>
+                  <a:moveTo>
+                    <a:pt x="2499" y="1"/>
+                  </a:moveTo>
+                  <a:lnTo>
+                    <a:pt x="2213" y="590"/>
+                  </a:lnTo>
+                  <a:cubicBezTo>
+                    <a:pt x="2035" y="643"/>
+                    <a:pt x="1856" y="697"/>
+                    <a:pt x="1696" y="804"/>
+                  </a:cubicBezTo>
+                  <a:lnTo>
+                    <a:pt x="1071" y="590"/>
+                  </a:lnTo>
+                  <a:lnTo>
+                    <a:pt x="590" y="1054"/>
+                  </a:lnTo>
+                  <a:lnTo>
+                    <a:pt x="804" y="1696"/>
+                  </a:lnTo>
+                  <a:cubicBezTo>
+                    <a:pt x="714" y="1856"/>
+                    <a:pt x="643" y="2035"/>
+                    <a:pt x="590" y="2213"/>
+                  </a:cubicBezTo>
+                  <a:lnTo>
+                    <a:pt x="1" y="2499"/>
+                  </a:lnTo>
+                  <a:lnTo>
+                    <a:pt x="1" y="3159"/>
+                  </a:lnTo>
+                  <a:lnTo>
+                    <a:pt x="590" y="3462"/>
+                  </a:lnTo>
+                  <a:cubicBezTo>
+                    <a:pt x="643" y="3641"/>
+                    <a:pt x="714" y="3819"/>
+                    <a:pt x="804" y="3980"/>
+                  </a:cubicBezTo>
+                  <a:lnTo>
+                    <a:pt x="590" y="4604"/>
+                  </a:lnTo>
+                  <a:lnTo>
+                    <a:pt x="1053" y="5068"/>
+                  </a:lnTo>
+                  <a:lnTo>
+                    <a:pt x="1678" y="4854"/>
+                  </a:lnTo>
+                  <a:cubicBezTo>
+                    <a:pt x="1839" y="4961"/>
+                    <a:pt x="2017" y="5015"/>
+                    <a:pt x="2195" y="5068"/>
+                  </a:cubicBezTo>
+                  <a:lnTo>
+                    <a:pt x="2499" y="5657"/>
+                  </a:lnTo>
+                  <a:lnTo>
+                    <a:pt x="3159" y="5657"/>
+                  </a:lnTo>
+                  <a:lnTo>
+                    <a:pt x="3462" y="5068"/>
+                  </a:lnTo>
+                  <a:cubicBezTo>
+                    <a:pt x="3641" y="5015"/>
+                    <a:pt x="3819" y="4961"/>
+                    <a:pt x="3962" y="4854"/>
+                  </a:cubicBezTo>
+                  <a:lnTo>
+                    <a:pt x="4586" y="5068"/>
+                  </a:lnTo>
+                  <a:lnTo>
+                    <a:pt x="5068" y="4604"/>
+                  </a:lnTo>
+                  <a:lnTo>
+                    <a:pt x="4854" y="3980"/>
+                  </a:lnTo>
+                  <a:cubicBezTo>
+                    <a:pt x="4961" y="3819"/>
+                    <a:pt x="5032" y="3623"/>
+                    <a:pt x="5086" y="3462"/>
+                  </a:cubicBezTo>
+                  <a:lnTo>
+                    <a:pt x="5675" y="3159"/>
+                  </a:lnTo>
+                  <a:lnTo>
+                    <a:pt x="5675" y="2499"/>
+                  </a:lnTo>
+                  <a:lnTo>
+                    <a:pt x="5086" y="2213"/>
+                  </a:lnTo>
+                  <a:cubicBezTo>
+                    <a:pt x="5032" y="2035"/>
+                    <a:pt x="4961" y="1856"/>
+                    <a:pt x="4872" y="1696"/>
+                  </a:cubicBezTo>
+                  <a:lnTo>
+                    <a:pt x="5086" y="1054"/>
+                  </a:lnTo>
+                  <a:lnTo>
+                    <a:pt x="4604" y="590"/>
+                  </a:lnTo>
+                  <a:lnTo>
+                    <a:pt x="3980" y="804"/>
+                  </a:lnTo>
+                  <a:cubicBezTo>
+                    <a:pt x="3819" y="697"/>
+                    <a:pt x="3658" y="643"/>
+                    <a:pt x="3462" y="590"/>
+                  </a:cubicBezTo>
+                  <a:lnTo>
+                    <a:pt x="3177" y="1"/>
                   </a:lnTo>
                   <a:close/>
                 </a:path>
@@ -8651,14 +10506,14 @@
         </p:sp>
         <p:sp>
           <p:nvSpPr>
-            <p:cNvPr id="9" name="Google Shape;642;p45"/>
+            <p:cNvPr id="9" name="Google Shape;662;p45"/>
             <p:cNvSpPr/>
             <p:nvPr/>
           </p:nvSpPr>
           <p:spPr>
             <a:xfrm>
-              <a:off x="4875853" y="1247651"/>
-              <a:ext cx="193175" cy="113325"/>
+              <a:off x="3086700" y="1301400"/>
+              <a:ext cx="141425" cy="140975"/>
             </a:xfrm>
             <a:custGeom>
               <a:avLst/>
@@ -8667,51 +10522,142 @@
               <a:cxnLst/>
               <a:rect l="l" t="t" r="r" b="b"/>
               <a:pathLst>
-                <a:path w="7727" h="4533" extrusionOk="0">
+                <a:path w="5657" h="5639" extrusionOk="0">
                   <a:moveTo>
-                    <a:pt x="5603" y="0"/>
+                    <a:pt x="2837" y="1838"/>
                   </a:moveTo>
-                  <a:lnTo>
-                    <a:pt x="6388" y="785"/>
-                  </a:lnTo>
-                  <a:lnTo>
-                    <a:pt x="5336" y="1838"/>
-                  </a:lnTo>
-                  <a:lnTo>
-                    <a:pt x="4533" y="1035"/>
-                  </a:lnTo>
-                  <a:lnTo>
-                    <a:pt x="3195" y="2356"/>
-                  </a:lnTo>
-                  <a:lnTo>
-                    <a:pt x="2409" y="1571"/>
-                  </a:lnTo>
-                  <a:lnTo>
-                    <a:pt x="1" y="3979"/>
-                  </a:lnTo>
-                  <a:lnTo>
-                    <a:pt x="554" y="4532"/>
-                  </a:lnTo>
-                  <a:lnTo>
-                    <a:pt x="2409" y="2695"/>
-                  </a:lnTo>
-                  <a:lnTo>
-                    <a:pt x="3195" y="3480"/>
-                  </a:lnTo>
-                  <a:lnTo>
-                    <a:pt x="4533" y="2159"/>
-                  </a:lnTo>
-                  <a:lnTo>
-                    <a:pt x="5336" y="2962"/>
-                  </a:lnTo>
-                  <a:lnTo>
-                    <a:pt x="6941" y="1339"/>
-                  </a:lnTo>
-                  <a:lnTo>
-                    <a:pt x="7727" y="2124"/>
-                  </a:lnTo>
-                  <a:lnTo>
-                    <a:pt x="7727" y="0"/>
+                  <a:cubicBezTo>
+                    <a:pt x="3390" y="1838"/>
+                    <a:pt x="3836" y="2284"/>
+                    <a:pt x="3836" y="2819"/>
+                  </a:cubicBezTo>
+                  <a:cubicBezTo>
+                    <a:pt x="3836" y="3372"/>
+                    <a:pt x="3390" y="3818"/>
+                    <a:pt x="2837" y="3818"/>
+                  </a:cubicBezTo>
+                  <a:cubicBezTo>
+                    <a:pt x="2266" y="3818"/>
+                    <a:pt x="1838" y="3372"/>
+                    <a:pt x="1838" y="2819"/>
+                  </a:cubicBezTo>
+                  <a:cubicBezTo>
+                    <a:pt x="1838" y="2266"/>
+                    <a:pt x="2284" y="1838"/>
+                    <a:pt x="2837" y="1838"/>
+                  </a:cubicBezTo>
+                  <a:close/>
+                  <a:moveTo>
+                    <a:pt x="2498" y="0"/>
+                  </a:moveTo>
+                  <a:lnTo>
+                    <a:pt x="2195" y="571"/>
+                  </a:lnTo>
+                  <a:cubicBezTo>
+                    <a:pt x="2016" y="624"/>
+                    <a:pt x="1838" y="696"/>
+                    <a:pt x="1677" y="785"/>
+                  </a:cubicBezTo>
+                  <a:lnTo>
+                    <a:pt x="1053" y="571"/>
+                  </a:lnTo>
+                  <a:lnTo>
+                    <a:pt x="589" y="1035"/>
+                  </a:lnTo>
+                  <a:lnTo>
+                    <a:pt x="785" y="1659"/>
+                  </a:lnTo>
+                  <a:cubicBezTo>
+                    <a:pt x="696" y="1838"/>
+                    <a:pt x="642" y="2016"/>
+                    <a:pt x="571" y="2195"/>
+                  </a:cubicBezTo>
+                  <a:lnTo>
+                    <a:pt x="0" y="2480"/>
+                  </a:lnTo>
+                  <a:lnTo>
+                    <a:pt x="0" y="3140"/>
+                  </a:lnTo>
+                  <a:lnTo>
+                    <a:pt x="571" y="3426"/>
+                  </a:lnTo>
+                  <a:cubicBezTo>
+                    <a:pt x="642" y="3622"/>
+                    <a:pt x="696" y="3800"/>
+                    <a:pt x="785" y="3961"/>
+                  </a:cubicBezTo>
+                  <a:lnTo>
+                    <a:pt x="589" y="4586"/>
+                  </a:lnTo>
+                  <a:lnTo>
+                    <a:pt x="1053" y="5049"/>
+                  </a:lnTo>
+                  <a:lnTo>
+                    <a:pt x="1677" y="4853"/>
+                  </a:lnTo>
+                  <a:cubicBezTo>
+                    <a:pt x="1838" y="4942"/>
+                    <a:pt x="2016" y="5014"/>
+                    <a:pt x="2195" y="5049"/>
+                  </a:cubicBezTo>
+                  <a:lnTo>
+                    <a:pt x="2498" y="5638"/>
+                  </a:lnTo>
+                  <a:lnTo>
+                    <a:pt x="3158" y="5638"/>
+                  </a:lnTo>
+                  <a:lnTo>
+                    <a:pt x="3462" y="5049"/>
+                  </a:lnTo>
+                  <a:cubicBezTo>
+                    <a:pt x="3640" y="5014"/>
+                    <a:pt x="3818" y="4942"/>
+                    <a:pt x="3979" y="4853"/>
+                  </a:cubicBezTo>
+                  <a:lnTo>
+                    <a:pt x="4604" y="5049"/>
+                  </a:lnTo>
+                  <a:lnTo>
+                    <a:pt x="5067" y="4586"/>
+                  </a:lnTo>
+                  <a:lnTo>
+                    <a:pt x="4853" y="3961"/>
+                  </a:lnTo>
+                  <a:cubicBezTo>
+                    <a:pt x="4960" y="3800"/>
+                    <a:pt x="5032" y="3640"/>
+                    <a:pt x="5085" y="3444"/>
+                  </a:cubicBezTo>
+                  <a:lnTo>
+                    <a:pt x="5656" y="3158"/>
+                  </a:lnTo>
+                  <a:lnTo>
+                    <a:pt x="5656" y="2498"/>
+                  </a:lnTo>
+                  <a:lnTo>
+                    <a:pt x="5085" y="2195"/>
+                  </a:lnTo>
+                  <a:cubicBezTo>
+                    <a:pt x="5032" y="2016"/>
+                    <a:pt x="4960" y="1838"/>
+                    <a:pt x="4853" y="1677"/>
+                  </a:cubicBezTo>
+                  <a:lnTo>
+                    <a:pt x="5085" y="1053"/>
+                  </a:lnTo>
+                  <a:lnTo>
+                    <a:pt x="4604" y="571"/>
+                  </a:lnTo>
+                  <a:lnTo>
+                    <a:pt x="3979" y="785"/>
+                  </a:lnTo>
+                  <a:cubicBezTo>
+                    <a:pt x="3818" y="696"/>
+                    <a:pt x="3622" y="624"/>
+                    <a:pt x="3462" y="571"/>
+                  </a:cubicBezTo>
+                  <a:lnTo>
+                    <a:pt x="3158" y="0"/>
                   </a:lnTo>
                   <a:close/>
                 </a:path>
@@ -8744,9 +10690,597 @@
           </p:txBody>
         </p:sp>
       </p:grpSp>
+      <p:sp>
+        <p:nvSpPr>
+          <p:cNvPr id="10" name="Прямоугольник 9"/>
+          <p:cNvSpPr/>
+          <p:nvPr/>
+        </p:nvSpPr>
+        <p:spPr>
+          <a:xfrm>
+            <a:off x="557981" y="1828714"/>
+            <a:ext cx="11218219" cy="4662815"/>
+          </a:xfrm>
+          <a:prstGeom prst="rect">
+            <a:avLst/>
+          </a:prstGeom>
+        </p:spPr>
+        <p:txBody>
+          <a:bodyPr wrap="square">
+            <a:spAutoFit/>
+          </a:bodyPr>
+          <a:lstStyle/>
+          <a:p>
+            <a:r>
+              <a:rPr lang="en-US" sz="1100" b="1" dirty="0" smtClean="0">
+                <a:latin typeface="Courier New" panose="02070309020205020404" pitchFamily="49" charset="0"/>
+                <a:cs typeface="Courier New" panose="02070309020205020404" pitchFamily="49" charset="0"/>
+              </a:rPr>
+              <a:t>using </a:t>
+            </a:r>
+            <a:r>
+              <a:rPr lang="en-US" sz="1100" b="1" dirty="0" err="1">
+                <a:latin typeface="Courier New" panose="02070309020205020404" pitchFamily="49" charset="0"/>
+                <a:cs typeface="Courier New" panose="02070309020205020404" pitchFamily="49" charset="0"/>
+              </a:rPr>
+              <a:t>NfModels.ViewModels.Windows</a:t>
+            </a:r>
+            <a:r>
+              <a:rPr lang="en-US" sz="1100" b="1" dirty="0">
+                <a:latin typeface="Courier New" panose="02070309020205020404" pitchFamily="49" charset="0"/>
+                <a:cs typeface="Courier New" panose="02070309020205020404" pitchFamily="49" charset="0"/>
+              </a:rPr>
+              <a:t>;</a:t>
+            </a:r>
+          </a:p>
+          <a:p>
+            <a:r>
+              <a:rPr lang="en-US" sz="1100" b="1" dirty="0">
+                <a:latin typeface="Courier New" panose="02070309020205020404" pitchFamily="49" charset="0"/>
+                <a:cs typeface="Courier New" panose="02070309020205020404" pitchFamily="49" charset="0"/>
+              </a:rPr>
+              <a:t>using </a:t>
+            </a:r>
+            <a:r>
+              <a:rPr lang="en-US" sz="1100" b="1" dirty="0" err="1">
+                <a:latin typeface="Courier New" panose="02070309020205020404" pitchFamily="49" charset="0"/>
+                <a:cs typeface="Courier New" panose="02070309020205020404" pitchFamily="49" charset="0"/>
+              </a:rPr>
+              <a:t>NfModels.Views.Pages</a:t>
+            </a:r>
+            <a:r>
+              <a:rPr lang="en-US" sz="1100" b="1" dirty="0">
+                <a:latin typeface="Courier New" panose="02070309020205020404" pitchFamily="49" charset="0"/>
+                <a:cs typeface="Courier New" panose="02070309020205020404" pitchFamily="49" charset="0"/>
+              </a:rPr>
+              <a:t>;</a:t>
+            </a:r>
+          </a:p>
+          <a:p>
+            <a:endParaRPr lang="en-US" sz="1100" b="1" dirty="0">
+              <a:latin typeface="Courier New" panose="02070309020205020404" pitchFamily="49" charset="0"/>
+              <a:cs typeface="Courier New" panose="02070309020205020404" pitchFamily="49" charset="0"/>
+            </a:endParaRPr>
+          </a:p>
+          <a:p>
+            <a:r>
+              <a:rPr lang="en-US" sz="1100" b="1" dirty="0" smtClean="0">
+                <a:latin typeface="Courier New" panose="02070309020205020404" pitchFamily="49" charset="0"/>
+                <a:cs typeface="Courier New" panose="02070309020205020404" pitchFamily="49" charset="0"/>
+              </a:rPr>
+              <a:t>internal </a:t>
+            </a:r>
+            <a:r>
+              <a:rPr lang="en-US" sz="1100" b="1" dirty="0">
+                <a:latin typeface="Courier New" panose="02070309020205020404" pitchFamily="49" charset="0"/>
+                <a:cs typeface="Courier New" panose="02070309020205020404" pitchFamily="49" charset="0"/>
+              </a:rPr>
+              <a:t>class </a:t>
+            </a:r>
+            <a:r>
+              <a:rPr lang="en-US" sz="1100" b="1" dirty="0" err="1">
+                <a:latin typeface="Courier New" panose="02070309020205020404" pitchFamily="49" charset="0"/>
+                <a:cs typeface="Courier New" panose="02070309020205020404" pitchFamily="49" charset="0"/>
+              </a:rPr>
+              <a:t>MainWindowViewModel</a:t>
+            </a:r>
+            <a:r>
+              <a:rPr lang="en-US" sz="1100" b="1" dirty="0">
+                <a:latin typeface="Courier New" panose="02070309020205020404" pitchFamily="49" charset="0"/>
+                <a:cs typeface="Courier New" panose="02070309020205020404" pitchFamily="49" charset="0"/>
+              </a:rPr>
+              <a:t> : </a:t>
+            </a:r>
+            <a:r>
+              <a:rPr lang="en-US" sz="1100" b="1" dirty="0" err="1">
+                <a:latin typeface="Courier New" panose="02070309020205020404" pitchFamily="49" charset="0"/>
+                <a:cs typeface="Courier New" panose="02070309020205020404" pitchFamily="49" charset="0"/>
+              </a:rPr>
+              <a:t>ViewModel</a:t>
+            </a:r>
+            <a:endParaRPr lang="en-US" sz="1100" b="1" dirty="0">
+              <a:latin typeface="Courier New" panose="02070309020205020404" pitchFamily="49" charset="0"/>
+              <a:cs typeface="Courier New" panose="02070309020205020404" pitchFamily="49" charset="0"/>
+            </a:endParaRPr>
+          </a:p>
+          <a:p>
+            <a:r>
+              <a:rPr lang="en-US" sz="1100" b="1" dirty="0">
+                <a:latin typeface="Courier New" panose="02070309020205020404" pitchFamily="49" charset="0"/>
+                <a:cs typeface="Courier New" panose="02070309020205020404" pitchFamily="49" charset="0"/>
+              </a:rPr>
+              <a:t>{</a:t>
+            </a:r>
+          </a:p>
+          <a:p>
+            <a:r>
+              <a:rPr lang="en-US" sz="1100" b="1" dirty="0" smtClean="0">
+                <a:latin typeface="Courier New" panose="02070309020205020404" pitchFamily="49" charset="0"/>
+                <a:cs typeface="Courier New" panose="02070309020205020404" pitchFamily="49" charset="0"/>
+              </a:rPr>
+              <a:t>    </a:t>
+            </a:r>
+            <a:r>
+              <a:rPr lang="en-US" sz="1100" b="1" dirty="0">
+                <a:latin typeface="Courier New" panose="02070309020205020404" pitchFamily="49" charset="0"/>
+                <a:cs typeface="Courier New" panose="02070309020205020404" pitchFamily="49" charset="0"/>
+              </a:rPr>
+              <a:t>private void </a:t>
+            </a:r>
+            <a:r>
+              <a:rPr lang="en-US" sz="1100" b="1" dirty="0" err="1">
+                <a:latin typeface="Courier New" panose="02070309020205020404" pitchFamily="49" charset="0"/>
+                <a:cs typeface="Courier New" panose="02070309020205020404" pitchFamily="49" charset="0"/>
+              </a:rPr>
+              <a:t>GoToProjectPageCommandExecute</a:t>
+            </a:r>
+            <a:r>
+              <a:rPr lang="en-US" sz="1100" b="1" dirty="0">
+                <a:latin typeface="Courier New" panose="02070309020205020404" pitchFamily="49" charset="0"/>
+                <a:cs typeface="Courier New" panose="02070309020205020404" pitchFamily="49" charset="0"/>
+              </a:rPr>
+              <a:t>(object p)</a:t>
+            </a:r>
+          </a:p>
+          <a:p>
+            <a:r>
+              <a:rPr lang="en-US" sz="1100" b="1" dirty="0">
+                <a:latin typeface="Courier New" panose="02070309020205020404" pitchFamily="49" charset="0"/>
+                <a:cs typeface="Courier New" panose="02070309020205020404" pitchFamily="49" charset="0"/>
+              </a:rPr>
+              <a:t>    {</a:t>
+            </a:r>
+          </a:p>
+          <a:p>
+            <a:r>
+              <a:rPr lang="en-US" sz="1100" b="1" dirty="0">
+                <a:latin typeface="Courier New" panose="02070309020205020404" pitchFamily="49" charset="0"/>
+                <a:cs typeface="Courier New" panose="02070309020205020404" pitchFamily="49" charset="0"/>
+              </a:rPr>
+              <a:t>        </a:t>
+            </a:r>
+            <a:r>
+              <a:rPr lang="en-US" sz="1100" b="1" dirty="0" err="1">
+                <a:latin typeface="Courier New" panose="02070309020205020404" pitchFamily="49" charset="0"/>
+                <a:cs typeface="Courier New" panose="02070309020205020404" pitchFamily="49" charset="0"/>
+              </a:rPr>
+              <a:t>CurrentPage</a:t>
+            </a:r>
+            <a:r>
+              <a:rPr lang="en-US" sz="1100" b="1" dirty="0">
+                <a:latin typeface="Courier New" panose="02070309020205020404" pitchFamily="49" charset="0"/>
+                <a:cs typeface="Courier New" panose="02070309020205020404" pitchFamily="49" charset="0"/>
+              </a:rPr>
+              <a:t> = new </a:t>
+            </a:r>
+            <a:r>
+              <a:rPr lang="en-US" sz="1100" b="1" dirty="0" err="1">
+                <a:latin typeface="Courier New" panose="02070309020205020404" pitchFamily="49" charset="0"/>
+                <a:cs typeface="Courier New" panose="02070309020205020404" pitchFamily="49" charset="0"/>
+              </a:rPr>
+              <a:t>ExplorerPage</a:t>
+            </a:r>
+            <a:r>
+              <a:rPr lang="en-US" sz="1100" b="1" dirty="0">
+                <a:latin typeface="Courier New" panose="02070309020205020404" pitchFamily="49" charset="0"/>
+                <a:cs typeface="Courier New" panose="02070309020205020404" pitchFamily="49" charset="0"/>
+              </a:rPr>
+              <a:t>(</a:t>
+            </a:r>
+            <a:r>
+              <a:rPr lang="en-US" sz="1100" b="1" dirty="0" err="1">
+                <a:latin typeface="Courier New" panose="02070309020205020404" pitchFamily="49" charset="0"/>
+                <a:cs typeface="Courier New" panose="02070309020205020404" pitchFamily="49" charset="0"/>
+              </a:rPr>
+              <a:t>ExplorerPreset.Projects</a:t>
+            </a:r>
+            <a:r>
+              <a:rPr lang="en-US" sz="1100" b="1" dirty="0">
+                <a:latin typeface="Courier New" panose="02070309020205020404" pitchFamily="49" charset="0"/>
+                <a:cs typeface="Courier New" panose="02070309020205020404" pitchFamily="49" charset="0"/>
+              </a:rPr>
+              <a:t>);</a:t>
+            </a:r>
+          </a:p>
+          <a:p>
+            <a:r>
+              <a:rPr lang="en-US" sz="1100" b="1" dirty="0">
+                <a:latin typeface="Courier New" panose="02070309020205020404" pitchFamily="49" charset="0"/>
+                <a:cs typeface="Courier New" panose="02070309020205020404" pitchFamily="49" charset="0"/>
+              </a:rPr>
+              <a:t>    }</a:t>
+            </a:r>
+          </a:p>
+          <a:p>
+            <a:endParaRPr lang="en-US" sz="1100" b="1" dirty="0">
+              <a:latin typeface="Courier New" panose="02070309020205020404" pitchFamily="49" charset="0"/>
+              <a:cs typeface="Courier New" panose="02070309020205020404" pitchFamily="49" charset="0"/>
+            </a:endParaRPr>
+          </a:p>
+          <a:p>
+            <a:r>
+              <a:rPr lang="en-US" sz="1100" b="1" dirty="0">
+                <a:latin typeface="Courier New" panose="02070309020205020404" pitchFamily="49" charset="0"/>
+                <a:cs typeface="Courier New" panose="02070309020205020404" pitchFamily="49" charset="0"/>
+              </a:rPr>
+              <a:t>    private void </a:t>
+            </a:r>
+            <a:r>
+              <a:rPr lang="en-US" sz="1100" b="1" dirty="0" err="1">
+                <a:latin typeface="Courier New" panose="02070309020205020404" pitchFamily="49" charset="0"/>
+                <a:cs typeface="Courier New" panose="02070309020205020404" pitchFamily="49" charset="0"/>
+              </a:rPr>
+              <a:t>GoToMaterialsPageCommandExecute</a:t>
+            </a:r>
+            <a:r>
+              <a:rPr lang="en-US" sz="1100" b="1" dirty="0">
+                <a:latin typeface="Courier New" panose="02070309020205020404" pitchFamily="49" charset="0"/>
+                <a:cs typeface="Courier New" panose="02070309020205020404" pitchFamily="49" charset="0"/>
+              </a:rPr>
+              <a:t>(object p)</a:t>
+            </a:r>
+          </a:p>
+          <a:p>
+            <a:r>
+              <a:rPr lang="en-US" sz="1100" b="1" dirty="0">
+                <a:latin typeface="Courier New" panose="02070309020205020404" pitchFamily="49" charset="0"/>
+                <a:cs typeface="Courier New" panose="02070309020205020404" pitchFamily="49" charset="0"/>
+              </a:rPr>
+              <a:t>    {</a:t>
+            </a:r>
+          </a:p>
+          <a:p>
+            <a:r>
+              <a:rPr lang="en-US" sz="1100" b="1" dirty="0">
+                <a:latin typeface="Courier New" panose="02070309020205020404" pitchFamily="49" charset="0"/>
+                <a:cs typeface="Courier New" panose="02070309020205020404" pitchFamily="49" charset="0"/>
+              </a:rPr>
+              <a:t>        </a:t>
+            </a:r>
+            <a:r>
+              <a:rPr lang="en-US" sz="1100" b="1" dirty="0" err="1">
+                <a:latin typeface="Courier New" panose="02070309020205020404" pitchFamily="49" charset="0"/>
+                <a:cs typeface="Courier New" panose="02070309020205020404" pitchFamily="49" charset="0"/>
+              </a:rPr>
+              <a:t>CurrentPage</a:t>
+            </a:r>
+            <a:r>
+              <a:rPr lang="en-US" sz="1100" b="1" dirty="0">
+                <a:latin typeface="Courier New" panose="02070309020205020404" pitchFamily="49" charset="0"/>
+                <a:cs typeface="Courier New" panose="02070309020205020404" pitchFamily="49" charset="0"/>
+              </a:rPr>
+              <a:t> = new </a:t>
+            </a:r>
+            <a:r>
+              <a:rPr lang="en-US" sz="1100" b="1" dirty="0" err="1">
+                <a:latin typeface="Courier New" panose="02070309020205020404" pitchFamily="49" charset="0"/>
+                <a:cs typeface="Courier New" panose="02070309020205020404" pitchFamily="49" charset="0"/>
+              </a:rPr>
+              <a:t>ExplorerPage</a:t>
+            </a:r>
+            <a:r>
+              <a:rPr lang="en-US" sz="1100" b="1" dirty="0">
+                <a:latin typeface="Courier New" panose="02070309020205020404" pitchFamily="49" charset="0"/>
+                <a:cs typeface="Courier New" panose="02070309020205020404" pitchFamily="49" charset="0"/>
+              </a:rPr>
+              <a:t>(</a:t>
+            </a:r>
+            <a:r>
+              <a:rPr lang="en-US" sz="1100" b="1" dirty="0" err="1">
+                <a:latin typeface="Courier New" panose="02070309020205020404" pitchFamily="49" charset="0"/>
+                <a:cs typeface="Courier New" panose="02070309020205020404" pitchFamily="49" charset="0"/>
+              </a:rPr>
+              <a:t>ExplorerPreset.Materials</a:t>
+            </a:r>
+            <a:r>
+              <a:rPr lang="en-US" sz="1100" b="1" dirty="0">
+                <a:latin typeface="Courier New" panose="02070309020205020404" pitchFamily="49" charset="0"/>
+                <a:cs typeface="Courier New" panose="02070309020205020404" pitchFamily="49" charset="0"/>
+              </a:rPr>
+              <a:t>);</a:t>
+            </a:r>
+          </a:p>
+          <a:p>
+            <a:r>
+              <a:rPr lang="en-US" sz="1100" b="1" dirty="0">
+                <a:latin typeface="Courier New" panose="02070309020205020404" pitchFamily="49" charset="0"/>
+                <a:cs typeface="Courier New" panose="02070309020205020404" pitchFamily="49" charset="0"/>
+              </a:rPr>
+              <a:t>    }</a:t>
+            </a:r>
+          </a:p>
+          <a:p>
+            <a:endParaRPr lang="en-US" sz="1100" b="1" dirty="0">
+              <a:latin typeface="Courier New" panose="02070309020205020404" pitchFamily="49" charset="0"/>
+              <a:cs typeface="Courier New" panose="02070309020205020404" pitchFamily="49" charset="0"/>
+            </a:endParaRPr>
+          </a:p>
+          <a:p>
+            <a:r>
+              <a:rPr lang="en-US" sz="1100" b="1" dirty="0">
+                <a:latin typeface="Courier New" panose="02070309020205020404" pitchFamily="49" charset="0"/>
+                <a:cs typeface="Courier New" panose="02070309020205020404" pitchFamily="49" charset="0"/>
+              </a:rPr>
+              <a:t>    private void </a:t>
+            </a:r>
+            <a:r>
+              <a:rPr lang="en-US" sz="1100" b="1" dirty="0" err="1">
+                <a:latin typeface="Courier New" panose="02070309020205020404" pitchFamily="49" charset="0"/>
+                <a:cs typeface="Courier New" panose="02070309020205020404" pitchFamily="49" charset="0"/>
+              </a:rPr>
+              <a:t>GoToFilmingPageCommandExecute</a:t>
+            </a:r>
+            <a:r>
+              <a:rPr lang="en-US" sz="1100" b="1" dirty="0">
+                <a:latin typeface="Courier New" panose="02070309020205020404" pitchFamily="49" charset="0"/>
+                <a:cs typeface="Courier New" panose="02070309020205020404" pitchFamily="49" charset="0"/>
+              </a:rPr>
+              <a:t>(object p)</a:t>
+            </a:r>
+          </a:p>
+          <a:p>
+            <a:r>
+              <a:rPr lang="en-US" sz="1100" b="1" dirty="0">
+                <a:latin typeface="Courier New" panose="02070309020205020404" pitchFamily="49" charset="0"/>
+                <a:cs typeface="Courier New" panose="02070309020205020404" pitchFamily="49" charset="0"/>
+              </a:rPr>
+              <a:t>    {</a:t>
+            </a:r>
+          </a:p>
+          <a:p>
+            <a:r>
+              <a:rPr lang="en-US" sz="1100" b="1" dirty="0">
+                <a:latin typeface="Courier New" panose="02070309020205020404" pitchFamily="49" charset="0"/>
+                <a:cs typeface="Courier New" panose="02070309020205020404" pitchFamily="49" charset="0"/>
+              </a:rPr>
+              <a:t>        </a:t>
+            </a:r>
+            <a:r>
+              <a:rPr lang="en-US" sz="1100" b="1" dirty="0" err="1">
+                <a:latin typeface="Courier New" panose="02070309020205020404" pitchFamily="49" charset="0"/>
+                <a:cs typeface="Courier New" panose="02070309020205020404" pitchFamily="49" charset="0"/>
+              </a:rPr>
+              <a:t>CurrentPage</a:t>
+            </a:r>
+            <a:r>
+              <a:rPr lang="en-US" sz="1100" b="1" dirty="0">
+                <a:latin typeface="Courier New" panose="02070309020205020404" pitchFamily="49" charset="0"/>
+                <a:cs typeface="Courier New" panose="02070309020205020404" pitchFamily="49" charset="0"/>
+              </a:rPr>
+              <a:t> = new </a:t>
+            </a:r>
+            <a:r>
+              <a:rPr lang="en-US" sz="1100" b="1" dirty="0" err="1">
+                <a:latin typeface="Courier New" panose="02070309020205020404" pitchFamily="49" charset="0"/>
+                <a:cs typeface="Courier New" panose="02070309020205020404" pitchFamily="49" charset="0"/>
+              </a:rPr>
+              <a:t>ExplorerPage</a:t>
+            </a:r>
+            <a:r>
+              <a:rPr lang="en-US" sz="1100" b="1" dirty="0">
+                <a:latin typeface="Courier New" panose="02070309020205020404" pitchFamily="49" charset="0"/>
+                <a:cs typeface="Courier New" panose="02070309020205020404" pitchFamily="49" charset="0"/>
+              </a:rPr>
+              <a:t>(</a:t>
+            </a:r>
+            <a:r>
+              <a:rPr lang="en-US" sz="1100" b="1" dirty="0" err="1">
+                <a:latin typeface="Courier New" panose="02070309020205020404" pitchFamily="49" charset="0"/>
+                <a:cs typeface="Courier New" panose="02070309020205020404" pitchFamily="49" charset="0"/>
+              </a:rPr>
+              <a:t>ExplorerPreset.Filmings</a:t>
+            </a:r>
+            <a:r>
+              <a:rPr lang="en-US" sz="1100" b="1" dirty="0">
+                <a:latin typeface="Courier New" panose="02070309020205020404" pitchFamily="49" charset="0"/>
+                <a:cs typeface="Courier New" panose="02070309020205020404" pitchFamily="49" charset="0"/>
+              </a:rPr>
+              <a:t>);</a:t>
+            </a:r>
+          </a:p>
+          <a:p>
+            <a:r>
+              <a:rPr lang="en-US" sz="1100" b="1" dirty="0">
+                <a:latin typeface="Courier New" panose="02070309020205020404" pitchFamily="49" charset="0"/>
+                <a:cs typeface="Courier New" panose="02070309020205020404" pitchFamily="49" charset="0"/>
+              </a:rPr>
+              <a:t>    </a:t>
+            </a:r>
+            <a:r>
+              <a:rPr lang="en-US" sz="1100" b="1" dirty="0" smtClean="0">
+                <a:latin typeface="Courier New" panose="02070309020205020404" pitchFamily="49" charset="0"/>
+                <a:cs typeface="Courier New" panose="02070309020205020404" pitchFamily="49" charset="0"/>
+              </a:rPr>
+              <a:t>}</a:t>
+            </a:r>
+            <a:endParaRPr lang="ru-RU" sz="1100" b="1" dirty="0">
+              <a:latin typeface="Courier New" panose="02070309020205020404" pitchFamily="49" charset="0"/>
+              <a:cs typeface="Courier New" panose="02070309020205020404" pitchFamily="49" charset="0"/>
+            </a:endParaRPr>
+          </a:p>
+          <a:p>
+            <a:r>
+              <a:rPr lang="ru-RU" sz="1100" b="1" dirty="0">
+                <a:latin typeface="Courier New" panose="02070309020205020404" pitchFamily="49" charset="0"/>
+                <a:cs typeface="Courier New" panose="02070309020205020404" pitchFamily="49" charset="0"/>
+              </a:rPr>
+              <a:t>    </a:t>
+            </a:r>
+            <a:r>
+              <a:rPr lang="en-US" sz="1100" b="1" dirty="0">
+                <a:latin typeface="Courier New" panose="02070309020205020404" pitchFamily="49" charset="0"/>
+                <a:cs typeface="Courier New" panose="02070309020205020404" pitchFamily="49" charset="0"/>
+              </a:rPr>
+              <a:t>private Page _</a:t>
+            </a:r>
+            <a:r>
+              <a:rPr lang="en-US" sz="1100" b="1" dirty="0" err="1">
+                <a:latin typeface="Courier New" panose="02070309020205020404" pitchFamily="49" charset="0"/>
+                <a:cs typeface="Courier New" panose="02070309020205020404" pitchFamily="49" charset="0"/>
+              </a:rPr>
+              <a:t>currentPage</a:t>
+            </a:r>
+            <a:r>
+              <a:rPr lang="en-US" sz="1100" b="1" dirty="0">
+                <a:latin typeface="Courier New" panose="02070309020205020404" pitchFamily="49" charset="0"/>
+                <a:cs typeface="Courier New" panose="02070309020205020404" pitchFamily="49" charset="0"/>
+              </a:rPr>
+              <a:t> = new </a:t>
+            </a:r>
+            <a:r>
+              <a:rPr lang="en-US" sz="1100" b="1" dirty="0" err="1">
+                <a:latin typeface="Courier New" panose="02070309020205020404" pitchFamily="49" charset="0"/>
+                <a:cs typeface="Courier New" panose="02070309020205020404" pitchFamily="49" charset="0"/>
+              </a:rPr>
+              <a:t>ExplorerPage</a:t>
+            </a:r>
+            <a:r>
+              <a:rPr lang="en-US" sz="1100" b="1" dirty="0">
+                <a:latin typeface="Courier New" panose="02070309020205020404" pitchFamily="49" charset="0"/>
+                <a:cs typeface="Courier New" panose="02070309020205020404" pitchFamily="49" charset="0"/>
+              </a:rPr>
+              <a:t>();</a:t>
+            </a:r>
+          </a:p>
+          <a:p>
+            <a:endParaRPr lang="en-US" sz="1100" b="1" dirty="0">
+              <a:latin typeface="Courier New" panose="02070309020205020404" pitchFamily="49" charset="0"/>
+              <a:cs typeface="Courier New" panose="02070309020205020404" pitchFamily="49" charset="0"/>
+            </a:endParaRPr>
+          </a:p>
+          <a:p>
+            <a:r>
+              <a:rPr lang="en-US" sz="1100" b="1" dirty="0">
+                <a:latin typeface="Courier New" panose="02070309020205020404" pitchFamily="49" charset="0"/>
+                <a:cs typeface="Courier New" panose="02070309020205020404" pitchFamily="49" charset="0"/>
+              </a:rPr>
+              <a:t>    public Page </a:t>
+            </a:r>
+            <a:r>
+              <a:rPr lang="en-US" sz="1100" b="1" dirty="0" err="1">
+                <a:latin typeface="Courier New" panose="02070309020205020404" pitchFamily="49" charset="0"/>
+                <a:cs typeface="Courier New" panose="02070309020205020404" pitchFamily="49" charset="0"/>
+              </a:rPr>
+              <a:t>CurrentPage</a:t>
+            </a:r>
+            <a:endParaRPr lang="en-US" sz="1100" b="1" dirty="0">
+              <a:latin typeface="Courier New" panose="02070309020205020404" pitchFamily="49" charset="0"/>
+              <a:cs typeface="Courier New" panose="02070309020205020404" pitchFamily="49" charset="0"/>
+            </a:endParaRPr>
+          </a:p>
+          <a:p>
+            <a:r>
+              <a:rPr lang="en-US" sz="1100" b="1" dirty="0">
+                <a:latin typeface="Courier New" panose="02070309020205020404" pitchFamily="49" charset="0"/>
+                <a:cs typeface="Courier New" panose="02070309020205020404" pitchFamily="49" charset="0"/>
+              </a:rPr>
+              <a:t>    {</a:t>
+            </a:r>
+          </a:p>
+          <a:p>
+            <a:r>
+              <a:rPr lang="en-US" sz="1100" b="1" dirty="0">
+                <a:latin typeface="Courier New" panose="02070309020205020404" pitchFamily="49" charset="0"/>
+                <a:cs typeface="Courier New" panose="02070309020205020404" pitchFamily="49" charset="0"/>
+              </a:rPr>
+              <a:t>        get =&gt; _</a:t>
+            </a:r>
+            <a:r>
+              <a:rPr lang="en-US" sz="1100" b="1" dirty="0" err="1">
+                <a:latin typeface="Courier New" panose="02070309020205020404" pitchFamily="49" charset="0"/>
+                <a:cs typeface="Courier New" panose="02070309020205020404" pitchFamily="49" charset="0"/>
+              </a:rPr>
+              <a:t>currentPage</a:t>
+            </a:r>
+            <a:r>
+              <a:rPr lang="en-US" sz="1100" b="1" dirty="0">
+                <a:latin typeface="Courier New" panose="02070309020205020404" pitchFamily="49" charset="0"/>
+                <a:cs typeface="Courier New" panose="02070309020205020404" pitchFamily="49" charset="0"/>
+              </a:rPr>
+              <a:t>;</a:t>
+            </a:r>
+          </a:p>
+          <a:p>
+            <a:r>
+              <a:rPr lang="en-US" sz="1100" b="1" dirty="0">
+                <a:latin typeface="Courier New" panose="02070309020205020404" pitchFamily="49" charset="0"/>
+                <a:cs typeface="Courier New" panose="02070309020205020404" pitchFamily="49" charset="0"/>
+              </a:rPr>
+              <a:t>        set =&gt; Set(ref _</a:t>
+            </a:r>
+            <a:r>
+              <a:rPr lang="en-US" sz="1100" b="1" dirty="0" err="1">
+                <a:latin typeface="Courier New" panose="02070309020205020404" pitchFamily="49" charset="0"/>
+                <a:cs typeface="Courier New" panose="02070309020205020404" pitchFamily="49" charset="0"/>
+              </a:rPr>
+              <a:t>currentPage</a:t>
+            </a:r>
+            <a:r>
+              <a:rPr lang="en-US" sz="1100" b="1" dirty="0">
+                <a:latin typeface="Courier New" panose="02070309020205020404" pitchFamily="49" charset="0"/>
+                <a:cs typeface="Courier New" panose="02070309020205020404" pitchFamily="49" charset="0"/>
+              </a:rPr>
+              <a:t>, value);</a:t>
+            </a:r>
+          </a:p>
+          <a:p>
+            <a:r>
+              <a:rPr lang="en-US" sz="1100" b="1" dirty="0">
+                <a:latin typeface="Courier New" panose="02070309020205020404" pitchFamily="49" charset="0"/>
+                <a:cs typeface="Courier New" panose="02070309020205020404" pitchFamily="49" charset="0"/>
+              </a:rPr>
+              <a:t>    </a:t>
+            </a:r>
+            <a:r>
+              <a:rPr lang="en-US" sz="1100" b="1" dirty="0" smtClean="0">
+                <a:latin typeface="Courier New" panose="02070309020205020404" pitchFamily="49" charset="0"/>
+                <a:cs typeface="Courier New" panose="02070309020205020404" pitchFamily="49" charset="0"/>
+              </a:rPr>
+              <a:t>}</a:t>
+            </a:r>
+            <a:endParaRPr lang="ru-RU" sz="1100" b="1" dirty="0" smtClean="0">
+              <a:latin typeface="Courier New" panose="02070309020205020404" pitchFamily="49" charset="0"/>
+              <a:cs typeface="Courier New" panose="02070309020205020404" pitchFamily="49" charset="0"/>
+            </a:endParaRPr>
+          </a:p>
+          <a:p>
+            <a:r>
+              <a:rPr lang="en-US" sz="1100" b="1" dirty="0" smtClean="0">
+                <a:latin typeface="Courier New" panose="02070309020205020404" pitchFamily="49" charset="0"/>
+                <a:cs typeface="Courier New" panose="02070309020205020404" pitchFamily="49" charset="0"/>
+              </a:rPr>
+              <a:t>}</a:t>
+            </a:r>
+            <a:endParaRPr lang="ru-RU" sz="1100" b="1" dirty="0">
+              <a:latin typeface="Courier New" panose="02070309020205020404" pitchFamily="49" charset="0"/>
+              <a:cs typeface="Courier New" panose="02070309020205020404" pitchFamily="49" charset="0"/>
+            </a:endParaRPr>
+          </a:p>
+        </p:txBody>
+      </p:sp>
       <p:pic>
         <p:nvPicPr>
-          <p:cNvPr id="10" name="Рисунок 9"/>
+          <p:cNvPr id="11" name="Рисунок 10"/>
           <p:cNvPicPr>
             <a:picLocks noChangeAspect="1"/>
           </p:cNvPicPr>
@@ -8766,37 +11300,8 @@
         </p:blipFill>
         <p:spPr>
           <a:xfrm>
-            <a:off x="612536" y="2838451"/>
-            <a:ext cx="4521200" cy="3390900"/>
-          </a:xfrm>
-          <a:prstGeom prst="rect">
-            <a:avLst/>
-          </a:prstGeom>
-        </p:spPr>
-      </p:pic>
-      <p:pic>
-        <p:nvPicPr>
-          <p:cNvPr id="11" name="Рисунок 10"/>
-          <p:cNvPicPr>
-            <a:picLocks noChangeAspect="1"/>
-          </p:cNvPicPr>
-          <p:nvPr/>
-        </p:nvPicPr>
-        <p:blipFill rotWithShape="1">
-          <a:blip r:embed="rId3">
-            <a:extLst>
-              <a:ext uri="{28A0092B-C50C-407E-A947-70E740481C1C}">
-                <a14:useLocalDpi xmlns:a14="http://schemas.microsoft.com/office/drawing/2010/main" val="0"/>
-              </a:ext>
-            </a:extLst>
-          </a:blip>
-          <a:srcRect l="9624" t="8636" r="8354" b="6119"/>
-          <a:stretch/>
-        </p:blipFill>
-        <p:spPr>
-          <a:xfrm>
-            <a:off x="5221664" y="1885950"/>
-            <a:ext cx="6379786" cy="3390900"/>
+            <a:off x="6752878" y="2381250"/>
+            <a:ext cx="4801476" cy="3305539"/>
           </a:xfrm>
           <a:prstGeom prst="rect">
             <a:avLst/>
@@ -8811,8 +11316,8 @@
         </p:nvSpPr>
         <p:spPr>
           <a:xfrm>
-            <a:off x="1181091" y="2838451"/>
-            <a:ext cx="3495684" cy="307777"/>
+            <a:off x="6907721" y="5647738"/>
+            <a:ext cx="4491789" cy="307777"/>
           </a:xfrm>
           <a:prstGeom prst="rect">
             <a:avLst/>
@@ -8827,62 +11332,17 @@
           <a:p>
             <a:pPr algn="ctr"/>
             <a:r>
-              <a:rPr lang="ru-RU" dirty="0"/>
-              <a:t>Результат эксперимента </a:t>
-            </a:r>
-            <a:r>
-              <a:rPr lang="en-US" dirty="0"/>
-              <a:t>E-Test</a:t>
-            </a:r>
-            <a:r>
-              <a:rPr lang="ru-RU" dirty="0"/>
-              <a:t>  </a:t>
-            </a:r>
-          </a:p>
-        </p:txBody>
-      </p:sp>
-      <p:sp>
-        <p:nvSpPr>
-          <p:cNvPr id="13" name="TextBox 12"/>
-          <p:cNvSpPr txBox="1"/>
-          <p:nvPr/>
-        </p:nvSpPr>
-        <p:spPr>
-          <a:xfrm>
-            <a:off x="6659625" y="5276850"/>
-            <a:ext cx="3495684" cy="307777"/>
-          </a:xfrm>
-          <a:prstGeom prst="rect">
-            <a:avLst/>
-          </a:prstGeom>
-          <a:noFill/>
-        </p:spPr>
-        <p:txBody>
-          <a:bodyPr wrap="square" rtlCol="0">
-            <a:spAutoFit/>
-          </a:bodyPr>
-          <a:lstStyle/>
-          <a:p>
-            <a:pPr algn="ctr"/>
-            <a:r>
-              <a:rPr lang="ru-RU" dirty="0"/>
-              <a:t>Результат эксперимента </a:t>
-            </a:r>
-            <a:r>
-              <a:rPr lang="en-US" dirty="0"/>
-              <a:t>E-1</a:t>
-            </a:r>
-            <a:r>
-              <a:rPr lang="ru-RU" dirty="0"/>
-              <a:t>  </a:t>
-            </a:r>
+              <a:rPr lang="ru-RU" dirty="0" smtClean="0"/>
+              <a:t>Рис. Главное окно с развёрнутым боковым меню</a:t>
+            </a:r>
+            <a:endParaRPr lang="ru-RU" dirty="0"/>
           </a:p>
         </p:txBody>
       </p:sp>
     </p:spTree>
     <p:extLst>
       <p:ext uri="{BB962C8B-B14F-4D97-AF65-F5344CB8AC3E}">
-        <p14:creationId xmlns:p14="http://schemas.microsoft.com/office/powerpoint/2010/main" val="2700501814"/>
+        <p14:creationId xmlns:p14="http://schemas.microsoft.com/office/powerpoint/2010/main" val="3789466414"/>
       </p:ext>
     </p:extLst>
   </p:cSld>
@@ -8892,8 +11352,8 @@
 </p:sld>
 </file>
 
-<file path=ppt/slides/slide14.xml><?xml version="1.0" encoding="utf-8"?>
-<p:sld xmlns:a="http://schemas.openxmlformats.org/drawingml/2006/main" xmlns:r="http://schemas.openxmlformats.org/officeDocument/2006/relationships" xmlns:p="http://schemas.openxmlformats.org/presentationml/2006/main" show="0">
+<file path=ppt/slides/slide15.xml><?xml version="1.0" encoding="utf-8"?>
+<p:sld xmlns:a="http://schemas.openxmlformats.org/drawingml/2006/main" xmlns:r="http://schemas.openxmlformats.org/officeDocument/2006/relationships" xmlns:p="http://schemas.openxmlformats.org/presentationml/2006/main">
   <p:cSld>
     <p:spTree>
       <p:nvGrpSpPr>
@@ -8931,11 +11391,7 @@
             </a:pPr>
             <a:r>
               <a:rPr lang="ru-RU" sz="2800" b="1" dirty="0"/>
-              <a:t>Термометрия, оптическая передача данных с термометра на языке </a:t>
-            </a:r>
-            <a:r>
-              <a:rPr lang="ru-RU" sz="2800" b="1" dirty="0" err="1"/>
-              <a:t>Python</a:t>
+              <a:t>Разработка программного комплекса "Фабрика новостей" по автоматизации бизнес-процессов редакции телеканала средствами баз данных</a:t>
             </a:r>
             <a:endParaRPr lang="ru-RU" sz="4400" dirty="0"/>
           </a:p>
@@ -8950,7 +11406,7 @@
         <p:spPr>
           <a:xfrm>
             <a:off x="914399" y="2114549"/>
-            <a:ext cx="10668001" cy="4524315"/>
+            <a:ext cx="10668001" cy="3046988"/>
           </a:xfrm>
           <a:prstGeom prst="rect">
             <a:avLst/>
@@ -9029,28 +11485,12 @@
             </a:pPr>
             <a:r>
               <a:rPr lang="ru-RU" sz="2400" b="1" dirty="0"/>
-              <a:t>ПК 1.5. Осуществлять оптимизацию программного кода модуля.</a:t>
-            </a:r>
-          </a:p>
-          <a:p>
-            <a:pPr marL="285750" indent="-285750">
-              <a:buClr>
-                <a:srgbClr val="00B050"/>
-              </a:buClr>
-              <a:buSzPct val="100000"/>
-              <a:buFont typeface="Wingdings" panose="05000000000000000000" pitchFamily="2" charset="2"/>
-              <a:buChar char="ü"/>
-            </a:pPr>
-            <a:r>
-              <a:rPr lang="ru-RU" sz="2400" b="1" dirty="0"/>
-              <a:t>ПК 1.6. Разрабатывать компоненты проектной и технической документации с использованием графических языков спецификаций.</a:t>
-            </a:r>
-          </a:p>
-          <a:p>
-            <a:pPr marL="285750" indent="-285750">
-              <a:buFont typeface="Wingdings" panose="05000000000000000000" pitchFamily="2" charset="2"/>
-              <a:buChar char="ü"/>
-            </a:pPr>
+              <a:t>ПК 1.5. Осуществлять оптимизацию программного кода модуля</a:t>
+            </a:r>
+            <a:r>
+              <a:rPr lang="ru-RU" sz="2400" b="1" dirty="0" smtClean="0"/>
+              <a:t>.</a:t>
+            </a:r>
             <a:endParaRPr lang="ru-RU" sz="2400" b="1" dirty="0"/>
           </a:p>
         </p:txBody>
@@ -9418,6 +11858,14 @@
   <p:clrMapOvr>
     <a:masterClrMapping/>
   </p:clrMapOvr>
+  <mc:AlternateContent xmlns:mc="http://schemas.openxmlformats.org/markup-compatibility/2006" xmlns:p14="http://schemas.microsoft.com/office/powerpoint/2010/main">
+    <mc:Choice Requires="p14">
+      <p:transition spd="slow" p14:dur="2000"/>
+    </mc:Choice>
+    <mc:Fallback xmlns="">
+      <p:transition spd="slow"/>
+    </mc:Fallback>
+  </mc:AlternateContent>
 </p:sld>
 </file>
 
@@ -9739,7 +12187,7 @@
           <p:cNvPr id="12" name="Прямоугольник 11">
             <a:extLst>
               <a:ext uri="{FF2B5EF4-FFF2-40B4-BE49-F238E27FC236}">
-                <a16:creationId xmlns:a16="http://schemas.microsoft.com/office/drawing/2014/main" id="{5E9AAA90-2FC6-487A-A327-2B6E9B696898}"/>
+                <a16:creationId xmlns="" xmlns:a16="http://schemas.microsoft.com/office/drawing/2014/main" id="{5E9AAA90-2FC6-487A-A327-2B6E9B696898}"/>
               </a:ext>
             </a:extLst>
           </p:cNvPr>
@@ -9791,7 +12239,7 @@
           <p:cNvPr id="13" name="Google Shape;660;p45">
             <a:extLst>
               <a:ext uri="{FF2B5EF4-FFF2-40B4-BE49-F238E27FC236}">
-                <a16:creationId xmlns:a16="http://schemas.microsoft.com/office/drawing/2014/main" id="{0F9EA668-F899-49FA-B20D-6BFDE1AB49F8}"/>
+                <a16:creationId xmlns="" xmlns:a16="http://schemas.microsoft.com/office/drawing/2014/main" id="{0F9EA668-F899-49FA-B20D-6BFDE1AB49F8}"/>
               </a:ext>
             </a:extLst>
           </p:cNvPr>
@@ -9811,7 +12259,7 @@
             <p:cNvPr id="14" name="Google Shape;661;p45">
               <a:extLst>
                 <a:ext uri="{FF2B5EF4-FFF2-40B4-BE49-F238E27FC236}">
-                  <a16:creationId xmlns:a16="http://schemas.microsoft.com/office/drawing/2014/main" id="{2031D399-0D78-4992-AFD3-5D07FD071614}"/>
+                  <a16:creationId xmlns="" xmlns:a16="http://schemas.microsoft.com/office/drawing/2014/main" id="{2031D399-0D78-4992-AFD3-5D07FD071614}"/>
                 </a:ext>
               </a:extLst>
             </p:cNvPr>
@@ -10002,7 +12450,7 @@
             <p:cNvPr id="15" name="Google Shape;662;p45">
               <a:extLst>
                 <a:ext uri="{FF2B5EF4-FFF2-40B4-BE49-F238E27FC236}">
-                  <a16:creationId xmlns:a16="http://schemas.microsoft.com/office/drawing/2014/main" id="{C477EF36-1F96-47A3-8D82-5575F5504927}"/>
+                  <a16:creationId xmlns="" xmlns:a16="http://schemas.microsoft.com/office/drawing/2014/main" id="{C477EF36-1F96-47A3-8D82-5575F5504927}"/>
                 </a:ext>
               </a:extLst>
             </p:cNvPr>
@@ -10219,7 +12667,7 @@
           <p:cNvPr id="2" name="Подзаголовок 1">
             <a:extLst>
               <a:ext uri="{FF2B5EF4-FFF2-40B4-BE49-F238E27FC236}">
-                <a16:creationId xmlns:a16="http://schemas.microsoft.com/office/drawing/2014/main" id="{639A623C-AF70-4E67-A60E-6F658237E50F}"/>
+                <a16:creationId xmlns="" xmlns:a16="http://schemas.microsoft.com/office/drawing/2014/main" id="{639A623C-AF70-4E67-A60E-6F658237E50F}"/>
               </a:ext>
             </a:extLst>
           </p:cNvPr>
@@ -10260,7 +12708,7 @@
           <p:cNvPr id="3" name="Заголовок 2">
             <a:extLst>
               <a:ext uri="{FF2B5EF4-FFF2-40B4-BE49-F238E27FC236}">
-                <a16:creationId xmlns:a16="http://schemas.microsoft.com/office/drawing/2014/main" id="{9F952BDB-0C04-4F27-948C-0B7A3246F397}"/>
+                <a16:creationId xmlns="" xmlns:a16="http://schemas.microsoft.com/office/drawing/2014/main" id="{9F952BDB-0C04-4F27-948C-0B7A3246F397}"/>
               </a:ext>
             </a:extLst>
           </p:cNvPr>
@@ -10295,7 +12743,7 @@
           <p:cNvPr id="4" name="Текст 3">
             <a:extLst>
               <a:ext uri="{FF2B5EF4-FFF2-40B4-BE49-F238E27FC236}">
-                <a16:creationId xmlns:a16="http://schemas.microsoft.com/office/drawing/2014/main" id="{2BC144FD-C288-4EA7-980C-982BE8C7C188}"/>
+                <a16:creationId xmlns="" xmlns:a16="http://schemas.microsoft.com/office/drawing/2014/main" id="{2BC144FD-C288-4EA7-980C-982BE8C7C188}"/>
               </a:ext>
             </a:extLst>
           </p:cNvPr>
@@ -10455,7 +12903,7 @@
           <p:cNvPr id="6" name="Текст 3">
             <a:extLst>
               <a:ext uri="{FF2B5EF4-FFF2-40B4-BE49-F238E27FC236}">
-                <a16:creationId xmlns:a16="http://schemas.microsoft.com/office/drawing/2014/main" id="{2BC144FD-C288-4EA7-980C-982BE8C7C188}"/>
+                <a16:creationId xmlns="" xmlns:a16="http://schemas.microsoft.com/office/drawing/2014/main" id="{2BC144FD-C288-4EA7-980C-982BE8C7C188}"/>
               </a:ext>
             </a:extLst>
           </p:cNvPr>
@@ -11166,7 +13614,7 @@
           <p:cNvPr id="5" name="AutoShape 2">
             <a:extLst>
               <a:ext uri="{FF2B5EF4-FFF2-40B4-BE49-F238E27FC236}">
-                <a16:creationId xmlns:a16="http://schemas.microsoft.com/office/drawing/2014/main" id="{07D25631-8B9E-4D41-A47C-8C1499F264C4}"/>
+                <a16:creationId xmlns="" xmlns:a16="http://schemas.microsoft.com/office/drawing/2014/main" id="{07D25631-8B9E-4D41-A47C-8C1499F264C4}"/>
               </a:ext>
             </a:extLst>
           </p:cNvPr>
@@ -11211,7 +13659,7 @@
           <p:cNvPr id="1028" name="Picture 4">
             <a:extLst>
               <a:ext uri="{FF2B5EF4-FFF2-40B4-BE49-F238E27FC236}">
-                <a16:creationId xmlns:a16="http://schemas.microsoft.com/office/drawing/2014/main" id="{9D18CBCC-CA09-46AD-A759-B6DC9ADC4E68}"/>
+                <a16:creationId xmlns="" xmlns:a16="http://schemas.microsoft.com/office/drawing/2014/main" id="{9D18CBCC-CA09-46AD-A759-B6DC9ADC4E68}"/>
               </a:ext>
             </a:extLst>
           </p:cNvPr>
@@ -11288,7 +13736,7 @@
           <p:cNvPr id="2" name="Подзаголовок 1">
             <a:extLst>
               <a:ext uri="{FF2B5EF4-FFF2-40B4-BE49-F238E27FC236}">
-                <a16:creationId xmlns:a16="http://schemas.microsoft.com/office/drawing/2014/main" id="{639A623C-AF70-4E67-A60E-6F658237E50F}"/>
+                <a16:creationId xmlns="" xmlns:a16="http://schemas.microsoft.com/office/drawing/2014/main" id="{639A623C-AF70-4E67-A60E-6F658237E50F}"/>
               </a:ext>
             </a:extLst>
           </p:cNvPr>
@@ -11327,7 +13775,7 @@
           <p:cNvPr id="3" name="Заголовок 2">
             <a:extLst>
               <a:ext uri="{FF2B5EF4-FFF2-40B4-BE49-F238E27FC236}">
-                <a16:creationId xmlns:a16="http://schemas.microsoft.com/office/drawing/2014/main" id="{9F952BDB-0C04-4F27-948C-0B7A3246F397}"/>
+                <a16:creationId xmlns="" xmlns:a16="http://schemas.microsoft.com/office/drawing/2014/main" id="{9F952BDB-0C04-4F27-948C-0B7A3246F397}"/>
               </a:ext>
             </a:extLst>
           </p:cNvPr>
@@ -11355,7 +13803,7 @@
           <p:cNvPr id="4" name="Текст 3">
             <a:extLst>
               <a:ext uri="{FF2B5EF4-FFF2-40B4-BE49-F238E27FC236}">
-                <a16:creationId xmlns:a16="http://schemas.microsoft.com/office/drawing/2014/main" id="{2BC144FD-C288-4EA7-980C-982BE8C7C188}"/>
+                <a16:creationId xmlns="" xmlns:a16="http://schemas.microsoft.com/office/drawing/2014/main" id="{2BC144FD-C288-4EA7-980C-982BE8C7C188}"/>
               </a:ext>
             </a:extLst>
           </p:cNvPr>
@@ -11463,7 +13911,7 @@
           <p:cNvPr id="6" name="Текст 3">
             <a:extLst>
               <a:ext uri="{FF2B5EF4-FFF2-40B4-BE49-F238E27FC236}">
-                <a16:creationId xmlns:a16="http://schemas.microsoft.com/office/drawing/2014/main" id="{2BC144FD-C288-4EA7-980C-982BE8C7C188}"/>
+                <a16:creationId xmlns="" xmlns:a16="http://schemas.microsoft.com/office/drawing/2014/main" id="{2BC144FD-C288-4EA7-980C-982BE8C7C188}"/>
               </a:ext>
             </a:extLst>
           </p:cNvPr>
@@ -12161,7 +14609,7 @@
           <p:cNvPr id="5" name="AutoShape 2">
             <a:extLst>
               <a:ext uri="{FF2B5EF4-FFF2-40B4-BE49-F238E27FC236}">
-                <a16:creationId xmlns:a16="http://schemas.microsoft.com/office/drawing/2014/main" id="{07D25631-8B9E-4D41-A47C-8C1499F264C4}"/>
+                <a16:creationId xmlns="" xmlns:a16="http://schemas.microsoft.com/office/drawing/2014/main" id="{07D25631-8B9E-4D41-A47C-8C1499F264C4}"/>
               </a:ext>
             </a:extLst>
           </p:cNvPr>
@@ -12236,7 +14684,7 @@
           <p:cNvPr id="45" name="Прямая соединительная линия 44">
             <a:extLst>
               <a:ext uri="{FF2B5EF4-FFF2-40B4-BE49-F238E27FC236}">
-                <a16:creationId xmlns:a16="http://schemas.microsoft.com/office/drawing/2014/main" id="{D0A50A5E-D3B2-444C-8F67-77E417186959}"/>
+                <a16:creationId xmlns="" xmlns:a16="http://schemas.microsoft.com/office/drawing/2014/main" id="{D0A50A5E-D3B2-444C-8F67-77E417186959}"/>
               </a:ext>
             </a:extLst>
           </p:cNvPr>
@@ -12275,7 +14723,7 @@
           <p:cNvPr id="43" name="Прямая соединительная линия 42">
             <a:extLst>
               <a:ext uri="{FF2B5EF4-FFF2-40B4-BE49-F238E27FC236}">
-                <a16:creationId xmlns:a16="http://schemas.microsoft.com/office/drawing/2014/main" id="{41123C46-CAEF-4DD8-8DC5-FF3610D13CBF}"/>
+                <a16:creationId xmlns="" xmlns:a16="http://schemas.microsoft.com/office/drawing/2014/main" id="{41123C46-CAEF-4DD8-8DC5-FF3610D13CBF}"/>
               </a:ext>
             </a:extLst>
           </p:cNvPr>
@@ -12316,7 +14764,7 @@
           <p:cNvPr id="53" name="Прямая соединительная линия 52">
             <a:extLst>
               <a:ext uri="{FF2B5EF4-FFF2-40B4-BE49-F238E27FC236}">
-                <a16:creationId xmlns:a16="http://schemas.microsoft.com/office/drawing/2014/main" id="{632C620D-2EC0-43D4-A9F5-53C17D757F53}"/>
+                <a16:creationId xmlns="" xmlns:a16="http://schemas.microsoft.com/office/drawing/2014/main" id="{632C620D-2EC0-43D4-A9F5-53C17D757F53}"/>
               </a:ext>
             </a:extLst>
           </p:cNvPr>
@@ -12357,7 +14805,7 @@
           <p:cNvPr id="59" name="Прямая соединительная линия 58">
             <a:extLst>
               <a:ext uri="{FF2B5EF4-FFF2-40B4-BE49-F238E27FC236}">
-                <a16:creationId xmlns:a16="http://schemas.microsoft.com/office/drawing/2014/main" id="{312D9BC6-B42A-4BCE-9748-32481CF49ADD}"/>
+                <a16:creationId xmlns="" xmlns:a16="http://schemas.microsoft.com/office/drawing/2014/main" id="{312D9BC6-B42A-4BCE-9748-32481CF49ADD}"/>
               </a:ext>
             </a:extLst>
           </p:cNvPr>
@@ -12398,7 +14846,7 @@
           <p:cNvPr id="47" name="Прямая соединительная линия 46">
             <a:extLst>
               <a:ext uri="{FF2B5EF4-FFF2-40B4-BE49-F238E27FC236}">
-                <a16:creationId xmlns:a16="http://schemas.microsoft.com/office/drawing/2014/main" id="{F9A47AA5-C2B8-418E-8F09-289EF8A28C1F}"/>
+                <a16:creationId xmlns="" xmlns:a16="http://schemas.microsoft.com/office/drawing/2014/main" id="{F9A47AA5-C2B8-418E-8F09-289EF8A28C1F}"/>
               </a:ext>
             </a:extLst>
           </p:cNvPr>
@@ -12439,7 +14887,7 @@
           <p:cNvPr id="50" name="Прямая соединительная линия 49">
             <a:extLst>
               <a:ext uri="{FF2B5EF4-FFF2-40B4-BE49-F238E27FC236}">
-                <a16:creationId xmlns:a16="http://schemas.microsoft.com/office/drawing/2014/main" id="{AC52054E-8313-4F67-9D51-1DAAE8A6DF0A}"/>
+                <a16:creationId xmlns="" xmlns:a16="http://schemas.microsoft.com/office/drawing/2014/main" id="{AC52054E-8313-4F67-9D51-1DAAE8A6DF0A}"/>
               </a:ext>
             </a:extLst>
           </p:cNvPr>
@@ -12480,7 +14928,7 @@
           <p:cNvPr id="56" name="Прямая соединительная линия 55">
             <a:extLst>
               <a:ext uri="{FF2B5EF4-FFF2-40B4-BE49-F238E27FC236}">
-                <a16:creationId xmlns:a16="http://schemas.microsoft.com/office/drawing/2014/main" id="{EDD602EA-D6AA-44F7-9E8A-5E34013B98E5}"/>
+                <a16:creationId xmlns="" xmlns:a16="http://schemas.microsoft.com/office/drawing/2014/main" id="{EDD602EA-D6AA-44F7-9E8A-5E34013B98E5}"/>
               </a:ext>
             </a:extLst>
           </p:cNvPr>
@@ -12521,7 +14969,7 @@
           <p:cNvPr id="65" name="Прямая соединительная линия 64">
             <a:extLst>
               <a:ext uri="{FF2B5EF4-FFF2-40B4-BE49-F238E27FC236}">
-                <a16:creationId xmlns:a16="http://schemas.microsoft.com/office/drawing/2014/main" id="{639ECA8A-1F0E-44D7-B855-0DC7D1C1D4D5}"/>
+                <a16:creationId xmlns="" xmlns:a16="http://schemas.microsoft.com/office/drawing/2014/main" id="{639ECA8A-1F0E-44D7-B855-0DC7D1C1D4D5}"/>
               </a:ext>
             </a:extLst>
           </p:cNvPr>
@@ -12562,7 +15010,7 @@
           <p:cNvPr id="68" name="Прямая соединительная линия 67">
             <a:extLst>
               <a:ext uri="{FF2B5EF4-FFF2-40B4-BE49-F238E27FC236}">
-                <a16:creationId xmlns:a16="http://schemas.microsoft.com/office/drawing/2014/main" id="{C5778C07-8E99-4FF1-9DA1-3AACD2E78F1D}"/>
+                <a16:creationId xmlns="" xmlns:a16="http://schemas.microsoft.com/office/drawing/2014/main" id="{C5778C07-8E99-4FF1-9DA1-3AACD2E78F1D}"/>
               </a:ext>
             </a:extLst>
           </p:cNvPr>
@@ -12603,7 +15051,7 @@
           <p:cNvPr id="71" name="Прямая соединительная линия 70">
             <a:extLst>
               <a:ext uri="{FF2B5EF4-FFF2-40B4-BE49-F238E27FC236}">
-                <a16:creationId xmlns:a16="http://schemas.microsoft.com/office/drawing/2014/main" id="{46ABD142-DDB1-4569-BAA0-9A2FFE5E2702}"/>
+                <a16:creationId xmlns="" xmlns:a16="http://schemas.microsoft.com/office/drawing/2014/main" id="{46ABD142-DDB1-4569-BAA0-9A2FFE5E2702}"/>
               </a:ext>
             </a:extLst>
           </p:cNvPr>
@@ -12644,7 +15092,7 @@
           <p:cNvPr id="41" name="Прямая соединительная линия 40">
             <a:extLst>
               <a:ext uri="{FF2B5EF4-FFF2-40B4-BE49-F238E27FC236}">
-                <a16:creationId xmlns:a16="http://schemas.microsoft.com/office/drawing/2014/main" id="{CC4794EB-7287-4DC3-BBD9-05404CC85A17}"/>
+                <a16:creationId xmlns="" xmlns:a16="http://schemas.microsoft.com/office/drawing/2014/main" id="{CC4794EB-7287-4DC3-BBD9-05404CC85A17}"/>
               </a:ext>
             </a:extLst>
           </p:cNvPr>
@@ -12683,7 +15131,7 @@
           <p:cNvPr id="42" name="Прямая соединительная линия 41">
             <a:extLst>
               <a:ext uri="{FF2B5EF4-FFF2-40B4-BE49-F238E27FC236}">
-                <a16:creationId xmlns:a16="http://schemas.microsoft.com/office/drawing/2014/main" id="{701837B7-631F-4066-AF67-E330DDC4EEC5}"/>
+                <a16:creationId xmlns="" xmlns:a16="http://schemas.microsoft.com/office/drawing/2014/main" id="{701837B7-631F-4066-AF67-E330DDC4EEC5}"/>
               </a:ext>
             </a:extLst>
           </p:cNvPr>
@@ -12722,7 +15170,7 @@
           <p:cNvPr id="44" name="Прямая соединительная линия 43">
             <a:extLst>
               <a:ext uri="{FF2B5EF4-FFF2-40B4-BE49-F238E27FC236}">
-                <a16:creationId xmlns:a16="http://schemas.microsoft.com/office/drawing/2014/main" id="{42B92B38-55C1-4C86-B045-2521762F6843}"/>
+                <a16:creationId xmlns="" xmlns:a16="http://schemas.microsoft.com/office/drawing/2014/main" id="{42B92B38-55C1-4C86-B045-2521762F6843}"/>
               </a:ext>
             </a:extLst>
           </p:cNvPr>
@@ -12761,7 +15209,7 @@
           <p:cNvPr id="46" name="Прямая соединительная линия 45">
             <a:extLst>
               <a:ext uri="{FF2B5EF4-FFF2-40B4-BE49-F238E27FC236}">
-                <a16:creationId xmlns:a16="http://schemas.microsoft.com/office/drawing/2014/main" id="{23A9C9FD-D1BE-4F7D-9770-82ED1AF1CE84}"/>
+                <a16:creationId xmlns="" xmlns:a16="http://schemas.microsoft.com/office/drawing/2014/main" id="{23A9C9FD-D1BE-4F7D-9770-82ED1AF1CE84}"/>
               </a:ext>
             </a:extLst>
           </p:cNvPr>
@@ -12801,7 +15249,7 @@
           <p:cNvPr id="6" name="Прямая соединительная линия 5">
             <a:extLst>
               <a:ext uri="{FF2B5EF4-FFF2-40B4-BE49-F238E27FC236}">
-                <a16:creationId xmlns:a16="http://schemas.microsoft.com/office/drawing/2014/main" id="{4E479057-A994-4F79-994E-074F26ACB445}"/>
+                <a16:creationId xmlns="" xmlns:a16="http://schemas.microsoft.com/office/drawing/2014/main" id="{4E479057-A994-4F79-994E-074F26ACB445}"/>
               </a:ext>
             </a:extLst>
           </p:cNvPr>
@@ -12961,7 +15409,7 @@
           <p:cNvPr id="3" name="Прямоугольник 2">
             <a:extLst>
               <a:ext uri="{FF2B5EF4-FFF2-40B4-BE49-F238E27FC236}">
-                <a16:creationId xmlns:a16="http://schemas.microsoft.com/office/drawing/2014/main" id="{EB67F9E8-51F4-4446-BF39-6E0A67B263E6}"/>
+                <a16:creationId xmlns="" xmlns:a16="http://schemas.microsoft.com/office/drawing/2014/main" id="{EB67F9E8-51F4-4446-BF39-6E0A67B263E6}"/>
               </a:ext>
             </a:extLst>
           </p:cNvPr>
@@ -13022,7 +15470,7 @@
           <p:cNvPr id="17" name="Прямоугольник 16">
             <a:extLst>
               <a:ext uri="{FF2B5EF4-FFF2-40B4-BE49-F238E27FC236}">
-                <a16:creationId xmlns:a16="http://schemas.microsoft.com/office/drawing/2014/main" id="{F485DDAB-C745-42E8-A3D7-6887C7009683}"/>
+                <a16:creationId xmlns="" xmlns:a16="http://schemas.microsoft.com/office/drawing/2014/main" id="{F485DDAB-C745-42E8-A3D7-6887C7009683}"/>
               </a:ext>
             </a:extLst>
           </p:cNvPr>
@@ -13083,7 +15531,7 @@
           <p:cNvPr id="18" name="Прямоугольник 17">
             <a:extLst>
               <a:ext uri="{FF2B5EF4-FFF2-40B4-BE49-F238E27FC236}">
-                <a16:creationId xmlns:a16="http://schemas.microsoft.com/office/drawing/2014/main" id="{DE2D2D86-1465-49CB-8CE7-F6425B2DA17F}"/>
+                <a16:creationId xmlns="" xmlns:a16="http://schemas.microsoft.com/office/drawing/2014/main" id="{DE2D2D86-1465-49CB-8CE7-F6425B2DA17F}"/>
               </a:ext>
             </a:extLst>
           </p:cNvPr>
@@ -13144,7 +15592,7 @@
           <p:cNvPr id="19" name="Прямоугольник 18">
             <a:extLst>
               <a:ext uri="{FF2B5EF4-FFF2-40B4-BE49-F238E27FC236}">
-                <a16:creationId xmlns:a16="http://schemas.microsoft.com/office/drawing/2014/main" id="{F3507F9E-B1D6-49DD-A0DB-AC963606DEDF}"/>
+                <a16:creationId xmlns="" xmlns:a16="http://schemas.microsoft.com/office/drawing/2014/main" id="{F3507F9E-B1D6-49DD-A0DB-AC963606DEDF}"/>
               </a:ext>
             </a:extLst>
           </p:cNvPr>
@@ -13205,7 +15653,7 @@
           <p:cNvPr id="20" name="Прямоугольник 19">
             <a:extLst>
               <a:ext uri="{FF2B5EF4-FFF2-40B4-BE49-F238E27FC236}">
-                <a16:creationId xmlns:a16="http://schemas.microsoft.com/office/drawing/2014/main" id="{4D672C8F-EACB-4DC5-88DD-BAB5E9ADF5FA}"/>
+                <a16:creationId xmlns="" xmlns:a16="http://schemas.microsoft.com/office/drawing/2014/main" id="{4D672C8F-EACB-4DC5-88DD-BAB5E9ADF5FA}"/>
               </a:ext>
             </a:extLst>
           </p:cNvPr>
@@ -13266,7 +15714,7 @@
           <p:cNvPr id="4" name="Ромб 3">
             <a:extLst>
               <a:ext uri="{FF2B5EF4-FFF2-40B4-BE49-F238E27FC236}">
-                <a16:creationId xmlns:a16="http://schemas.microsoft.com/office/drawing/2014/main" id="{7249C747-D47B-478D-A50C-4704B94D82FA}"/>
+                <a16:creationId xmlns="" xmlns:a16="http://schemas.microsoft.com/office/drawing/2014/main" id="{7249C747-D47B-478D-A50C-4704B94D82FA}"/>
               </a:ext>
             </a:extLst>
           </p:cNvPr>
@@ -13327,7 +15775,7 @@
           <p:cNvPr id="22" name="Ромб 21">
             <a:extLst>
               <a:ext uri="{FF2B5EF4-FFF2-40B4-BE49-F238E27FC236}">
-                <a16:creationId xmlns:a16="http://schemas.microsoft.com/office/drawing/2014/main" id="{E26D11EB-45FB-48EA-A9FD-F091ECCF8D65}"/>
+                <a16:creationId xmlns="" xmlns:a16="http://schemas.microsoft.com/office/drawing/2014/main" id="{E26D11EB-45FB-48EA-A9FD-F091ECCF8D65}"/>
               </a:ext>
             </a:extLst>
           </p:cNvPr>
@@ -13388,7 +15836,7 @@
           <p:cNvPr id="23" name="Ромб 22">
             <a:extLst>
               <a:ext uri="{FF2B5EF4-FFF2-40B4-BE49-F238E27FC236}">
-                <a16:creationId xmlns:a16="http://schemas.microsoft.com/office/drawing/2014/main" id="{A303ED93-A831-4270-913A-24AA1DB6F219}"/>
+                <a16:creationId xmlns="" xmlns:a16="http://schemas.microsoft.com/office/drawing/2014/main" id="{A303ED93-A831-4270-913A-24AA1DB6F219}"/>
               </a:ext>
             </a:extLst>
           </p:cNvPr>
@@ -13449,7 +15897,7 @@
           <p:cNvPr id="24" name="Ромб 23">
             <a:extLst>
               <a:ext uri="{FF2B5EF4-FFF2-40B4-BE49-F238E27FC236}">
-                <a16:creationId xmlns:a16="http://schemas.microsoft.com/office/drawing/2014/main" id="{1A730C11-0487-48D4-97C4-F00D566946C6}"/>
+                <a16:creationId xmlns="" xmlns:a16="http://schemas.microsoft.com/office/drawing/2014/main" id="{1A730C11-0487-48D4-97C4-F00D566946C6}"/>
               </a:ext>
             </a:extLst>
           </p:cNvPr>
@@ -13510,7 +15958,7 @@
           <p:cNvPr id="25" name="Ромб 24">
             <a:extLst>
               <a:ext uri="{FF2B5EF4-FFF2-40B4-BE49-F238E27FC236}">
-                <a16:creationId xmlns:a16="http://schemas.microsoft.com/office/drawing/2014/main" id="{F99AF81B-F823-45B4-9B57-A01A99152CA2}"/>
+                <a16:creationId xmlns="" xmlns:a16="http://schemas.microsoft.com/office/drawing/2014/main" id="{F99AF81B-F823-45B4-9B57-A01A99152CA2}"/>
               </a:ext>
             </a:extLst>
           </p:cNvPr>
@@ -13571,7 +16019,7 @@
           <p:cNvPr id="26" name="Ромб 25">
             <a:extLst>
               <a:ext uri="{FF2B5EF4-FFF2-40B4-BE49-F238E27FC236}">
-                <a16:creationId xmlns:a16="http://schemas.microsoft.com/office/drawing/2014/main" id="{7F7F27E1-7ADD-4443-982B-6B565ED88D1A}"/>
+                <a16:creationId xmlns="" xmlns:a16="http://schemas.microsoft.com/office/drawing/2014/main" id="{7F7F27E1-7ADD-4443-982B-6B565ED88D1A}"/>
               </a:ext>
             </a:extLst>
           </p:cNvPr>
@@ -13632,7 +16080,7 @@
           <p:cNvPr id="27" name="Ромб 26">
             <a:extLst>
               <a:ext uri="{FF2B5EF4-FFF2-40B4-BE49-F238E27FC236}">
-                <a16:creationId xmlns:a16="http://schemas.microsoft.com/office/drawing/2014/main" id="{134013BD-8B9F-4410-858B-95D3C94ED889}"/>
+                <a16:creationId xmlns="" xmlns:a16="http://schemas.microsoft.com/office/drawing/2014/main" id="{134013BD-8B9F-4410-858B-95D3C94ED889}"/>
               </a:ext>
             </a:extLst>
           </p:cNvPr>
@@ -13693,7 +16141,7 @@
           <p:cNvPr id="28" name="Ромб 27">
             <a:extLst>
               <a:ext uri="{FF2B5EF4-FFF2-40B4-BE49-F238E27FC236}">
-                <a16:creationId xmlns:a16="http://schemas.microsoft.com/office/drawing/2014/main" id="{F383F043-9810-4E45-A4B7-BDB4D675D88B}"/>
+                <a16:creationId xmlns="" xmlns:a16="http://schemas.microsoft.com/office/drawing/2014/main" id="{F383F043-9810-4E45-A4B7-BDB4D675D88B}"/>
               </a:ext>
             </a:extLst>
           </p:cNvPr>
@@ -13754,7 +16202,7 @@
           <p:cNvPr id="62" name="Прямая соединительная линия 61">
             <a:extLst>
               <a:ext uri="{FF2B5EF4-FFF2-40B4-BE49-F238E27FC236}">
-                <a16:creationId xmlns:a16="http://schemas.microsoft.com/office/drawing/2014/main" id="{C385473B-31CD-4D15-ADE4-9E7CB458EE1E}"/>
+                <a16:creationId xmlns="" xmlns:a16="http://schemas.microsoft.com/office/drawing/2014/main" id="{C385473B-31CD-4D15-ADE4-9E7CB458EE1E}"/>
               </a:ext>
             </a:extLst>
           </p:cNvPr>
@@ -13795,7 +16243,7 @@
           <p:cNvPr id="75" name="Google Shape;606;p45">
             <a:extLst>
               <a:ext uri="{FF2B5EF4-FFF2-40B4-BE49-F238E27FC236}">
-                <a16:creationId xmlns:a16="http://schemas.microsoft.com/office/drawing/2014/main" id="{DEB368D3-448D-4E8B-8E37-95656B89BA92}"/>
+                <a16:creationId xmlns="" xmlns:a16="http://schemas.microsoft.com/office/drawing/2014/main" id="{DEB368D3-448D-4E8B-8E37-95656B89BA92}"/>
               </a:ext>
             </a:extLst>
           </p:cNvPr>
@@ -14216,7 +16664,7 @@
           <p:cNvPr id="75" name="Google Shape;606;p45">
             <a:extLst>
               <a:ext uri="{FF2B5EF4-FFF2-40B4-BE49-F238E27FC236}">
-                <a16:creationId xmlns:a16="http://schemas.microsoft.com/office/drawing/2014/main" id="{DEB368D3-448D-4E8B-8E37-95656B89BA92}"/>
+                <a16:creationId xmlns="" xmlns:a16="http://schemas.microsoft.com/office/drawing/2014/main" id="{DEB368D3-448D-4E8B-8E37-95656B89BA92}"/>
               </a:ext>
             </a:extLst>
           </p:cNvPr>
@@ -14487,7 +16935,7 @@
           <p:cNvPr id="5" name="Прямоугольник 4">
             <a:extLst>
               <a:ext uri="{FF2B5EF4-FFF2-40B4-BE49-F238E27FC236}">
-                <a16:creationId xmlns:a16="http://schemas.microsoft.com/office/drawing/2014/main" id="{2A936B82-A863-4E13-B648-DC7DA8209B5E}"/>
+                <a16:creationId xmlns="" xmlns:a16="http://schemas.microsoft.com/office/drawing/2014/main" id="{2A936B82-A863-4E13-B648-DC7DA8209B5E}"/>
               </a:ext>
             </a:extLst>
           </p:cNvPr>
@@ -14683,7 +17131,7 @@
           <p:cNvPr id="36" name="Прямоугольник 35">
             <a:extLst>
               <a:ext uri="{FF2B5EF4-FFF2-40B4-BE49-F238E27FC236}">
-                <a16:creationId xmlns:a16="http://schemas.microsoft.com/office/drawing/2014/main" id="{7770DD69-427C-4FE1-8335-B4A81E27CAA7}"/>
+                <a16:creationId xmlns="" xmlns:a16="http://schemas.microsoft.com/office/drawing/2014/main" id="{7770DD69-427C-4FE1-8335-B4A81E27CAA7}"/>
               </a:ext>
             </a:extLst>
           </p:cNvPr>
@@ -14848,7 +17296,7 @@
           <p:cNvPr id="9" name="Прямая со стрелкой 8">
             <a:extLst>
               <a:ext uri="{FF2B5EF4-FFF2-40B4-BE49-F238E27FC236}">
-                <a16:creationId xmlns:a16="http://schemas.microsoft.com/office/drawing/2014/main" id="{927E122F-1B6F-4EED-B356-4B57229C43B3}"/>
+                <a16:creationId xmlns="" xmlns:a16="http://schemas.microsoft.com/office/drawing/2014/main" id="{927E122F-1B6F-4EED-B356-4B57229C43B3}"/>
               </a:ext>
             </a:extLst>
           </p:cNvPr>
@@ -15039,7 +17487,7 @@
           <p:cNvPr id="75" name="Google Shape;606;p45">
             <a:extLst>
               <a:ext uri="{FF2B5EF4-FFF2-40B4-BE49-F238E27FC236}">
-                <a16:creationId xmlns:a16="http://schemas.microsoft.com/office/drawing/2014/main" id="{DEB368D3-448D-4E8B-8E37-95656B89BA92}"/>
+                <a16:creationId xmlns="" xmlns:a16="http://schemas.microsoft.com/office/drawing/2014/main" id="{DEB368D3-448D-4E8B-8E37-95656B89BA92}"/>
               </a:ext>
             </a:extLst>
           </p:cNvPr>
@@ -15310,7 +17758,7 @@
           <p:cNvPr id="3" name="Таблица 2">
             <a:extLst>
               <a:ext uri="{FF2B5EF4-FFF2-40B4-BE49-F238E27FC236}">
-                <a16:creationId xmlns:a16="http://schemas.microsoft.com/office/drawing/2014/main" id="{94D733F6-06E9-43CB-AA9F-2D6468E09E7A}"/>
+                <a16:creationId xmlns="" xmlns:a16="http://schemas.microsoft.com/office/drawing/2014/main" id="{94D733F6-06E9-43CB-AA9F-2D6468E09E7A}"/>
               </a:ext>
             </a:extLst>
           </p:cNvPr>
@@ -15339,35 +17787,35 @@
                 <a:gridCol w="3316658">
                   <a:extLst>
                     <a:ext uri="{9D8B030D-6E8A-4147-A177-3AD203B41FA5}">
-                      <a16:colId xmlns:a16="http://schemas.microsoft.com/office/drawing/2014/main" val="2598892790"/>
+                      <a16:colId xmlns="" xmlns:a16="http://schemas.microsoft.com/office/drawing/2014/main" val="2598892790"/>
                     </a:ext>
                   </a:extLst>
                 </a:gridCol>
                 <a:gridCol w="1525094">
                   <a:extLst>
                     <a:ext uri="{9D8B030D-6E8A-4147-A177-3AD203B41FA5}">
-                      <a16:colId xmlns:a16="http://schemas.microsoft.com/office/drawing/2014/main" val="330548674"/>
+                      <a16:colId xmlns="" xmlns:a16="http://schemas.microsoft.com/office/drawing/2014/main" val="330548674"/>
                     </a:ext>
                   </a:extLst>
                 </a:gridCol>
                 <a:gridCol w="1476644">
                   <a:extLst>
                     <a:ext uri="{9D8B030D-6E8A-4147-A177-3AD203B41FA5}">
-                      <a16:colId xmlns:a16="http://schemas.microsoft.com/office/drawing/2014/main" val="123255331"/>
+                      <a16:colId xmlns="" xmlns:a16="http://schemas.microsoft.com/office/drawing/2014/main" val="123255331"/>
                     </a:ext>
                   </a:extLst>
                 </a:gridCol>
                 <a:gridCol w="2155985">
                   <a:extLst>
                     <a:ext uri="{9D8B030D-6E8A-4147-A177-3AD203B41FA5}">
-                      <a16:colId xmlns:a16="http://schemas.microsoft.com/office/drawing/2014/main" val="1952661699"/>
+                      <a16:colId xmlns="" xmlns:a16="http://schemas.microsoft.com/office/drawing/2014/main" val="1952661699"/>
                     </a:ext>
                   </a:extLst>
                 </a:gridCol>
                 <a:gridCol w="2202327">
                   <a:extLst>
                     <a:ext uri="{9D8B030D-6E8A-4147-A177-3AD203B41FA5}">
-                      <a16:colId xmlns:a16="http://schemas.microsoft.com/office/drawing/2014/main" val="2487686766"/>
+                      <a16:colId xmlns="" xmlns:a16="http://schemas.microsoft.com/office/drawing/2014/main" val="2487686766"/>
                     </a:ext>
                   </a:extLst>
                 </a:gridCol>
@@ -15485,7 +17933,7 @@
                 </a:tc>
                 <a:extLst>
                   <a:ext uri="{0D108BD9-81ED-4DB2-BD59-A6C34878D82A}">
-                    <a16:rowId xmlns:a16="http://schemas.microsoft.com/office/drawing/2014/main" val="61203315"/>
+                    <a16:rowId xmlns="" xmlns:a16="http://schemas.microsoft.com/office/drawing/2014/main" val="61203315"/>
                   </a:ext>
                 </a:extLst>
               </a:tr>
@@ -15614,7 +18062,7 @@
                 </a:tc>
                 <a:extLst>
                   <a:ext uri="{0D108BD9-81ED-4DB2-BD59-A6C34878D82A}">
-                    <a16:rowId xmlns:a16="http://schemas.microsoft.com/office/drawing/2014/main" val="3952753068"/>
+                    <a16:rowId xmlns="" xmlns:a16="http://schemas.microsoft.com/office/drawing/2014/main" val="3952753068"/>
                   </a:ext>
                 </a:extLst>
               </a:tr>
@@ -15743,7 +18191,7 @@
                 </a:tc>
                 <a:extLst>
                   <a:ext uri="{0D108BD9-81ED-4DB2-BD59-A6C34878D82A}">
-                    <a16:rowId xmlns:a16="http://schemas.microsoft.com/office/drawing/2014/main" val="262869839"/>
+                    <a16:rowId xmlns="" xmlns:a16="http://schemas.microsoft.com/office/drawing/2014/main" val="262869839"/>
                   </a:ext>
                 </a:extLst>
               </a:tr>
@@ -15872,7 +18320,7 @@
                 </a:tc>
                 <a:extLst>
                   <a:ext uri="{0D108BD9-81ED-4DB2-BD59-A6C34878D82A}">
-                    <a16:rowId xmlns:a16="http://schemas.microsoft.com/office/drawing/2014/main" val="3556977220"/>
+                    <a16:rowId xmlns="" xmlns:a16="http://schemas.microsoft.com/office/drawing/2014/main" val="3556977220"/>
                   </a:ext>
                 </a:extLst>
               </a:tr>
@@ -16001,7 +18449,7 @@
                 </a:tc>
                 <a:extLst>
                   <a:ext uri="{0D108BD9-81ED-4DB2-BD59-A6C34878D82A}">
-                    <a16:rowId xmlns:a16="http://schemas.microsoft.com/office/drawing/2014/main" val="3803219418"/>
+                    <a16:rowId xmlns="" xmlns:a16="http://schemas.microsoft.com/office/drawing/2014/main" val="3803219418"/>
                   </a:ext>
                 </a:extLst>
               </a:tr>
@@ -16130,7 +18578,7 @@
                 </a:tc>
                 <a:extLst>
                   <a:ext uri="{0D108BD9-81ED-4DB2-BD59-A6C34878D82A}">
-                    <a16:rowId xmlns:a16="http://schemas.microsoft.com/office/drawing/2014/main" val="4280112035"/>
+                    <a16:rowId xmlns="" xmlns:a16="http://schemas.microsoft.com/office/drawing/2014/main" val="4280112035"/>
                   </a:ext>
                 </a:extLst>
               </a:tr>
@@ -16259,7 +18707,7 @@
                 </a:tc>
                 <a:extLst>
                   <a:ext uri="{0D108BD9-81ED-4DB2-BD59-A6C34878D82A}">
-                    <a16:rowId xmlns:a16="http://schemas.microsoft.com/office/drawing/2014/main" val="326660314"/>
+                    <a16:rowId xmlns="" xmlns:a16="http://schemas.microsoft.com/office/drawing/2014/main" val="326660314"/>
                   </a:ext>
                 </a:extLst>
               </a:tr>
@@ -16388,7 +18836,7 @@
                 </a:tc>
                 <a:extLst>
                   <a:ext uri="{0D108BD9-81ED-4DB2-BD59-A6C34878D82A}">
-                    <a16:rowId xmlns:a16="http://schemas.microsoft.com/office/drawing/2014/main" val="1811346890"/>
+                    <a16:rowId xmlns="" xmlns:a16="http://schemas.microsoft.com/office/drawing/2014/main" val="1811346890"/>
                   </a:ext>
                 </a:extLst>
               </a:tr>
@@ -16517,7 +18965,7 @@
                 </a:tc>
                 <a:extLst>
                   <a:ext uri="{0D108BD9-81ED-4DB2-BD59-A6C34878D82A}">
-                    <a16:rowId xmlns:a16="http://schemas.microsoft.com/office/drawing/2014/main" val="2567035418"/>
+                    <a16:rowId xmlns="" xmlns:a16="http://schemas.microsoft.com/office/drawing/2014/main" val="2567035418"/>
                   </a:ext>
                 </a:extLst>
               </a:tr>
@@ -16539,7 +18987,7 @@
 </file>
 
 <file path=ppt/slides/slide8.xml><?xml version="1.0" encoding="utf-8"?>
-<p:sld xmlns:a="http://schemas.openxmlformats.org/drawingml/2006/main" xmlns:r="http://schemas.openxmlformats.org/officeDocument/2006/relationships" xmlns:p="http://schemas.openxmlformats.org/presentationml/2006/main" show="0">
+<p:sld xmlns:a="http://schemas.openxmlformats.org/drawingml/2006/main" xmlns:r="http://schemas.openxmlformats.org/officeDocument/2006/relationships" xmlns:p="http://schemas.openxmlformats.org/presentationml/2006/main">
   <p:cSld>
     <p:spTree>
       <p:nvGrpSpPr>
@@ -16557,14 +19005,40 @@
       </p:grpSpPr>
       <p:sp>
         <p:nvSpPr>
-          <p:cNvPr id="5" name="TextBox 4"/>
+          <p:cNvPr id="2" name="Заголовок 1"/>
+          <p:cNvSpPr>
+            <a:spLocks noGrp="1"/>
+          </p:cNvSpPr>
+          <p:nvPr>
+            <p:ph type="title"/>
+          </p:nvPr>
+        </p:nvSpPr>
+        <p:spPr/>
+        <p:txBody>
+          <a:bodyPr anchor="ctr"/>
+          <a:lstStyle/>
+          <a:p>
+            <a:r>
+              <a:rPr lang="ru-RU" dirty="0" smtClean="0"/>
+              <a:t>Физическая </a:t>
+            </a:r>
+            <a:r>
+              <a:rPr lang="ru-RU" dirty="0"/>
+              <a:t>модель базы данных</a:t>
+            </a:r>
+          </a:p>
+        </p:txBody>
+      </p:sp>
+      <p:sp>
+        <p:nvSpPr>
+          <p:cNvPr id="8" name="TextBox 7"/>
           <p:cNvSpPr txBox="1"/>
           <p:nvPr/>
         </p:nvSpPr>
         <p:spPr>
           <a:xfrm>
-            <a:off x="5794210" y="2015380"/>
-            <a:ext cx="5340516" cy="646331"/>
+            <a:off x="451653" y="6858000"/>
+            <a:ext cx="4588042" cy="1477328"/>
           </a:xfrm>
           <a:prstGeom prst="rect">
             <a:avLst/>
@@ -16578,148 +19052,1320 @@
           <a:lstStyle/>
           <a:p>
             <a:r>
-              <a:rPr lang="ru-RU" sz="3600" b="1" dirty="0"/>
-              <a:t>Таблица </a:t>
-            </a:r>
-            <a:r>
-              <a:rPr lang="en-US" sz="3600" b="1" dirty="0" err="1"/>
-              <a:t>DataSet</a:t>
-            </a:r>
-            <a:endParaRPr lang="ru-RU" sz="3600" b="1" dirty="0"/>
+              <a:rPr lang="ru-RU" sz="1800" b="1" dirty="0"/>
+              <a:t>Цель работы программы:</a:t>
+            </a:r>
+          </a:p>
+          <a:p>
+            <a:pPr marL="352425"/>
+            <a:r>
+              <a:rPr lang="ru-RU" sz="1800" b="1" dirty="0"/>
+              <a:t>Перевод графических данных с кадра изображения в числовые и экспорт данных в выбранный пользователем формат</a:t>
+            </a:r>
           </a:p>
         </p:txBody>
       </p:sp>
-      <p:grpSp>
-        <p:nvGrpSpPr>
-          <p:cNvPr id="7" name="Группа 6"/>
-          <p:cNvGrpSpPr/>
+      <p:sp>
+        <p:nvSpPr>
+          <p:cNvPr id="10" name="TextBox 9"/>
+          <p:cNvSpPr txBox="1"/>
           <p:nvPr/>
-        </p:nvGrpSpPr>
-        <p:grpSpPr>
+        </p:nvSpPr>
+        <p:spPr>
           <a:xfrm>
-            <a:off x="1659350" y="854187"/>
-            <a:ext cx="3242620" cy="5140251"/>
-            <a:chOff x="4219069" y="1269073"/>
-            <a:chExt cx="3242620" cy="5140251"/>
+            <a:off x="4071235" y="6858000"/>
+            <a:ext cx="4491789" cy="2585323"/>
           </a:xfrm>
-        </p:grpSpPr>
-        <p:pic>
-          <p:nvPicPr>
-            <p:cNvPr id="4" name="Рисунок 3"/>
-            <p:cNvPicPr>
-              <a:picLocks noChangeAspect="1"/>
-            </p:cNvPicPr>
-            <p:nvPr/>
-          </p:nvPicPr>
-          <p:blipFill rotWithShape="1">
-            <a:blip r:embed="rId2">
-              <a:extLst>
-                <a:ext uri="{28A0092B-C50C-407E-A947-70E740481C1C}">
-                  <a14:useLocalDpi xmlns:a14="http://schemas.microsoft.com/office/drawing/2010/main" val="0"/>
-                </a:ext>
-              </a:extLst>
-            </a:blip>
-            <a:srcRect l="15341" t="14151"/>
-            <a:stretch/>
-          </p:blipFill>
-          <p:spPr>
-            <a:xfrm>
-              <a:off x="4507832" y="1269073"/>
-              <a:ext cx="2953857" cy="5140251"/>
-            </a:xfrm>
-            <a:prstGeom prst="rect">
-              <a:avLst/>
-            </a:prstGeom>
-          </p:spPr>
-        </p:pic>
-        <p:sp>
-          <p:nvSpPr>
-            <p:cNvPr id="6" name="TextBox 5"/>
-            <p:cNvSpPr txBox="1"/>
-            <p:nvPr/>
-          </p:nvSpPr>
-          <p:spPr>
-            <a:xfrm>
-              <a:off x="4219069" y="1331495"/>
-              <a:ext cx="946485" cy="5016758"/>
-            </a:xfrm>
-            <a:prstGeom prst="rect">
-              <a:avLst/>
-            </a:prstGeom>
+          <a:prstGeom prst="rect">
+            <a:avLst/>
+          </a:prstGeom>
+          <a:noFill/>
+        </p:spPr>
+        <p:txBody>
+          <a:bodyPr wrap="square" rtlCol="0">
+            <a:spAutoFit/>
+          </a:bodyPr>
+          <a:lstStyle/>
+          <a:p>
+            <a:r>
+              <a:rPr lang="ru-RU" sz="1800" b="1" dirty="0"/>
+              <a:t>Задачи: </a:t>
+            </a:r>
+          </a:p>
+          <a:p>
+            <a:pPr marL="285750" lvl="0" indent="-285750">
+              <a:buFont typeface="Courier New" panose="02070309020205020404" pitchFamily="49" charset="0"/>
+              <a:buChar char="o"/>
+            </a:pPr>
+            <a:r>
+              <a:rPr lang="ru-RU" sz="1800" b="1" dirty="0"/>
+              <a:t>Получить из видеофайла данные о состоянии каждого сегмента дисплея</a:t>
+            </a:r>
+          </a:p>
+          <a:p>
+            <a:pPr marL="285750" lvl="0" indent="-285750">
+              <a:buFont typeface="Courier New" panose="02070309020205020404" pitchFamily="49" charset="0"/>
+              <a:buChar char="o"/>
+            </a:pPr>
+            <a:r>
+              <a:rPr lang="ru-RU" sz="1800" b="1" dirty="0"/>
+              <a:t>Дешифровать данные в числовой вид</a:t>
+            </a:r>
+          </a:p>
+          <a:p>
+            <a:pPr marL="285750" lvl="0" indent="-285750">
+              <a:buFont typeface="Courier New" panose="02070309020205020404" pitchFamily="49" charset="0"/>
+              <a:buChar char="o"/>
+            </a:pPr>
+            <a:r>
+              <a:rPr lang="ru-RU" sz="1800" b="1" dirty="0"/>
+              <a:t>Экспортировать дешифрованные данные  </a:t>
+            </a:r>
+          </a:p>
+          <a:p>
+            <a:endParaRPr lang="ru-RU" sz="1800" b="1" dirty="0"/>
+          </a:p>
+        </p:txBody>
+      </p:sp>
+      <p:sp>
+        <p:nvSpPr>
+          <p:cNvPr id="75" name="Google Shape;606;p45">
+            <a:extLst>
+              <a:ext uri="{FF2B5EF4-FFF2-40B4-BE49-F238E27FC236}">
+                <a16:creationId xmlns="" xmlns:a16="http://schemas.microsoft.com/office/drawing/2014/main" id="{DEB368D3-448D-4E8B-8E37-95656B89BA92}"/>
+              </a:ext>
+            </a:extLst>
+          </p:cNvPr>
+          <p:cNvSpPr/>
+          <p:nvPr/>
+        </p:nvSpPr>
+        <p:spPr>
+          <a:xfrm>
+            <a:off x="545820" y="514120"/>
+            <a:ext cx="737548" cy="692472"/>
+          </a:xfrm>
+          <a:custGeom>
+            <a:avLst/>
+            <a:gdLst/>
+            <a:ahLst/>
+            <a:cxnLst/>
+            <a:rect l="l" t="t" r="r" b="b"/>
+            <a:pathLst>
+              <a:path w="10314" h="9391" extrusionOk="0">
+                <a:moveTo>
+                  <a:pt x="5157" y="1"/>
+                </a:moveTo>
+                <a:cubicBezTo>
+                  <a:pt x="4568" y="1"/>
+                  <a:pt x="4086" y="482"/>
+                  <a:pt x="4086" y="1071"/>
+                </a:cubicBezTo>
+                <a:cubicBezTo>
+                  <a:pt x="4086" y="1553"/>
+                  <a:pt x="4425" y="1963"/>
+                  <a:pt x="4889" y="2088"/>
+                </a:cubicBezTo>
+                <a:lnTo>
+                  <a:pt x="4889" y="3926"/>
+                </a:lnTo>
+                <a:cubicBezTo>
+                  <a:pt x="4497" y="3997"/>
+                  <a:pt x="4176" y="4229"/>
+                  <a:pt x="3997" y="4550"/>
+                </a:cubicBezTo>
+                <a:lnTo>
+                  <a:pt x="2284" y="3837"/>
+                </a:lnTo>
+                <a:cubicBezTo>
+                  <a:pt x="2338" y="3373"/>
+                  <a:pt x="2088" y="2891"/>
+                  <a:pt x="1624" y="2695"/>
+                </a:cubicBezTo>
+                <a:cubicBezTo>
+                  <a:pt x="1490" y="2643"/>
+                  <a:pt x="1353" y="2618"/>
+                  <a:pt x="1219" y="2618"/>
+                </a:cubicBezTo>
+                <a:cubicBezTo>
+                  <a:pt x="798" y="2618"/>
+                  <a:pt x="404" y="2860"/>
+                  <a:pt x="214" y="3266"/>
+                </a:cubicBezTo>
+                <a:cubicBezTo>
+                  <a:pt x="0" y="3819"/>
+                  <a:pt x="250" y="4443"/>
+                  <a:pt x="803" y="4675"/>
+                </a:cubicBezTo>
+                <a:cubicBezTo>
+                  <a:pt x="932" y="4727"/>
+                  <a:pt x="1067" y="4752"/>
+                  <a:pt x="1201" y="4752"/>
+                </a:cubicBezTo>
+                <a:cubicBezTo>
+                  <a:pt x="1529" y="4752"/>
+                  <a:pt x="1849" y="4603"/>
+                  <a:pt x="2052" y="4336"/>
+                </a:cubicBezTo>
+                <a:lnTo>
+                  <a:pt x="3801" y="5050"/>
+                </a:lnTo>
+                <a:cubicBezTo>
+                  <a:pt x="3801" y="5086"/>
+                  <a:pt x="3801" y="5157"/>
+                  <a:pt x="3801" y="5211"/>
+                </a:cubicBezTo>
+                <a:cubicBezTo>
+                  <a:pt x="3801" y="5514"/>
+                  <a:pt x="3890" y="5799"/>
+                  <a:pt x="4051" y="6014"/>
+                </a:cubicBezTo>
+                <a:lnTo>
+                  <a:pt x="2677" y="7423"/>
+                </a:lnTo>
+                <a:cubicBezTo>
+                  <a:pt x="2506" y="7319"/>
+                  <a:pt x="2313" y="7268"/>
+                  <a:pt x="2122" y="7268"/>
+                </a:cubicBezTo>
+                <a:cubicBezTo>
+                  <a:pt x="1854" y="7268"/>
+                  <a:pt x="1590" y="7368"/>
+                  <a:pt x="1392" y="7566"/>
+                </a:cubicBezTo>
+                <a:cubicBezTo>
+                  <a:pt x="964" y="7994"/>
+                  <a:pt x="964" y="8654"/>
+                  <a:pt x="1392" y="9082"/>
+                </a:cubicBezTo>
+                <a:cubicBezTo>
+                  <a:pt x="1597" y="9288"/>
+                  <a:pt x="1869" y="9390"/>
+                  <a:pt x="2141" y="9390"/>
+                </a:cubicBezTo>
+                <a:cubicBezTo>
+                  <a:pt x="2414" y="9390"/>
+                  <a:pt x="2686" y="9288"/>
+                  <a:pt x="2891" y="9082"/>
+                </a:cubicBezTo>
+                <a:cubicBezTo>
+                  <a:pt x="3230" y="8726"/>
+                  <a:pt x="3283" y="8190"/>
+                  <a:pt x="3051" y="7780"/>
+                </a:cubicBezTo>
+                <a:lnTo>
+                  <a:pt x="4461" y="6370"/>
+                </a:lnTo>
+                <a:cubicBezTo>
+                  <a:pt x="4657" y="6495"/>
+                  <a:pt x="4889" y="6549"/>
+                  <a:pt x="5121" y="6549"/>
+                </a:cubicBezTo>
+                <a:lnTo>
+                  <a:pt x="5175" y="6549"/>
+                </a:lnTo>
+                <a:cubicBezTo>
+                  <a:pt x="5407" y="6549"/>
+                  <a:pt x="5639" y="6495"/>
+                  <a:pt x="5853" y="6370"/>
+                </a:cubicBezTo>
+                <a:lnTo>
+                  <a:pt x="7244" y="7780"/>
+                </a:lnTo>
+                <a:cubicBezTo>
+                  <a:pt x="7013" y="8190"/>
+                  <a:pt x="7066" y="8726"/>
+                  <a:pt x="7405" y="9082"/>
+                </a:cubicBezTo>
+                <a:cubicBezTo>
+                  <a:pt x="7619" y="9288"/>
+                  <a:pt x="7896" y="9390"/>
+                  <a:pt x="8170" y="9390"/>
+                </a:cubicBezTo>
+                <a:cubicBezTo>
+                  <a:pt x="8444" y="9390"/>
+                  <a:pt x="8716" y="9288"/>
+                  <a:pt x="8922" y="9082"/>
+                </a:cubicBezTo>
+                <a:cubicBezTo>
+                  <a:pt x="9332" y="8672"/>
+                  <a:pt x="9332" y="7994"/>
+                  <a:pt x="8922" y="7584"/>
+                </a:cubicBezTo>
+                <a:cubicBezTo>
+                  <a:pt x="8720" y="7382"/>
+                  <a:pt x="8450" y="7282"/>
+                  <a:pt x="8174" y="7282"/>
+                </a:cubicBezTo>
+                <a:cubicBezTo>
+                  <a:pt x="7985" y="7282"/>
+                  <a:pt x="7793" y="7329"/>
+                  <a:pt x="7619" y="7423"/>
+                </a:cubicBezTo>
+                <a:lnTo>
+                  <a:pt x="6245" y="6031"/>
+                </a:lnTo>
+                <a:cubicBezTo>
+                  <a:pt x="6406" y="5799"/>
+                  <a:pt x="6513" y="5532"/>
+                  <a:pt x="6513" y="5228"/>
+                </a:cubicBezTo>
+                <a:cubicBezTo>
+                  <a:pt x="6513" y="5175"/>
+                  <a:pt x="6513" y="5104"/>
+                  <a:pt x="6495" y="5068"/>
+                </a:cubicBezTo>
+                <a:lnTo>
+                  <a:pt x="8244" y="4336"/>
+                </a:lnTo>
+                <a:cubicBezTo>
+                  <a:pt x="8450" y="4607"/>
+                  <a:pt x="8777" y="4766"/>
+                  <a:pt x="9118" y="4766"/>
+                </a:cubicBezTo>
+                <a:cubicBezTo>
+                  <a:pt x="9249" y="4766"/>
+                  <a:pt x="9382" y="4743"/>
+                  <a:pt x="9510" y="4693"/>
+                </a:cubicBezTo>
+                <a:cubicBezTo>
+                  <a:pt x="10046" y="4443"/>
+                  <a:pt x="10313" y="3837"/>
+                  <a:pt x="10081" y="3284"/>
+                </a:cubicBezTo>
+                <a:cubicBezTo>
+                  <a:pt x="9906" y="2878"/>
+                  <a:pt x="9504" y="2636"/>
+                  <a:pt x="9079" y="2636"/>
+                </a:cubicBezTo>
+                <a:cubicBezTo>
+                  <a:pt x="8944" y="2636"/>
+                  <a:pt x="8806" y="2661"/>
+                  <a:pt x="8672" y="2713"/>
+                </a:cubicBezTo>
+                <a:cubicBezTo>
+                  <a:pt x="8226" y="2891"/>
+                  <a:pt x="7958" y="3373"/>
+                  <a:pt x="8030" y="3855"/>
+                </a:cubicBezTo>
+                <a:lnTo>
+                  <a:pt x="6317" y="4568"/>
+                </a:lnTo>
+                <a:cubicBezTo>
+                  <a:pt x="6120" y="4247"/>
+                  <a:pt x="5781" y="3997"/>
+                  <a:pt x="5407" y="3944"/>
+                </a:cubicBezTo>
+                <a:lnTo>
+                  <a:pt x="5407" y="2088"/>
+                </a:lnTo>
+                <a:cubicBezTo>
+                  <a:pt x="5871" y="1963"/>
+                  <a:pt x="6210" y="1553"/>
+                  <a:pt x="6210" y="1071"/>
+                </a:cubicBezTo>
+                <a:cubicBezTo>
+                  <a:pt x="6210" y="482"/>
+                  <a:pt x="5746" y="1"/>
+                  <a:pt x="5157" y="1"/>
+                </a:cubicBezTo>
+                <a:close/>
+              </a:path>
+            </a:pathLst>
+          </a:custGeom>
+          <a:solidFill>
+            <a:schemeClr val="accent2"/>
+          </a:solidFill>
+          <a:ln>
             <a:noFill/>
-          </p:spPr>
-          <p:txBody>
-            <a:bodyPr wrap="square" rtlCol="0">
-              <a:spAutoFit/>
-            </a:bodyPr>
-            <a:lstStyle/>
-            <a:p>
-              <a:r>
-                <a:rPr lang="en-US" sz="3200" b="1" dirty="0"/>
-                <a:t>0</a:t>
-              </a:r>
-            </a:p>
-            <a:p>
-              <a:r>
-                <a:rPr lang="en-US" sz="3200" b="1" dirty="0"/>
-                <a:t>1</a:t>
-              </a:r>
-            </a:p>
-            <a:p>
-              <a:r>
-                <a:rPr lang="en-US" sz="3200" b="1" dirty="0"/>
-                <a:t>2</a:t>
-              </a:r>
-            </a:p>
-            <a:p>
-              <a:r>
-                <a:rPr lang="en-US" sz="3200" b="1" dirty="0"/>
-                <a:t>3</a:t>
-              </a:r>
-            </a:p>
-            <a:p>
-              <a:r>
-                <a:rPr lang="en-US" sz="3200" b="1" dirty="0"/>
-                <a:t>4</a:t>
-              </a:r>
-            </a:p>
-            <a:p>
-              <a:r>
-                <a:rPr lang="en-US" sz="3200" b="1" dirty="0"/>
-                <a:t>5</a:t>
-              </a:r>
-            </a:p>
-            <a:p>
-              <a:r>
-                <a:rPr lang="en-US" sz="3200" b="1" dirty="0"/>
-                <a:t>6</a:t>
-              </a:r>
-            </a:p>
-            <a:p>
-              <a:r>
-                <a:rPr lang="en-US" sz="3200" b="1" dirty="0"/>
-                <a:t>7</a:t>
-              </a:r>
-            </a:p>
-            <a:p>
-              <a:r>
-                <a:rPr lang="en-US" sz="3200" b="1" dirty="0"/>
-                <a:t>8</a:t>
-              </a:r>
-            </a:p>
-            <a:p>
-              <a:r>
-                <a:rPr lang="en-US" sz="3200" b="1" dirty="0"/>
-                <a:t>9</a:t>
-              </a:r>
-              <a:endParaRPr lang="ru-RU" sz="3200" b="1" dirty="0"/>
-            </a:p>
-          </p:txBody>
-        </p:sp>
-      </p:grpSp>
+          </a:ln>
+        </p:spPr>
+        <p:txBody>
+          <a:bodyPr spcFirstLastPara="1" wrap="square" lIns="121900" tIns="121900" rIns="121900" bIns="121900" anchor="ctr" anchorCtr="0">
+            <a:noAutofit/>
+          </a:bodyPr>
+          <a:lstStyle/>
+          <a:p>
+            <a:pPr marL="0" lvl="0" indent="0" algn="l" rtl="0">
+              <a:spcBef>
+                <a:spcPts val="0"/>
+              </a:spcBef>
+              <a:spcAft>
+                <a:spcPts val="0"/>
+              </a:spcAft>
+              <a:buNone/>
+            </a:pPr>
+            <a:endParaRPr/>
+          </a:p>
+        </p:txBody>
+      </p:sp>
+      <p:sp>
+        <p:nvSpPr>
+          <p:cNvPr id="3" name="Скругленный прямоугольник 2"/>
+          <p:cNvSpPr/>
+          <p:nvPr/>
+        </p:nvSpPr>
+        <p:spPr>
+          <a:xfrm>
+            <a:off x="914594" y="2088291"/>
+            <a:ext cx="2051222" cy="1075038"/>
+          </a:xfrm>
+          <a:prstGeom prst="roundRect">
+            <a:avLst/>
+          </a:prstGeom>
+          <a:solidFill>
+            <a:srgbClr val="ABFBB8"/>
+          </a:solidFill>
+          <a:ln>
+            <a:solidFill>
+              <a:srgbClr val="57F772"/>
+            </a:solidFill>
+          </a:ln>
+        </p:spPr>
+        <p:style>
+          <a:lnRef idx="2">
+            <a:schemeClr val="accent1">
+              <a:shade val="50000"/>
+            </a:schemeClr>
+          </a:lnRef>
+          <a:fillRef idx="1">
+            <a:schemeClr val="accent1"/>
+          </a:fillRef>
+          <a:effectRef idx="0">
+            <a:schemeClr val="accent1"/>
+          </a:effectRef>
+          <a:fontRef idx="minor">
+            <a:schemeClr val="lt1"/>
+          </a:fontRef>
+        </p:style>
+        <p:txBody>
+          <a:bodyPr rtlCol="0" anchor="ctr"/>
+          <a:lstStyle/>
+          <a:p>
+            <a:pPr algn="ctr"/>
+            <a:r>
+              <a:rPr lang="en-US" sz="2000" b="1" dirty="0" smtClean="0">
+                <a:solidFill>
+                  <a:sysClr val="windowText" lastClr="000000"/>
+                </a:solidFill>
+              </a:rPr>
+              <a:t>MongoDB</a:t>
+            </a:r>
+          </a:p>
+          <a:p>
+            <a:pPr algn="ctr"/>
+            <a:r>
+              <a:rPr lang="ru-RU" sz="2000" b="1" dirty="0" smtClean="0">
+                <a:solidFill>
+                  <a:sysClr val="windowText" lastClr="000000"/>
+                </a:solidFill>
+              </a:rPr>
+              <a:t>База данных</a:t>
+            </a:r>
+            <a:endParaRPr lang="ru-RU" sz="2000" b="1" dirty="0">
+              <a:solidFill>
+                <a:sysClr val="windowText" lastClr="000000"/>
+              </a:solidFill>
+            </a:endParaRPr>
+          </a:p>
+        </p:txBody>
+      </p:sp>
+      <p:sp>
+        <p:nvSpPr>
+          <p:cNvPr id="7" name="Скругленный прямоугольник 6"/>
+          <p:cNvSpPr/>
+          <p:nvPr/>
+        </p:nvSpPr>
+        <p:spPr>
+          <a:xfrm>
+            <a:off x="3797840" y="2088291"/>
+            <a:ext cx="2051222" cy="1075038"/>
+          </a:xfrm>
+          <a:prstGeom prst="roundRect">
+            <a:avLst/>
+          </a:prstGeom>
+          <a:solidFill>
+            <a:srgbClr val="F1FCB2"/>
+          </a:solidFill>
+          <a:ln>
+            <a:solidFill>
+              <a:srgbClr val="FFFF00"/>
+            </a:solidFill>
+          </a:ln>
+        </p:spPr>
+        <p:style>
+          <a:lnRef idx="2">
+            <a:schemeClr val="accent1">
+              <a:shade val="50000"/>
+            </a:schemeClr>
+          </a:lnRef>
+          <a:fillRef idx="1">
+            <a:schemeClr val="accent1"/>
+          </a:fillRef>
+          <a:effectRef idx="0">
+            <a:schemeClr val="accent1"/>
+          </a:effectRef>
+          <a:fontRef idx="minor">
+            <a:schemeClr val="lt1"/>
+          </a:fontRef>
+        </p:style>
+        <p:txBody>
+          <a:bodyPr rtlCol="0" anchor="ctr"/>
+          <a:lstStyle/>
+          <a:p>
+            <a:pPr algn="ctr"/>
+            <a:r>
+              <a:rPr lang="ru-RU" sz="2000" b="1" dirty="0" smtClean="0">
+                <a:solidFill>
+                  <a:sysClr val="windowText" lastClr="000000"/>
+                </a:solidFill>
+              </a:rPr>
+              <a:t>Коллекция</a:t>
+            </a:r>
+            <a:endParaRPr lang="ru-RU" sz="2000" b="1" dirty="0">
+              <a:solidFill>
+                <a:sysClr val="windowText" lastClr="000000"/>
+              </a:solidFill>
+            </a:endParaRPr>
+          </a:p>
+        </p:txBody>
+      </p:sp>
+      <p:sp>
+        <p:nvSpPr>
+          <p:cNvPr id="12" name="Скругленный прямоугольник 11"/>
+          <p:cNvSpPr/>
+          <p:nvPr/>
+        </p:nvSpPr>
+        <p:spPr>
+          <a:xfrm>
+            <a:off x="3797840" y="4534795"/>
+            <a:ext cx="2051222" cy="1075038"/>
+          </a:xfrm>
+          <a:prstGeom prst="roundRect">
+            <a:avLst/>
+          </a:prstGeom>
+          <a:solidFill>
+            <a:srgbClr val="F1FCB2"/>
+          </a:solidFill>
+          <a:ln>
+            <a:solidFill>
+              <a:srgbClr val="FFFF00"/>
+            </a:solidFill>
+          </a:ln>
+        </p:spPr>
+        <p:style>
+          <a:lnRef idx="2">
+            <a:schemeClr val="accent1">
+              <a:shade val="50000"/>
+            </a:schemeClr>
+          </a:lnRef>
+          <a:fillRef idx="1">
+            <a:schemeClr val="accent1"/>
+          </a:fillRef>
+          <a:effectRef idx="0">
+            <a:schemeClr val="accent1"/>
+          </a:effectRef>
+          <a:fontRef idx="minor">
+            <a:schemeClr val="lt1"/>
+          </a:fontRef>
+        </p:style>
+        <p:txBody>
+          <a:bodyPr rtlCol="0" anchor="ctr"/>
+          <a:lstStyle/>
+          <a:p>
+            <a:pPr algn="ctr"/>
+            <a:r>
+              <a:rPr lang="ru-RU" sz="2000" b="1" dirty="0" smtClean="0">
+                <a:solidFill>
+                  <a:sysClr val="windowText" lastClr="000000"/>
+                </a:solidFill>
+              </a:rPr>
+              <a:t>Коллекция</a:t>
+            </a:r>
+            <a:endParaRPr lang="ru-RU" sz="2000" b="1" dirty="0">
+              <a:solidFill>
+                <a:sysClr val="windowText" lastClr="000000"/>
+              </a:solidFill>
+            </a:endParaRPr>
+          </a:p>
+        </p:txBody>
+      </p:sp>
+      <p:sp>
+        <p:nvSpPr>
+          <p:cNvPr id="14" name="Скругленный прямоугольник 13"/>
+          <p:cNvSpPr/>
+          <p:nvPr/>
+        </p:nvSpPr>
+        <p:spPr>
+          <a:xfrm>
+            <a:off x="8156821" y="2088291"/>
+            <a:ext cx="2051222" cy="1075038"/>
+          </a:xfrm>
+          <a:prstGeom prst="roundRect">
+            <a:avLst/>
+          </a:prstGeom>
+          <a:solidFill>
+            <a:srgbClr val="C9A6E4"/>
+          </a:solidFill>
+          <a:ln>
+            <a:solidFill>
+              <a:srgbClr val="9149C7"/>
+            </a:solidFill>
+          </a:ln>
+        </p:spPr>
+        <p:style>
+          <a:lnRef idx="2">
+            <a:schemeClr val="accent1">
+              <a:shade val="50000"/>
+            </a:schemeClr>
+          </a:lnRef>
+          <a:fillRef idx="1">
+            <a:schemeClr val="accent1"/>
+          </a:fillRef>
+          <a:effectRef idx="0">
+            <a:schemeClr val="accent1"/>
+          </a:effectRef>
+          <a:fontRef idx="minor">
+            <a:schemeClr val="lt1"/>
+          </a:fontRef>
+        </p:style>
+        <p:txBody>
+          <a:bodyPr rtlCol="0" anchor="ctr"/>
+          <a:lstStyle/>
+          <a:p>
+            <a:pPr algn="ctr"/>
+            <a:r>
+              <a:rPr lang="ru-RU" sz="2000" b="1" dirty="0" smtClean="0">
+                <a:solidFill>
+                  <a:sysClr val="windowText" lastClr="000000"/>
+                </a:solidFill>
+              </a:rPr>
+              <a:t>Документ</a:t>
+            </a:r>
+            <a:endParaRPr lang="ru-RU" sz="2000" b="1" dirty="0">
+              <a:solidFill>
+                <a:sysClr val="windowText" lastClr="000000"/>
+              </a:solidFill>
+            </a:endParaRPr>
+          </a:p>
+        </p:txBody>
+      </p:sp>
+      <p:sp>
+        <p:nvSpPr>
+          <p:cNvPr id="15" name="Скругленный прямоугольник 14"/>
+          <p:cNvSpPr/>
+          <p:nvPr/>
+        </p:nvSpPr>
+        <p:spPr>
+          <a:xfrm>
+            <a:off x="8156821" y="3545256"/>
+            <a:ext cx="2051222" cy="1075038"/>
+          </a:xfrm>
+          <a:prstGeom prst="roundRect">
+            <a:avLst/>
+          </a:prstGeom>
+          <a:solidFill>
+            <a:srgbClr val="C9A6E4"/>
+          </a:solidFill>
+          <a:ln>
+            <a:solidFill>
+              <a:srgbClr val="9149C7"/>
+            </a:solidFill>
+          </a:ln>
+        </p:spPr>
+        <p:style>
+          <a:lnRef idx="2">
+            <a:schemeClr val="accent1">
+              <a:shade val="50000"/>
+            </a:schemeClr>
+          </a:lnRef>
+          <a:fillRef idx="1">
+            <a:schemeClr val="accent1"/>
+          </a:fillRef>
+          <a:effectRef idx="0">
+            <a:schemeClr val="accent1"/>
+          </a:effectRef>
+          <a:fontRef idx="minor">
+            <a:schemeClr val="lt1"/>
+          </a:fontRef>
+        </p:style>
+        <p:txBody>
+          <a:bodyPr rtlCol="0" anchor="ctr"/>
+          <a:lstStyle/>
+          <a:p>
+            <a:pPr algn="ctr"/>
+            <a:r>
+              <a:rPr lang="ru-RU" sz="2000" b="1" dirty="0" smtClean="0">
+                <a:solidFill>
+                  <a:sysClr val="windowText" lastClr="000000"/>
+                </a:solidFill>
+              </a:rPr>
+              <a:t>Документ</a:t>
+            </a:r>
+            <a:endParaRPr lang="ru-RU" sz="2000" b="1" dirty="0">
+              <a:solidFill>
+                <a:sysClr val="windowText" lastClr="000000"/>
+              </a:solidFill>
+            </a:endParaRPr>
+          </a:p>
+        </p:txBody>
+      </p:sp>
+      <p:sp>
+        <p:nvSpPr>
+          <p:cNvPr id="16" name="Скругленный прямоугольник 15"/>
+          <p:cNvSpPr/>
+          <p:nvPr/>
+        </p:nvSpPr>
+        <p:spPr>
+          <a:xfrm>
+            <a:off x="8156821" y="5002221"/>
+            <a:ext cx="2051222" cy="1075038"/>
+          </a:xfrm>
+          <a:prstGeom prst="roundRect">
+            <a:avLst/>
+          </a:prstGeom>
+          <a:solidFill>
+            <a:srgbClr val="C9A6E4"/>
+          </a:solidFill>
+          <a:ln>
+            <a:solidFill>
+              <a:srgbClr val="9149C7"/>
+            </a:solidFill>
+          </a:ln>
+        </p:spPr>
+        <p:style>
+          <a:lnRef idx="2">
+            <a:schemeClr val="accent1">
+              <a:shade val="50000"/>
+            </a:schemeClr>
+          </a:lnRef>
+          <a:fillRef idx="1">
+            <a:schemeClr val="accent1"/>
+          </a:fillRef>
+          <a:effectRef idx="0">
+            <a:schemeClr val="accent1"/>
+          </a:effectRef>
+          <a:fontRef idx="minor">
+            <a:schemeClr val="lt1"/>
+          </a:fontRef>
+        </p:style>
+        <p:txBody>
+          <a:bodyPr rtlCol="0" anchor="ctr"/>
+          <a:lstStyle/>
+          <a:p>
+            <a:pPr algn="ctr"/>
+            <a:r>
+              <a:rPr lang="ru-RU" sz="2000" b="1" dirty="0" smtClean="0">
+                <a:solidFill>
+                  <a:sysClr val="windowText" lastClr="000000"/>
+                </a:solidFill>
+              </a:rPr>
+              <a:t>Документ</a:t>
+            </a:r>
+            <a:endParaRPr lang="ru-RU" sz="2000" b="1" dirty="0">
+              <a:solidFill>
+                <a:sysClr val="windowText" lastClr="000000"/>
+              </a:solidFill>
+            </a:endParaRPr>
+          </a:p>
+        </p:txBody>
+      </p:sp>
+      <p:sp>
+        <p:nvSpPr>
+          <p:cNvPr id="4" name="Стрелка вправо 3"/>
+          <p:cNvSpPr/>
+          <p:nvPr/>
+        </p:nvSpPr>
+        <p:spPr>
+          <a:xfrm>
+            <a:off x="2990530" y="2437261"/>
+            <a:ext cx="683740" cy="327254"/>
+          </a:xfrm>
+          <a:prstGeom prst="rightArrow">
+            <a:avLst/>
+          </a:prstGeom>
+        </p:spPr>
+        <p:style>
+          <a:lnRef idx="2">
+            <a:schemeClr val="accent1">
+              <a:shade val="50000"/>
+            </a:schemeClr>
+          </a:lnRef>
+          <a:fillRef idx="1">
+            <a:schemeClr val="accent1"/>
+          </a:fillRef>
+          <a:effectRef idx="0">
+            <a:schemeClr val="accent1"/>
+          </a:effectRef>
+          <a:fontRef idx="minor">
+            <a:schemeClr val="lt1"/>
+          </a:fontRef>
+        </p:style>
+        <p:txBody>
+          <a:bodyPr rtlCol="0" anchor="ctr"/>
+          <a:lstStyle/>
+          <a:p>
+            <a:pPr algn="ctr"/>
+            <a:endParaRPr lang="ru-RU"/>
+          </a:p>
+        </p:txBody>
+      </p:sp>
+      <p:sp>
+        <p:nvSpPr>
+          <p:cNvPr id="18" name="Стрелка вправо 17"/>
+          <p:cNvSpPr/>
+          <p:nvPr/>
+        </p:nvSpPr>
+        <p:spPr>
+          <a:xfrm rot="3665608">
+            <a:off x="2551329" y="3778375"/>
+            <a:ext cx="1486046" cy="302342"/>
+          </a:xfrm>
+          <a:prstGeom prst="rightArrow">
+            <a:avLst/>
+          </a:prstGeom>
+        </p:spPr>
+        <p:style>
+          <a:lnRef idx="2">
+            <a:schemeClr val="accent1">
+              <a:shade val="50000"/>
+            </a:schemeClr>
+          </a:lnRef>
+          <a:fillRef idx="1">
+            <a:schemeClr val="accent1"/>
+          </a:fillRef>
+          <a:effectRef idx="0">
+            <a:schemeClr val="accent1"/>
+          </a:effectRef>
+          <a:fontRef idx="minor">
+            <a:schemeClr val="lt1"/>
+          </a:fontRef>
+        </p:style>
+        <p:txBody>
+          <a:bodyPr rtlCol="0" anchor="ctr"/>
+          <a:lstStyle/>
+          <a:p>
+            <a:pPr algn="ctr"/>
+            <a:endParaRPr lang="ru-RU"/>
+          </a:p>
+        </p:txBody>
+      </p:sp>
+      <p:sp>
+        <p:nvSpPr>
+          <p:cNvPr id="19" name="Стрелка вправо 18"/>
+          <p:cNvSpPr/>
+          <p:nvPr/>
+        </p:nvSpPr>
+        <p:spPr>
+          <a:xfrm>
+            <a:off x="5982029" y="2462183"/>
+            <a:ext cx="2049863" cy="302332"/>
+          </a:xfrm>
+          <a:prstGeom prst="rightArrow">
+            <a:avLst/>
+          </a:prstGeom>
+        </p:spPr>
+        <p:style>
+          <a:lnRef idx="2">
+            <a:schemeClr val="accent1">
+              <a:shade val="50000"/>
+            </a:schemeClr>
+          </a:lnRef>
+          <a:fillRef idx="1">
+            <a:schemeClr val="accent1"/>
+          </a:fillRef>
+          <a:effectRef idx="0">
+            <a:schemeClr val="accent1"/>
+          </a:effectRef>
+          <a:fontRef idx="minor">
+            <a:schemeClr val="lt1"/>
+          </a:fontRef>
+        </p:style>
+        <p:txBody>
+          <a:bodyPr rtlCol="0" anchor="ctr"/>
+          <a:lstStyle/>
+          <a:p>
+            <a:pPr algn="ctr"/>
+            <a:endParaRPr lang="ru-RU"/>
+          </a:p>
+        </p:txBody>
+      </p:sp>
+      <p:sp>
+        <p:nvSpPr>
+          <p:cNvPr id="20" name="Стрелка вправо 19"/>
+          <p:cNvSpPr/>
+          <p:nvPr/>
+        </p:nvSpPr>
+        <p:spPr>
+          <a:xfrm rot="2095158">
+            <a:off x="5354858" y="3975902"/>
+            <a:ext cx="2970832" cy="344392"/>
+          </a:xfrm>
+          <a:prstGeom prst="rightArrow">
+            <a:avLst>
+              <a:gd name="adj1" fmla="val 39231"/>
+              <a:gd name="adj2" fmla="val 50000"/>
+            </a:avLst>
+          </a:prstGeom>
+        </p:spPr>
+        <p:style>
+          <a:lnRef idx="2">
+            <a:schemeClr val="accent1">
+              <a:shade val="50000"/>
+            </a:schemeClr>
+          </a:lnRef>
+          <a:fillRef idx="1">
+            <a:schemeClr val="accent1"/>
+          </a:fillRef>
+          <a:effectRef idx="0">
+            <a:schemeClr val="accent1"/>
+          </a:effectRef>
+          <a:fontRef idx="minor">
+            <a:schemeClr val="lt1"/>
+          </a:fontRef>
+        </p:style>
+        <p:txBody>
+          <a:bodyPr rtlCol="0" anchor="ctr"/>
+          <a:lstStyle/>
+          <a:p>
+            <a:pPr algn="ctr"/>
+            <a:endParaRPr lang="ru-RU"/>
+          </a:p>
+        </p:txBody>
+      </p:sp>
+      <p:sp>
+        <p:nvSpPr>
+          <p:cNvPr id="21" name="Стрелка вправо 20"/>
+          <p:cNvSpPr/>
+          <p:nvPr/>
+        </p:nvSpPr>
+        <p:spPr>
+          <a:xfrm rot="1446721">
+            <a:off x="5881267" y="3404142"/>
+            <a:ext cx="2249472" cy="302332"/>
+          </a:xfrm>
+          <a:prstGeom prst="rightArrow">
+            <a:avLst/>
+          </a:prstGeom>
+        </p:spPr>
+        <p:style>
+          <a:lnRef idx="2">
+            <a:schemeClr val="accent1">
+              <a:shade val="50000"/>
+            </a:schemeClr>
+          </a:lnRef>
+          <a:fillRef idx="1">
+            <a:schemeClr val="accent1"/>
+          </a:fillRef>
+          <a:effectRef idx="0">
+            <a:schemeClr val="accent1"/>
+          </a:effectRef>
+          <a:fontRef idx="minor">
+            <a:schemeClr val="lt1"/>
+          </a:fontRef>
+        </p:style>
+        <p:txBody>
+          <a:bodyPr rtlCol="0" anchor="ctr"/>
+          <a:lstStyle/>
+          <a:p>
+            <a:pPr algn="ctr"/>
+            <a:endParaRPr lang="ru-RU"/>
+          </a:p>
+        </p:txBody>
+      </p:sp>
+    </p:spTree>
+    <p:extLst>
+      <p:ext uri="{BB962C8B-B14F-4D97-AF65-F5344CB8AC3E}">
+        <p14:creationId xmlns:p14="http://schemas.microsoft.com/office/powerpoint/2010/main" val="2861357676"/>
+      </p:ext>
+    </p:extLst>
+  </p:cSld>
+  <p:clrMapOvr>
+    <a:masterClrMapping/>
+  </p:clrMapOvr>
+</p:sld>
+</file>
+
+<file path=ppt/slides/slide9.xml><?xml version="1.0" encoding="utf-8"?>
+<p:sld xmlns:a="http://schemas.openxmlformats.org/drawingml/2006/main" xmlns:r="http://schemas.openxmlformats.org/officeDocument/2006/relationships" xmlns:p="http://schemas.openxmlformats.org/presentationml/2006/main">
+  <p:cSld>
+    <p:spTree>
+      <p:nvGrpSpPr>
+        <p:cNvPr id="1" name=""/>
+        <p:cNvGrpSpPr/>
+        <p:nvPr/>
+      </p:nvGrpSpPr>
+      <p:grpSpPr>
+        <a:xfrm>
+          <a:off x="0" y="0"/>
+          <a:ext cx="0" cy="0"/>
+          <a:chOff x="0" y="0"/>
+          <a:chExt cx="0" cy="0"/>
+        </a:xfrm>
+      </p:grpSpPr>
+      <p:sp>
+        <p:nvSpPr>
+          <p:cNvPr id="2" name="Заголовок 1"/>
+          <p:cNvSpPr>
+            <a:spLocks noGrp="1"/>
+          </p:cNvSpPr>
+          <p:nvPr>
+            <p:ph type="title"/>
+          </p:nvPr>
+        </p:nvSpPr>
+        <p:spPr/>
+        <p:txBody>
+          <a:bodyPr anchor="ctr"/>
+          <a:lstStyle/>
+          <a:p>
+            <a:r>
+              <a:rPr lang="ru-RU" dirty="0" smtClean="0"/>
+              <a:t>Форма подключения</a:t>
+            </a:r>
+            <a:endParaRPr lang="ru-RU" dirty="0"/>
+          </a:p>
+        </p:txBody>
+      </p:sp>
+      <p:sp>
+        <p:nvSpPr>
+          <p:cNvPr id="8" name="TextBox 7"/>
+          <p:cNvSpPr txBox="1"/>
+          <p:nvPr/>
+        </p:nvSpPr>
+        <p:spPr>
+          <a:xfrm>
+            <a:off x="451653" y="6858000"/>
+            <a:ext cx="4588042" cy="1477328"/>
+          </a:xfrm>
+          <a:prstGeom prst="rect">
+            <a:avLst/>
+          </a:prstGeom>
+          <a:noFill/>
+        </p:spPr>
+        <p:txBody>
+          <a:bodyPr wrap="square" rtlCol="0">
+            <a:spAutoFit/>
+          </a:bodyPr>
+          <a:lstStyle/>
+          <a:p>
+            <a:r>
+              <a:rPr lang="ru-RU" sz="1800" b="1" dirty="0"/>
+              <a:t>Цель работы программы:</a:t>
+            </a:r>
+          </a:p>
+          <a:p>
+            <a:pPr marL="352425"/>
+            <a:r>
+              <a:rPr lang="ru-RU" sz="1800" b="1" dirty="0"/>
+              <a:t>Перевод графических данных с кадра изображения в числовые и экспорт данных в выбранный пользователем формат</a:t>
+            </a:r>
+          </a:p>
+        </p:txBody>
+      </p:sp>
+      <p:sp>
+        <p:nvSpPr>
+          <p:cNvPr id="10" name="TextBox 9"/>
+          <p:cNvSpPr txBox="1"/>
+          <p:nvPr/>
+        </p:nvSpPr>
+        <p:spPr>
+          <a:xfrm>
+            <a:off x="586378" y="5329076"/>
+            <a:ext cx="4491789" cy="307777"/>
+          </a:xfrm>
+          <a:prstGeom prst="rect">
+            <a:avLst/>
+          </a:prstGeom>
+          <a:noFill/>
+        </p:spPr>
+        <p:txBody>
+          <a:bodyPr wrap="square" rtlCol="0">
+            <a:spAutoFit/>
+          </a:bodyPr>
+          <a:lstStyle/>
+          <a:p>
+            <a:pPr algn="ctr"/>
+            <a:r>
+              <a:rPr lang="ru-RU" dirty="0" smtClean="0"/>
+              <a:t>Рис. Форма подключения</a:t>
+            </a:r>
+            <a:endParaRPr lang="ru-RU" dirty="0"/>
+          </a:p>
+        </p:txBody>
+      </p:sp>
+      <p:sp>
+        <p:nvSpPr>
+          <p:cNvPr id="75" name="Google Shape;606;p45">
+            <a:extLst>
+              <a:ext uri="{FF2B5EF4-FFF2-40B4-BE49-F238E27FC236}">
+                <a16:creationId xmlns="" xmlns:a16="http://schemas.microsoft.com/office/drawing/2014/main" id="{DEB368D3-448D-4E8B-8E37-95656B89BA92}"/>
+              </a:ext>
+            </a:extLst>
+          </p:cNvPr>
+          <p:cNvSpPr/>
+          <p:nvPr/>
+        </p:nvSpPr>
+        <p:spPr>
+          <a:xfrm>
+            <a:off x="545820" y="514120"/>
+            <a:ext cx="737548" cy="692472"/>
+          </a:xfrm>
+          <a:custGeom>
+            <a:avLst/>
+            <a:gdLst/>
+            <a:ahLst/>
+            <a:cxnLst/>
+            <a:rect l="l" t="t" r="r" b="b"/>
+            <a:pathLst>
+              <a:path w="10314" h="9391" extrusionOk="0">
+                <a:moveTo>
+                  <a:pt x="5157" y="1"/>
+                </a:moveTo>
+                <a:cubicBezTo>
+                  <a:pt x="4568" y="1"/>
+                  <a:pt x="4086" y="482"/>
+                  <a:pt x="4086" y="1071"/>
+                </a:cubicBezTo>
+                <a:cubicBezTo>
+                  <a:pt x="4086" y="1553"/>
+                  <a:pt x="4425" y="1963"/>
+                  <a:pt x="4889" y="2088"/>
+                </a:cubicBezTo>
+                <a:lnTo>
+                  <a:pt x="4889" y="3926"/>
+                </a:lnTo>
+                <a:cubicBezTo>
+                  <a:pt x="4497" y="3997"/>
+                  <a:pt x="4176" y="4229"/>
+                  <a:pt x="3997" y="4550"/>
+                </a:cubicBezTo>
+                <a:lnTo>
+                  <a:pt x="2284" y="3837"/>
+                </a:lnTo>
+                <a:cubicBezTo>
+                  <a:pt x="2338" y="3373"/>
+                  <a:pt x="2088" y="2891"/>
+                  <a:pt x="1624" y="2695"/>
+                </a:cubicBezTo>
+                <a:cubicBezTo>
+                  <a:pt x="1490" y="2643"/>
+                  <a:pt x="1353" y="2618"/>
+                  <a:pt x="1219" y="2618"/>
+                </a:cubicBezTo>
+                <a:cubicBezTo>
+                  <a:pt x="798" y="2618"/>
+                  <a:pt x="404" y="2860"/>
+                  <a:pt x="214" y="3266"/>
+                </a:cubicBezTo>
+                <a:cubicBezTo>
+                  <a:pt x="0" y="3819"/>
+                  <a:pt x="250" y="4443"/>
+                  <a:pt x="803" y="4675"/>
+                </a:cubicBezTo>
+                <a:cubicBezTo>
+                  <a:pt x="932" y="4727"/>
+                  <a:pt x="1067" y="4752"/>
+                  <a:pt x="1201" y="4752"/>
+                </a:cubicBezTo>
+                <a:cubicBezTo>
+                  <a:pt x="1529" y="4752"/>
+                  <a:pt x="1849" y="4603"/>
+                  <a:pt x="2052" y="4336"/>
+                </a:cubicBezTo>
+                <a:lnTo>
+                  <a:pt x="3801" y="5050"/>
+                </a:lnTo>
+                <a:cubicBezTo>
+                  <a:pt x="3801" y="5086"/>
+                  <a:pt x="3801" y="5157"/>
+                  <a:pt x="3801" y="5211"/>
+                </a:cubicBezTo>
+                <a:cubicBezTo>
+                  <a:pt x="3801" y="5514"/>
+                  <a:pt x="3890" y="5799"/>
+                  <a:pt x="4051" y="6014"/>
+                </a:cubicBezTo>
+                <a:lnTo>
+                  <a:pt x="2677" y="7423"/>
+                </a:lnTo>
+                <a:cubicBezTo>
+                  <a:pt x="2506" y="7319"/>
+                  <a:pt x="2313" y="7268"/>
+                  <a:pt x="2122" y="7268"/>
+                </a:cubicBezTo>
+                <a:cubicBezTo>
+                  <a:pt x="1854" y="7268"/>
+                  <a:pt x="1590" y="7368"/>
+                  <a:pt x="1392" y="7566"/>
+                </a:cubicBezTo>
+                <a:cubicBezTo>
+                  <a:pt x="964" y="7994"/>
+                  <a:pt x="964" y="8654"/>
+                  <a:pt x="1392" y="9082"/>
+                </a:cubicBezTo>
+                <a:cubicBezTo>
+                  <a:pt x="1597" y="9288"/>
+                  <a:pt x="1869" y="9390"/>
+                  <a:pt x="2141" y="9390"/>
+                </a:cubicBezTo>
+                <a:cubicBezTo>
+                  <a:pt x="2414" y="9390"/>
+                  <a:pt x="2686" y="9288"/>
+                  <a:pt x="2891" y="9082"/>
+                </a:cubicBezTo>
+                <a:cubicBezTo>
+                  <a:pt x="3230" y="8726"/>
+                  <a:pt x="3283" y="8190"/>
+                  <a:pt x="3051" y="7780"/>
+                </a:cubicBezTo>
+                <a:lnTo>
+                  <a:pt x="4461" y="6370"/>
+                </a:lnTo>
+                <a:cubicBezTo>
+                  <a:pt x="4657" y="6495"/>
+                  <a:pt x="4889" y="6549"/>
+                  <a:pt x="5121" y="6549"/>
+                </a:cubicBezTo>
+                <a:lnTo>
+                  <a:pt x="5175" y="6549"/>
+                </a:lnTo>
+                <a:cubicBezTo>
+                  <a:pt x="5407" y="6549"/>
+                  <a:pt x="5639" y="6495"/>
+                  <a:pt x="5853" y="6370"/>
+                </a:cubicBezTo>
+                <a:lnTo>
+                  <a:pt x="7244" y="7780"/>
+                </a:lnTo>
+                <a:cubicBezTo>
+                  <a:pt x="7013" y="8190"/>
+                  <a:pt x="7066" y="8726"/>
+                  <a:pt x="7405" y="9082"/>
+                </a:cubicBezTo>
+                <a:cubicBezTo>
+                  <a:pt x="7619" y="9288"/>
+                  <a:pt x="7896" y="9390"/>
+                  <a:pt x="8170" y="9390"/>
+                </a:cubicBezTo>
+                <a:cubicBezTo>
+                  <a:pt x="8444" y="9390"/>
+                  <a:pt x="8716" y="9288"/>
+                  <a:pt x="8922" y="9082"/>
+                </a:cubicBezTo>
+                <a:cubicBezTo>
+                  <a:pt x="9332" y="8672"/>
+                  <a:pt x="9332" y="7994"/>
+                  <a:pt x="8922" y="7584"/>
+                </a:cubicBezTo>
+                <a:cubicBezTo>
+                  <a:pt x="8720" y="7382"/>
+                  <a:pt x="8450" y="7282"/>
+                  <a:pt x="8174" y="7282"/>
+                </a:cubicBezTo>
+                <a:cubicBezTo>
+                  <a:pt x="7985" y="7282"/>
+                  <a:pt x="7793" y="7329"/>
+                  <a:pt x="7619" y="7423"/>
+                </a:cubicBezTo>
+                <a:lnTo>
+                  <a:pt x="6245" y="6031"/>
+                </a:lnTo>
+                <a:cubicBezTo>
+                  <a:pt x="6406" y="5799"/>
+                  <a:pt x="6513" y="5532"/>
+                  <a:pt x="6513" y="5228"/>
+                </a:cubicBezTo>
+                <a:cubicBezTo>
+                  <a:pt x="6513" y="5175"/>
+                  <a:pt x="6513" y="5104"/>
+                  <a:pt x="6495" y="5068"/>
+                </a:cubicBezTo>
+                <a:lnTo>
+                  <a:pt x="8244" y="4336"/>
+                </a:lnTo>
+                <a:cubicBezTo>
+                  <a:pt x="8450" y="4607"/>
+                  <a:pt x="8777" y="4766"/>
+                  <a:pt x="9118" y="4766"/>
+                </a:cubicBezTo>
+                <a:cubicBezTo>
+                  <a:pt x="9249" y="4766"/>
+                  <a:pt x="9382" y="4743"/>
+                  <a:pt x="9510" y="4693"/>
+                </a:cubicBezTo>
+                <a:cubicBezTo>
+                  <a:pt x="10046" y="4443"/>
+                  <a:pt x="10313" y="3837"/>
+                  <a:pt x="10081" y="3284"/>
+                </a:cubicBezTo>
+                <a:cubicBezTo>
+                  <a:pt x="9906" y="2878"/>
+                  <a:pt x="9504" y="2636"/>
+                  <a:pt x="9079" y="2636"/>
+                </a:cubicBezTo>
+                <a:cubicBezTo>
+                  <a:pt x="8944" y="2636"/>
+                  <a:pt x="8806" y="2661"/>
+                  <a:pt x="8672" y="2713"/>
+                </a:cubicBezTo>
+                <a:cubicBezTo>
+                  <a:pt x="8226" y="2891"/>
+                  <a:pt x="7958" y="3373"/>
+                  <a:pt x="8030" y="3855"/>
+                </a:cubicBezTo>
+                <a:lnTo>
+                  <a:pt x="6317" y="4568"/>
+                </a:lnTo>
+                <a:cubicBezTo>
+                  <a:pt x="6120" y="4247"/>
+                  <a:pt x="5781" y="3997"/>
+                  <a:pt x="5407" y="3944"/>
+                </a:cubicBezTo>
+                <a:lnTo>
+                  <a:pt x="5407" y="2088"/>
+                </a:lnTo>
+                <a:cubicBezTo>
+                  <a:pt x="5871" y="1963"/>
+                  <a:pt x="6210" y="1553"/>
+                  <a:pt x="6210" y="1071"/>
+                </a:cubicBezTo>
+                <a:cubicBezTo>
+                  <a:pt x="6210" y="482"/>
+                  <a:pt x="5746" y="1"/>
+                  <a:pt x="5157" y="1"/>
+                </a:cubicBezTo>
+                <a:close/>
+              </a:path>
+            </a:pathLst>
+          </a:custGeom>
+          <a:solidFill>
+            <a:schemeClr val="accent2"/>
+          </a:solidFill>
+          <a:ln>
+            <a:noFill/>
+          </a:ln>
+        </p:spPr>
+        <p:txBody>
+          <a:bodyPr spcFirstLastPara="1" wrap="square" lIns="121900" tIns="121900" rIns="121900" bIns="121900" anchor="ctr" anchorCtr="0">
+            <a:noAutofit/>
+          </a:bodyPr>
+          <a:lstStyle/>
+          <a:p>
+            <a:pPr marL="0" lvl="0" indent="0" algn="l" rtl="0">
+              <a:spcBef>
+                <a:spcPts val="0"/>
+              </a:spcBef>
+              <a:spcAft>
+                <a:spcPts val="0"/>
+              </a:spcAft>
+              <a:buNone/>
+            </a:pPr>
+            <a:endParaRPr/>
+          </a:p>
+        </p:txBody>
+      </p:sp>
       <p:pic>
         <p:nvPicPr>
-          <p:cNvPr id="8" name="Рисунок 7"/>
+          <p:cNvPr id="4" name="Рисунок 3"/>
           <p:cNvPicPr>
             <a:picLocks noChangeAspect="1"/>
           </p:cNvPicPr>
@@ -16739,8 +20385,8 @@
         </p:blipFill>
         <p:spPr>
           <a:xfrm>
-            <a:off x="5085347" y="3724275"/>
-            <a:ext cx="6420351" cy="2106503"/>
+            <a:off x="722190" y="2629655"/>
+            <a:ext cx="4220164" cy="2657846"/>
           </a:xfrm>
           <a:prstGeom prst="rect">
             <a:avLst/>
@@ -16749,504 +20395,1092 @@
       </p:pic>
       <p:sp>
         <p:nvSpPr>
-          <p:cNvPr id="9" name="Google Shape;668;p45"/>
+          <p:cNvPr id="12" name="Прямоугольник 11"/>
           <p:cNvSpPr/>
           <p:nvPr/>
         </p:nvSpPr>
         <p:spPr>
           <a:xfrm>
-            <a:off x="576764" y="513514"/>
-            <a:ext cx="666412" cy="681347"/>
+            <a:off x="5380504" y="1965663"/>
+            <a:ext cx="6518400" cy="4324261"/>
           </a:xfrm>
-          <a:custGeom>
+          <a:prstGeom prst="rect">
             <a:avLst/>
-            <a:gdLst/>
-            <a:ahLst/>
-            <a:cxnLst/>
-            <a:rect l="l" t="t" r="r" b="b"/>
-            <a:pathLst>
-              <a:path w="10600" h="10510" extrusionOk="0">
-                <a:moveTo>
-                  <a:pt x="3979" y="786"/>
-                </a:moveTo>
-                <a:cubicBezTo>
-                  <a:pt x="5746" y="786"/>
-                  <a:pt x="7173" y="2213"/>
-                  <a:pt x="7173" y="3980"/>
-                </a:cubicBezTo>
-                <a:cubicBezTo>
-                  <a:pt x="7173" y="5728"/>
-                  <a:pt x="5746" y="7173"/>
-                  <a:pt x="3979" y="7173"/>
-                </a:cubicBezTo>
-                <a:cubicBezTo>
-                  <a:pt x="2231" y="7173"/>
-                  <a:pt x="786" y="5728"/>
-                  <a:pt x="786" y="3980"/>
-                </a:cubicBezTo>
-                <a:cubicBezTo>
-                  <a:pt x="786" y="2213"/>
-                  <a:pt x="2231" y="786"/>
-                  <a:pt x="3979" y="786"/>
-                </a:cubicBezTo>
-                <a:close/>
-                <a:moveTo>
-                  <a:pt x="3997" y="1"/>
-                </a:moveTo>
-                <a:cubicBezTo>
-                  <a:pt x="1803" y="1"/>
-                  <a:pt x="1" y="1785"/>
-                  <a:pt x="1" y="3980"/>
-                </a:cubicBezTo>
-                <a:cubicBezTo>
-                  <a:pt x="1" y="6192"/>
-                  <a:pt x="1803" y="7976"/>
-                  <a:pt x="3997" y="7976"/>
-                </a:cubicBezTo>
-                <a:cubicBezTo>
-                  <a:pt x="4907" y="7976"/>
-                  <a:pt x="5746" y="7673"/>
-                  <a:pt x="6424" y="7156"/>
-                </a:cubicBezTo>
-                <a:lnTo>
-                  <a:pt x="7013" y="7744"/>
-                </a:lnTo>
-                <a:cubicBezTo>
-                  <a:pt x="6959" y="8030"/>
-                  <a:pt x="7031" y="8333"/>
-                  <a:pt x="7263" y="8565"/>
-                </a:cubicBezTo>
-                <a:lnTo>
-                  <a:pt x="8922" y="10224"/>
-                </a:lnTo>
-                <a:cubicBezTo>
-                  <a:pt x="9100" y="10421"/>
-                  <a:pt x="9350" y="10510"/>
-                  <a:pt x="9582" y="10510"/>
-                </a:cubicBezTo>
-                <a:cubicBezTo>
-                  <a:pt x="9832" y="10510"/>
-                  <a:pt x="10082" y="10421"/>
-                  <a:pt x="10260" y="10224"/>
-                </a:cubicBezTo>
-                <a:cubicBezTo>
-                  <a:pt x="10599" y="9868"/>
-                  <a:pt x="10599" y="9261"/>
-                  <a:pt x="10242" y="8904"/>
-                </a:cubicBezTo>
-                <a:lnTo>
-                  <a:pt x="8583" y="7245"/>
-                </a:lnTo>
-                <a:cubicBezTo>
-                  <a:pt x="8395" y="7071"/>
-                  <a:pt x="8160" y="6980"/>
-                  <a:pt x="7916" y="6980"/>
-                </a:cubicBezTo>
-                <a:cubicBezTo>
-                  <a:pt x="7859" y="6980"/>
-                  <a:pt x="7802" y="6985"/>
-                  <a:pt x="7744" y="6995"/>
-                </a:cubicBezTo>
-                <a:lnTo>
-                  <a:pt x="7173" y="6406"/>
-                </a:lnTo>
-                <a:cubicBezTo>
-                  <a:pt x="7691" y="5746"/>
-                  <a:pt x="7994" y="4890"/>
-                  <a:pt x="7994" y="3980"/>
-                </a:cubicBezTo>
-                <a:cubicBezTo>
-                  <a:pt x="7994" y="1785"/>
-                  <a:pt x="6192" y="1"/>
-                  <a:pt x="3997" y="1"/>
-                </a:cubicBezTo>
-                <a:close/>
-              </a:path>
-            </a:pathLst>
-          </a:custGeom>
-          <a:solidFill>
-            <a:schemeClr val="accent2"/>
-          </a:solidFill>
-          <a:ln>
-            <a:noFill/>
-          </a:ln>
+          </a:prstGeom>
         </p:spPr>
         <p:txBody>
-          <a:bodyPr spcFirstLastPara="1" wrap="square" lIns="121900" tIns="121900" rIns="121900" bIns="121900" anchor="ctr" anchorCtr="0">
-            <a:noAutofit/>
+          <a:bodyPr wrap="square">
+            <a:spAutoFit/>
           </a:bodyPr>
           <a:lstStyle/>
           <a:p>
-            <a:pPr marL="0" lvl="0" indent="0" algn="l" rtl="0">
-              <a:spcBef>
-                <a:spcPts val="0"/>
-              </a:spcBef>
-              <a:spcAft>
-                <a:spcPts val="0"/>
-              </a:spcAft>
-              <a:buNone/>
-            </a:pPr>
-            <a:endParaRPr/>
+            <a:r>
+              <a:rPr lang="ru-RU" sz="1100" b="1" dirty="0">
+                <a:latin typeface="Courier New" panose="02070309020205020404" pitchFamily="49" charset="0"/>
+                <a:cs typeface="Courier New" panose="02070309020205020404" pitchFamily="49" charset="0"/>
+              </a:rPr>
+              <a:t>&lt;</a:t>
+            </a:r>
+            <a:r>
+              <a:rPr lang="ru-RU" sz="1100" b="1" dirty="0" err="1">
+                <a:latin typeface="Courier New" panose="02070309020205020404" pitchFamily="49" charset="0"/>
+                <a:cs typeface="Courier New" panose="02070309020205020404" pitchFamily="49" charset="0"/>
+              </a:rPr>
+              <a:t>Window</a:t>
+            </a:r>
+            <a:r>
+              <a:rPr lang="ru-RU" sz="1100" b="1" dirty="0">
+                <a:latin typeface="Courier New" panose="02070309020205020404" pitchFamily="49" charset="0"/>
+                <a:cs typeface="Courier New" panose="02070309020205020404" pitchFamily="49" charset="0"/>
+              </a:rPr>
+              <a:t> </a:t>
+            </a:r>
+            <a:r>
+              <a:rPr lang="ru-RU" sz="1100" b="1" dirty="0" err="1" smtClean="0">
+                <a:latin typeface="Courier New" panose="02070309020205020404" pitchFamily="49" charset="0"/>
+                <a:cs typeface="Courier New" panose="02070309020205020404" pitchFamily="49" charset="0"/>
+              </a:rPr>
+              <a:t>Title</a:t>
+            </a:r>
+            <a:r>
+              <a:rPr lang="ru-RU" sz="1100" b="1" dirty="0">
+                <a:latin typeface="Courier New" panose="02070309020205020404" pitchFamily="49" charset="0"/>
+                <a:cs typeface="Courier New" panose="02070309020205020404" pitchFamily="49" charset="0"/>
+              </a:rPr>
+              <a:t>="Данные подключения" </a:t>
+            </a:r>
+            <a:r>
+              <a:rPr lang="ru-RU" sz="1100" b="1" dirty="0" err="1">
+                <a:latin typeface="Courier New" panose="02070309020205020404" pitchFamily="49" charset="0"/>
+                <a:cs typeface="Courier New" panose="02070309020205020404" pitchFamily="49" charset="0"/>
+              </a:rPr>
+              <a:t>Height</a:t>
+            </a:r>
+            <a:r>
+              <a:rPr lang="ru-RU" sz="1100" b="1" dirty="0">
+                <a:latin typeface="Courier New" panose="02070309020205020404" pitchFamily="49" charset="0"/>
+                <a:cs typeface="Courier New" panose="02070309020205020404" pitchFamily="49" charset="0"/>
+              </a:rPr>
+              <a:t>="280" </a:t>
+            </a:r>
+            <a:r>
+              <a:rPr lang="ru-RU" sz="1100" b="1" dirty="0" err="1">
+                <a:latin typeface="Courier New" panose="02070309020205020404" pitchFamily="49" charset="0"/>
+                <a:cs typeface="Courier New" panose="02070309020205020404" pitchFamily="49" charset="0"/>
+              </a:rPr>
+              <a:t>Width</a:t>
+            </a:r>
+            <a:r>
+              <a:rPr lang="ru-RU" sz="1100" b="1" dirty="0">
+                <a:latin typeface="Courier New" panose="02070309020205020404" pitchFamily="49" charset="0"/>
+                <a:cs typeface="Courier New" panose="02070309020205020404" pitchFamily="49" charset="0"/>
+              </a:rPr>
+              <a:t>="450"&gt;</a:t>
+            </a:r>
+          </a:p>
+          <a:p>
+            <a:r>
+              <a:rPr lang="ru-RU" sz="1100" b="1" dirty="0">
+                <a:latin typeface="Courier New" panose="02070309020205020404" pitchFamily="49" charset="0"/>
+                <a:cs typeface="Courier New" panose="02070309020205020404" pitchFamily="49" charset="0"/>
+              </a:rPr>
+              <a:t>    &lt;</a:t>
+            </a:r>
+            <a:r>
+              <a:rPr lang="ru-RU" sz="1100" b="1" dirty="0" err="1">
+                <a:latin typeface="Courier New" panose="02070309020205020404" pitchFamily="49" charset="0"/>
+                <a:cs typeface="Courier New" panose="02070309020205020404" pitchFamily="49" charset="0"/>
+              </a:rPr>
+              <a:t>Grid</a:t>
+            </a:r>
+            <a:r>
+              <a:rPr lang="ru-RU" sz="1100" b="1" dirty="0">
+                <a:latin typeface="Courier New" panose="02070309020205020404" pitchFamily="49" charset="0"/>
+                <a:cs typeface="Courier New" panose="02070309020205020404" pitchFamily="49" charset="0"/>
+              </a:rPr>
+              <a:t> </a:t>
+            </a:r>
+            <a:r>
+              <a:rPr lang="ru-RU" sz="1100" b="1" dirty="0" err="1">
+                <a:latin typeface="Courier New" panose="02070309020205020404" pitchFamily="49" charset="0"/>
+                <a:cs typeface="Courier New" panose="02070309020205020404" pitchFamily="49" charset="0"/>
+              </a:rPr>
+              <a:t>VerticalAlignment</a:t>
+            </a:r>
+            <a:r>
+              <a:rPr lang="ru-RU" sz="1100" b="1" dirty="0">
+                <a:latin typeface="Courier New" panose="02070309020205020404" pitchFamily="49" charset="0"/>
+                <a:cs typeface="Courier New" panose="02070309020205020404" pitchFamily="49" charset="0"/>
+              </a:rPr>
+              <a:t>="</a:t>
+            </a:r>
+            <a:r>
+              <a:rPr lang="ru-RU" sz="1100" b="1" dirty="0" err="1">
+                <a:latin typeface="Courier New" panose="02070309020205020404" pitchFamily="49" charset="0"/>
+                <a:cs typeface="Courier New" panose="02070309020205020404" pitchFamily="49" charset="0"/>
+              </a:rPr>
+              <a:t>Center</a:t>
+            </a:r>
+            <a:r>
+              <a:rPr lang="ru-RU" sz="1100" b="1" dirty="0">
+                <a:latin typeface="Courier New" panose="02070309020205020404" pitchFamily="49" charset="0"/>
+                <a:cs typeface="Courier New" panose="02070309020205020404" pitchFamily="49" charset="0"/>
+              </a:rPr>
+              <a:t>"&gt;</a:t>
+            </a:r>
+          </a:p>
+          <a:p>
+            <a:r>
+              <a:rPr lang="ru-RU" sz="1100" b="1" dirty="0">
+                <a:latin typeface="Courier New" panose="02070309020205020404" pitchFamily="49" charset="0"/>
+                <a:cs typeface="Courier New" panose="02070309020205020404" pitchFamily="49" charset="0"/>
+              </a:rPr>
+              <a:t>        </a:t>
+            </a:r>
+          </a:p>
+          <a:p>
+            <a:r>
+              <a:rPr lang="ru-RU" sz="1100" b="1" dirty="0">
+                <a:latin typeface="Courier New" panose="02070309020205020404" pitchFamily="49" charset="0"/>
+                <a:cs typeface="Courier New" panose="02070309020205020404" pitchFamily="49" charset="0"/>
+              </a:rPr>
+              <a:t>        &lt;</a:t>
+            </a:r>
+            <a:r>
+              <a:rPr lang="ru-RU" sz="1100" b="1" dirty="0" err="1">
+                <a:latin typeface="Courier New" panose="02070309020205020404" pitchFamily="49" charset="0"/>
+                <a:cs typeface="Courier New" panose="02070309020205020404" pitchFamily="49" charset="0"/>
+              </a:rPr>
+              <a:t>Grid.RowDefinitions</a:t>
+            </a:r>
+            <a:r>
+              <a:rPr lang="ru-RU" sz="1100" b="1" dirty="0">
+                <a:latin typeface="Courier New" panose="02070309020205020404" pitchFamily="49" charset="0"/>
+                <a:cs typeface="Courier New" panose="02070309020205020404" pitchFamily="49" charset="0"/>
+              </a:rPr>
+              <a:t>&gt;</a:t>
+            </a:r>
+          </a:p>
+          <a:p>
+            <a:r>
+              <a:rPr lang="ru-RU" sz="1100" b="1" dirty="0">
+                <a:latin typeface="Courier New" panose="02070309020205020404" pitchFamily="49" charset="0"/>
+                <a:cs typeface="Courier New" panose="02070309020205020404" pitchFamily="49" charset="0"/>
+              </a:rPr>
+              <a:t>            &lt;</a:t>
+            </a:r>
+            <a:r>
+              <a:rPr lang="ru-RU" sz="1100" b="1" dirty="0" err="1">
+                <a:latin typeface="Courier New" panose="02070309020205020404" pitchFamily="49" charset="0"/>
+                <a:cs typeface="Courier New" panose="02070309020205020404" pitchFamily="49" charset="0"/>
+              </a:rPr>
+              <a:t>RowDefinition</a:t>
+            </a:r>
+            <a:r>
+              <a:rPr lang="ru-RU" sz="1100" b="1" dirty="0">
+                <a:latin typeface="Courier New" panose="02070309020205020404" pitchFamily="49" charset="0"/>
+                <a:cs typeface="Courier New" panose="02070309020205020404" pitchFamily="49" charset="0"/>
+              </a:rPr>
+              <a:t> </a:t>
+            </a:r>
+            <a:r>
+              <a:rPr lang="ru-RU" sz="1100" b="1" dirty="0" err="1">
+                <a:latin typeface="Courier New" panose="02070309020205020404" pitchFamily="49" charset="0"/>
+                <a:cs typeface="Courier New" panose="02070309020205020404" pitchFamily="49" charset="0"/>
+              </a:rPr>
+              <a:t>Height</a:t>
+            </a:r>
+            <a:r>
+              <a:rPr lang="ru-RU" sz="1100" b="1" dirty="0">
+                <a:latin typeface="Courier New" panose="02070309020205020404" pitchFamily="49" charset="0"/>
+                <a:cs typeface="Courier New" panose="02070309020205020404" pitchFamily="49" charset="0"/>
+              </a:rPr>
+              <a:t>="100" /&gt;</a:t>
+            </a:r>
+          </a:p>
+          <a:p>
+            <a:r>
+              <a:rPr lang="ru-RU" sz="1100" b="1" dirty="0">
+                <a:latin typeface="Courier New" panose="02070309020205020404" pitchFamily="49" charset="0"/>
+                <a:cs typeface="Courier New" panose="02070309020205020404" pitchFamily="49" charset="0"/>
+              </a:rPr>
+              <a:t>            &lt;</a:t>
+            </a:r>
+            <a:r>
+              <a:rPr lang="ru-RU" sz="1100" b="1" dirty="0" err="1">
+                <a:latin typeface="Courier New" panose="02070309020205020404" pitchFamily="49" charset="0"/>
+                <a:cs typeface="Courier New" panose="02070309020205020404" pitchFamily="49" charset="0"/>
+              </a:rPr>
+              <a:t>RowDefinition</a:t>
+            </a:r>
+            <a:r>
+              <a:rPr lang="ru-RU" sz="1100" b="1" dirty="0">
+                <a:latin typeface="Courier New" panose="02070309020205020404" pitchFamily="49" charset="0"/>
+                <a:cs typeface="Courier New" panose="02070309020205020404" pitchFamily="49" charset="0"/>
+              </a:rPr>
+              <a:t> </a:t>
+            </a:r>
+            <a:r>
+              <a:rPr lang="ru-RU" sz="1100" b="1" dirty="0" err="1">
+                <a:latin typeface="Courier New" panose="02070309020205020404" pitchFamily="49" charset="0"/>
+                <a:cs typeface="Courier New" panose="02070309020205020404" pitchFamily="49" charset="0"/>
+              </a:rPr>
+              <a:t>Height</a:t>
+            </a:r>
+            <a:r>
+              <a:rPr lang="ru-RU" sz="1100" b="1" dirty="0">
+                <a:latin typeface="Courier New" panose="02070309020205020404" pitchFamily="49" charset="0"/>
+                <a:cs typeface="Courier New" panose="02070309020205020404" pitchFamily="49" charset="0"/>
+              </a:rPr>
+              <a:t>="70" /&gt;</a:t>
+            </a:r>
+          </a:p>
+          <a:p>
+            <a:r>
+              <a:rPr lang="ru-RU" sz="1100" b="1" dirty="0">
+                <a:latin typeface="Courier New" panose="02070309020205020404" pitchFamily="49" charset="0"/>
+                <a:cs typeface="Courier New" panose="02070309020205020404" pitchFamily="49" charset="0"/>
+              </a:rPr>
+              <a:t>            &lt;</a:t>
+            </a:r>
+            <a:r>
+              <a:rPr lang="ru-RU" sz="1100" b="1" dirty="0" err="1">
+                <a:latin typeface="Courier New" panose="02070309020205020404" pitchFamily="49" charset="0"/>
+                <a:cs typeface="Courier New" panose="02070309020205020404" pitchFamily="49" charset="0"/>
+              </a:rPr>
+              <a:t>RowDefinition</a:t>
+            </a:r>
+            <a:r>
+              <a:rPr lang="ru-RU" sz="1100" b="1" dirty="0">
+                <a:latin typeface="Courier New" panose="02070309020205020404" pitchFamily="49" charset="0"/>
+                <a:cs typeface="Courier New" panose="02070309020205020404" pitchFamily="49" charset="0"/>
+              </a:rPr>
+              <a:t> </a:t>
+            </a:r>
+            <a:r>
+              <a:rPr lang="ru-RU" sz="1100" b="1" dirty="0" err="1">
+                <a:latin typeface="Courier New" panose="02070309020205020404" pitchFamily="49" charset="0"/>
+                <a:cs typeface="Courier New" panose="02070309020205020404" pitchFamily="49" charset="0"/>
+              </a:rPr>
+              <a:t>Height</a:t>
+            </a:r>
+            <a:r>
+              <a:rPr lang="ru-RU" sz="1100" b="1" dirty="0">
+                <a:latin typeface="Courier New" panose="02070309020205020404" pitchFamily="49" charset="0"/>
+                <a:cs typeface="Courier New" panose="02070309020205020404" pitchFamily="49" charset="0"/>
+              </a:rPr>
+              <a:t>="40" /&gt;</a:t>
+            </a:r>
+          </a:p>
+          <a:p>
+            <a:r>
+              <a:rPr lang="ru-RU" sz="1100" b="1" dirty="0">
+                <a:latin typeface="Courier New" panose="02070309020205020404" pitchFamily="49" charset="0"/>
+                <a:cs typeface="Courier New" panose="02070309020205020404" pitchFamily="49" charset="0"/>
+              </a:rPr>
+              <a:t>        &lt;/</a:t>
+            </a:r>
+            <a:r>
+              <a:rPr lang="ru-RU" sz="1100" b="1" dirty="0" err="1">
+                <a:latin typeface="Courier New" panose="02070309020205020404" pitchFamily="49" charset="0"/>
+                <a:cs typeface="Courier New" panose="02070309020205020404" pitchFamily="49" charset="0"/>
+              </a:rPr>
+              <a:t>Grid.RowDefinitions</a:t>
+            </a:r>
+            <a:r>
+              <a:rPr lang="ru-RU" sz="1100" b="1" dirty="0">
+                <a:latin typeface="Courier New" panose="02070309020205020404" pitchFamily="49" charset="0"/>
+                <a:cs typeface="Courier New" panose="02070309020205020404" pitchFamily="49" charset="0"/>
+              </a:rPr>
+              <a:t>&gt;</a:t>
+            </a:r>
+          </a:p>
+          <a:p>
+            <a:endParaRPr lang="ru-RU" sz="1100" b="1" dirty="0">
+              <a:latin typeface="Courier New" panose="02070309020205020404" pitchFamily="49" charset="0"/>
+              <a:cs typeface="Courier New" panose="02070309020205020404" pitchFamily="49" charset="0"/>
+            </a:endParaRPr>
+          </a:p>
+          <a:p>
+            <a:r>
+              <a:rPr lang="ru-RU" sz="1100" b="1" dirty="0">
+                <a:latin typeface="Courier New" panose="02070309020205020404" pitchFamily="49" charset="0"/>
+                <a:cs typeface="Courier New" panose="02070309020205020404" pitchFamily="49" charset="0"/>
+              </a:rPr>
+              <a:t>        &lt;</a:t>
+            </a:r>
+            <a:r>
+              <a:rPr lang="ru-RU" sz="1100" b="1" dirty="0" err="1">
+                <a:latin typeface="Courier New" panose="02070309020205020404" pitchFamily="49" charset="0"/>
+                <a:cs typeface="Courier New" panose="02070309020205020404" pitchFamily="49" charset="0"/>
+              </a:rPr>
+              <a:t>Image</a:t>
+            </a:r>
+            <a:r>
+              <a:rPr lang="ru-RU" sz="1100" b="1" dirty="0">
+                <a:latin typeface="Courier New" panose="02070309020205020404" pitchFamily="49" charset="0"/>
+                <a:cs typeface="Courier New" panose="02070309020205020404" pitchFamily="49" charset="0"/>
+              </a:rPr>
+              <a:t> </a:t>
+            </a:r>
+            <a:r>
+              <a:rPr lang="ru-RU" sz="1100" b="1" dirty="0" err="1">
+                <a:latin typeface="Courier New" panose="02070309020205020404" pitchFamily="49" charset="0"/>
+                <a:cs typeface="Courier New" panose="02070309020205020404" pitchFamily="49" charset="0"/>
+              </a:rPr>
+              <a:t>Source</a:t>
+            </a:r>
+            <a:r>
+              <a:rPr lang="ru-RU" sz="1100" b="1" dirty="0">
+                <a:latin typeface="Courier New" panose="02070309020205020404" pitchFamily="49" charset="0"/>
+                <a:cs typeface="Courier New" panose="02070309020205020404" pitchFamily="49" charset="0"/>
+              </a:rPr>
+              <a:t>="{</a:t>
+            </a:r>
+            <a:r>
+              <a:rPr lang="ru-RU" sz="1100" b="1" dirty="0" err="1">
+                <a:latin typeface="Courier New" panose="02070309020205020404" pitchFamily="49" charset="0"/>
+                <a:cs typeface="Courier New" panose="02070309020205020404" pitchFamily="49" charset="0"/>
+              </a:rPr>
+              <a:t>StaticResource</a:t>
+            </a:r>
+            <a:r>
+              <a:rPr lang="ru-RU" sz="1100" b="1" dirty="0">
+                <a:latin typeface="Courier New" panose="02070309020205020404" pitchFamily="49" charset="0"/>
+                <a:cs typeface="Courier New" panose="02070309020205020404" pitchFamily="49" charset="0"/>
+              </a:rPr>
+              <a:t> </a:t>
+            </a:r>
+            <a:r>
+              <a:rPr lang="ru-RU" sz="1100" b="1" dirty="0" err="1">
+                <a:latin typeface="Courier New" panose="02070309020205020404" pitchFamily="49" charset="0"/>
+                <a:cs typeface="Courier New" panose="02070309020205020404" pitchFamily="49" charset="0"/>
+              </a:rPr>
+              <a:t>MongoDbLogoDrawingImage</a:t>
+            </a:r>
+            <a:r>
+              <a:rPr lang="ru-RU" sz="1100" b="1" dirty="0">
+                <a:latin typeface="Courier New" panose="02070309020205020404" pitchFamily="49" charset="0"/>
+                <a:cs typeface="Courier New" panose="02070309020205020404" pitchFamily="49" charset="0"/>
+              </a:rPr>
+              <a:t>}" /&gt;</a:t>
+            </a:r>
+          </a:p>
+          <a:p>
+            <a:endParaRPr lang="ru-RU" sz="1100" b="1" dirty="0">
+              <a:latin typeface="Courier New" panose="02070309020205020404" pitchFamily="49" charset="0"/>
+              <a:cs typeface="Courier New" panose="02070309020205020404" pitchFamily="49" charset="0"/>
+            </a:endParaRPr>
+          </a:p>
+          <a:p>
+            <a:r>
+              <a:rPr lang="ru-RU" sz="1100" b="1" dirty="0">
+                <a:latin typeface="Courier New" panose="02070309020205020404" pitchFamily="49" charset="0"/>
+                <a:cs typeface="Courier New" panose="02070309020205020404" pitchFamily="49" charset="0"/>
+              </a:rPr>
+              <a:t>        &lt;</a:t>
+            </a:r>
+            <a:r>
+              <a:rPr lang="ru-RU" sz="1100" b="1" dirty="0" err="1">
+                <a:latin typeface="Courier New" panose="02070309020205020404" pitchFamily="49" charset="0"/>
+                <a:cs typeface="Courier New" panose="02070309020205020404" pitchFamily="49" charset="0"/>
+              </a:rPr>
+              <a:t>StackPanel</a:t>
+            </a:r>
+            <a:r>
+              <a:rPr lang="ru-RU" sz="1100" b="1" dirty="0">
+                <a:latin typeface="Courier New" panose="02070309020205020404" pitchFamily="49" charset="0"/>
+                <a:cs typeface="Courier New" panose="02070309020205020404" pitchFamily="49" charset="0"/>
+              </a:rPr>
+              <a:t> </a:t>
+            </a:r>
+            <a:r>
+              <a:rPr lang="ru-RU" sz="1100" b="1" dirty="0" err="1">
+                <a:latin typeface="Courier New" panose="02070309020205020404" pitchFamily="49" charset="0"/>
+                <a:cs typeface="Courier New" panose="02070309020205020404" pitchFamily="49" charset="0"/>
+              </a:rPr>
+              <a:t>Grid.Row</a:t>
+            </a:r>
+            <a:r>
+              <a:rPr lang="ru-RU" sz="1100" b="1" dirty="0">
+                <a:latin typeface="Courier New" panose="02070309020205020404" pitchFamily="49" charset="0"/>
+                <a:cs typeface="Courier New" panose="02070309020205020404" pitchFamily="49" charset="0"/>
+              </a:rPr>
+              <a:t>="1" </a:t>
+            </a:r>
+            <a:r>
+              <a:rPr lang="ru-RU" sz="1100" b="1" dirty="0" err="1">
+                <a:latin typeface="Courier New" panose="02070309020205020404" pitchFamily="49" charset="0"/>
+                <a:cs typeface="Courier New" panose="02070309020205020404" pitchFamily="49" charset="0"/>
+              </a:rPr>
+              <a:t>VerticalAlignment</a:t>
+            </a:r>
+            <a:r>
+              <a:rPr lang="ru-RU" sz="1100" b="1" dirty="0">
+                <a:latin typeface="Courier New" panose="02070309020205020404" pitchFamily="49" charset="0"/>
+                <a:cs typeface="Courier New" panose="02070309020205020404" pitchFamily="49" charset="0"/>
+              </a:rPr>
+              <a:t>="</a:t>
+            </a:r>
+            <a:r>
+              <a:rPr lang="ru-RU" sz="1100" b="1" dirty="0" err="1">
+                <a:latin typeface="Courier New" panose="02070309020205020404" pitchFamily="49" charset="0"/>
+                <a:cs typeface="Courier New" panose="02070309020205020404" pitchFamily="49" charset="0"/>
+              </a:rPr>
+              <a:t>Center</a:t>
+            </a:r>
+            <a:r>
+              <a:rPr lang="ru-RU" sz="1100" b="1" dirty="0">
+                <a:latin typeface="Courier New" panose="02070309020205020404" pitchFamily="49" charset="0"/>
+                <a:cs typeface="Courier New" panose="02070309020205020404" pitchFamily="49" charset="0"/>
+              </a:rPr>
+              <a:t>" </a:t>
+            </a:r>
+            <a:r>
+              <a:rPr lang="ru-RU" sz="1100" b="1" dirty="0" err="1">
+                <a:latin typeface="Courier New" panose="02070309020205020404" pitchFamily="49" charset="0"/>
+                <a:cs typeface="Courier New" panose="02070309020205020404" pitchFamily="49" charset="0"/>
+              </a:rPr>
+              <a:t>HorizontalAlignment</a:t>
+            </a:r>
+            <a:r>
+              <a:rPr lang="ru-RU" sz="1100" b="1" dirty="0">
+                <a:latin typeface="Courier New" panose="02070309020205020404" pitchFamily="49" charset="0"/>
+                <a:cs typeface="Courier New" panose="02070309020205020404" pitchFamily="49" charset="0"/>
+              </a:rPr>
+              <a:t>="</a:t>
+            </a:r>
+            <a:r>
+              <a:rPr lang="ru-RU" sz="1100" b="1" dirty="0" err="1">
+                <a:latin typeface="Courier New" panose="02070309020205020404" pitchFamily="49" charset="0"/>
+                <a:cs typeface="Courier New" panose="02070309020205020404" pitchFamily="49" charset="0"/>
+              </a:rPr>
+              <a:t>Center</a:t>
+            </a:r>
+            <a:r>
+              <a:rPr lang="ru-RU" sz="1100" b="1" dirty="0">
+                <a:latin typeface="Courier New" panose="02070309020205020404" pitchFamily="49" charset="0"/>
+                <a:cs typeface="Courier New" panose="02070309020205020404" pitchFamily="49" charset="0"/>
+              </a:rPr>
+              <a:t>" </a:t>
+            </a:r>
+            <a:r>
+              <a:rPr lang="ru-RU" sz="1100" b="1" dirty="0" err="1">
+                <a:latin typeface="Courier New" panose="02070309020205020404" pitchFamily="49" charset="0"/>
+                <a:cs typeface="Courier New" panose="02070309020205020404" pitchFamily="49" charset="0"/>
+              </a:rPr>
+              <a:t>Orientation</a:t>
+            </a:r>
+            <a:r>
+              <a:rPr lang="ru-RU" sz="1100" b="1" dirty="0">
+                <a:latin typeface="Courier New" panose="02070309020205020404" pitchFamily="49" charset="0"/>
+                <a:cs typeface="Courier New" panose="02070309020205020404" pitchFamily="49" charset="0"/>
+              </a:rPr>
+              <a:t>="</a:t>
+            </a:r>
+            <a:r>
+              <a:rPr lang="ru-RU" sz="1100" b="1" dirty="0" err="1">
+                <a:latin typeface="Courier New" panose="02070309020205020404" pitchFamily="49" charset="0"/>
+                <a:cs typeface="Courier New" panose="02070309020205020404" pitchFamily="49" charset="0"/>
+              </a:rPr>
+              <a:t>Horizontal</a:t>
+            </a:r>
+            <a:r>
+              <a:rPr lang="ru-RU" sz="1100" b="1" dirty="0">
+                <a:latin typeface="Courier New" panose="02070309020205020404" pitchFamily="49" charset="0"/>
+                <a:cs typeface="Courier New" panose="02070309020205020404" pitchFamily="49" charset="0"/>
+              </a:rPr>
+              <a:t>"&gt;</a:t>
+            </a:r>
+          </a:p>
+          <a:p>
+            <a:r>
+              <a:rPr lang="ru-RU" sz="1100" b="1" dirty="0">
+                <a:latin typeface="Courier New" panose="02070309020205020404" pitchFamily="49" charset="0"/>
+                <a:cs typeface="Courier New" panose="02070309020205020404" pitchFamily="49" charset="0"/>
+              </a:rPr>
+              <a:t>            &lt;</a:t>
+            </a:r>
+            <a:r>
+              <a:rPr lang="ru-RU" sz="1100" b="1" dirty="0" err="1">
+                <a:latin typeface="Courier New" panose="02070309020205020404" pitchFamily="49" charset="0"/>
+                <a:cs typeface="Courier New" panose="02070309020205020404" pitchFamily="49" charset="0"/>
+              </a:rPr>
+              <a:t>TextBox</a:t>
+            </a:r>
+            <a:r>
+              <a:rPr lang="ru-RU" sz="1100" b="1" dirty="0">
+                <a:latin typeface="Courier New" panose="02070309020205020404" pitchFamily="49" charset="0"/>
+                <a:cs typeface="Courier New" panose="02070309020205020404" pitchFamily="49" charset="0"/>
+              </a:rPr>
+              <a:t> </a:t>
+            </a:r>
+            <a:r>
+              <a:rPr lang="ru-RU" sz="1100" b="1" dirty="0" err="1">
+                <a:latin typeface="Courier New" panose="02070309020205020404" pitchFamily="49" charset="0"/>
+                <a:cs typeface="Courier New" panose="02070309020205020404" pitchFamily="49" charset="0"/>
+              </a:rPr>
+              <a:t>Name</a:t>
+            </a:r>
+            <a:r>
+              <a:rPr lang="ru-RU" sz="1100" b="1" dirty="0">
+                <a:latin typeface="Courier New" panose="02070309020205020404" pitchFamily="49" charset="0"/>
+                <a:cs typeface="Courier New" panose="02070309020205020404" pitchFamily="49" charset="0"/>
+              </a:rPr>
+              <a:t>="</a:t>
+            </a:r>
+            <a:r>
+              <a:rPr lang="ru-RU" sz="1100" b="1" dirty="0" err="1">
+                <a:latin typeface="Courier New" panose="02070309020205020404" pitchFamily="49" charset="0"/>
+                <a:cs typeface="Courier New" panose="02070309020205020404" pitchFamily="49" charset="0"/>
+              </a:rPr>
+              <a:t>IpBox</a:t>
+            </a:r>
+            <a:r>
+              <a:rPr lang="ru-RU" sz="1100" b="1" dirty="0">
+                <a:latin typeface="Courier New" panose="02070309020205020404" pitchFamily="49" charset="0"/>
+                <a:cs typeface="Courier New" panose="02070309020205020404" pitchFamily="49" charset="0"/>
+              </a:rPr>
+              <a:t>" </a:t>
+            </a:r>
+            <a:r>
+              <a:rPr lang="ru-RU" sz="1100" b="1" dirty="0" err="1">
+                <a:latin typeface="Courier New" panose="02070309020205020404" pitchFamily="49" charset="0"/>
+                <a:cs typeface="Courier New" panose="02070309020205020404" pitchFamily="49" charset="0"/>
+              </a:rPr>
+              <a:t>Height</a:t>
+            </a:r>
+            <a:r>
+              <a:rPr lang="ru-RU" sz="1100" b="1" dirty="0">
+                <a:latin typeface="Courier New" panose="02070309020205020404" pitchFamily="49" charset="0"/>
+                <a:cs typeface="Courier New" panose="02070309020205020404" pitchFamily="49" charset="0"/>
+              </a:rPr>
+              <a:t>="25" </a:t>
+            </a:r>
+            <a:r>
+              <a:rPr lang="ru-RU" sz="1100" b="1" dirty="0" err="1">
+                <a:latin typeface="Courier New" panose="02070309020205020404" pitchFamily="49" charset="0"/>
+                <a:cs typeface="Courier New" panose="02070309020205020404" pitchFamily="49" charset="0"/>
+              </a:rPr>
+              <a:t>Width</a:t>
+            </a:r>
+            <a:r>
+              <a:rPr lang="ru-RU" sz="1100" b="1" dirty="0">
+                <a:latin typeface="Courier New" panose="02070309020205020404" pitchFamily="49" charset="0"/>
+                <a:cs typeface="Courier New" panose="02070309020205020404" pitchFamily="49" charset="0"/>
+              </a:rPr>
+              <a:t>="120" </a:t>
+            </a:r>
+            <a:r>
+              <a:rPr lang="ru-RU" sz="1100" b="1" dirty="0" err="1">
+                <a:latin typeface="Courier New" panose="02070309020205020404" pitchFamily="49" charset="0"/>
+                <a:cs typeface="Courier New" panose="02070309020205020404" pitchFamily="49" charset="0"/>
+              </a:rPr>
+              <a:t>Text</a:t>
+            </a:r>
+            <a:r>
+              <a:rPr lang="ru-RU" sz="1100" b="1" dirty="0">
+                <a:latin typeface="Courier New" panose="02070309020205020404" pitchFamily="49" charset="0"/>
+                <a:cs typeface="Courier New" panose="02070309020205020404" pitchFamily="49" charset="0"/>
+              </a:rPr>
+              <a:t>="127.0.0.1" </a:t>
+            </a:r>
+            <a:r>
+              <a:rPr lang="ru-RU" sz="1100" b="1" dirty="0" err="1">
+                <a:latin typeface="Courier New" panose="02070309020205020404" pitchFamily="49" charset="0"/>
+                <a:cs typeface="Courier New" panose="02070309020205020404" pitchFamily="49" charset="0"/>
+              </a:rPr>
+              <a:t>VerticalContentAlignment</a:t>
+            </a:r>
+            <a:r>
+              <a:rPr lang="ru-RU" sz="1100" b="1" dirty="0">
+                <a:latin typeface="Courier New" panose="02070309020205020404" pitchFamily="49" charset="0"/>
+                <a:cs typeface="Courier New" panose="02070309020205020404" pitchFamily="49" charset="0"/>
+              </a:rPr>
+              <a:t>="</a:t>
+            </a:r>
+            <a:r>
+              <a:rPr lang="ru-RU" sz="1100" b="1" dirty="0" err="1">
+                <a:latin typeface="Courier New" panose="02070309020205020404" pitchFamily="49" charset="0"/>
+                <a:cs typeface="Courier New" panose="02070309020205020404" pitchFamily="49" charset="0"/>
+              </a:rPr>
+              <a:t>Center</a:t>
+            </a:r>
+            <a:r>
+              <a:rPr lang="ru-RU" sz="1100" b="1" dirty="0">
+                <a:latin typeface="Courier New" panose="02070309020205020404" pitchFamily="49" charset="0"/>
+                <a:cs typeface="Courier New" panose="02070309020205020404" pitchFamily="49" charset="0"/>
+              </a:rPr>
+              <a:t>" </a:t>
+            </a:r>
+            <a:r>
+              <a:rPr lang="ru-RU" sz="1100" b="1" dirty="0" err="1">
+                <a:latin typeface="Courier New" panose="02070309020205020404" pitchFamily="49" charset="0"/>
+                <a:cs typeface="Courier New" panose="02070309020205020404" pitchFamily="49" charset="0"/>
+              </a:rPr>
+              <a:t>FontSize</a:t>
+            </a:r>
+            <a:r>
+              <a:rPr lang="ru-RU" sz="1100" b="1" dirty="0">
+                <a:latin typeface="Courier New" panose="02070309020205020404" pitchFamily="49" charset="0"/>
+                <a:cs typeface="Courier New" panose="02070309020205020404" pitchFamily="49" charset="0"/>
+              </a:rPr>
+              <a:t>="16" </a:t>
+            </a:r>
+            <a:r>
+              <a:rPr lang="ru-RU" sz="1100" b="1" dirty="0" err="1">
+                <a:latin typeface="Courier New" panose="02070309020205020404" pitchFamily="49" charset="0"/>
+                <a:cs typeface="Courier New" panose="02070309020205020404" pitchFamily="49" charset="0"/>
+              </a:rPr>
+              <a:t>Margin</a:t>
+            </a:r>
+            <a:r>
+              <a:rPr lang="ru-RU" sz="1100" b="1" dirty="0">
+                <a:latin typeface="Courier New" panose="02070309020205020404" pitchFamily="49" charset="0"/>
+                <a:cs typeface="Courier New" panose="02070309020205020404" pitchFamily="49" charset="0"/>
+              </a:rPr>
+              <a:t>="5"/&gt;</a:t>
+            </a:r>
+          </a:p>
+          <a:p>
+            <a:r>
+              <a:rPr lang="ru-RU" sz="1100" b="1" dirty="0">
+                <a:latin typeface="Courier New" panose="02070309020205020404" pitchFamily="49" charset="0"/>
+                <a:cs typeface="Courier New" panose="02070309020205020404" pitchFamily="49" charset="0"/>
+              </a:rPr>
+              <a:t>            &lt;</a:t>
+            </a:r>
+            <a:r>
+              <a:rPr lang="ru-RU" sz="1100" b="1" dirty="0" err="1">
+                <a:latin typeface="Courier New" panose="02070309020205020404" pitchFamily="49" charset="0"/>
+                <a:cs typeface="Courier New" panose="02070309020205020404" pitchFamily="49" charset="0"/>
+              </a:rPr>
+              <a:t>TextBox</a:t>
+            </a:r>
+            <a:r>
+              <a:rPr lang="ru-RU" sz="1100" b="1" dirty="0">
+                <a:latin typeface="Courier New" panose="02070309020205020404" pitchFamily="49" charset="0"/>
+                <a:cs typeface="Courier New" panose="02070309020205020404" pitchFamily="49" charset="0"/>
+              </a:rPr>
+              <a:t> </a:t>
+            </a:r>
+            <a:r>
+              <a:rPr lang="ru-RU" sz="1100" b="1" dirty="0" err="1">
+                <a:latin typeface="Courier New" panose="02070309020205020404" pitchFamily="49" charset="0"/>
+                <a:cs typeface="Courier New" panose="02070309020205020404" pitchFamily="49" charset="0"/>
+              </a:rPr>
+              <a:t>Name</a:t>
+            </a:r>
+            <a:r>
+              <a:rPr lang="ru-RU" sz="1100" b="1" dirty="0">
+                <a:latin typeface="Courier New" panose="02070309020205020404" pitchFamily="49" charset="0"/>
+                <a:cs typeface="Courier New" panose="02070309020205020404" pitchFamily="49" charset="0"/>
+              </a:rPr>
+              <a:t>="</a:t>
+            </a:r>
+            <a:r>
+              <a:rPr lang="ru-RU" sz="1100" b="1" dirty="0" err="1">
+                <a:latin typeface="Courier New" panose="02070309020205020404" pitchFamily="49" charset="0"/>
+                <a:cs typeface="Courier New" panose="02070309020205020404" pitchFamily="49" charset="0"/>
+              </a:rPr>
+              <a:t>PortBox</a:t>
+            </a:r>
+            <a:r>
+              <a:rPr lang="ru-RU" sz="1100" b="1" dirty="0">
+                <a:latin typeface="Courier New" panose="02070309020205020404" pitchFamily="49" charset="0"/>
+                <a:cs typeface="Courier New" panose="02070309020205020404" pitchFamily="49" charset="0"/>
+              </a:rPr>
+              <a:t>" </a:t>
+            </a:r>
+            <a:r>
+              <a:rPr lang="ru-RU" sz="1100" b="1" dirty="0" err="1">
+                <a:latin typeface="Courier New" panose="02070309020205020404" pitchFamily="49" charset="0"/>
+                <a:cs typeface="Courier New" panose="02070309020205020404" pitchFamily="49" charset="0"/>
+              </a:rPr>
+              <a:t>Height</a:t>
+            </a:r>
+            <a:r>
+              <a:rPr lang="ru-RU" sz="1100" b="1" dirty="0">
+                <a:latin typeface="Courier New" panose="02070309020205020404" pitchFamily="49" charset="0"/>
+                <a:cs typeface="Courier New" panose="02070309020205020404" pitchFamily="49" charset="0"/>
+              </a:rPr>
+              <a:t>="25" </a:t>
+            </a:r>
+            <a:r>
+              <a:rPr lang="ru-RU" sz="1100" b="1" dirty="0" err="1">
+                <a:latin typeface="Courier New" panose="02070309020205020404" pitchFamily="49" charset="0"/>
+                <a:cs typeface="Courier New" panose="02070309020205020404" pitchFamily="49" charset="0"/>
+              </a:rPr>
+              <a:t>Width</a:t>
+            </a:r>
+            <a:r>
+              <a:rPr lang="ru-RU" sz="1100" b="1" dirty="0">
+                <a:latin typeface="Courier New" panose="02070309020205020404" pitchFamily="49" charset="0"/>
+                <a:cs typeface="Courier New" panose="02070309020205020404" pitchFamily="49" charset="0"/>
+              </a:rPr>
+              <a:t>="70" </a:t>
+            </a:r>
+            <a:r>
+              <a:rPr lang="ru-RU" sz="1100" b="1" dirty="0" err="1">
+                <a:latin typeface="Courier New" panose="02070309020205020404" pitchFamily="49" charset="0"/>
+                <a:cs typeface="Courier New" panose="02070309020205020404" pitchFamily="49" charset="0"/>
+              </a:rPr>
+              <a:t>Text</a:t>
+            </a:r>
+            <a:r>
+              <a:rPr lang="ru-RU" sz="1100" b="1" dirty="0">
+                <a:latin typeface="Courier New" panose="02070309020205020404" pitchFamily="49" charset="0"/>
+                <a:cs typeface="Courier New" panose="02070309020205020404" pitchFamily="49" charset="0"/>
+              </a:rPr>
+              <a:t>="27017" </a:t>
+            </a:r>
+            <a:r>
+              <a:rPr lang="ru-RU" sz="1100" b="1" dirty="0" err="1">
+                <a:latin typeface="Courier New" panose="02070309020205020404" pitchFamily="49" charset="0"/>
+                <a:cs typeface="Courier New" panose="02070309020205020404" pitchFamily="49" charset="0"/>
+              </a:rPr>
+              <a:t>VerticalContentAlignment</a:t>
+            </a:r>
+            <a:r>
+              <a:rPr lang="ru-RU" sz="1100" b="1" dirty="0">
+                <a:latin typeface="Courier New" panose="02070309020205020404" pitchFamily="49" charset="0"/>
+                <a:cs typeface="Courier New" panose="02070309020205020404" pitchFamily="49" charset="0"/>
+              </a:rPr>
+              <a:t>="</a:t>
+            </a:r>
+            <a:r>
+              <a:rPr lang="ru-RU" sz="1100" b="1" dirty="0" err="1">
+                <a:latin typeface="Courier New" panose="02070309020205020404" pitchFamily="49" charset="0"/>
+                <a:cs typeface="Courier New" panose="02070309020205020404" pitchFamily="49" charset="0"/>
+              </a:rPr>
+              <a:t>Center</a:t>
+            </a:r>
+            <a:r>
+              <a:rPr lang="ru-RU" sz="1100" b="1" dirty="0">
+                <a:latin typeface="Courier New" panose="02070309020205020404" pitchFamily="49" charset="0"/>
+                <a:cs typeface="Courier New" panose="02070309020205020404" pitchFamily="49" charset="0"/>
+              </a:rPr>
+              <a:t>" </a:t>
+            </a:r>
+            <a:r>
+              <a:rPr lang="ru-RU" sz="1100" b="1" dirty="0" err="1">
+                <a:latin typeface="Courier New" panose="02070309020205020404" pitchFamily="49" charset="0"/>
+                <a:cs typeface="Courier New" panose="02070309020205020404" pitchFamily="49" charset="0"/>
+              </a:rPr>
+              <a:t>FontSize</a:t>
+            </a:r>
+            <a:r>
+              <a:rPr lang="ru-RU" sz="1100" b="1" dirty="0">
+                <a:latin typeface="Courier New" panose="02070309020205020404" pitchFamily="49" charset="0"/>
+                <a:cs typeface="Courier New" panose="02070309020205020404" pitchFamily="49" charset="0"/>
+              </a:rPr>
+              <a:t>="16" </a:t>
+            </a:r>
+            <a:r>
+              <a:rPr lang="ru-RU" sz="1100" b="1" dirty="0" err="1">
+                <a:latin typeface="Courier New" panose="02070309020205020404" pitchFamily="49" charset="0"/>
+                <a:cs typeface="Courier New" panose="02070309020205020404" pitchFamily="49" charset="0"/>
+              </a:rPr>
+              <a:t>Margin</a:t>
+            </a:r>
+            <a:r>
+              <a:rPr lang="ru-RU" sz="1100" b="1" dirty="0">
+                <a:latin typeface="Courier New" panose="02070309020205020404" pitchFamily="49" charset="0"/>
+                <a:cs typeface="Courier New" panose="02070309020205020404" pitchFamily="49" charset="0"/>
+              </a:rPr>
+              <a:t>="5"/&gt;</a:t>
+            </a:r>
+          </a:p>
+          <a:p>
+            <a:r>
+              <a:rPr lang="ru-RU" sz="1100" b="1" dirty="0">
+                <a:latin typeface="Courier New" panose="02070309020205020404" pitchFamily="49" charset="0"/>
+                <a:cs typeface="Courier New" panose="02070309020205020404" pitchFamily="49" charset="0"/>
+              </a:rPr>
+              <a:t>        &lt;/</a:t>
+            </a:r>
+            <a:r>
+              <a:rPr lang="ru-RU" sz="1100" b="1" dirty="0" err="1">
+                <a:latin typeface="Courier New" panose="02070309020205020404" pitchFamily="49" charset="0"/>
+                <a:cs typeface="Courier New" panose="02070309020205020404" pitchFamily="49" charset="0"/>
+              </a:rPr>
+              <a:t>StackPanel</a:t>
+            </a:r>
+            <a:r>
+              <a:rPr lang="ru-RU" sz="1100" b="1" dirty="0">
+                <a:latin typeface="Courier New" panose="02070309020205020404" pitchFamily="49" charset="0"/>
+                <a:cs typeface="Courier New" panose="02070309020205020404" pitchFamily="49" charset="0"/>
+              </a:rPr>
+              <a:t>&gt;</a:t>
+            </a:r>
+          </a:p>
+          <a:p>
+            <a:endParaRPr lang="ru-RU" sz="1100" b="1" dirty="0">
+              <a:latin typeface="Courier New" panose="02070309020205020404" pitchFamily="49" charset="0"/>
+              <a:cs typeface="Courier New" panose="02070309020205020404" pitchFamily="49" charset="0"/>
+            </a:endParaRPr>
+          </a:p>
+          <a:p>
+            <a:r>
+              <a:rPr lang="ru-RU" sz="1100" b="1" dirty="0">
+                <a:latin typeface="Courier New" panose="02070309020205020404" pitchFamily="49" charset="0"/>
+                <a:cs typeface="Courier New" panose="02070309020205020404" pitchFamily="49" charset="0"/>
+              </a:rPr>
+              <a:t>        &lt;</a:t>
+            </a:r>
+            <a:r>
+              <a:rPr lang="ru-RU" sz="1100" b="1" dirty="0" err="1">
+                <a:latin typeface="Courier New" panose="02070309020205020404" pitchFamily="49" charset="0"/>
+                <a:cs typeface="Courier New" panose="02070309020205020404" pitchFamily="49" charset="0"/>
+              </a:rPr>
+              <a:t>Button</a:t>
+            </a:r>
+            <a:r>
+              <a:rPr lang="ru-RU" sz="1100" b="1" dirty="0">
+                <a:latin typeface="Courier New" panose="02070309020205020404" pitchFamily="49" charset="0"/>
+                <a:cs typeface="Courier New" panose="02070309020205020404" pitchFamily="49" charset="0"/>
+              </a:rPr>
+              <a:t> </a:t>
+            </a:r>
+            <a:r>
+              <a:rPr lang="ru-RU" sz="1100" b="1" dirty="0" err="1">
+                <a:latin typeface="Courier New" panose="02070309020205020404" pitchFamily="49" charset="0"/>
+                <a:cs typeface="Courier New" panose="02070309020205020404" pitchFamily="49" charset="0"/>
+              </a:rPr>
+              <a:t>Grid.Row</a:t>
+            </a:r>
+            <a:r>
+              <a:rPr lang="ru-RU" sz="1100" b="1" dirty="0">
+                <a:latin typeface="Courier New" panose="02070309020205020404" pitchFamily="49" charset="0"/>
+                <a:cs typeface="Courier New" panose="02070309020205020404" pitchFamily="49" charset="0"/>
+              </a:rPr>
+              <a:t>="2" </a:t>
+            </a:r>
+            <a:r>
+              <a:rPr lang="ru-RU" sz="1100" b="1" dirty="0" err="1">
+                <a:latin typeface="Courier New" panose="02070309020205020404" pitchFamily="49" charset="0"/>
+                <a:cs typeface="Courier New" panose="02070309020205020404" pitchFamily="49" charset="0"/>
+              </a:rPr>
+              <a:t>VerticalAlignment</a:t>
+            </a:r>
+            <a:r>
+              <a:rPr lang="ru-RU" sz="1100" b="1" dirty="0">
+                <a:latin typeface="Courier New" panose="02070309020205020404" pitchFamily="49" charset="0"/>
+                <a:cs typeface="Courier New" panose="02070309020205020404" pitchFamily="49" charset="0"/>
+              </a:rPr>
+              <a:t>="</a:t>
+            </a:r>
+            <a:r>
+              <a:rPr lang="ru-RU" sz="1100" b="1" dirty="0" err="1">
+                <a:latin typeface="Courier New" panose="02070309020205020404" pitchFamily="49" charset="0"/>
+                <a:cs typeface="Courier New" panose="02070309020205020404" pitchFamily="49" charset="0"/>
+              </a:rPr>
+              <a:t>Center</a:t>
+            </a:r>
+            <a:r>
+              <a:rPr lang="ru-RU" sz="1100" b="1" dirty="0">
+                <a:latin typeface="Courier New" panose="02070309020205020404" pitchFamily="49" charset="0"/>
+                <a:cs typeface="Courier New" panose="02070309020205020404" pitchFamily="49" charset="0"/>
+              </a:rPr>
+              <a:t>" </a:t>
+            </a:r>
+            <a:r>
+              <a:rPr lang="ru-RU" sz="1100" b="1" dirty="0" err="1">
+                <a:latin typeface="Courier New" panose="02070309020205020404" pitchFamily="49" charset="0"/>
+                <a:cs typeface="Courier New" panose="02070309020205020404" pitchFamily="49" charset="0"/>
+              </a:rPr>
+              <a:t>HorizontalAlignment</a:t>
+            </a:r>
+            <a:r>
+              <a:rPr lang="ru-RU" sz="1100" b="1" dirty="0">
+                <a:latin typeface="Courier New" panose="02070309020205020404" pitchFamily="49" charset="0"/>
+                <a:cs typeface="Courier New" panose="02070309020205020404" pitchFamily="49" charset="0"/>
+              </a:rPr>
+              <a:t>="</a:t>
+            </a:r>
+            <a:r>
+              <a:rPr lang="ru-RU" sz="1100" b="1" dirty="0" err="1">
+                <a:latin typeface="Courier New" panose="02070309020205020404" pitchFamily="49" charset="0"/>
+                <a:cs typeface="Courier New" panose="02070309020205020404" pitchFamily="49" charset="0"/>
+              </a:rPr>
+              <a:t>Center</a:t>
+            </a:r>
+            <a:r>
+              <a:rPr lang="ru-RU" sz="1100" b="1" dirty="0">
+                <a:latin typeface="Courier New" panose="02070309020205020404" pitchFamily="49" charset="0"/>
+                <a:cs typeface="Courier New" panose="02070309020205020404" pitchFamily="49" charset="0"/>
+              </a:rPr>
+              <a:t>" </a:t>
+            </a:r>
+            <a:r>
+              <a:rPr lang="ru-RU" sz="1100" b="1" dirty="0" err="1">
+                <a:latin typeface="Courier New" panose="02070309020205020404" pitchFamily="49" charset="0"/>
+                <a:cs typeface="Courier New" panose="02070309020205020404" pitchFamily="49" charset="0"/>
+              </a:rPr>
+              <a:t>Height</a:t>
+            </a:r>
+            <a:r>
+              <a:rPr lang="ru-RU" sz="1100" b="1" dirty="0">
+                <a:latin typeface="Courier New" panose="02070309020205020404" pitchFamily="49" charset="0"/>
+                <a:cs typeface="Courier New" panose="02070309020205020404" pitchFamily="49" charset="0"/>
+              </a:rPr>
+              <a:t>="20" </a:t>
+            </a:r>
+            <a:r>
+              <a:rPr lang="ru-RU" sz="1100" b="1" dirty="0" err="1">
+                <a:latin typeface="Courier New" panose="02070309020205020404" pitchFamily="49" charset="0"/>
+                <a:cs typeface="Courier New" panose="02070309020205020404" pitchFamily="49" charset="0"/>
+              </a:rPr>
+              <a:t>Width</a:t>
+            </a:r>
+            <a:r>
+              <a:rPr lang="ru-RU" sz="1100" b="1" dirty="0">
+                <a:latin typeface="Courier New" panose="02070309020205020404" pitchFamily="49" charset="0"/>
+                <a:cs typeface="Courier New" panose="02070309020205020404" pitchFamily="49" charset="0"/>
+              </a:rPr>
+              <a:t>="100"</a:t>
+            </a:r>
+          </a:p>
+          <a:p>
+            <a:r>
+              <a:rPr lang="ru-RU" sz="1100" b="1" dirty="0">
+                <a:latin typeface="Courier New" panose="02070309020205020404" pitchFamily="49" charset="0"/>
+                <a:cs typeface="Courier New" panose="02070309020205020404" pitchFamily="49" charset="0"/>
+              </a:rPr>
+              <a:t>                </a:t>
+            </a:r>
+            <a:r>
+              <a:rPr lang="ru-RU" sz="1100" b="1" dirty="0" err="1">
+                <a:latin typeface="Courier New" panose="02070309020205020404" pitchFamily="49" charset="0"/>
+                <a:cs typeface="Courier New" panose="02070309020205020404" pitchFamily="49" charset="0"/>
+              </a:rPr>
+              <a:t>Content</a:t>
+            </a:r>
+            <a:r>
+              <a:rPr lang="ru-RU" sz="1100" b="1" dirty="0">
+                <a:latin typeface="Courier New" panose="02070309020205020404" pitchFamily="49" charset="0"/>
+                <a:cs typeface="Courier New" panose="02070309020205020404" pitchFamily="49" charset="0"/>
+              </a:rPr>
+              <a:t>="Войти" </a:t>
+            </a:r>
+            <a:r>
+              <a:rPr lang="ru-RU" sz="1100" b="1" dirty="0" err="1">
+                <a:latin typeface="Courier New" panose="02070309020205020404" pitchFamily="49" charset="0"/>
+                <a:cs typeface="Courier New" panose="02070309020205020404" pitchFamily="49" charset="0"/>
+              </a:rPr>
+              <a:t>Click</a:t>
+            </a:r>
+            <a:r>
+              <a:rPr lang="ru-RU" sz="1100" b="1" dirty="0">
+                <a:latin typeface="Courier New" panose="02070309020205020404" pitchFamily="49" charset="0"/>
+                <a:cs typeface="Courier New" panose="02070309020205020404" pitchFamily="49" charset="0"/>
+              </a:rPr>
+              <a:t>="</a:t>
+            </a:r>
+            <a:r>
+              <a:rPr lang="ru-RU" sz="1100" b="1" dirty="0" err="1">
+                <a:latin typeface="Courier New" panose="02070309020205020404" pitchFamily="49" charset="0"/>
+                <a:cs typeface="Courier New" panose="02070309020205020404" pitchFamily="49" charset="0"/>
+              </a:rPr>
+              <a:t>TryEnter</a:t>
+            </a:r>
+            <a:r>
+              <a:rPr lang="ru-RU" sz="1100" b="1" dirty="0">
+                <a:latin typeface="Courier New" panose="02070309020205020404" pitchFamily="49" charset="0"/>
+                <a:cs typeface="Courier New" panose="02070309020205020404" pitchFamily="49" charset="0"/>
+              </a:rPr>
+              <a:t>" /&gt;</a:t>
+            </a:r>
+          </a:p>
+          <a:p>
+            <a:endParaRPr lang="ru-RU" sz="1100" b="1" dirty="0">
+              <a:latin typeface="Courier New" panose="02070309020205020404" pitchFamily="49" charset="0"/>
+              <a:cs typeface="Courier New" panose="02070309020205020404" pitchFamily="49" charset="0"/>
+            </a:endParaRPr>
+          </a:p>
+          <a:p>
+            <a:r>
+              <a:rPr lang="ru-RU" sz="1100" b="1" dirty="0">
+                <a:latin typeface="Courier New" panose="02070309020205020404" pitchFamily="49" charset="0"/>
+                <a:cs typeface="Courier New" panose="02070309020205020404" pitchFamily="49" charset="0"/>
+              </a:rPr>
+              <a:t>    &lt;/</a:t>
+            </a:r>
+            <a:r>
+              <a:rPr lang="ru-RU" sz="1100" b="1" dirty="0" err="1">
+                <a:latin typeface="Courier New" panose="02070309020205020404" pitchFamily="49" charset="0"/>
+                <a:cs typeface="Courier New" panose="02070309020205020404" pitchFamily="49" charset="0"/>
+              </a:rPr>
+              <a:t>Grid</a:t>
+            </a:r>
+            <a:r>
+              <a:rPr lang="ru-RU" sz="1100" b="1" dirty="0">
+                <a:latin typeface="Courier New" panose="02070309020205020404" pitchFamily="49" charset="0"/>
+                <a:cs typeface="Courier New" panose="02070309020205020404" pitchFamily="49" charset="0"/>
+              </a:rPr>
+              <a:t>&gt;</a:t>
+            </a:r>
+          </a:p>
+          <a:p>
+            <a:r>
+              <a:rPr lang="ru-RU" sz="1100" b="1" dirty="0">
+                <a:latin typeface="Courier New" panose="02070309020205020404" pitchFamily="49" charset="0"/>
+                <a:cs typeface="Courier New" panose="02070309020205020404" pitchFamily="49" charset="0"/>
+              </a:rPr>
+              <a:t>&lt;/</a:t>
+            </a:r>
+            <a:r>
+              <a:rPr lang="ru-RU" sz="1100" b="1" dirty="0" err="1">
+                <a:latin typeface="Courier New" panose="02070309020205020404" pitchFamily="49" charset="0"/>
+                <a:cs typeface="Courier New" panose="02070309020205020404" pitchFamily="49" charset="0"/>
+              </a:rPr>
+              <a:t>Window</a:t>
+            </a:r>
+            <a:r>
+              <a:rPr lang="ru-RU" sz="1100" b="1" dirty="0">
+                <a:latin typeface="Courier New" panose="02070309020205020404" pitchFamily="49" charset="0"/>
+                <a:cs typeface="Courier New" panose="02070309020205020404" pitchFamily="49" charset="0"/>
+              </a:rPr>
+              <a:t>&gt;</a:t>
+            </a:r>
+          </a:p>
+        </p:txBody>
+      </p:sp>
+      <p:sp>
+        <p:nvSpPr>
+          <p:cNvPr id="13" name="TextBox 12"/>
+          <p:cNvSpPr txBox="1"/>
+          <p:nvPr/>
+        </p:nvSpPr>
+        <p:spPr>
+          <a:xfrm>
+            <a:off x="6158503" y="6136035"/>
+            <a:ext cx="4491789" cy="307777"/>
+          </a:xfrm>
+          <a:prstGeom prst="rect">
+            <a:avLst/>
+          </a:prstGeom>
+          <a:noFill/>
+        </p:spPr>
+        <p:txBody>
+          <a:bodyPr wrap="square" rtlCol="0">
+            <a:spAutoFit/>
+          </a:bodyPr>
+          <a:lstStyle/>
+          <a:p>
+            <a:pPr algn="ctr"/>
+            <a:r>
+              <a:rPr lang="ru-RU" dirty="0" smtClean="0"/>
+              <a:t>Разметка окна подключения</a:t>
+            </a:r>
+            <a:endParaRPr lang="ru-RU" dirty="0"/>
           </a:p>
         </p:txBody>
       </p:sp>
     </p:spTree>
     <p:extLst>
       <p:ext uri="{BB962C8B-B14F-4D97-AF65-F5344CB8AC3E}">
-        <p14:creationId xmlns:p14="http://schemas.microsoft.com/office/powerpoint/2010/main" val="1414028815"/>
-      </p:ext>
-    </p:extLst>
-  </p:cSld>
-  <p:clrMapOvr>
-    <a:masterClrMapping/>
-  </p:clrMapOvr>
-</p:sld>
-</file>
-
-<file path=ppt/slides/slide9.xml><?xml version="1.0" encoding="utf-8"?>
-<p:sld xmlns:a="http://schemas.openxmlformats.org/drawingml/2006/main" xmlns:r="http://schemas.openxmlformats.org/officeDocument/2006/relationships" xmlns:p="http://schemas.openxmlformats.org/presentationml/2006/main" show="0">
-  <p:cSld>
-    <p:spTree>
-      <p:nvGrpSpPr>
-        <p:cNvPr id="1" name=""/>
-        <p:cNvGrpSpPr/>
-        <p:nvPr/>
-      </p:nvGrpSpPr>
-      <p:grpSpPr>
-        <a:xfrm>
-          <a:off x="0" y="0"/>
-          <a:ext cx="0" cy="0"/>
-          <a:chOff x="0" y="0"/>
-          <a:chExt cx="0" cy="0"/>
-        </a:xfrm>
-      </p:grpSpPr>
-      <p:sp>
-        <p:nvSpPr>
-          <p:cNvPr id="3" name="Заголовок 2"/>
-          <p:cNvSpPr>
-            <a:spLocks noGrp="1"/>
-          </p:cNvSpPr>
-          <p:nvPr>
-            <p:ph type="title"/>
-          </p:nvPr>
-        </p:nvSpPr>
-        <p:spPr>
-          <a:xfrm>
-            <a:off x="1427747" y="498078"/>
-            <a:ext cx="8362903" cy="763500"/>
-          </a:xfrm>
-        </p:spPr>
-        <p:txBody>
-          <a:bodyPr/>
-          <a:lstStyle/>
-          <a:p>
-            <a:pPr algn="l"/>
-            <a:r>
-              <a:rPr lang="ru-RU" b="1" dirty="0"/>
-              <a:t>Структура программы</a:t>
-            </a:r>
-          </a:p>
-        </p:txBody>
-      </p:sp>
-      <p:pic>
-        <p:nvPicPr>
-          <p:cNvPr id="4" name="Рисунок 3"/>
-          <p:cNvPicPr>
-            <a:picLocks noChangeAspect="1"/>
-          </p:cNvPicPr>
-          <p:nvPr/>
-        </p:nvPicPr>
-        <p:blipFill>
-          <a:blip r:embed="rId2">
-            <a:extLst>
-              <a:ext uri="{28A0092B-C50C-407E-A947-70E740481C1C}">
-                <a14:useLocalDpi xmlns:a14="http://schemas.microsoft.com/office/drawing/2010/main" val="0"/>
-              </a:ext>
-            </a:extLst>
-          </a:blip>
-          <a:stretch>
-            <a:fillRect/>
-          </a:stretch>
-        </p:blipFill>
-        <p:spPr>
-          <a:xfrm>
-            <a:off x="1803785" y="1538120"/>
-            <a:ext cx="7986865" cy="4647494"/>
-          </a:xfrm>
-          <a:prstGeom prst="rect">
-            <a:avLst/>
-          </a:prstGeom>
-        </p:spPr>
-      </p:pic>
-      <p:sp>
-        <p:nvSpPr>
-          <p:cNvPr id="6" name="Google Shape;606;p45"/>
-          <p:cNvSpPr/>
-          <p:nvPr/>
-        </p:nvSpPr>
-        <p:spPr>
-          <a:xfrm>
-            <a:off x="545820" y="514120"/>
-            <a:ext cx="737548" cy="692472"/>
-          </a:xfrm>
-          <a:custGeom>
-            <a:avLst/>
-            <a:gdLst/>
-            <a:ahLst/>
-            <a:cxnLst/>
-            <a:rect l="l" t="t" r="r" b="b"/>
-            <a:pathLst>
-              <a:path w="10314" h="9391" extrusionOk="0">
-                <a:moveTo>
-                  <a:pt x="5157" y="1"/>
-                </a:moveTo>
-                <a:cubicBezTo>
-                  <a:pt x="4568" y="1"/>
-                  <a:pt x="4086" y="482"/>
-                  <a:pt x="4086" y="1071"/>
-                </a:cubicBezTo>
-                <a:cubicBezTo>
-                  <a:pt x="4086" y="1553"/>
-                  <a:pt x="4425" y="1963"/>
-                  <a:pt x="4889" y="2088"/>
-                </a:cubicBezTo>
-                <a:lnTo>
-                  <a:pt x="4889" y="3926"/>
-                </a:lnTo>
-                <a:cubicBezTo>
-                  <a:pt x="4497" y="3997"/>
-                  <a:pt x="4176" y="4229"/>
-                  <a:pt x="3997" y="4550"/>
-                </a:cubicBezTo>
-                <a:lnTo>
-                  <a:pt x="2284" y="3837"/>
-                </a:lnTo>
-                <a:cubicBezTo>
-                  <a:pt x="2338" y="3373"/>
-                  <a:pt x="2088" y="2891"/>
-                  <a:pt x="1624" y="2695"/>
-                </a:cubicBezTo>
-                <a:cubicBezTo>
-                  <a:pt x="1490" y="2643"/>
-                  <a:pt x="1353" y="2618"/>
-                  <a:pt x="1219" y="2618"/>
-                </a:cubicBezTo>
-                <a:cubicBezTo>
-                  <a:pt x="798" y="2618"/>
-                  <a:pt x="404" y="2860"/>
-                  <a:pt x="214" y="3266"/>
-                </a:cubicBezTo>
-                <a:cubicBezTo>
-                  <a:pt x="0" y="3819"/>
-                  <a:pt x="250" y="4443"/>
-                  <a:pt x="803" y="4675"/>
-                </a:cubicBezTo>
-                <a:cubicBezTo>
-                  <a:pt x="932" y="4727"/>
-                  <a:pt x="1067" y="4752"/>
-                  <a:pt x="1201" y="4752"/>
-                </a:cubicBezTo>
-                <a:cubicBezTo>
-                  <a:pt x="1529" y="4752"/>
-                  <a:pt x="1849" y="4603"/>
-                  <a:pt x="2052" y="4336"/>
-                </a:cubicBezTo>
-                <a:lnTo>
-                  <a:pt x="3801" y="5050"/>
-                </a:lnTo>
-                <a:cubicBezTo>
-                  <a:pt x="3801" y="5086"/>
-                  <a:pt x="3801" y="5157"/>
-                  <a:pt x="3801" y="5211"/>
-                </a:cubicBezTo>
-                <a:cubicBezTo>
-                  <a:pt x="3801" y="5514"/>
-                  <a:pt x="3890" y="5799"/>
-                  <a:pt x="4051" y="6014"/>
-                </a:cubicBezTo>
-                <a:lnTo>
-                  <a:pt x="2677" y="7423"/>
-                </a:lnTo>
-                <a:cubicBezTo>
-                  <a:pt x="2506" y="7319"/>
-                  <a:pt x="2313" y="7268"/>
-                  <a:pt x="2122" y="7268"/>
-                </a:cubicBezTo>
-                <a:cubicBezTo>
-                  <a:pt x="1854" y="7268"/>
-                  <a:pt x="1590" y="7368"/>
-                  <a:pt x="1392" y="7566"/>
-                </a:cubicBezTo>
-                <a:cubicBezTo>
-                  <a:pt x="964" y="7994"/>
-                  <a:pt x="964" y="8654"/>
-                  <a:pt x="1392" y="9082"/>
-                </a:cubicBezTo>
-                <a:cubicBezTo>
-                  <a:pt x="1597" y="9288"/>
-                  <a:pt x="1869" y="9390"/>
-                  <a:pt x="2141" y="9390"/>
-                </a:cubicBezTo>
-                <a:cubicBezTo>
-                  <a:pt x="2414" y="9390"/>
-                  <a:pt x="2686" y="9288"/>
-                  <a:pt x="2891" y="9082"/>
-                </a:cubicBezTo>
-                <a:cubicBezTo>
-                  <a:pt x="3230" y="8726"/>
-                  <a:pt x="3283" y="8190"/>
-                  <a:pt x="3051" y="7780"/>
-                </a:cubicBezTo>
-                <a:lnTo>
-                  <a:pt x="4461" y="6370"/>
-                </a:lnTo>
-                <a:cubicBezTo>
-                  <a:pt x="4657" y="6495"/>
-                  <a:pt x="4889" y="6549"/>
-                  <a:pt x="5121" y="6549"/>
-                </a:cubicBezTo>
-                <a:lnTo>
-                  <a:pt x="5175" y="6549"/>
-                </a:lnTo>
-                <a:cubicBezTo>
-                  <a:pt x="5407" y="6549"/>
-                  <a:pt x="5639" y="6495"/>
-                  <a:pt x="5853" y="6370"/>
-                </a:cubicBezTo>
-                <a:lnTo>
-                  <a:pt x="7244" y="7780"/>
-                </a:lnTo>
-                <a:cubicBezTo>
-                  <a:pt x="7013" y="8190"/>
-                  <a:pt x="7066" y="8726"/>
-                  <a:pt x="7405" y="9082"/>
-                </a:cubicBezTo>
-                <a:cubicBezTo>
-                  <a:pt x="7619" y="9288"/>
-                  <a:pt x="7896" y="9390"/>
-                  <a:pt x="8170" y="9390"/>
-                </a:cubicBezTo>
-                <a:cubicBezTo>
-                  <a:pt x="8444" y="9390"/>
-                  <a:pt x="8716" y="9288"/>
-                  <a:pt x="8922" y="9082"/>
-                </a:cubicBezTo>
-                <a:cubicBezTo>
-                  <a:pt x="9332" y="8672"/>
-                  <a:pt x="9332" y="7994"/>
-                  <a:pt x="8922" y="7584"/>
-                </a:cubicBezTo>
-                <a:cubicBezTo>
-                  <a:pt x="8720" y="7382"/>
-                  <a:pt x="8450" y="7282"/>
-                  <a:pt x="8174" y="7282"/>
-                </a:cubicBezTo>
-                <a:cubicBezTo>
-                  <a:pt x="7985" y="7282"/>
-                  <a:pt x="7793" y="7329"/>
-                  <a:pt x="7619" y="7423"/>
-                </a:cubicBezTo>
-                <a:lnTo>
-                  <a:pt x="6245" y="6031"/>
-                </a:lnTo>
-                <a:cubicBezTo>
-                  <a:pt x="6406" y="5799"/>
-                  <a:pt x="6513" y="5532"/>
-                  <a:pt x="6513" y="5228"/>
-                </a:cubicBezTo>
-                <a:cubicBezTo>
-                  <a:pt x="6513" y="5175"/>
-                  <a:pt x="6513" y="5104"/>
-                  <a:pt x="6495" y="5068"/>
-                </a:cubicBezTo>
-                <a:lnTo>
-                  <a:pt x="8244" y="4336"/>
-                </a:lnTo>
-                <a:cubicBezTo>
-                  <a:pt x="8450" y="4607"/>
-                  <a:pt x="8777" y="4766"/>
-                  <a:pt x="9118" y="4766"/>
-                </a:cubicBezTo>
-                <a:cubicBezTo>
-                  <a:pt x="9249" y="4766"/>
-                  <a:pt x="9382" y="4743"/>
-                  <a:pt x="9510" y="4693"/>
-                </a:cubicBezTo>
-                <a:cubicBezTo>
-                  <a:pt x="10046" y="4443"/>
-                  <a:pt x="10313" y="3837"/>
-                  <a:pt x="10081" y="3284"/>
-                </a:cubicBezTo>
-                <a:cubicBezTo>
-                  <a:pt x="9906" y="2878"/>
-                  <a:pt x="9504" y="2636"/>
-                  <a:pt x="9079" y="2636"/>
-                </a:cubicBezTo>
-                <a:cubicBezTo>
-                  <a:pt x="8944" y="2636"/>
-                  <a:pt x="8806" y="2661"/>
-                  <a:pt x="8672" y="2713"/>
-                </a:cubicBezTo>
-                <a:cubicBezTo>
-                  <a:pt x="8226" y="2891"/>
-                  <a:pt x="7958" y="3373"/>
-                  <a:pt x="8030" y="3855"/>
-                </a:cubicBezTo>
-                <a:lnTo>
-                  <a:pt x="6317" y="4568"/>
-                </a:lnTo>
-                <a:cubicBezTo>
-                  <a:pt x="6120" y="4247"/>
-                  <a:pt x="5781" y="3997"/>
-                  <a:pt x="5407" y="3944"/>
-                </a:cubicBezTo>
-                <a:lnTo>
-                  <a:pt x="5407" y="2088"/>
-                </a:lnTo>
-                <a:cubicBezTo>
-                  <a:pt x="5871" y="1963"/>
-                  <a:pt x="6210" y="1553"/>
-                  <a:pt x="6210" y="1071"/>
-                </a:cubicBezTo>
-                <a:cubicBezTo>
-                  <a:pt x="6210" y="482"/>
-                  <a:pt x="5746" y="1"/>
-                  <a:pt x="5157" y="1"/>
-                </a:cubicBezTo>
-                <a:close/>
-              </a:path>
-            </a:pathLst>
-          </a:custGeom>
-          <a:solidFill>
-            <a:schemeClr val="accent2"/>
-          </a:solidFill>
-          <a:ln>
-            <a:noFill/>
-          </a:ln>
-        </p:spPr>
-        <p:txBody>
-          <a:bodyPr spcFirstLastPara="1" wrap="square" lIns="121900" tIns="121900" rIns="121900" bIns="121900" anchor="ctr" anchorCtr="0">
-            <a:noAutofit/>
-          </a:bodyPr>
-          <a:lstStyle/>
-          <a:p>
-            <a:pPr marL="0" lvl="0" indent="0" algn="l" rtl="0">
-              <a:spcBef>
-                <a:spcPts val="0"/>
-              </a:spcBef>
-              <a:spcAft>
-                <a:spcPts val="0"/>
-              </a:spcAft>
-              <a:buNone/>
-            </a:pPr>
-            <a:endParaRPr/>
-          </a:p>
-        </p:txBody>
-      </p:sp>
-    </p:spTree>
-    <p:extLst>
-      <p:ext uri="{BB962C8B-B14F-4D97-AF65-F5344CB8AC3E}">
-        <p14:creationId xmlns:p14="http://schemas.microsoft.com/office/powerpoint/2010/main" val="1799040636"/>
+        <p14:creationId xmlns:p14="http://schemas.microsoft.com/office/powerpoint/2010/main" val="2074579096"/>
       </p:ext>
     </p:extLst>
   </p:cSld>
